--- a/HANNO-flow.pptx
+++ b/HANNO-flow.pptx
@@ -6,6 +6,7 @@
   </p:sldMasterIdLst>
   <p:sldIdLst>
     <p:sldId id="256" r:id="rId2"/>
+    <p:sldId id="257" r:id="rId3"/>
   </p:sldIdLst>
   <p:sldSz cx="12192000" cy="6858000"/>
   <p:notesSz cx="6858000" cy="9144000"/>
@@ -104,6 +105,11 @@
       </a:defRPr>
     </a:lvl9pPr>
   </p:defaultTextStyle>
+  <p:extLst>
+    <p:ext uri="{EFAFB233-063F-42B5-8137-9DF3F51BA10A}">
+      <p15:sldGuideLst xmlns:p15="http://schemas.microsoft.com/office/powerpoint/2012/main"/>
+    </p:ext>
+  </p:extLst>
 </p:presentation>
 </file>
 
@@ -254,7 +260,7 @@
           <a:p>
             <a:fld id="{A9531741-AD63-4175-9B13-A64D2CF23D31}" type="datetimeFigureOut">
               <a:rPr lang="de-DE" smtClean="0"/>
-              <a:t>04.06.2024</a:t>
+              <a:t>05.06.2024</a:t>
             </a:fld>
             <a:endParaRPr lang="de-DE"/>
           </a:p>
@@ -452,7 +458,7 @@
           <a:p>
             <a:fld id="{A9531741-AD63-4175-9B13-A64D2CF23D31}" type="datetimeFigureOut">
               <a:rPr lang="de-DE" smtClean="0"/>
-              <a:t>04.06.2024</a:t>
+              <a:t>05.06.2024</a:t>
             </a:fld>
             <a:endParaRPr lang="de-DE"/>
           </a:p>
@@ -660,7 +666,7 @@
           <a:p>
             <a:fld id="{A9531741-AD63-4175-9B13-A64D2CF23D31}" type="datetimeFigureOut">
               <a:rPr lang="de-DE" smtClean="0"/>
-              <a:t>04.06.2024</a:t>
+              <a:t>05.06.2024</a:t>
             </a:fld>
             <a:endParaRPr lang="de-DE"/>
           </a:p>
@@ -858,7 +864,7 @@
           <a:p>
             <a:fld id="{A9531741-AD63-4175-9B13-A64D2CF23D31}" type="datetimeFigureOut">
               <a:rPr lang="de-DE" smtClean="0"/>
-              <a:t>04.06.2024</a:t>
+              <a:t>05.06.2024</a:t>
             </a:fld>
             <a:endParaRPr lang="de-DE"/>
           </a:p>
@@ -1133,7 +1139,7 @@
           <a:p>
             <a:fld id="{A9531741-AD63-4175-9B13-A64D2CF23D31}" type="datetimeFigureOut">
               <a:rPr lang="de-DE" smtClean="0"/>
-              <a:t>04.06.2024</a:t>
+              <a:t>05.06.2024</a:t>
             </a:fld>
             <a:endParaRPr lang="de-DE"/>
           </a:p>
@@ -1398,7 +1404,7 @@
           <a:p>
             <a:fld id="{A9531741-AD63-4175-9B13-A64D2CF23D31}" type="datetimeFigureOut">
               <a:rPr lang="de-DE" smtClean="0"/>
-              <a:t>04.06.2024</a:t>
+              <a:t>05.06.2024</a:t>
             </a:fld>
             <a:endParaRPr lang="de-DE"/>
           </a:p>
@@ -1810,7 +1816,7 @@
           <a:p>
             <a:fld id="{A9531741-AD63-4175-9B13-A64D2CF23D31}" type="datetimeFigureOut">
               <a:rPr lang="de-DE" smtClean="0"/>
-              <a:t>04.06.2024</a:t>
+              <a:t>05.06.2024</a:t>
             </a:fld>
             <a:endParaRPr lang="de-DE"/>
           </a:p>
@@ -1951,7 +1957,7 @@
           <a:p>
             <a:fld id="{A9531741-AD63-4175-9B13-A64D2CF23D31}" type="datetimeFigureOut">
               <a:rPr lang="de-DE" smtClean="0"/>
-              <a:t>04.06.2024</a:t>
+              <a:t>05.06.2024</a:t>
             </a:fld>
             <a:endParaRPr lang="de-DE"/>
           </a:p>
@@ -2064,7 +2070,7 @@
           <a:p>
             <a:fld id="{A9531741-AD63-4175-9B13-A64D2CF23D31}" type="datetimeFigureOut">
               <a:rPr lang="de-DE" smtClean="0"/>
-              <a:t>04.06.2024</a:t>
+              <a:t>05.06.2024</a:t>
             </a:fld>
             <a:endParaRPr lang="de-DE"/>
           </a:p>
@@ -2375,7 +2381,7 @@
           <a:p>
             <a:fld id="{A9531741-AD63-4175-9B13-A64D2CF23D31}" type="datetimeFigureOut">
               <a:rPr lang="de-DE" smtClean="0"/>
-              <a:t>04.06.2024</a:t>
+              <a:t>05.06.2024</a:t>
             </a:fld>
             <a:endParaRPr lang="de-DE"/>
           </a:p>
@@ -2663,7 +2669,7 @@
           <a:p>
             <a:fld id="{A9531741-AD63-4175-9B13-A64D2CF23D31}" type="datetimeFigureOut">
               <a:rPr lang="de-DE" smtClean="0"/>
-              <a:t>04.06.2024</a:t>
+              <a:t>05.06.2024</a:t>
             </a:fld>
             <a:endParaRPr lang="de-DE"/>
           </a:p>
@@ -2904,7 +2910,7 @@
           <a:p>
             <a:fld id="{A9531741-AD63-4175-9B13-A64D2CF23D31}" type="datetimeFigureOut">
               <a:rPr lang="de-DE" smtClean="0"/>
-              <a:t>04.06.2024</a:t>
+              <a:t>05.06.2024</a:t>
             </a:fld>
             <a:endParaRPr lang="de-DE"/>
           </a:p>
@@ -6561,6 +6567,339 @@
 </p:sld>
 </file>
 
+<file path=ppt/slides/slide2.xml><?xml version="1.0" encoding="utf-8"?>
+<p:sld xmlns:a="http://schemas.openxmlformats.org/drawingml/2006/main" xmlns:r="http://schemas.openxmlformats.org/officeDocument/2006/relationships" xmlns:p="http://schemas.openxmlformats.org/presentationml/2006/main">
+  <p:cSld>
+    <p:spTree>
+      <p:nvGrpSpPr>
+        <p:cNvPr id="1" name=""/>
+        <p:cNvGrpSpPr/>
+        <p:nvPr/>
+      </p:nvGrpSpPr>
+      <p:grpSpPr>
+        <a:xfrm>
+          <a:off x="0" y="0"/>
+          <a:ext cx="0" cy="0"/>
+          <a:chOff x="0" y="0"/>
+          <a:chExt cx="0" cy="0"/>
+        </a:xfrm>
+      </p:grpSpPr>
+      <p:grpSp>
+        <p:nvGrpSpPr>
+          <p:cNvPr id="3" name="Gruppieren 2">
+            <a:extLst>
+              <a:ext uri="{FF2B5EF4-FFF2-40B4-BE49-F238E27FC236}">
+                <a16:creationId xmlns:a16="http://schemas.microsoft.com/office/drawing/2014/main" id="{A24132B1-1EE3-46A8-BA89-50DAB7F70D2E}"/>
+              </a:ext>
+            </a:extLst>
+          </p:cNvPr>
+          <p:cNvGrpSpPr/>
+          <p:nvPr/>
+        </p:nvGrpSpPr>
+        <p:grpSpPr>
+          <a:xfrm>
+            <a:off x="345498" y="159392"/>
+            <a:ext cx="7748463" cy="6363050"/>
+            <a:chOff x="345498" y="159392"/>
+            <a:chExt cx="7748463" cy="6363050"/>
+          </a:xfrm>
+        </p:grpSpPr>
+        <p:pic>
+          <p:nvPicPr>
+            <p:cNvPr id="2" name="Grafik 1">
+              <a:extLst>
+                <a:ext uri="{FF2B5EF4-FFF2-40B4-BE49-F238E27FC236}">
+                  <a16:creationId xmlns:a16="http://schemas.microsoft.com/office/drawing/2014/main" id="{96D080D6-FB6F-4420-A351-05AC5D883300}"/>
+                </a:ext>
+              </a:extLst>
+            </p:cNvPr>
+            <p:cNvPicPr>
+              <a:picLocks noChangeAspect="1"/>
+            </p:cNvPicPr>
+            <p:nvPr/>
+          </p:nvPicPr>
+          <p:blipFill>
+            <a:blip r:embed="rId2"/>
+            <a:stretch>
+              <a:fillRect/>
+            </a:stretch>
+          </p:blipFill>
+          <p:spPr>
+            <a:xfrm>
+              <a:off x="4875552" y="3734811"/>
+              <a:ext cx="3218409" cy="2787631"/>
+            </a:xfrm>
+            <a:prstGeom prst="rect">
+              <a:avLst/>
+            </a:prstGeom>
+            <a:ln>
+              <a:solidFill>
+                <a:schemeClr val="tx1"/>
+              </a:solidFill>
+            </a:ln>
+          </p:spPr>
+        </p:pic>
+        <p:pic>
+          <p:nvPicPr>
+            <p:cNvPr id="4" name="Grafik 3">
+              <a:extLst>
+                <a:ext uri="{FF2B5EF4-FFF2-40B4-BE49-F238E27FC236}">
+                  <a16:creationId xmlns:a16="http://schemas.microsoft.com/office/drawing/2014/main" id="{0A71E476-E88E-4554-8870-98377D230B5D}"/>
+                </a:ext>
+              </a:extLst>
+            </p:cNvPr>
+            <p:cNvPicPr>
+              <a:picLocks noChangeAspect="1"/>
+            </p:cNvPicPr>
+            <p:nvPr/>
+          </p:nvPicPr>
+          <p:blipFill>
+            <a:blip r:embed="rId3"/>
+            <a:stretch>
+              <a:fillRect/>
+            </a:stretch>
+          </p:blipFill>
+          <p:spPr>
+            <a:xfrm>
+              <a:off x="345498" y="159392"/>
+              <a:ext cx="4335559" cy="3471542"/>
+            </a:xfrm>
+            <a:prstGeom prst="rect">
+              <a:avLst/>
+            </a:prstGeom>
+            <a:ln>
+              <a:solidFill>
+                <a:schemeClr val="tx1"/>
+              </a:solidFill>
+            </a:ln>
+          </p:spPr>
+        </p:pic>
+        <p:pic>
+          <p:nvPicPr>
+            <p:cNvPr id="5" name="Grafik 4">
+              <a:extLst>
+                <a:ext uri="{FF2B5EF4-FFF2-40B4-BE49-F238E27FC236}">
+                  <a16:creationId xmlns:a16="http://schemas.microsoft.com/office/drawing/2014/main" id="{FF371D41-AF38-449F-B5F9-ED697C0E32C3}"/>
+                </a:ext>
+              </a:extLst>
+            </p:cNvPr>
+            <p:cNvPicPr>
+              <a:picLocks noChangeAspect="1"/>
+            </p:cNvPicPr>
+            <p:nvPr/>
+          </p:nvPicPr>
+          <p:blipFill>
+            <a:blip r:embed="rId4"/>
+            <a:stretch>
+              <a:fillRect/>
+            </a:stretch>
+          </p:blipFill>
+          <p:spPr>
+            <a:xfrm>
+              <a:off x="4875552" y="159392"/>
+              <a:ext cx="3218409" cy="3471542"/>
+            </a:xfrm>
+            <a:prstGeom prst="rect">
+              <a:avLst/>
+            </a:prstGeom>
+            <a:ln>
+              <a:solidFill>
+                <a:schemeClr val="tx1"/>
+              </a:solidFill>
+            </a:ln>
+          </p:spPr>
+        </p:pic>
+        <p:pic>
+          <p:nvPicPr>
+            <p:cNvPr id="7" name="Grafik 6">
+              <a:extLst>
+                <a:ext uri="{FF2B5EF4-FFF2-40B4-BE49-F238E27FC236}">
+                  <a16:creationId xmlns:a16="http://schemas.microsoft.com/office/drawing/2014/main" id="{3C3BD533-3AB6-4BA2-9377-C91B143492BC}"/>
+                </a:ext>
+              </a:extLst>
+            </p:cNvPr>
+            <p:cNvPicPr>
+              <a:picLocks noChangeAspect="1"/>
+            </p:cNvPicPr>
+            <p:nvPr/>
+          </p:nvPicPr>
+          <p:blipFill>
+            <a:blip r:embed="rId5"/>
+            <a:stretch>
+              <a:fillRect/>
+            </a:stretch>
+          </p:blipFill>
+          <p:spPr>
+            <a:xfrm>
+              <a:off x="345498" y="3896131"/>
+              <a:ext cx="4335559" cy="2626311"/>
+            </a:xfrm>
+            <a:prstGeom prst="rect">
+              <a:avLst/>
+            </a:prstGeom>
+            <a:ln>
+              <a:solidFill>
+                <a:schemeClr val="tx1"/>
+              </a:solidFill>
+            </a:ln>
+          </p:spPr>
+        </p:pic>
+        <p:sp>
+          <p:nvSpPr>
+            <p:cNvPr id="8" name="Textfeld 7">
+              <a:extLst>
+                <a:ext uri="{FF2B5EF4-FFF2-40B4-BE49-F238E27FC236}">
+                  <a16:creationId xmlns:a16="http://schemas.microsoft.com/office/drawing/2014/main" id="{67272494-DC68-425E-9B2E-13F0AE1BBBB8}"/>
+                </a:ext>
+              </a:extLst>
+            </p:cNvPr>
+            <p:cNvSpPr txBox="1"/>
+            <p:nvPr/>
+          </p:nvSpPr>
+          <p:spPr>
+            <a:xfrm>
+              <a:off x="738231" y="260059"/>
+              <a:ext cx="554960" cy="369332"/>
+            </a:xfrm>
+            <a:prstGeom prst="rect">
+              <a:avLst/>
+            </a:prstGeom>
+            <a:noFill/>
+          </p:spPr>
+          <p:txBody>
+            <a:bodyPr wrap="none" rtlCol="0">
+              <a:spAutoFit/>
+            </a:bodyPr>
+            <a:lstStyle/>
+            <a:p>
+              <a:r>
+                <a:rPr lang="de-DE" dirty="0"/>
+                <a:t>Fish</a:t>
+              </a:r>
+            </a:p>
+          </p:txBody>
+        </p:sp>
+        <p:sp>
+          <p:nvSpPr>
+            <p:cNvPr id="9" name="Textfeld 8">
+              <a:extLst>
+                <a:ext uri="{FF2B5EF4-FFF2-40B4-BE49-F238E27FC236}">
+                  <a16:creationId xmlns:a16="http://schemas.microsoft.com/office/drawing/2014/main" id="{62E0F05B-EBE6-4EF2-98A7-841527CD9F31}"/>
+                </a:ext>
+              </a:extLst>
+            </p:cNvPr>
+            <p:cNvSpPr txBox="1"/>
+            <p:nvPr/>
+          </p:nvSpPr>
+          <p:spPr>
+            <a:xfrm>
+              <a:off x="5276680" y="260059"/>
+              <a:ext cx="1295547" cy="369332"/>
+            </a:xfrm>
+            <a:prstGeom prst="rect">
+              <a:avLst/>
+            </a:prstGeom>
+            <a:noFill/>
+          </p:spPr>
+          <p:txBody>
+            <a:bodyPr wrap="none" rtlCol="0">
+              <a:spAutoFit/>
+            </a:bodyPr>
+            <a:lstStyle/>
+            <a:p>
+              <a:r>
+                <a:rPr lang="de-DE" dirty="0" err="1"/>
+                <a:t>Amphibians</a:t>
+              </a:r>
+              <a:endParaRPr lang="de-DE" dirty="0"/>
+            </a:p>
+          </p:txBody>
+        </p:sp>
+        <p:sp>
+          <p:nvSpPr>
+            <p:cNvPr id="10" name="Textfeld 9">
+              <a:extLst>
+                <a:ext uri="{FF2B5EF4-FFF2-40B4-BE49-F238E27FC236}">
+                  <a16:creationId xmlns:a16="http://schemas.microsoft.com/office/drawing/2014/main" id="{CE025AE1-5F9D-44F6-A6FE-9C7B217F091A}"/>
+                </a:ext>
+              </a:extLst>
+            </p:cNvPr>
+            <p:cNvSpPr txBox="1"/>
+            <p:nvPr/>
+          </p:nvSpPr>
+          <p:spPr>
+            <a:xfrm>
+              <a:off x="5068353" y="3860097"/>
+              <a:ext cx="651204" cy="369332"/>
+            </a:xfrm>
+            <a:prstGeom prst="rect">
+              <a:avLst/>
+            </a:prstGeom>
+            <a:noFill/>
+          </p:spPr>
+          <p:txBody>
+            <a:bodyPr wrap="none" rtlCol="0">
+              <a:spAutoFit/>
+            </a:bodyPr>
+            <a:lstStyle/>
+            <a:p>
+              <a:r>
+                <a:rPr lang="de-DE" dirty="0"/>
+                <a:t>Birds</a:t>
+              </a:r>
+            </a:p>
+          </p:txBody>
+        </p:sp>
+        <p:sp>
+          <p:nvSpPr>
+            <p:cNvPr id="11" name="Textfeld 10">
+              <a:extLst>
+                <a:ext uri="{FF2B5EF4-FFF2-40B4-BE49-F238E27FC236}">
+                  <a16:creationId xmlns:a16="http://schemas.microsoft.com/office/drawing/2014/main" id="{1C066DA1-79F9-4D84-B4E6-045AA6948650}"/>
+                </a:ext>
+              </a:extLst>
+            </p:cNvPr>
+            <p:cNvSpPr txBox="1"/>
+            <p:nvPr/>
+          </p:nvSpPr>
+          <p:spPr>
+            <a:xfrm>
+              <a:off x="531307" y="3861475"/>
+              <a:ext cx="1114408" cy="369332"/>
+            </a:xfrm>
+            <a:prstGeom prst="rect">
+              <a:avLst/>
+            </a:prstGeom>
+            <a:noFill/>
+          </p:spPr>
+          <p:txBody>
+            <a:bodyPr wrap="none" rtlCol="0">
+              <a:spAutoFit/>
+            </a:bodyPr>
+            <a:lstStyle/>
+            <a:p>
+              <a:r>
+                <a:rPr lang="de-DE" dirty="0" err="1"/>
+                <a:t>Mammals</a:t>
+              </a:r>
+              <a:endParaRPr lang="de-DE" dirty="0"/>
+            </a:p>
+          </p:txBody>
+        </p:sp>
+      </p:grpSp>
+    </p:spTree>
+    <p:extLst>
+      <p:ext uri="{BB962C8B-B14F-4D97-AF65-F5344CB8AC3E}">
+        <p14:creationId xmlns:p14="http://schemas.microsoft.com/office/powerpoint/2010/main" val="4233297437"/>
+      </p:ext>
+    </p:extLst>
+  </p:cSld>
+  <p:clrMapOvr>
+    <a:masterClrMapping/>
+  </p:clrMapOvr>
+</p:sld>
+</file>
+
 <file path=ppt/theme/theme1.xml><?xml version="1.0" encoding="utf-8"?>
 <a:theme xmlns:a="http://schemas.openxmlformats.org/drawingml/2006/main" name="Office">
   <a:themeElements>

--- a/HANNO-flow.pptx
+++ b/HANNO-flow.pptx
@@ -7,6 +7,9 @@
   <p:sldIdLst>
     <p:sldId id="256" r:id="rId2"/>
     <p:sldId id="257" r:id="rId3"/>
+    <p:sldId id="258" r:id="rId4"/>
+    <p:sldId id="259" r:id="rId5"/>
+    <p:sldId id="260" r:id="rId6"/>
   </p:sldIdLst>
   <p:sldSz cx="12192000" cy="6858000"/>
   <p:notesSz cx="6858000" cy="9144000"/>
@@ -113,6 +116,7714 @@
 </p:presentation>
 </file>
 
+<file path=ppt/charts/chart1.xml><?xml version="1.0" encoding="utf-8"?>
+<c:chartSpace xmlns:c="http://schemas.openxmlformats.org/drawingml/2006/chart" xmlns:a="http://schemas.openxmlformats.org/drawingml/2006/main" xmlns:r="http://schemas.openxmlformats.org/officeDocument/2006/relationships" xmlns:c16r2="http://schemas.microsoft.com/office/drawing/2015/06/chart">
+  <c:date1904 val="0"/>
+  <c:lang val="de-DE"/>
+  <c:roundedCorners val="0"/>
+  <mc:AlternateContent xmlns:mc="http://schemas.openxmlformats.org/markup-compatibility/2006">
+    <mc:Choice xmlns:c14="http://schemas.microsoft.com/office/drawing/2007/8/2/chart" Requires="c14">
+      <c14:style val="102"/>
+    </mc:Choice>
+    <mc:Fallback>
+      <c:style val="2"/>
+    </mc:Fallback>
+  </mc:AlternateContent>
+  <c:chart>
+    <c:autoTitleDeleted val="1"/>
+    <c:plotArea>
+      <c:layout/>
+      <c:barChart>
+        <c:barDir val="col"/>
+        <c:grouping val="clustered"/>
+        <c:varyColors val="0"/>
+        <c:ser>
+          <c:idx val="0"/>
+          <c:order val="0"/>
+          <c:spPr>
+            <a:solidFill>
+              <a:schemeClr val="accent1"/>
+            </a:solidFill>
+            <a:ln>
+              <a:noFill/>
+            </a:ln>
+            <a:effectLst/>
+          </c:spPr>
+          <c:invertIfNegative val="0"/>
+          <c:dLbls>
+            <c:numFmt formatCode="#,##0.0" sourceLinked="0"/>
+            <c:spPr>
+              <a:noFill/>
+              <a:ln>
+                <a:noFill/>
+              </a:ln>
+              <a:effectLst/>
+            </c:spPr>
+            <c:txPr>
+              <a:bodyPr rot="0" spcFirstLastPara="1" vertOverflow="ellipsis" vert="horz" wrap="square" lIns="38100" tIns="19050" rIns="38100" bIns="19050" anchor="ctr" anchorCtr="1">
+                <a:spAutoFit/>
+              </a:bodyPr>
+              <a:lstStyle/>
+              <a:p>
+                <a:pPr>
+                  <a:defRPr sz="900" b="0" i="0" u="none" strike="noStrike" kern="1200" baseline="0">
+                    <a:solidFill>
+                      <a:schemeClr val="tx1">
+                        <a:lumMod val="75000"/>
+                        <a:lumOff val="25000"/>
+                      </a:schemeClr>
+                    </a:solidFill>
+                    <a:latin typeface="+mn-lt"/>
+                    <a:ea typeface="+mn-ea"/>
+                    <a:cs typeface="+mn-cs"/>
+                  </a:defRPr>
+                </a:pPr>
+                <a:endParaRPr lang="de-DE"/>
+              </a:p>
+            </c:txPr>
+            <c:showLegendKey val="0"/>
+            <c:showVal val="1"/>
+            <c:showCatName val="0"/>
+            <c:showSerName val="0"/>
+            <c:showPercent val="0"/>
+            <c:showBubbleSize val="0"/>
+            <c:showLeaderLines val="0"/>
+            <c:extLst>
+              <c:ext xmlns:c15="http://schemas.microsoft.com/office/drawing/2012/chart" uri="{CE6537A1-D6FC-4f65-9D91-7224C49458BB}">
+                <c15:showLeaderLines val="1"/>
+                <c15:leaderLines>
+                  <c:spPr>
+                    <a:ln w="9525" cap="flat" cmpd="sng" algn="ctr">
+                      <a:solidFill>
+                        <a:schemeClr val="tx1">
+                          <a:lumMod val="35000"/>
+                          <a:lumOff val="65000"/>
+                        </a:schemeClr>
+                      </a:solidFill>
+                      <a:round/>
+                    </a:ln>
+                    <a:effectLst/>
+                  </c:spPr>
+                </c15:leaderLines>
+              </c:ext>
+            </c:extLst>
+          </c:dLbls>
+          <c:cat>
+            <c:strRef>
+              <c:f>'Suppl. Data 2 - FISHES-BUSCO'!$I$2:$I$10</c:f>
+              <c:strCache>
+                <c:ptCount val="9"/>
+                <c:pt idx="0">
+                  <c:v>Perca flavescens           input annotation</c:v>
+                </c:pt>
+                <c:pt idx="1">
+                  <c:v>Perca flavescens                (0 MYA)</c:v>
+                </c:pt>
+                <c:pt idx="2">
+                  <c:v>Sander vitreus                 (31 MYA)</c:v>
+                </c:pt>
+                <c:pt idx="3">
+                  <c:v>Epinephelus fuscoguttatus               (77 MYA)</c:v>
+                </c:pt>
+                <c:pt idx="4">
+                  <c:v>Dicentrarchus labrax    (104 MYA)</c:v>
+                </c:pt>
+                <c:pt idx="5">
+                  <c:v>Oreochromis niloticus      (112 MYA)</c:v>
+                </c:pt>
+                <c:pt idx="6">
+                  <c:v>Esox lucius                     (205 MYA)</c:v>
+                </c:pt>
+                <c:pt idx="7">
+                  <c:v>Danio rerio                      (224 MYA)</c:v>
+                </c:pt>
+                <c:pt idx="8">
+                  <c:v>Clarias gariepinus          (224 MYA)</c:v>
+                </c:pt>
+              </c:strCache>
+            </c:strRef>
+          </c:cat>
+          <c:val>
+            <c:numRef>
+              <c:f>'Suppl. Data 2 - FISHES-BUSCO'!$F$2:$F$10</c:f>
+              <c:numCache>
+                <c:formatCode>General</c:formatCode>
+                <c:ptCount val="9"/>
+                <c:pt idx="0" formatCode="0.0000">
+                  <c:v>0.2</c:v>
+                </c:pt>
+                <c:pt idx="1">
+                  <c:v>0.67626500000000001</c:v>
+                </c:pt>
+                <c:pt idx="2">
+                  <c:v>0.71989499999999995</c:v>
+                </c:pt>
+                <c:pt idx="3">
+                  <c:v>0.589005</c:v>
+                </c:pt>
+                <c:pt idx="4">
+                  <c:v>0.63263499999999995</c:v>
+                </c:pt>
+                <c:pt idx="5">
+                  <c:v>0.65444999999999998</c:v>
+                </c:pt>
+                <c:pt idx="6">
+                  <c:v>1.54887</c:v>
+                </c:pt>
+                <c:pt idx="7">
+                  <c:v>2.8577699999999999</c:v>
+                </c:pt>
+                <c:pt idx="8">
+                  <c:v>4.01396</c:v>
+                </c:pt>
+              </c:numCache>
+            </c:numRef>
+          </c:val>
+          <c:extLst>
+            <c:ext xmlns:c16="http://schemas.microsoft.com/office/drawing/2014/chart" uri="{C3380CC4-5D6E-409C-BE32-E72D297353CC}">
+              <c16:uniqueId val="{00000000-C1CC-4450-80AD-384636148F18}"/>
+            </c:ext>
+          </c:extLst>
+        </c:ser>
+        <c:dLbls>
+          <c:showLegendKey val="0"/>
+          <c:showVal val="0"/>
+          <c:showCatName val="0"/>
+          <c:showSerName val="0"/>
+          <c:showPercent val="0"/>
+          <c:showBubbleSize val="0"/>
+        </c:dLbls>
+        <c:gapWidth val="219"/>
+        <c:overlap val="-27"/>
+        <c:axId val="135202687"/>
+        <c:axId val="240816095"/>
+      </c:barChart>
+      <c:catAx>
+        <c:axId val="135202687"/>
+        <c:scaling>
+          <c:orientation val="minMax"/>
+        </c:scaling>
+        <c:delete val="0"/>
+        <c:axPos val="b"/>
+        <c:numFmt formatCode="General" sourceLinked="1"/>
+        <c:majorTickMark val="none"/>
+        <c:minorTickMark val="none"/>
+        <c:tickLblPos val="nextTo"/>
+        <c:spPr>
+          <a:noFill/>
+          <a:ln w="9525" cap="flat" cmpd="sng" algn="ctr">
+            <a:solidFill>
+              <a:schemeClr val="tx1">
+                <a:lumMod val="15000"/>
+                <a:lumOff val="85000"/>
+              </a:schemeClr>
+            </a:solidFill>
+            <a:round/>
+          </a:ln>
+          <a:effectLst/>
+        </c:spPr>
+        <c:txPr>
+          <a:bodyPr rot="0" spcFirstLastPara="1" vertOverflow="ellipsis" wrap="square" anchor="ctr" anchorCtr="1"/>
+          <a:lstStyle/>
+          <a:p>
+            <a:pPr>
+              <a:defRPr sz="900" b="0" i="1" u="none" strike="noStrike" kern="1200" baseline="0">
+                <a:solidFill>
+                  <a:schemeClr val="tx1">
+                    <a:lumMod val="65000"/>
+                    <a:lumOff val="35000"/>
+                  </a:schemeClr>
+                </a:solidFill>
+                <a:latin typeface="+mn-lt"/>
+                <a:ea typeface="+mn-ea"/>
+                <a:cs typeface="+mn-cs"/>
+              </a:defRPr>
+            </a:pPr>
+            <a:endParaRPr lang="de-DE"/>
+          </a:p>
+        </c:txPr>
+        <c:crossAx val="240816095"/>
+        <c:crosses val="autoZero"/>
+        <c:auto val="1"/>
+        <c:lblAlgn val="ctr"/>
+        <c:lblOffset val="100"/>
+        <c:noMultiLvlLbl val="0"/>
+      </c:catAx>
+      <c:valAx>
+        <c:axId val="240816095"/>
+        <c:scaling>
+          <c:orientation val="minMax"/>
+        </c:scaling>
+        <c:delete val="0"/>
+        <c:axPos val="l"/>
+        <c:majorGridlines>
+          <c:spPr>
+            <a:ln w="9525" cap="flat" cmpd="sng" algn="ctr">
+              <a:solidFill>
+                <a:schemeClr val="tx1">
+                  <a:lumMod val="15000"/>
+                  <a:lumOff val="85000"/>
+                </a:schemeClr>
+              </a:solidFill>
+              <a:round/>
+            </a:ln>
+            <a:effectLst/>
+          </c:spPr>
+        </c:majorGridlines>
+        <c:title>
+          <c:tx>
+            <c:rich>
+              <a:bodyPr rot="-5400000" spcFirstLastPara="1" vertOverflow="ellipsis" vert="horz" wrap="square" anchor="ctr" anchorCtr="1"/>
+              <a:lstStyle/>
+              <a:p>
+                <a:pPr>
+                  <a:defRPr sz="1000" b="0" i="0" u="none" strike="noStrike" kern="1200" baseline="0">
+                    <a:solidFill>
+                      <a:schemeClr val="tx1">
+                        <a:lumMod val="65000"/>
+                        <a:lumOff val="35000"/>
+                      </a:schemeClr>
+                    </a:solidFill>
+                    <a:latin typeface="+mn-lt"/>
+                    <a:ea typeface="+mn-ea"/>
+                    <a:cs typeface="+mn-cs"/>
+                  </a:defRPr>
+                </a:pPr>
+                <a:r>
+                  <a:rPr lang="de-DE"/>
+                  <a:t>Missing BUSCO genes (actinopterygii_odb9) [%]</a:t>
+                </a:r>
+              </a:p>
+            </c:rich>
+          </c:tx>
+          <c:overlay val="0"/>
+          <c:spPr>
+            <a:noFill/>
+            <a:ln>
+              <a:noFill/>
+            </a:ln>
+            <a:effectLst/>
+          </c:spPr>
+          <c:txPr>
+            <a:bodyPr rot="-5400000" spcFirstLastPara="1" vertOverflow="ellipsis" vert="horz" wrap="square" anchor="ctr" anchorCtr="1"/>
+            <a:lstStyle/>
+            <a:p>
+              <a:pPr>
+                <a:defRPr sz="1000" b="0" i="0" u="none" strike="noStrike" kern="1200" baseline="0">
+                  <a:solidFill>
+                    <a:schemeClr val="tx1">
+                      <a:lumMod val="65000"/>
+                      <a:lumOff val="35000"/>
+                    </a:schemeClr>
+                  </a:solidFill>
+                  <a:latin typeface="+mn-lt"/>
+                  <a:ea typeface="+mn-ea"/>
+                  <a:cs typeface="+mn-cs"/>
+                </a:defRPr>
+              </a:pPr>
+              <a:endParaRPr lang="de-DE"/>
+            </a:p>
+          </c:txPr>
+        </c:title>
+        <c:numFmt formatCode="0.0" sourceLinked="0"/>
+        <c:majorTickMark val="none"/>
+        <c:minorTickMark val="none"/>
+        <c:tickLblPos val="nextTo"/>
+        <c:spPr>
+          <a:noFill/>
+          <a:ln>
+            <a:noFill/>
+          </a:ln>
+          <a:effectLst/>
+        </c:spPr>
+        <c:txPr>
+          <a:bodyPr rot="-60000000" spcFirstLastPara="1" vertOverflow="ellipsis" vert="horz" wrap="square" anchor="ctr" anchorCtr="1"/>
+          <a:lstStyle/>
+          <a:p>
+            <a:pPr>
+              <a:defRPr sz="900" b="0" i="0" u="none" strike="noStrike" kern="1200" baseline="0">
+                <a:solidFill>
+                  <a:schemeClr val="tx1">
+                    <a:lumMod val="65000"/>
+                    <a:lumOff val="35000"/>
+                  </a:schemeClr>
+                </a:solidFill>
+                <a:latin typeface="+mn-lt"/>
+                <a:ea typeface="+mn-ea"/>
+                <a:cs typeface="+mn-cs"/>
+              </a:defRPr>
+            </a:pPr>
+            <a:endParaRPr lang="de-DE"/>
+          </a:p>
+        </c:txPr>
+        <c:crossAx val="135202687"/>
+        <c:crosses val="autoZero"/>
+        <c:crossBetween val="between"/>
+      </c:valAx>
+      <c:spPr>
+        <a:noFill/>
+        <a:ln>
+          <a:noFill/>
+        </a:ln>
+        <a:effectLst/>
+      </c:spPr>
+    </c:plotArea>
+    <c:plotVisOnly val="1"/>
+    <c:dispBlanksAs val="gap"/>
+    <c:extLst>
+      <c:ext xmlns:c16r3="http://schemas.microsoft.com/office/drawing/2017/03/chart" uri="{56B9EC1D-385E-4148-901F-78D8002777C0}">
+        <c16r3:dataDisplayOptions16>
+          <c16r3:dispNaAsBlank val="1"/>
+        </c16r3:dataDisplayOptions16>
+      </c:ext>
+    </c:extLst>
+    <c:showDLblsOverMax val="0"/>
+  </c:chart>
+  <c:spPr>
+    <a:noFill/>
+    <a:ln>
+      <a:noFill/>
+    </a:ln>
+    <a:effectLst/>
+  </c:spPr>
+  <c:txPr>
+    <a:bodyPr rot="1200000"/>
+    <a:lstStyle/>
+    <a:p>
+      <a:pPr>
+        <a:defRPr/>
+      </a:pPr>
+      <a:endParaRPr lang="de-DE"/>
+    </a:p>
+  </c:txPr>
+  <c:externalData r:id="rId3">
+    <c:autoUpdate val="0"/>
+  </c:externalData>
+</c:chartSpace>
+</file>
+
+<file path=ppt/charts/chart2.xml><?xml version="1.0" encoding="utf-8"?>
+<c:chartSpace xmlns:c="http://schemas.openxmlformats.org/drawingml/2006/chart" xmlns:a="http://schemas.openxmlformats.org/drawingml/2006/main" xmlns:r="http://schemas.openxmlformats.org/officeDocument/2006/relationships" xmlns:c16r2="http://schemas.microsoft.com/office/drawing/2015/06/chart">
+  <c:date1904 val="0"/>
+  <c:lang val="de-DE"/>
+  <c:roundedCorners val="0"/>
+  <mc:AlternateContent xmlns:mc="http://schemas.openxmlformats.org/markup-compatibility/2006">
+    <mc:Choice xmlns:c14="http://schemas.microsoft.com/office/drawing/2007/8/2/chart" Requires="c14">
+      <c14:style val="102"/>
+    </mc:Choice>
+    <mc:Fallback>
+      <c:style val="2"/>
+    </mc:Fallback>
+  </mc:AlternateContent>
+  <c:chart>
+    <c:title>
+      <c:tx>
+        <c:rich>
+          <a:bodyPr rot="0" spcFirstLastPara="1" vertOverflow="ellipsis" vert="horz" wrap="square" anchor="ctr" anchorCtr="1"/>
+          <a:lstStyle/>
+          <a:p>
+            <a:pPr>
+              <a:defRPr sz="1400" b="0" i="0" u="none" strike="noStrike" kern="1200" spc="0" baseline="0">
+                <a:solidFill>
+                  <a:schemeClr val="tx1">
+                    <a:lumMod val="65000"/>
+                    <a:lumOff val="35000"/>
+                  </a:schemeClr>
+                </a:solidFill>
+                <a:latin typeface="+mn-lt"/>
+                <a:ea typeface="+mn-ea"/>
+                <a:cs typeface="+mn-cs"/>
+              </a:defRPr>
+            </a:pPr>
+            <a:r>
+              <a:rPr lang="de-DE" sz="1100" b="0" i="0" baseline="0">
+                <a:effectLst/>
+              </a:rPr>
+              <a:t>Transfer of </a:t>
+            </a:r>
+            <a:r>
+              <a:rPr lang="de-DE" sz="1100" b="0" i="1" baseline="0">
+                <a:effectLst/>
+              </a:rPr>
+              <a:t>P. flavescens </a:t>
+            </a:r>
+            <a:r>
+              <a:rPr lang="de-DE" sz="1100" b="0" i="0" baseline="0">
+                <a:effectLst/>
+              </a:rPr>
+              <a:t>Refseq annotation (protein &amp; mRNA) to diverged fish genomes by HANNO </a:t>
+            </a:r>
+            <a:endParaRPr lang="de-DE" sz="1100">
+              <a:effectLst/>
+            </a:endParaRPr>
+          </a:p>
+        </c:rich>
+      </c:tx>
+      <c:overlay val="0"/>
+      <c:spPr>
+        <a:noFill/>
+        <a:ln>
+          <a:noFill/>
+        </a:ln>
+        <a:effectLst/>
+      </c:spPr>
+      <c:txPr>
+        <a:bodyPr rot="0" spcFirstLastPara="1" vertOverflow="ellipsis" vert="horz" wrap="square" anchor="ctr" anchorCtr="1"/>
+        <a:lstStyle/>
+        <a:p>
+          <a:pPr>
+            <a:defRPr sz="1400" b="0" i="0" u="none" strike="noStrike" kern="1200" spc="0" baseline="0">
+              <a:solidFill>
+                <a:schemeClr val="tx1">
+                  <a:lumMod val="65000"/>
+                  <a:lumOff val="35000"/>
+                </a:schemeClr>
+              </a:solidFill>
+              <a:latin typeface="+mn-lt"/>
+              <a:ea typeface="+mn-ea"/>
+              <a:cs typeface="+mn-cs"/>
+            </a:defRPr>
+          </a:pPr>
+          <a:endParaRPr lang="de-DE"/>
+        </a:p>
+      </c:txPr>
+    </c:title>
+    <c:autoTitleDeleted val="0"/>
+    <c:plotArea>
+      <c:layout/>
+      <c:barChart>
+        <c:barDir val="col"/>
+        <c:grouping val="clustered"/>
+        <c:varyColors val="0"/>
+        <c:ser>
+          <c:idx val="0"/>
+          <c:order val="0"/>
+          <c:spPr>
+            <a:solidFill>
+              <a:schemeClr val="accent1"/>
+            </a:solidFill>
+            <a:ln>
+              <a:noFill/>
+            </a:ln>
+            <a:effectLst/>
+          </c:spPr>
+          <c:invertIfNegative val="0"/>
+          <c:dLbls>
+            <c:numFmt formatCode="#,##0.0" sourceLinked="0"/>
+            <c:spPr>
+              <a:noFill/>
+              <a:ln>
+                <a:noFill/>
+              </a:ln>
+              <a:effectLst/>
+            </c:spPr>
+            <c:txPr>
+              <a:bodyPr rot="0" spcFirstLastPara="1" vertOverflow="ellipsis" vert="horz" wrap="square" lIns="38100" tIns="19050" rIns="38100" bIns="19050" anchor="ctr" anchorCtr="1">
+                <a:spAutoFit/>
+              </a:bodyPr>
+              <a:lstStyle/>
+              <a:p>
+                <a:pPr>
+                  <a:defRPr sz="900" b="0" i="0" u="none" strike="noStrike" kern="1200" baseline="0">
+                    <a:solidFill>
+                      <a:schemeClr val="tx1">
+                        <a:lumMod val="75000"/>
+                        <a:lumOff val="25000"/>
+                      </a:schemeClr>
+                    </a:solidFill>
+                    <a:latin typeface="+mn-lt"/>
+                    <a:ea typeface="+mn-ea"/>
+                    <a:cs typeface="+mn-cs"/>
+                  </a:defRPr>
+                </a:pPr>
+                <a:endParaRPr lang="de-DE"/>
+              </a:p>
+            </c:txPr>
+            <c:showLegendKey val="0"/>
+            <c:showVal val="1"/>
+            <c:showCatName val="0"/>
+            <c:showSerName val="0"/>
+            <c:showPercent val="0"/>
+            <c:showBubbleSize val="0"/>
+            <c:showLeaderLines val="0"/>
+            <c:extLst>
+              <c:ext xmlns:c15="http://schemas.microsoft.com/office/drawing/2012/chart" uri="{CE6537A1-D6FC-4f65-9D91-7224C49458BB}">
+                <c15:showLeaderLines val="1"/>
+                <c15:leaderLines>
+                  <c:spPr>
+                    <a:ln w="9525" cap="flat" cmpd="sng" algn="ctr">
+                      <a:solidFill>
+                        <a:schemeClr val="tx1">
+                          <a:lumMod val="35000"/>
+                          <a:lumOff val="65000"/>
+                        </a:schemeClr>
+                      </a:solidFill>
+                      <a:round/>
+                    </a:ln>
+                    <a:effectLst/>
+                  </c:spPr>
+                </c15:leaderLines>
+              </c:ext>
+            </c:extLst>
+          </c:dLbls>
+          <c:cat>
+            <c:strRef>
+              <c:f>'Suppl. Data 2 - FISHES-BUSCO'!$I$2:$I$10</c:f>
+              <c:strCache>
+                <c:ptCount val="9"/>
+                <c:pt idx="0">
+                  <c:v>Perca flavescens           input annotation</c:v>
+                </c:pt>
+                <c:pt idx="1">
+                  <c:v>Perca flavescens                (0 MYA)</c:v>
+                </c:pt>
+                <c:pt idx="2">
+                  <c:v>Sander vitreus                 (31 MYA)</c:v>
+                </c:pt>
+                <c:pt idx="3">
+                  <c:v>Epinephelus fuscoguttatus               (77 MYA)</c:v>
+                </c:pt>
+                <c:pt idx="4">
+                  <c:v>Dicentrarchus labrax    (104 MYA)</c:v>
+                </c:pt>
+                <c:pt idx="5">
+                  <c:v>Oreochromis niloticus      (112 MYA)</c:v>
+                </c:pt>
+                <c:pt idx="6">
+                  <c:v>Esox lucius                     (205 MYA)</c:v>
+                </c:pt>
+                <c:pt idx="7">
+                  <c:v>Danio rerio                      (224 MYA)</c:v>
+                </c:pt>
+                <c:pt idx="8">
+                  <c:v>Clarias gariepinus          (224 MYA)</c:v>
+                </c:pt>
+              </c:strCache>
+            </c:strRef>
+          </c:cat>
+          <c:val>
+            <c:numRef>
+              <c:f>'Suppl. Data 2 - FISHES-BUSCO'!$B$2:$B$10</c:f>
+              <c:numCache>
+                <c:formatCode>General</c:formatCode>
+                <c:ptCount val="9"/>
+                <c:pt idx="0" formatCode="0.0000">
+                  <c:v>99.4</c:v>
+                </c:pt>
+                <c:pt idx="1">
+                  <c:v>98.014799999999994</c:v>
+                </c:pt>
+                <c:pt idx="2">
+                  <c:v>98.058499999999995</c:v>
+                </c:pt>
+                <c:pt idx="3">
+                  <c:v>98.080299999999994</c:v>
+                </c:pt>
+                <c:pt idx="4">
+                  <c:v>97.774900000000002</c:v>
+                </c:pt>
+                <c:pt idx="5">
+                  <c:v>97.927599999999998</c:v>
+                </c:pt>
+                <c:pt idx="6">
+                  <c:v>94.546199999999999</c:v>
+                </c:pt>
+                <c:pt idx="7">
+                  <c:v>91.012200000000007</c:v>
+                </c:pt>
+                <c:pt idx="8">
+                  <c:v>89.594200000000001</c:v>
+                </c:pt>
+              </c:numCache>
+            </c:numRef>
+          </c:val>
+          <c:extLst>
+            <c:ext xmlns:c16="http://schemas.microsoft.com/office/drawing/2014/chart" uri="{C3380CC4-5D6E-409C-BE32-E72D297353CC}">
+              <c16:uniqueId val="{00000000-C8B3-47E4-B8F1-F6AF6056F292}"/>
+            </c:ext>
+          </c:extLst>
+        </c:ser>
+        <c:dLbls>
+          <c:showLegendKey val="0"/>
+          <c:showVal val="0"/>
+          <c:showCatName val="0"/>
+          <c:showSerName val="0"/>
+          <c:showPercent val="0"/>
+          <c:showBubbleSize val="0"/>
+        </c:dLbls>
+        <c:gapWidth val="219"/>
+        <c:overlap val="-27"/>
+        <c:axId val="135202687"/>
+        <c:axId val="240816095"/>
+      </c:barChart>
+      <c:catAx>
+        <c:axId val="135202687"/>
+        <c:scaling>
+          <c:orientation val="minMax"/>
+        </c:scaling>
+        <c:delete val="0"/>
+        <c:axPos val="b"/>
+        <c:numFmt formatCode="General" sourceLinked="1"/>
+        <c:majorTickMark val="none"/>
+        <c:minorTickMark val="none"/>
+        <c:tickLblPos val="nextTo"/>
+        <c:spPr>
+          <a:noFill/>
+          <a:ln w="9525" cap="flat" cmpd="sng" algn="ctr">
+            <a:solidFill>
+              <a:schemeClr val="tx1">
+                <a:lumMod val="15000"/>
+                <a:lumOff val="85000"/>
+              </a:schemeClr>
+            </a:solidFill>
+            <a:round/>
+          </a:ln>
+          <a:effectLst/>
+        </c:spPr>
+        <c:txPr>
+          <a:bodyPr rot="0" spcFirstLastPara="1" vertOverflow="ellipsis" wrap="square" anchor="ctr" anchorCtr="1"/>
+          <a:lstStyle/>
+          <a:p>
+            <a:pPr>
+              <a:defRPr sz="900" b="0" i="1" u="none" strike="noStrike" kern="1200" baseline="0">
+                <a:solidFill>
+                  <a:schemeClr val="tx1">
+                    <a:lumMod val="65000"/>
+                    <a:lumOff val="35000"/>
+                  </a:schemeClr>
+                </a:solidFill>
+                <a:latin typeface="+mn-lt"/>
+                <a:ea typeface="+mn-ea"/>
+                <a:cs typeface="+mn-cs"/>
+              </a:defRPr>
+            </a:pPr>
+            <a:endParaRPr lang="de-DE"/>
+          </a:p>
+        </c:txPr>
+        <c:crossAx val="240816095"/>
+        <c:crosses val="autoZero"/>
+        <c:auto val="1"/>
+        <c:lblAlgn val="ctr"/>
+        <c:lblOffset val="100"/>
+        <c:noMultiLvlLbl val="0"/>
+      </c:catAx>
+      <c:valAx>
+        <c:axId val="240816095"/>
+        <c:scaling>
+          <c:orientation val="minMax"/>
+        </c:scaling>
+        <c:delete val="0"/>
+        <c:axPos val="l"/>
+        <c:majorGridlines>
+          <c:spPr>
+            <a:ln w="9525" cap="flat" cmpd="sng" algn="ctr">
+              <a:solidFill>
+                <a:schemeClr val="tx1">
+                  <a:lumMod val="15000"/>
+                  <a:lumOff val="85000"/>
+                </a:schemeClr>
+              </a:solidFill>
+              <a:round/>
+            </a:ln>
+            <a:effectLst/>
+          </c:spPr>
+        </c:majorGridlines>
+        <c:title>
+          <c:tx>
+            <c:rich>
+              <a:bodyPr rot="-5400000" spcFirstLastPara="1" vertOverflow="ellipsis" vert="horz" wrap="square" anchor="ctr" anchorCtr="1"/>
+              <a:lstStyle/>
+              <a:p>
+                <a:pPr>
+                  <a:defRPr sz="1000" b="0" i="0" u="none" strike="noStrike" kern="1200" baseline="0">
+                    <a:solidFill>
+                      <a:schemeClr val="tx1">
+                        <a:lumMod val="65000"/>
+                        <a:lumOff val="35000"/>
+                      </a:schemeClr>
+                    </a:solidFill>
+                    <a:latin typeface="+mn-lt"/>
+                    <a:ea typeface="+mn-ea"/>
+                    <a:cs typeface="+mn-cs"/>
+                  </a:defRPr>
+                </a:pPr>
+                <a:r>
+                  <a:rPr lang="de-DE"/>
+                  <a:t>Complete BUSCO genes (actinopterygii_odb9) [%]</a:t>
+                </a:r>
+              </a:p>
+            </c:rich>
+          </c:tx>
+          <c:overlay val="0"/>
+          <c:spPr>
+            <a:noFill/>
+            <a:ln>
+              <a:noFill/>
+            </a:ln>
+            <a:effectLst/>
+          </c:spPr>
+          <c:txPr>
+            <a:bodyPr rot="-5400000" spcFirstLastPara="1" vertOverflow="ellipsis" vert="horz" wrap="square" anchor="ctr" anchorCtr="1"/>
+            <a:lstStyle/>
+            <a:p>
+              <a:pPr>
+                <a:defRPr sz="1000" b="0" i="0" u="none" strike="noStrike" kern="1200" baseline="0">
+                  <a:solidFill>
+                    <a:schemeClr val="tx1">
+                      <a:lumMod val="65000"/>
+                      <a:lumOff val="35000"/>
+                    </a:schemeClr>
+                  </a:solidFill>
+                  <a:latin typeface="+mn-lt"/>
+                  <a:ea typeface="+mn-ea"/>
+                  <a:cs typeface="+mn-cs"/>
+                </a:defRPr>
+              </a:pPr>
+              <a:endParaRPr lang="de-DE"/>
+            </a:p>
+          </c:txPr>
+        </c:title>
+        <c:numFmt formatCode="0.0" sourceLinked="0"/>
+        <c:majorTickMark val="none"/>
+        <c:minorTickMark val="none"/>
+        <c:tickLblPos val="nextTo"/>
+        <c:spPr>
+          <a:noFill/>
+          <a:ln>
+            <a:noFill/>
+          </a:ln>
+          <a:effectLst/>
+        </c:spPr>
+        <c:txPr>
+          <a:bodyPr rot="-60000000" spcFirstLastPara="1" vertOverflow="ellipsis" vert="horz" wrap="square" anchor="ctr" anchorCtr="1"/>
+          <a:lstStyle/>
+          <a:p>
+            <a:pPr>
+              <a:defRPr sz="900" b="0" i="0" u="none" strike="noStrike" kern="1200" baseline="0">
+                <a:solidFill>
+                  <a:schemeClr val="tx1">
+                    <a:lumMod val="65000"/>
+                    <a:lumOff val="35000"/>
+                  </a:schemeClr>
+                </a:solidFill>
+                <a:latin typeface="+mn-lt"/>
+                <a:ea typeface="+mn-ea"/>
+                <a:cs typeface="+mn-cs"/>
+              </a:defRPr>
+            </a:pPr>
+            <a:endParaRPr lang="de-DE"/>
+          </a:p>
+        </c:txPr>
+        <c:crossAx val="135202687"/>
+        <c:crosses val="autoZero"/>
+        <c:crossBetween val="between"/>
+      </c:valAx>
+      <c:spPr>
+        <a:noFill/>
+        <a:ln>
+          <a:noFill/>
+        </a:ln>
+        <a:effectLst/>
+      </c:spPr>
+    </c:plotArea>
+    <c:plotVisOnly val="1"/>
+    <c:dispBlanksAs val="gap"/>
+    <c:extLst>
+      <c:ext xmlns:c16r3="http://schemas.microsoft.com/office/drawing/2017/03/chart" uri="{56B9EC1D-385E-4148-901F-78D8002777C0}">
+        <c16r3:dataDisplayOptions16>
+          <c16r3:dispNaAsBlank val="1"/>
+        </c16r3:dataDisplayOptions16>
+      </c:ext>
+    </c:extLst>
+    <c:showDLblsOverMax val="0"/>
+  </c:chart>
+  <c:spPr>
+    <a:noFill/>
+    <a:ln>
+      <a:noFill/>
+    </a:ln>
+    <a:effectLst/>
+  </c:spPr>
+  <c:txPr>
+    <a:bodyPr rot="1200000"/>
+    <a:lstStyle/>
+    <a:p>
+      <a:pPr>
+        <a:defRPr/>
+      </a:pPr>
+      <a:endParaRPr lang="de-DE"/>
+    </a:p>
+  </c:txPr>
+  <c:externalData r:id="rId3">
+    <c:autoUpdate val="0"/>
+  </c:externalData>
+</c:chartSpace>
+</file>
+
+<file path=ppt/charts/chart3.xml><?xml version="1.0" encoding="utf-8"?>
+<c:chartSpace xmlns:c="http://schemas.openxmlformats.org/drawingml/2006/chart" xmlns:a="http://schemas.openxmlformats.org/drawingml/2006/main" xmlns:r="http://schemas.openxmlformats.org/officeDocument/2006/relationships" xmlns:c16r2="http://schemas.microsoft.com/office/drawing/2015/06/chart">
+  <c:date1904 val="0"/>
+  <c:lang val="de-DE"/>
+  <c:roundedCorners val="0"/>
+  <mc:AlternateContent xmlns:mc="http://schemas.openxmlformats.org/markup-compatibility/2006">
+    <mc:Choice xmlns:c14="http://schemas.microsoft.com/office/drawing/2007/8/2/chart" Requires="c14">
+      <c14:style val="102"/>
+    </mc:Choice>
+    <mc:Fallback>
+      <c:style val="2"/>
+    </mc:Fallback>
+  </mc:AlternateContent>
+  <c:chart>
+    <c:autoTitleDeleted val="1"/>
+    <c:plotArea>
+      <c:layout/>
+      <c:barChart>
+        <c:barDir val="col"/>
+        <c:grouping val="clustered"/>
+        <c:varyColors val="0"/>
+        <c:ser>
+          <c:idx val="0"/>
+          <c:order val="0"/>
+          <c:spPr>
+            <a:solidFill>
+              <a:schemeClr val="accent1"/>
+            </a:solidFill>
+            <a:ln>
+              <a:noFill/>
+            </a:ln>
+            <a:effectLst/>
+          </c:spPr>
+          <c:invertIfNegative val="0"/>
+          <c:dLbls>
+            <c:numFmt formatCode="#,##0.0" sourceLinked="0"/>
+            <c:spPr>
+              <a:noFill/>
+              <a:ln>
+                <a:noFill/>
+              </a:ln>
+              <a:effectLst/>
+            </c:spPr>
+            <c:txPr>
+              <a:bodyPr rot="0" spcFirstLastPara="1" vertOverflow="ellipsis" vert="horz" wrap="square" lIns="38100" tIns="19050" rIns="38100" bIns="19050" anchor="ctr" anchorCtr="1">
+                <a:spAutoFit/>
+              </a:bodyPr>
+              <a:lstStyle/>
+              <a:p>
+                <a:pPr>
+                  <a:defRPr sz="900" b="0" i="0" u="none" strike="noStrike" kern="1200" baseline="0">
+                    <a:solidFill>
+                      <a:schemeClr val="tx1">
+                        <a:lumMod val="75000"/>
+                        <a:lumOff val="25000"/>
+                      </a:schemeClr>
+                    </a:solidFill>
+                    <a:latin typeface="+mn-lt"/>
+                    <a:ea typeface="+mn-ea"/>
+                    <a:cs typeface="+mn-cs"/>
+                  </a:defRPr>
+                </a:pPr>
+                <a:endParaRPr lang="de-DE"/>
+              </a:p>
+            </c:txPr>
+            <c:showLegendKey val="0"/>
+            <c:showVal val="1"/>
+            <c:showCatName val="0"/>
+            <c:showSerName val="0"/>
+            <c:showPercent val="0"/>
+            <c:showBubbleSize val="0"/>
+            <c:showLeaderLines val="0"/>
+            <c:extLst>
+              <c:ext xmlns:c15="http://schemas.microsoft.com/office/drawing/2012/chart" uri="{CE6537A1-D6FC-4f65-9D91-7224C49458BB}">
+                <c15:showLeaderLines val="1"/>
+                <c15:leaderLines>
+                  <c:spPr>
+                    <a:ln w="9525" cap="flat" cmpd="sng" algn="ctr">
+                      <a:solidFill>
+                        <a:schemeClr val="tx1">
+                          <a:lumMod val="35000"/>
+                          <a:lumOff val="65000"/>
+                        </a:schemeClr>
+                      </a:solidFill>
+                      <a:round/>
+                    </a:ln>
+                    <a:effectLst/>
+                  </c:spPr>
+                </c15:leaderLines>
+              </c:ext>
+            </c:extLst>
+          </c:dLbls>
+          <c:cat>
+            <c:strRef>
+              <c:f>'Suppl. Data 3 - AMPHIBIA-BUSCO'!$I$2:$I$8</c:f>
+              <c:strCache>
+                <c:ptCount val="7"/>
+                <c:pt idx="0">
+                  <c:v>Bufo bufo              input annotation</c:v>
+                </c:pt>
+                <c:pt idx="1">
+                  <c:v>Bufo bufo                       (0 MYA)</c:v>
+                </c:pt>
+                <c:pt idx="2">
+                  <c:v>Bufotes viridis         (31,9 MYA)</c:v>
+                </c:pt>
+                <c:pt idx="3">
+                  <c:v>Leptodactylus fuscus (68 MYA)</c:v>
+                </c:pt>
+                <c:pt idx="4">
+                  <c:v>Spea bombifrons      (192 MYA)</c:v>
+                </c:pt>
+                <c:pt idx="5">
+                  <c:v>Xenopus tropicalis (202 MYA)</c:v>
+                </c:pt>
+                <c:pt idx="6">
+                  <c:v>Bombina bombina (210 MYA)</c:v>
+                </c:pt>
+              </c:strCache>
+            </c:strRef>
+          </c:cat>
+          <c:val>
+            <c:numRef>
+              <c:f>'Suppl. Data 3 - AMPHIBIA-BUSCO'!$F$2:$F$8</c:f>
+              <c:numCache>
+                <c:formatCode>General</c:formatCode>
+                <c:ptCount val="7"/>
+                <c:pt idx="0">
+                  <c:v>1.2</c:v>
+                </c:pt>
+                <c:pt idx="1">
+                  <c:v>1.5467900000000001</c:v>
+                </c:pt>
+                <c:pt idx="2">
+                  <c:v>1.5081199999999999</c:v>
+                </c:pt>
+                <c:pt idx="3">
+                  <c:v>1.81748</c:v>
+                </c:pt>
+                <c:pt idx="4">
+                  <c:v>1.9721599999999999</c:v>
+                </c:pt>
+                <c:pt idx="5">
+                  <c:v>2.1268400000000001</c:v>
+                </c:pt>
+                <c:pt idx="6">
+                  <c:v>3.3256000000000001</c:v>
+                </c:pt>
+              </c:numCache>
+            </c:numRef>
+          </c:val>
+          <c:extLst>
+            <c:ext xmlns:c16="http://schemas.microsoft.com/office/drawing/2014/chart" uri="{C3380CC4-5D6E-409C-BE32-E72D297353CC}">
+              <c16:uniqueId val="{00000000-E378-4EAD-A8A6-79558BD09D2C}"/>
+            </c:ext>
+          </c:extLst>
+        </c:ser>
+        <c:dLbls>
+          <c:showLegendKey val="0"/>
+          <c:showVal val="0"/>
+          <c:showCatName val="0"/>
+          <c:showSerName val="0"/>
+          <c:showPercent val="0"/>
+          <c:showBubbleSize val="0"/>
+        </c:dLbls>
+        <c:gapWidth val="219"/>
+        <c:overlap val="-27"/>
+        <c:axId val="135202687"/>
+        <c:axId val="240816095"/>
+      </c:barChart>
+      <c:catAx>
+        <c:axId val="135202687"/>
+        <c:scaling>
+          <c:orientation val="minMax"/>
+        </c:scaling>
+        <c:delete val="0"/>
+        <c:axPos val="b"/>
+        <c:numFmt formatCode="General" sourceLinked="1"/>
+        <c:majorTickMark val="none"/>
+        <c:minorTickMark val="none"/>
+        <c:tickLblPos val="nextTo"/>
+        <c:spPr>
+          <a:noFill/>
+          <a:ln w="9525" cap="flat" cmpd="sng" algn="ctr">
+            <a:solidFill>
+              <a:schemeClr val="tx1">
+                <a:lumMod val="15000"/>
+                <a:lumOff val="85000"/>
+              </a:schemeClr>
+            </a:solidFill>
+            <a:round/>
+          </a:ln>
+          <a:effectLst/>
+        </c:spPr>
+        <c:txPr>
+          <a:bodyPr rot="0" spcFirstLastPara="1" vertOverflow="ellipsis" wrap="square" anchor="ctr" anchorCtr="1"/>
+          <a:lstStyle/>
+          <a:p>
+            <a:pPr>
+              <a:defRPr sz="900" b="0" i="1" u="none" strike="noStrike" kern="1200" baseline="0">
+                <a:solidFill>
+                  <a:schemeClr val="tx1">
+                    <a:lumMod val="65000"/>
+                    <a:lumOff val="35000"/>
+                  </a:schemeClr>
+                </a:solidFill>
+                <a:latin typeface="+mn-lt"/>
+                <a:ea typeface="+mn-ea"/>
+                <a:cs typeface="+mn-cs"/>
+              </a:defRPr>
+            </a:pPr>
+            <a:endParaRPr lang="de-DE"/>
+          </a:p>
+        </c:txPr>
+        <c:crossAx val="240816095"/>
+        <c:crosses val="autoZero"/>
+        <c:auto val="1"/>
+        <c:lblAlgn val="ctr"/>
+        <c:lblOffset val="100"/>
+        <c:noMultiLvlLbl val="0"/>
+      </c:catAx>
+      <c:valAx>
+        <c:axId val="240816095"/>
+        <c:scaling>
+          <c:orientation val="minMax"/>
+        </c:scaling>
+        <c:delete val="0"/>
+        <c:axPos val="l"/>
+        <c:majorGridlines>
+          <c:spPr>
+            <a:ln w="9525" cap="flat" cmpd="sng" algn="ctr">
+              <a:solidFill>
+                <a:schemeClr val="tx1">
+                  <a:lumMod val="15000"/>
+                  <a:lumOff val="85000"/>
+                </a:schemeClr>
+              </a:solidFill>
+              <a:round/>
+            </a:ln>
+            <a:effectLst/>
+          </c:spPr>
+        </c:majorGridlines>
+        <c:title>
+          <c:tx>
+            <c:rich>
+              <a:bodyPr rot="-5400000" spcFirstLastPara="1" vertOverflow="ellipsis" vert="horz" wrap="square" anchor="ctr" anchorCtr="1"/>
+              <a:lstStyle/>
+              <a:p>
+                <a:pPr>
+                  <a:defRPr sz="1000" b="0" i="0" u="none" strike="noStrike" kern="1200" baseline="0">
+                    <a:solidFill>
+                      <a:schemeClr val="tx1">
+                        <a:lumMod val="65000"/>
+                        <a:lumOff val="35000"/>
+                      </a:schemeClr>
+                    </a:solidFill>
+                    <a:latin typeface="+mn-lt"/>
+                    <a:ea typeface="+mn-ea"/>
+                    <a:cs typeface="+mn-cs"/>
+                  </a:defRPr>
+                </a:pPr>
+                <a:r>
+                  <a:rPr lang="de-DE"/>
+                  <a:t>Missing BUSCO genes (vertebrata_odb9) [%]</a:t>
+                </a:r>
+              </a:p>
+            </c:rich>
+          </c:tx>
+          <c:overlay val="0"/>
+          <c:spPr>
+            <a:noFill/>
+            <a:ln>
+              <a:noFill/>
+            </a:ln>
+            <a:effectLst/>
+          </c:spPr>
+          <c:txPr>
+            <a:bodyPr rot="-5400000" spcFirstLastPara="1" vertOverflow="ellipsis" vert="horz" wrap="square" anchor="ctr" anchorCtr="1"/>
+            <a:lstStyle/>
+            <a:p>
+              <a:pPr>
+                <a:defRPr sz="1000" b="0" i="0" u="none" strike="noStrike" kern="1200" baseline="0">
+                  <a:solidFill>
+                    <a:schemeClr val="tx1">
+                      <a:lumMod val="65000"/>
+                      <a:lumOff val="35000"/>
+                    </a:schemeClr>
+                  </a:solidFill>
+                  <a:latin typeface="+mn-lt"/>
+                  <a:ea typeface="+mn-ea"/>
+                  <a:cs typeface="+mn-cs"/>
+                </a:defRPr>
+              </a:pPr>
+              <a:endParaRPr lang="de-DE"/>
+            </a:p>
+          </c:txPr>
+        </c:title>
+        <c:numFmt formatCode="General" sourceLinked="1"/>
+        <c:majorTickMark val="none"/>
+        <c:minorTickMark val="none"/>
+        <c:tickLblPos val="nextTo"/>
+        <c:spPr>
+          <a:noFill/>
+          <a:ln>
+            <a:noFill/>
+          </a:ln>
+          <a:effectLst/>
+        </c:spPr>
+        <c:txPr>
+          <a:bodyPr rot="-60000000" spcFirstLastPara="1" vertOverflow="ellipsis" vert="horz" wrap="square" anchor="ctr" anchorCtr="1"/>
+          <a:lstStyle/>
+          <a:p>
+            <a:pPr>
+              <a:defRPr sz="900" b="0" i="0" u="none" strike="noStrike" kern="1200" baseline="0">
+                <a:solidFill>
+                  <a:schemeClr val="tx1">
+                    <a:lumMod val="65000"/>
+                    <a:lumOff val="35000"/>
+                  </a:schemeClr>
+                </a:solidFill>
+                <a:latin typeface="+mn-lt"/>
+                <a:ea typeface="+mn-ea"/>
+                <a:cs typeface="+mn-cs"/>
+              </a:defRPr>
+            </a:pPr>
+            <a:endParaRPr lang="de-DE"/>
+          </a:p>
+        </c:txPr>
+        <c:crossAx val="135202687"/>
+        <c:crosses val="autoZero"/>
+        <c:crossBetween val="between"/>
+      </c:valAx>
+      <c:spPr>
+        <a:noFill/>
+        <a:ln>
+          <a:noFill/>
+        </a:ln>
+        <a:effectLst/>
+      </c:spPr>
+    </c:plotArea>
+    <c:plotVisOnly val="1"/>
+    <c:dispBlanksAs val="gap"/>
+    <c:extLst>
+      <c:ext xmlns:c16r3="http://schemas.microsoft.com/office/drawing/2017/03/chart" uri="{56B9EC1D-385E-4148-901F-78D8002777C0}">
+        <c16r3:dataDisplayOptions16>
+          <c16r3:dispNaAsBlank val="1"/>
+        </c16r3:dataDisplayOptions16>
+      </c:ext>
+    </c:extLst>
+    <c:showDLblsOverMax val="0"/>
+  </c:chart>
+  <c:spPr>
+    <a:noFill/>
+    <a:ln>
+      <a:noFill/>
+    </a:ln>
+    <a:effectLst/>
+  </c:spPr>
+  <c:txPr>
+    <a:bodyPr rot="1200000"/>
+    <a:lstStyle/>
+    <a:p>
+      <a:pPr>
+        <a:defRPr/>
+      </a:pPr>
+      <a:endParaRPr lang="de-DE"/>
+    </a:p>
+  </c:txPr>
+  <c:externalData r:id="rId3">
+    <c:autoUpdate val="0"/>
+  </c:externalData>
+</c:chartSpace>
+</file>
+
+<file path=ppt/charts/chart4.xml><?xml version="1.0" encoding="utf-8"?>
+<c:chartSpace xmlns:c="http://schemas.openxmlformats.org/drawingml/2006/chart" xmlns:a="http://schemas.openxmlformats.org/drawingml/2006/main" xmlns:r="http://schemas.openxmlformats.org/officeDocument/2006/relationships" xmlns:c16r2="http://schemas.microsoft.com/office/drawing/2015/06/chart">
+  <c:date1904 val="0"/>
+  <c:lang val="de-DE"/>
+  <c:roundedCorners val="0"/>
+  <mc:AlternateContent xmlns:mc="http://schemas.openxmlformats.org/markup-compatibility/2006">
+    <mc:Choice xmlns:c14="http://schemas.microsoft.com/office/drawing/2007/8/2/chart" Requires="c14">
+      <c14:style val="102"/>
+    </mc:Choice>
+    <mc:Fallback>
+      <c:style val="2"/>
+    </mc:Fallback>
+  </mc:AlternateContent>
+  <c:chart>
+    <c:title>
+      <c:tx>
+        <c:rich>
+          <a:bodyPr rot="0" spcFirstLastPara="1" vertOverflow="ellipsis" vert="horz" wrap="square" anchor="ctr" anchorCtr="1"/>
+          <a:lstStyle/>
+          <a:p>
+            <a:pPr>
+              <a:defRPr sz="1400" b="0" i="0" u="none" strike="noStrike" kern="1200" spc="0" baseline="0">
+                <a:solidFill>
+                  <a:schemeClr val="tx1">
+                    <a:lumMod val="65000"/>
+                    <a:lumOff val="35000"/>
+                  </a:schemeClr>
+                </a:solidFill>
+                <a:latin typeface="+mn-lt"/>
+                <a:ea typeface="+mn-ea"/>
+                <a:cs typeface="+mn-cs"/>
+              </a:defRPr>
+            </a:pPr>
+            <a:r>
+              <a:rPr lang="de-DE" sz="1100" b="0" i="0" baseline="0">
+                <a:effectLst/>
+              </a:rPr>
+              <a:t>Transfer of </a:t>
+            </a:r>
+            <a:r>
+              <a:rPr lang="de-DE" sz="1100" b="0" i="1" baseline="0">
+                <a:effectLst/>
+              </a:rPr>
+              <a:t>B. bufo </a:t>
+            </a:r>
+            <a:r>
+              <a:rPr lang="de-DE" sz="1100" b="0" i="0" baseline="0">
+                <a:effectLst/>
+              </a:rPr>
+              <a:t>Refseq annotation (protein &amp; mRNA) to diverged amphibian genomes by HANNO </a:t>
+            </a:r>
+            <a:endParaRPr lang="de-DE" sz="1100">
+              <a:effectLst/>
+            </a:endParaRPr>
+          </a:p>
+        </c:rich>
+      </c:tx>
+      <c:overlay val="0"/>
+      <c:spPr>
+        <a:noFill/>
+        <a:ln>
+          <a:noFill/>
+        </a:ln>
+        <a:effectLst/>
+      </c:spPr>
+      <c:txPr>
+        <a:bodyPr rot="0" spcFirstLastPara="1" vertOverflow="ellipsis" vert="horz" wrap="square" anchor="ctr" anchorCtr="1"/>
+        <a:lstStyle/>
+        <a:p>
+          <a:pPr>
+            <a:defRPr sz="1400" b="0" i="0" u="none" strike="noStrike" kern="1200" spc="0" baseline="0">
+              <a:solidFill>
+                <a:schemeClr val="tx1">
+                  <a:lumMod val="65000"/>
+                  <a:lumOff val="35000"/>
+                </a:schemeClr>
+              </a:solidFill>
+              <a:latin typeface="+mn-lt"/>
+              <a:ea typeface="+mn-ea"/>
+              <a:cs typeface="+mn-cs"/>
+            </a:defRPr>
+          </a:pPr>
+          <a:endParaRPr lang="de-DE"/>
+        </a:p>
+      </c:txPr>
+    </c:title>
+    <c:autoTitleDeleted val="0"/>
+    <c:plotArea>
+      <c:layout/>
+      <c:barChart>
+        <c:barDir val="col"/>
+        <c:grouping val="clustered"/>
+        <c:varyColors val="0"/>
+        <c:ser>
+          <c:idx val="0"/>
+          <c:order val="0"/>
+          <c:spPr>
+            <a:solidFill>
+              <a:schemeClr val="accent1"/>
+            </a:solidFill>
+            <a:ln>
+              <a:noFill/>
+            </a:ln>
+            <a:effectLst/>
+          </c:spPr>
+          <c:invertIfNegative val="0"/>
+          <c:dLbls>
+            <c:numFmt formatCode="#,##0.0" sourceLinked="0"/>
+            <c:spPr>
+              <a:noFill/>
+              <a:ln>
+                <a:noFill/>
+              </a:ln>
+              <a:effectLst/>
+            </c:spPr>
+            <c:txPr>
+              <a:bodyPr rot="0" spcFirstLastPara="1" vertOverflow="ellipsis" vert="horz" wrap="square" lIns="38100" tIns="19050" rIns="38100" bIns="19050" anchor="ctr" anchorCtr="1">
+                <a:spAutoFit/>
+              </a:bodyPr>
+              <a:lstStyle/>
+              <a:p>
+                <a:pPr>
+                  <a:defRPr sz="900" b="0" i="0" u="none" strike="noStrike" kern="1200" baseline="0">
+                    <a:solidFill>
+                      <a:schemeClr val="tx1">
+                        <a:lumMod val="75000"/>
+                        <a:lumOff val="25000"/>
+                      </a:schemeClr>
+                    </a:solidFill>
+                    <a:latin typeface="+mn-lt"/>
+                    <a:ea typeface="+mn-ea"/>
+                    <a:cs typeface="+mn-cs"/>
+                  </a:defRPr>
+                </a:pPr>
+                <a:endParaRPr lang="de-DE"/>
+              </a:p>
+            </c:txPr>
+            <c:showLegendKey val="0"/>
+            <c:showVal val="1"/>
+            <c:showCatName val="0"/>
+            <c:showSerName val="0"/>
+            <c:showPercent val="0"/>
+            <c:showBubbleSize val="0"/>
+            <c:showLeaderLines val="0"/>
+            <c:extLst>
+              <c:ext xmlns:c15="http://schemas.microsoft.com/office/drawing/2012/chart" uri="{CE6537A1-D6FC-4f65-9D91-7224C49458BB}">
+                <c15:showLeaderLines val="1"/>
+                <c15:leaderLines>
+                  <c:spPr>
+                    <a:ln w="9525" cap="flat" cmpd="sng" algn="ctr">
+                      <a:solidFill>
+                        <a:schemeClr val="tx1">
+                          <a:lumMod val="35000"/>
+                          <a:lumOff val="65000"/>
+                        </a:schemeClr>
+                      </a:solidFill>
+                      <a:round/>
+                    </a:ln>
+                    <a:effectLst/>
+                  </c:spPr>
+                </c15:leaderLines>
+              </c:ext>
+            </c:extLst>
+          </c:dLbls>
+          <c:cat>
+            <c:strRef>
+              <c:f>'Suppl. Data 3 - AMPHIBIA-BUSCO'!$I$2:$I$8</c:f>
+              <c:strCache>
+                <c:ptCount val="7"/>
+                <c:pt idx="0">
+                  <c:v>Bufo bufo              input annotation</c:v>
+                </c:pt>
+                <c:pt idx="1">
+                  <c:v>Bufo bufo                       (0 MYA)</c:v>
+                </c:pt>
+                <c:pt idx="2">
+                  <c:v>Bufotes viridis         (31,9 MYA)</c:v>
+                </c:pt>
+                <c:pt idx="3">
+                  <c:v>Leptodactylus fuscus (68 MYA)</c:v>
+                </c:pt>
+                <c:pt idx="4">
+                  <c:v>Spea bombifrons      (192 MYA)</c:v>
+                </c:pt>
+                <c:pt idx="5">
+                  <c:v>Xenopus tropicalis (202 MYA)</c:v>
+                </c:pt>
+                <c:pt idx="6">
+                  <c:v>Bombina bombina (210 MYA)</c:v>
+                </c:pt>
+              </c:strCache>
+            </c:strRef>
+          </c:cat>
+          <c:val>
+            <c:numRef>
+              <c:f>'Suppl. Data 3 - AMPHIBIA-BUSCO'!$B$2:$B$8</c:f>
+              <c:numCache>
+                <c:formatCode>General</c:formatCode>
+                <c:ptCount val="7"/>
+                <c:pt idx="0" formatCode="0.0000">
+                  <c:v>98</c:v>
+                </c:pt>
+                <c:pt idx="1">
+                  <c:v>96.287700000000001</c:v>
+                </c:pt>
+                <c:pt idx="2">
+                  <c:v>96.674400000000006</c:v>
+                </c:pt>
+                <c:pt idx="3">
+                  <c:v>96.713099999999997</c:v>
+                </c:pt>
+                <c:pt idx="4">
+                  <c:v>95.823700000000002</c:v>
+                </c:pt>
+                <c:pt idx="5">
+                  <c:v>95.398300000000006</c:v>
+                </c:pt>
+                <c:pt idx="6">
+                  <c:v>89.907200000000003</c:v>
+                </c:pt>
+              </c:numCache>
+            </c:numRef>
+          </c:val>
+          <c:extLst>
+            <c:ext xmlns:c16="http://schemas.microsoft.com/office/drawing/2014/chart" uri="{C3380CC4-5D6E-409C-BE32-E72D297353CC}">
+              <c16:uniqueId val="{00000000-1666-4777-8A0F-53C3D9423866}"/>
+            </c:ext>
+          </c:extLst>
+        </c:ser>
+        <c:dLbls>
+          <c:showLegendKey val="0"/>
+          <c:showVal val="0"/>
+          <c:showCatName val="0"/>
+          <c:showSerName val="0"/>
+          <c:showPercent val="0"/>
+          <c:showBubbleSize val="0"/>
+        </c:dLbls>
+        <c:gapWidth val="219"/>
+        <c:overlap val="-27"/>
+        <c:axId val="135202687"/>
+        <c:axId val="240816095"/>
+      </c:barChart>
+      <c:catAx>
+        <c:axId val="135202687"/>
+        <c:scaling>
+          <c:orientation val="minMax"/>
+        </c:scaling>
+        <c:delete val="0"/>
+        <c:axPos val="b"/>
+        <c:numFmt formatCode="General" sourceLinked="1"/>
+        <c:majorTickMark val="none"/>
+        <c:minorTickMark val="none"/>
+        <c:tickLblPos val="nextTo"/>
+        <c:spPr>
+          <a:noFill/>
+          <a:ln w="9525" cap="flat" cmpd="sng" algn="ctr">
+            <a:solidFill>
+              <a:schemeClr val="tx1">
+                <a:lumMod val="15000"/>
+                <a:lumOff val="85000"/>
+              </a:schemeClr>
+            </a:solidFill>
+            <a:round/>
+          </a:ln>
+          <a:effectLst/>
+        </c:spPr>
+        <c:txPr>
+          <a:bodyPr rot="0" spcFirstLastPara="1" vertOverflow="ellipsis" wrap="square" anchor="ctr" anchorCtr="1"/>
+          <a:lstStyle/>
+          <a:p>
+            <a:pPr>
+              <a:defRPr sz="900" b="0" i="1" u="none" strike="noStrike" kern="1200" baseline="0">
+                <a:solidFill>
+                  <a:schemeClr val="tx1">
+                    <a:lumMod val="65000"/>
+                    <a:lumOff val="35000"/>
+                  </a:schemeClr>
+                </a:solidFill>
+                <a:latin typeface="+mn-lt"/>
+                <a:ea typeface="+mn-ea"/>
+                <a:cs typeface="+mn-cs"/>
+              </a:defRPr>
+            </a:pPr>
+            <a:endParaRPr lang="de-DE"/>
+          </a:p>
+        </c:txPr>
+        <c:crossAx val="240816095"/>
+        <c:crosses val="autoZero"/>
+        <c:auto val="1"/>
+        <c:lblAlgn val="ctr"/>
+        <c:lblOffset val="100"/>
+        <c:noMultiLvlLbl val="0"/>
+      </c:catAx>
+      <c:valAx>
+        <c:axId val="240816095"/>
+        <c:scaling>
+          <c:orientation val="minMax"/>
+        </c:scaling>
+        <c:delete val="0"/>
+        <c:axPos val="l"/>
+        <c:majorGridlines>
+          <c:spPr>
+            <a:ln w="9525" cap="flat" cmpd="sng" algn="ctr">
+              <a:solidFill>
+                <a:schemeClr val="tx1">
+                  <a:lumMod val="15000"/>
+                  <a:lumOff val="85000"/>
+                </a:schemeClr>
+              </a:solidFill>
+              <a:round/>
+            </a:ln>
+            <a:effectLst/>
+          </c:spPr>
+        </c:majorGridlines>
+        <c:title>
+          <c:tx>
+            <c:rich>
+              <a:bodyPr rot="-5400000" spcFirstLastPara="1" vertOverflow="ellipsis" vert="horz" wrap="square" anchor="ctr" anchorCtr="1"/>
+              <a:lstStyle/>
+              <a:p>
+                <a:pPr>
+                  <a:defRPr sz="1000" b="0" i="0" u="none" strike="noStrike" kern="1200" baseline="0">
+                    <a:solidFill>
+                      <a:schemeClr val="tx1">
+                        <a:lumMod val="65000"/>
+                        <a:lumOff val="35000"/>
+                      </a:schemeClr>
+                    </a:solidFill>
+                    <a:latin typeface="+mn-lt"/>
+                    <a:ea typeface="+mn-ea"/>
+                    <a:cs typeface="+mn-cs"/>
+                  </a:defRPr>
+                </a:pPr>
+                <a:r>
+                  <a:rPr lang="de-DE"/>
+                  <a:t>Complete BUSCO genes (vertebrata_odb9) [%]</a:t>
+                </a:r>
+              </a:p>
+            </c:rich>
+          </c:tx>
+          <c:overlay val="0"/>
+          <c:spPr>
+            <a:noFill/>
+            <a:ln>
+              <a:noFill/>
+            </a:ln>
+            <a:effectLst/>
+          </c:spPr>
+          <c:txPr>
+            <a:bodyPr rot="-5400000" spcFirstLastPara="1" vertOverflow="ellipsis" vert="horz" wrap="square" anchor="ctr" anchorCtr="1"/>
+            <a:lstStyle/>
+            <a:p>
+              <a:pPr>
+                <a:defRPr sz="1000" b="0" i="0" u="none" strike="noStrike" kern="1200" baseline="0">
+                  <a:solidFill>
+                    <a:schemeClr val="tx1">
+                      <a:lumMod val="65000"/>
+                      <a:lumOff val="35000"/>
+                    </a:schemeClr>
+                  </a:solidFill>
+                  <a:latin typeface="+mn-lt"/>
+                  <a:ea typeface="+mn-ea"/>
+                  <a:cs typeface="+mn-cs"/>
+                </a:defRPr>
+              </a:pPr>
+              <a:endParaRPr lang="de-DE"/>
+            </a:p>
+          </c:txPr>
+        </c:title>
+        <c:numFmt formatCode="0.0000" sourceLinked="1"/>
+        <c:majorTickMark val="none"/>
+        <c:minorTickMark val="none"/>
+        <c:tickLblPos val="nextTo"/>
+        <c:spPr>
+          <a:noFill/>
+          <a:ln>
+            <a:noFill/>
+          </a:ln>
+          <a:effectLst/>
+        </c:spPr>
+        <c:txPr>
+          <a:bodyPr rot="-60000000" spcFirstLastPara="1" vertOverflow="ellipsis" vert="horz" wrap="square" anchor="ctr" anchorCtr="1"/>
+          <a:lstStyle/>
+          <a:p>
+            <a:pPr>
+              <a:defRPr sz="900" b="0" i="0" u="none" strike="noStrike" kern="1200" baseline="0">
+                <a:solidFill>
+                  <a:schemeClr val="tx1">
+                    <a:lumMod val="65000"/>
+                    <a:lumOff val="35000"/>
+                  </a:schemeClr>
+                </a:solidFill>
+                <a:latin typeface="+mn-lt"/>
+                <a:ea typeface="+mn-ea"/>
+                <a:cs typeface="+mn-cs"/>
+              </a:defRPr>
+            </a:pPr>
+            <a:endParaRPr lang="de-DE"/>
+          </a:p>
+        </c:txPr>
+        <c:crossAx val="135202687"/>
+        <c:crosses val="autoZero"/>
+        <c:crossBetween val="between"/>
+      </c:valAx>
+      <c:spPr>
+        <a:noFill/>
+        <a:ln>
+          <a:noFill/>
+        </a:ln>
+        <a:effectLst/>
+      </c:spPr>
+    </c:plotArea>
+    <c:plotVisOnly val="1"/>
+    <c:dispBlanksAs val="gap"/>
+    <c:extLst>
+      <c:ext xmlns:c16r3="http://schemas.microsoft.com/office/drawing/2017/03/chart" uri="{56B9EC1D-385E-4148-901F-78D8002777C0}">
+        <c16r3:dataDisplayOptions16>
+          <c16r3:dispNaAsBlank val="1"/>
+        </c16r3:dataDisplayOptions16>
+      </c:ext>
+    </c:extLst>
+    <c:showDLblsOverMax val="0"/>
+  </c:chart>
+  <c:spPr>
+    <a:noFill/>
+    <a:ln>
+      <a:noFill/>
+    </a:ln>
+    <a:effectLst/>
+  </c:spPr>
+  <c:txPr>
+    <a:bodyPr rot="1200000"/>
+    <a:lstStyle/>
+    <a:p>
+      <a:pPr>
+        <a:defRPr/>
+      </a:pPr>
+      <a:endParaRPr lang="de-DE"/>
+    </a:p>
+  </c:txPr>
+  <c:externalData r:id="rId3">
+    <c:autoUpdate val="0"/>
+  </c:externalData>
+</c:chartSpace>
+</file>
+
+<file path=ppt/charts/chart5.xml><?xml version="1.0" encoding="utf-8"?>
+<c:chartSpace xmlns:c="http://schemas.openxmlformats.org/drawingml/2006/chart" xmlns:a="http://schemas.openxmlformats.org/drawingml/2006/main" xmlns:r="http://schemas.openxmlformats.org/officeDocument/2006/relationships" xmlns:c16r2="http://schemas.microsoft.com/office/drawing/2015/06/chart">
+  <c:date1904 val="0"/>
+  <c:lang val="de-DE"/>
+  <c:roundedCorners val="0"/>
+  <mc:AlternateContent xmlns:mc="http://schemas.openxmlformats.org/markup-compatibility/2006">
+    <mc:Choice xmlns:c14="http://schemas.microsoft.com/office/drawing/2007/8/2/chart" Requires="c14">
+      <c14:style val="102"/>
+    </mc:Choice>
+    <mc:Fallback>
+      <c:style val="2"/>
+    </mc:Fallback>
+  </mc:AlternateContent>
+  <c:chart>
+    <c:autoTitleDeleted val="1"/>
+    <c:plotArea>
+      <c:layout/>
+      <c:barChart>
+        <c:barDir val="col"/>
+        <c:grouping val="clustered"/>
+        <c:varyColors val="0"/>
+        <c:ser>
+          <c:idx val="0"/>
+          <c:order val="0"/>
+          <c:spPr>
+            <a:solidFill>
+              <a:schemeClr val="accent1"/>
+            </a:solidFill>
+            <a:ln>
+              <a:noFill/>
+            </a:ln>
+            <a:effectLst/>
+          </c:spPr>
+          <c:invertIfNegative val="0"/>
+          <c:dLbls>
+            <c:numFmt formatCode="#,##0.0" sourceLinked="0"/>
+            <c:spPr>
+              <a:noFill/>
+              <a:ln>
+                <a:noFill/>
+              </a:ln>
+              <a:effectLst/>
+            </c:spPr>
+            <c:txPr>
+              <a:bodyPr rot="0" spcFirstLastPara="1" vertOverflow="ellipsis" vert="horz" wrap="square" lIns="38100" tIns="19050" rIns="38100" bIns="19050" anchor="ctr" anchorCtr="1">
+                <a:spAutoFit/>
+              </a:bodyPr>
+              <a:lstStyle/>
+              <a:p>
+                <a:pPr>
+                  <a:defRPr sz="900" b="0" i="0" u="none" strike="noStrike" kern="1200" baseline="0">
+                    <a:solidFill>
+                      <a:schemeClr val="tx1">
+                        <a:lumMod val="75000"/>
+                        <a:lumOff val="25000"/>
+                      </a:schemeClr>
+                    </a:solidFill>
+                    <a:latin typeface="+mn-lt"/>
+                    <a:ea typeface="+mn-ea"/>
+                    <a:cs typeface="+mn-cs"/>
+                  </a:defRPr>
+                </a:pPr>
+                <a:endParaRPr lang="de-DE"/>
+              </a:p>
+            </c:txPr>
+            <c:showLegendKey val="0"/>
+            <c:showVal val="1"/>
+            <c:showCatName val="0"/>
+            <c:showSerName val="0"/>
+            <c:showPercent val="0"/>
+            <c:showBubbleSize val="0"/>
+            <c:showLeaderLines val="0"/>
+            <c:extLst>
+              <c:ext xmlns:c15="http://schemas.microsoft.com/office/drawing/2012/chart" uri="{CE6537A1-D6FC-4f65-9D91-7224C49458BB}">
+                <c15:showLeaderLines val="1"/>
+                <c15:leaderLines>
+                  <c:spPr>
+                    <a:ln w="9525" cap="flat" cmpd="sng" algn="ctr">
+                      <a:solidFill>
+                        <a:schemeClr val="tx1">
+                          <a:lumMod val="35000"/>
+                          <a:lumOff val="65000"/>
+                        </a:schemeClr>
+                      </a:solidFill>
+                      <a:round/>
+                    </a:ln>
+                    <a:effectLst/>
+                  </c:spPr>
+                </c15:leaderLines>
+              </c:ext>
+            </c:extLst>
+          </c:dLbls>
+          <c:cat>
+            <c:strRef>
+              <c:f>'Suppl. Data 4 - BIRDS-BUSCO'!$I$2:$I$8</c:f>
+              <c:strCache>
+                <c:ptCount val="7"/>
+                <c:pt idx="0">
+                  <c:v>Taeniopygia guttata input annotation</c:v>
+                </c:pt>
+                <c:pt idx="1">
+                  <c:v>Taeniopygia guttata               (0 MYA)</c:v>
+                </c:pt>
+                <c:pt idx="2">
+                  <c:v>Serinus canaria                    (24 MYA)</c:v>
+                </c:pt>
+                <c:pt idx="3">
+                  <c:v>Myiozetetes cayanensis     (26 MYA)</c:v>
+                </c:pt>
+                <c:pt idx="4">
+                  <c:v>Phaethornis superciliosus                    (76 MYA)</c:v>
+                </c:pt>
+                <c:pt idx="5">
+                  <c:v>Gallus gallus                         (91 MYA)</c:v>
+                </c:pt>
+                <c:pt idx="6">
+                  <c:v>Dromaius novaehollandiae (108 MYA)</c:v>
+                </c:pt>
+              </c:strCache>
+            </c:strRef>
+          </c:cat>
+          <c:val>
+            <c:numRef>
+              <c:f>'Suppl. Data 4 - BIRDS-BUSCO'!$F$2:$F$8</c:f>
+              <c:numCache>
+                <c:formatCode>General</c:formatCode>
+                <c:ptCount val="7"/>
+                <c:pt idx="0">
+                  <c:v>0.7</c:v>
+                </c:pt>
+                <c:pt idx="1">
+                  <c:v>1.40387</c:v>
+                </c:pt>
+                <c:pt idx="2">
+                  <c:v>1.93286</c:v>
+                </c:pt>
+                <c:pt idx="3">
+                  <c:v>2.0956299999999999</c:v>
+                </c:pt>
+                <c:pt idx="4">
+                  <c:v>1.93286</c:v>
+                </c:pt>
+                <c:pt idx="5">
+                  <c:v>1.87182</c:v>
+                </c:pt>
+                <c:pt idx="6">
+                  <c:v>1.87182</c:v>
+                </c:pt>
+              </c:numCache>
+            </c:numRef>
+          </c:val>
+          <c:extLst>
+            <c:ext xmlns:c16="http://schemas.microsoft.com/office/drawing/2014/chart" uri="{C3380CC4-5D6E-409C-BE32-E72D297353CC}">
+              <c16:uniqueId val="{00000000-E389-4EE8-A815-814A4E2259E9}"/>
+            </c:ext>
+          </c:extLst>
+        </c:ser>
+        <c:dLbls>
+          <c:showLegendKey val="0"/>
+          <c:showVal val="0"/>
+          <c:showCatName val="0"/>
+          <c:showSerName val="0"/>
+          <c:showPercent val="0"/>
+          <c:showBubbleSize val="0"/>
+        </c:dLbls>
+        <c:gapWidth val="219"/>
+        <c:overlap val="-27"/>
+        <c:axId val="135202687"/>
+        <c:axId val="240816095"/>
+      </c:barChart>
+      <c:catAx>
+        <c:axId val="135202687"/>
+        <c:scaling>
+          <c:orientation val="minMax"/>
+        </c:scaling>
+        <c:delete val="0"/>
+        <c:axPos val="b"/>
+        <c:numFmt formatCode="General" sourceLinked="1"/>
+        <c:majorTickMark val="none"/>
+        <c:minorTickMark val="none"/>
+        <c:tickLblPos val="nextTo"/>
+        <c:spPr>
+          <a:noFill/>
+          <a:ln w="9525" cap="flat" cmpd="sng" algn="ctr">
+            <a:solidFill>
+              <a:schemeClr val="tx1">
+                <a:lumMod val="15000"/>
+                <a:lumOff val="85000"/>
+              </a:schemeClr>
+            </a:solidFill>
+            <a:round/>
+          </a:ln>
+          <a:effectLst/>
+        </c:spPr>
+        <c:txPr>
+          <a:bodyPr rot="0" spcFirstLastPara="1" vertOverflow="ellipsis" wrap="square" anchor="ctr" anchorCtr="1"/>
+          <a:lstStyle/>
+          <a:p>
+            <a:pPr>
+              <a:defRPr sz="900" b="0" i="1" u="none" strike="noStrike" kern="1200" baseline="0">
+                <a:solidFill>
+                  <a:schemeClr val="tx1">
+                    <a:lumMod val="65000"/>
+                    <a:lumOff val="35000"/>
+                  </a:schemeClr>
+                </a:solidFill>
+                <a:latin typeface="+mn-lt"/>
+                <a:ea typeface="+mn-ea"/>
+                <a:cs typeface="+mn-cs"/>
+              </a:defRPr>
+            </a:pPr>
+            <a:endParaRPr lang="de-DE"/>
+          </a:p>
+        </c:txPr>
+        <c:crossAx val="240816095"/>
+        <c:crosses val="autoZero"/>
+        <c:auto val="1"/>
+        <c:lblAlgn val="ctr"/>
+        <c:lblOffset val="100"/>
+        <c:noMultiLvlLbl val="0"/>
+      </c:catAx>
+      <c:valAx>
+        <c:axId val="240816095"/>
+        <c:scaling>
+          <c:orientation val="minMax"/>
+        </c:scaling>
+        <c:delete val="0"/>
+        <c:axPos val="l"/>
+        <c:majorGridlines>
+          <c:spPr>
+            <a:ln w="9525" cap="flat" cmpd="sng" algn="ctr">
+              <a:solidFill>
+                <a:schemeClr val="tx1">
+                  <a:lumMod val="15000"/>
+                  <a:lumOff val="85000"/>
+                </a:schemeClr>
+              </a:solidFill>
+              <a:round/>
+            </a:ln>
+            <a:effectLst/>
+          </c:spPr>
+        </c:majorGridlines>
+        <c:title>
+          <c:tx>
+            <c:rich>
+              <a:bodyPr rot="-5400000" spcFirstLastPara="1" vertOverflow="ellipsis" vert="horz" wrap="square" anchor="ctr" anchorCtr="1"/>
+              <a:lstStyle/>
+              <a:p>
+                <a:pPr>
+                  <a:defRPr sz="1000" b="0" i="0" u="none" strike="noStrike" kern="1200" baseline="0">
+                    <a:solidFill>
+                      <a:schemeClr val="tx1">
+                        <a:lumMod val="65000"/>
+                        <a:lumOff val="35000"/>
+                      </a:schemeClr>
+                    </a:solidFill>
+                    <a:latin typeface="+mn-lt"/>
+                    <a:ea typeface="+mn-ea"/>
+                    <a:cs typeface="+mn-cs"/>
+                  </a:defRPr>
+                </a:pPr>
+                <a:r>
+                  <a:rPr lang="de-DE"/>
+                  <a:t>Missing BUSCO genes (aves_odb9) [%]</a:t>
+                </a:r>
+              </a:p>
+            </c:rich>
+          </c:tx>
+          <c:overlay val="0"/>
+          <c:spPr>
+            <a:noFill/>
+            <a:ln>
+              <a:noFill/>
+            </a:ln>
+            <a:effectLst/>
+          </c:spPr>
+          <c:txPr>
+            <a:bodyPr rot="-5400000" spcFirstLastPara="1" vertOverflow="ellipsis" vert="horz" wrap="square" anchor="ctr" anchorCtr="1"/>
+            <a:lstStyle/>
+            <a:p>
+              <a:pPr>
+                <a:defRPr sz="1000" b="0" i="0" u="none" strike="noStrike" kern="1200" baseline="0">
+                  <a:solidFill>
+                    <a:schemeClr val="tx1">
+                      <a:lumMod val="65000"/>
+                      <a:lumOff val="35000"/>
+                    </a:schemeClr>
+                  </a:solidFill>
+                  <a:latin typeface="+mn-lt"/>
+                  <a:ea typeface="+mn-ea"/>
+                  <a:cs typeface="+mn-cs"/>
+                </a:defRPr>
+              </a:pPr>
+              <a:endParaRPr lang="de-DE"/>
+            </a:p>
+          </c:txPr>
+        </c:title>
+        <c:numFmt formatCode="General" sourceLinked="1"/>
+        <c:majorTickMark val="none"/>
+        <c:minorTickMark val="none"/>
+        <c:tickLblPos val="nextTo"/>
+        <c:spPr>
+          <a:noFill/>
+          <a:ln>
+            <a:noFill/>
+          </a:ln>
+          <a:effectLst/>
+        </c:spPr>
+        <c:txPr>
+          <a:bodyPr rot="-60000000" spcFirstLastPara="1" vertOverflow="ellipsis" vert="horz" wrap="square" anchor="ctr" anchorCtr="1"/>
+          <a:lstStyle/>
+          <a:p>
+            <a:pPr>
+              <a:defRPr sz="900" b="0" i="0" u="none" strike="noStrike" kern="1200" baseline="0">
+                <a:solidFill>
+                  <a:schemeClr val="tx1">
+                    <a:lumMod val="65000"/>
+                    <a:lumOff val="35000"/>
+                  </a:schemeClr>
+                </a:solidFill>
+                <a:latin typeface="+mn-lt"/>
+                <a:ea typeface="+mn-ea"/>
+                <a:cs typeface="+mn-cs"/>
+              </a:defRPr>
+            </a:pPr>
+            <a:endParaRPr lang="de-DE"/>
+          </a:p>
+        </c:txPr>
+        <c:crossAx val="135202687"/>
+        <c:crosses val="autoZero"/>
+        <c:crossBetween val="between"/>
+      </c:valAx>
+      <c:spPr>
+        <a:noFill/>
+        <a:ln>
+          <a:noFill/>
+        </a:ln>
+        <a:effectLst/>
+      </c:spPr>
+    </c:plotArea>
+    <c:plotVisOnly val="1"/>
+    <c:dispBlanksAs val="gap"/>
+    <c:extLst>
+      <c:ext xmlns:c16r3="http://schemas.microsoft.com/office/drawing/2017/03/chart" uri="{56B9EC1D-385E-4148-901F-78D8002777C0}">
+        <c16r3:dataDisplayOptions16>
+          <c16r3:dispNaAsBlank val="1"/>
+        </c16r3:dataDisplayOptions16>
+      </c:ext>
+    </c:extLst>
+    <c:showDLblsOverMax val="0"/>
+  </c:chart>
+  <c:spPr>
+    <a:noFill/>
+    <a:ln>
+      <a:noFill/>
+    </a:ln>
+    <a:effectLst/>
+  </c:spPr>
+  <c:txPr>
+    <a:bodyPr rot="1200000"/>
+    <a:lstStyle/>
+    <a:p>
+      <a:pPr>
+        <a:defRPr/>
+      </a:pPr>
+      <a:endParaRPr lang="de-DE"/>
+    </a:p>
+  </c:txPr>
+  <c:externalData r:id="rId3">
+    <c:autoUpdate val="0"/>
+  </c:externalData>
+</c:chartSpace>
+</file>
+
+<file path=ppt/charts/chart6.xml><?xml version="1.0" encoding="utf-8"?>
+<c:chartSpace xmlns:c="http://schemas.openxmlformats.org/drawingml/2006/chart" xmlns:a="http://schemas.openxmlformats.org/drawingml/2006/main" xmlns:r="http://schemas.openxmlformats.org/officeDocument/2006/relationships" xmlns:c16r2="http://schemas.microsoft.com/office/drawing/2015/06/chart">
+  <c:date1904 val="0"/>
+  <c:lang val="de-DE"/>
+  <c:roundedCorners val="0"/>
+  <mc:AlternateContent xmlns:mc="http://schemas.openxmlformats.org/markup-compatibility/2006">
+    <mc:Choice xmlns:c14="http://schemas.microsoft.com/office/drawing/2007/8/2/chart" Requires="c14">
+      <c14:style val="102"/>
+    </mc:Choice>
+    <mc:Fallback>
+      <c:style val="2"/>
+    </mc:Fallback>
+  </mc:AlternateContent>
+  <c:chart>
+    <c:title>
+      <c:tx>
+        <c:rich>
+          <a:bodyPr rot="0" spcFirstLastPara="1" vertOverflow="ellipsis" vert="horz" wrap="square" anchor="ctr" anchorCtr="1"/>
+          <a:lstStyle/>
+          <a:p>
+            <a:pPr>
+              <a:defRPr sz="1400" b="0" i="0" u="none" strike="noStrike" kern="1200" spc="0" baseline="0">
+                <a:solidFill>
+                  <a:schemeClr val="tx1">
+                    <a:lumMod val="65000"/>
+                    <a:lumOff val="35000"/>
+                  </a:schemeClr>
+                </a:solidFill>
+                <a:latin typeface="+mn-lt"/>
+                <a:ea typeface="+mn-ea"/>
+                <a:cs typeface="+mn-cs"/>
+              </a:defRPr>
+            </a:pPr>
+            <a:r>
+              <a:rPr lang="de-DE" sz="1100" b="0" i="0" baseline="0">
+                <a:effectLst/>
+              </a:rPr>
+              <a:t>Transfer of </a:t>
+            </a:r>
+            <a:r>
+              <a:rPr lang="de-DE" sz="1100" b="0" i="1" baseline="0">
+                <a:effectLst/>
+              </a:rPr>
+              <a:t>T. guttata </a:t>
+            </a:r>
+            <a:r>
+              <a:rPr lang="de-DE" sz="1100" b="0" i="0" baseline="0">
+                <a:effectLst/>
+              </a:rPr>
+              <a:t>Refseq annotation (protein &amp; mRNA) to diverged bird genomes by HANNO </a:t>
+            </a:r>
+            <a:endParaRPr lang="de-DE" sz="1100">
+              <a:effectLst/>
+            </a:endParaRPr>
+          </a:p>
+        </c:rich>
+      </c:tx>
+      <c:overlay val="0"/>
+      <c:spPr>
+        <a:noFill/>
+        <a:ln>
+          <a:noFill/>
+        </a:ln>
+        <a:effectLst/>
+      </c:spPr>
+      <c:txPr>
+        <a:bodyPr rot="0" spcFirstLastPara="1" vertOverflow="ellipsis" vert="horz" wrap="square" anchor="ctr" anchorCtr="1"/>
+        <a:lstStyle/>
+        <a:p>
+          <a:pPr>
+            <a:defRPr sz="1400" b="0" i="0" u="none" strike="noStrike" kern="1200" spc="0" baseline="0">
+              <a:solidFill>
+                <a:schemeClr val="tx1">
+                  <a:lumMod val="65000"/>
+                  <a:lumOff val="35000"/>
+                </a:schemeClr>
+              </a:solidFill>
+              <a:latin typeface="+mn-lt"/>
+              <a:ea typeface="+mn-ea"/>
+              <a:cs typeface="+mn-cs"/>
+            </a:defRPr>
+          </a:pPr>
+          <a:endParaRPr lang="de-DE"/>
+        </a:p>
+      </c:txPr>
+    </c:title>
+    <c:autoTitleDeleted val="0"/>
+    <c:plotArea>
+      <c:layout/>
+      <c:barChart>
+        <c:barDir val="col"/>
+        <c:grouping val="clustered"/>
+        <c:varyColors val="0"/>
+        <c:ser>
+          <c:idx val="0"/>
+          <c:order val="0"/>
+          <c:spPr>
+            <a:solidFill>
+              <a:schemeClr val="accent1"/>
+            </a:solidFill>
+            <a:ln>
+              <a:noFill/>
+            </a:ln>
+            <a:effectLst/>
+          </c:spPr>
+          <c:invertIfNegative val="0"/>
+          <c:dLbls>
+            <c:numFmt formatCode="#,##0.0" sourceLinked="0"/>
+            <c:spPr>
+              <a:noFill/>
+              <a:ln>
+                <a:noFill/>
+              </a:ln>
+              <a:effectLst/>
+            </c:spPr>
+            <c:txPr>
+              <a:bodyPr rot="0" spcFirstLastPara="1" vertOverflow="ellipsis" vert="horz" wrap="square" lIns="38100" tIns="19050" rIns="38100" bIns="19050" anchor="ctr" anchorCtr="1">
+                <a:spAutoFit/>
+              </a:bodyPr>
+              <a:lstStyle/>
+              <a:p>
+                <a:pPr>
+                  <a:defRPr sz="900" b="0" i="0" u="none" strike="noStrike" kern="1200" baseline="0">
+                    <a:solidFill>
+                      <a:schemeClr val="tx1">
+                        <a:lumMod val="75000"/>
+                        <a:lumOff val="25000"/>
+                      </a:schemeClr>
+                    </a:solidFill>
+                    <a:latin typeface="+mn-lt"/>
+                    <a:ea typeface="+mn-ea"/>
+                    <a:cs typeface="+mn-cs"/>
+                  </a:defRPr>
+                </a:pPr>
+                <a:endParaRPr lang="de-DE"/>
+              </a:p>
+            </c:txPr>
+            <c:showLegendKey val="0"/>
+            <c:showVal val="1"/>
+            <c:showCatName val="0"/>
+            <c:showSerName val="0"/>
+            <c:showPercent val="0"/>
+            <c:showBubbleSize val="0"/>
+            <c:showLeaderLines val="0"/>
+            <c:extLst>
+              <c:ext xmlns:c15="http://schemas.microsoft.com/office/drawing/2012/chart" uri="{CE6537A1-D6FC-4f65-9D91-7224C49458BB}">
+                <c15:showLeaderLines val="1"/>
+                <c15:leaderLines>
+                  <c:spPr>
+                    <a:ln w="9525" cap="flat" cmpd="sng" algn="ctr">
+                      <a:solidFill>
+                        <a:schemeClr val="tx1">
+                          <a:lumMod val="35000"/>
+                          <a:lumOff val="65000"/>
+                        </a:schemeClr>
+                      </a:solidFill>
+                      <a:round/>
+                    </a:ln>
+                    <a:effectLst/>
+                  </c:spPr>
+                </c15:leaderLines>
+              </c:ext>
+            </c:extLst>
+          </c:dLbls>
+          <c:cat>
+            <c:strRef>
+              <c:f>'Suppl. Data 4 - BIRDS-BUSCO'!$I$2:$I$8</c:f>
+              <c:strCache>
+                <c:ptCount val="7"/>
+                <c:pt idx="0">
+                  <c:v>Taeniopygia guttata input annotation</c:v>
+                </c:pt>
+                <c:pt idx="1">
+                  <c:v>Taeniopygia guttata               (0 MYA)</c:v>
+                </c:pt>
+                <c:pt idx="2">
+                  <c:v>Serinus canaria                    (24 MYA)</c:v>
+                </c:pt>
+                <c:pt idx="3">
+                  <c:v>Myiozetetes cayanensis     (26 MYA)</c:v>
+                </c:pt>
+                <c:pt idx="4">
+                  <c:v>Phaethornis superciliosus                    (76 MYA)</c:v>
+                </c:pt>
+                <c:pt idx="5">
+                  <c:v>Gallus gallus                         (91 MYA)</c:v>
+                </c:pt>
+                <c:pt idx="6">
+                  <c:v>Dromaius novaehollandiae (108 MYA)</c:v>
+                </c:pt>
+              </c:strCache>
+            </c:strRef>
+          </c:cat>
+          <c:val>
+            <c:numRef>
+              <c:f>'Suppl. Data 4 - BIRDS-BUSCO'!$B$2:$B$8</c:f>
+              <c:numCache>
+                <c:formatCode>General</c:formatCode>
+                <c:ptCount val="7"/>
+                <c:pt idx="0">
+                  <c:v>98.6</c:v>
+                </c:pt>
+                <c:pt idx="1">
+                  <c:v>97.619500000000002</c:v>
+                </c:pt>
+                <c:pt idx="2">
+                  <c:v>96.561499999999995</c:v>
+                </c:pt>
+                <c:pt idx="3">
+                  <c:v>95.483199999999997</c:v>
+                </c:pt>
+                <c:pt idx="4">
+                  <c:v>96.276700000000005</c:v>
+                </c:pt>
+                <c:pt idx="5">
+                  <c:v>96.215699999999998</c:v>
+                </c:pt>
+                <c:pt idx="6">
+                  <c:v>95.910499999999999</c:v>
+                </c:pt>
+              </c:numCache>
+            </c:numRef>
+          </c:val>
+          <c:extLst>
+            <c:ext xmlns:c16="http://schemas.microsoft.com/office/drawing/2014/chart" uri="{C3380CC4-5D6E-409C-BE32-E72D297353CC}">
+              <c16:uniqueId val="{00000000-08CB-4482-90A8-BFBFAC0165A0}"/>
+            </c:ext>
+          </c:extLst>
+        </c:ser>
+        <c:dLbls>
+          <c:showLegendKey val="0"/>
+          <c:showVal val="0"/>
+          <c:showCatName val="0"/>
+          <c:showSerName val="0"/>
+          <c:showPercent val="0"/>
+          <c:showBubbleSize val="0"/>
+        </c:dLbls>
+        <c:gapWidth val="219"/>
+        <c:overlap val="-27"/>
+        <c:axId val="135202687"/>
+        <c:axId val="240816095"/>
+      </c:barChart>
+      <c:catAx>
+        <c:axId val="135202687"/>
+        <c:scaling>
+          <c:orientation val="minMax"/>
+        </c:scaling>
+        <c:delete val="0"/>
+        <c:axPos val="b"/>
+        <c:numFmt formatCode="General" sourceLinked="1"/>
+        <c:majorTickMark val="none"/>
+        <c:minorTickMark val="none"/>
+        <c:tickLblPos val="nextTo"/>
+        <c:spPr>
+          <a:noFill/>
+          <a:ln w="9525" cap="flat" cmpd="sng" algn="ctr">
+            <a:solidFill>
+              <a:schemeClr val="tx1">
+                <a:lumMod val="15000"/>
+                <a:lumOff val="85000"/>
+              </a:schemeClr>
+            </a:solidFill>
+            <a:round/>
+          </a:ln>
+          <a:effectLst/>
+        </c:spPr>
+        <c:txPr>
+          <a:bodyPr rot="0" spcFirstLastPara="1" vertOverflow="ellipsis" wrap="square" anchor="ctr" anchorCtr="1"/>
+          <a:lstStyle/>
+          <a:p>
+            <a:pPr>
+              <a:defRPr sz="900" b="0" i="1" u="none" strike="noStrike" kern="1200" baseline="0">
+                <a:solidFill>
+                  <a:schemeClr val="tx1">
+                    <a:lumMod val="65000"/>
+                    <a:lumOff val="35000"/>
+                  </a:schemeClr>
+                </a:solidFill>
+                <a:latin typeface="+mn-lt"/>
+                <a:ea typeface="+mn-ea"/>
+                <a:cs typeface="+mn-cs"/>
+              </a:defRPr>
+            </a:pPr>
+            <a:endParaRPr lang="de-DE"/>
+          </a:p>
+        </c:txPr>
+        <c:crossAx val="240816095"/>
+        <c:crosses val="autoZero"/>
+        <c:auto val="1"/>
+        <c:lblAlgn val="ctr"/>
+        <c:lblOffset val="100"/>
+        <c:noMultiLvlLbl val="0"/>
+      </c:catAx>
+      <c:valAx>
+        <c:axId val="240816095"/>
+        <c:scaling>
+          <c:orientation val="minMax"/>
+        </c:scaling>
+        <c:delete val="0"/>
+        <c:axPos val="l"/>
+        <c:majorGridlines>
+          <c:spPr>
+            <a:ln w="9525" cap="flat" cmpd="sng" algn="ctr">
+              <a:solidFill>
+                <a:schemeClr val="tx1">
+                  <a:lumMod val="15000"/>
+                  <a:lumOff val="85000"/>
+                </a:schemeClr>
+              </a:solidFill>
+              <a:round/>
+            </a:ln>
+            <a:effectLst/>
+          </c:spPr>
+        </c:majorGridlines>
+        <c:title>
+          <c:tx>
+            <c:rich>
+              <a:bodyPr rot="-5400000" spcFirstLastPara="1" vertOverflow="ellipsis" vert="horz" wrap="square" anchor="ctr" anchorCtr="1"/>
+              <a:lstStyle/>
+              <a:p>
+                <a:pPr>
+                  <a:defRPr sz="1000" b="0" i="0" u="none" strike="noStrike" kern="1200" baseline="0">
+                    <a:solidFill>
+                      <a:schemeClr val="tx1">
+                        <a:lumMod val="65000"/>
+                        <a:lumOff val="35000"/>
+                      </a:schemeClr>
+                    </a:solidFill>
+                    <a:latin typeface="+mn-lt"/>
+                    <a:ea typeface="+mn-ea"/>
+                    <a:cs typeface="+mn-cs"/>
+                  </a:defRPr>
+                </a:pPr>
+                <a:r>
+                  <a:rPr lang="de-DE"/>
+                  <a:t>Complete BUSCO genes (aves_odb9) [%]</a:t>
+                </a:r>
+              </a:p>
+            </c:rich>
+          </c:tx>
+          <c:overlay val="0"/>
+          <c:spPr>
+            <a:noFill/>
+            <a:ln>
+              <a:noFill/>
+            </a:ln>
+            <a:effectLst/>
+          </c:spPr>
+          <c:txPr>
+            <a:bodyPr rot="-5400000" spcFirstLastPara="1" vertOverflow="ellipsis" vert="horz" wrap="square" anchor="ctr" anchorCtr="1"/>
+            <a:lstStyle/>
+            <a:p>
+              <a:pPr>
+                <a:defRPr sz="1000" b="0" i="0" u="none" strike="noStrike" kern="1200" baseline="0">
+                  <a:solidFill>
+                    <a:schemeClr val="tx1">
+                      <a:lumMod val="65000"/>
+                      <a:lumOff val="35000"/>
+                    </a:schemeClr>
+                  </a:solidFill>
+                  <a:latin typeface="+mn-lt"/>
+                  <a:ea typeface="+mn-ea"/>
+                  <a:cs typeface="+mn-cs"/>
+                </a:defRPr>
+              </a:pPr>
+              <a:endParaRPr lang="de-DE"/>
+            </a:p>
+          </c:txPr>
+        </c:title>
+        <c:numFmt formatCode="General" sourceLinked="1"/>
+        <c:majorTickMark val="none"/>
+        <c:minorTickMark val="none"/>
+        <c:tickLblPos val="nextTo"/>
+        <c:spPr>
+          <a:noFill/>
+          <a:ln>
+            <a:noFill/>
+          </a:ln>
+          <a:effectLst/>
+        </c:spPr>
+        <c:txPr>
+          <a:bodyPr rot="-60000000" spcFirstLastPara="1" vertOverflow="ellipsis" vert="horz" wrap="square" anchor="ctr" anchorCtr="1"/>
+          <a:lstStyle/>
+          <a:p>
+            <a:pPr>
+              <a:defRPr sz="900" b="0" i="0" u="none" strike="noStrike" kern="1200" baseline="0">
+                <a:solidFill>
+                  <a:schemeClr val="tx1">
+                    <a:lumMod val="65000"/>
+                    <a:lumOff val="35000"/>
+                  </a:schemeClr>
+                </a:solidFill>
+                <a:latin typeface="+mn-lt"/>
+                <a:ea typeface="+mn-ea"/>
+                <a:cs typeface="+mn-cs"/>
+              </a:defRPr>
+            </a:pPr>
+            <a:endParaRPr lang="de-DE"/>
+          </a:p>
+        </c:txPr>
+        <c:crossAx val="135202687"/>
+        <c:crosses val="autoZero"/>
+        <c:crossBetween val="between"/>
+      </c:valAx>
+      <c:spPr>
+        <a:noFill/>
+        <a:ln>
+          <a:noFill/>
+        </a:ln>
+        <a:effectLst/>
+      </c:spPr>
+    </c:plotArea>
+    <c:plotVisOnly val="1"/>
+    <c:dispBlanksAs val="gap"/>
+    <c:extLst>
+      <c:ext xmlns:c16r3="http://schemas.microsoft.com/office/drawing/2017/03/chart" uri="{56B9EC1D-385E-4148-901F-78D8002777C0}">
+        <c16r3:dataDisplayOptions16>
+          <c16r3:dispNaAsBlank val="1"/>
+        </c16r3:dataDisplayOptions16>
+      </c:ext>
+    </c:extLst>
+    <c:showDLblsOverMax val="0"/>
+  </c:chart>
+  <c:spPr>
+    <a:noFill/>
+    <a:ln>
+      <a:noFill/>
+    </a:ln>
+    <a:effectLst/>
+  </c:spPr>
+  <c:txPr>
+    <a:bodyPr rot="1200000"/>
+    <a:lstStyle/>
+    <a:p>
+      <a:pPr>
+        <a:defRPr/>
+      </a:pPr>
+      <a:endParaRPr lang="de-DE"/>
+    </a:p>
+  </c:txPr>
+  <c:externalData r:id="rId3">
+    <c:autoUpdate val="0"/>
+  </c:externalData>
+</c:chartSpace>
+</file>
+
+<file path=ppt/charts/chart7.xml><?xml version="1.0" encoding="utf-8"?>
+<c:chartSpace xmlns:c="http://schemas.openxmlformats.org/drawingml/2006/chart" xmlns:a="http://schemas.openxmlformats.org/drawingml/2006/main" xmlns:r="http://schemas.openxmlformats.org/officeDocument/2006/relationships" xmlns:c16r2="http://schemas.microsoft.com/office/drawing/2015/06/chart">
+  <c:date1904 val="0"/>
+  <c:lang val="de-DE"/>
+  <c:roundedCorners val="0"/>
+  <mc:AlternateContent xmlns:mc="http://schemas.openxmlformats.org/markup-compatibility/2006">
+    <mc:Choice xmlns:c14="http://schemas.microsoft.com/office/drawing/2007/8/2/chart" Requires="c14">
+      <c14:style val="102"/>
+    </mc:Choice>
+    <mc:Fallback>
+      <c:style val="2"/>
+    </mc:Fallback>
+  </mc:AlternateContent>
+  <c:chart>
+    <c:autoTitleDeleted val="1"/>
+    <c:plotArea>
+      <c:layout/>
+      <c:barChart>
+        <c:barDir val="col"/>
+        <c:grouping val="clustered"/>
+        <c:varyColors val="0"/>
+        <c:ser>
+          <c:idx val="0"/>
+          <c:order val="0"/>
+          <c:spPr>
+            <a:solidFill>
+              <a:schemeClr val="accent1"/>
+            </a:solidFill>
+            <a:ln>
+              <a:noFill/>
+            </a:ln>
+            <a:effectLst/>
+          </c:spPr>
+          <c:invertIfNegative val="0"/>
+          <c:dLbls>
+            <c:numFmt formatCode="#,##0.0" sourceLinked="0"/>
+            <c:spPr>
+              <a:noFill/>
+              <a:ln>
+                <a:noFill/>
+              </a:ln>
+              <a:effectLst/>
+            </c:spPr>
+            <c:txPr>
+              <a:bodyPr rot="0" spcFirstLastPara="1" vertOverflow="ellipsis" vert="horz" wrap="square" lIns="38100" tIns="19050" rIns="38100" bIns="19050" anchor="ctr" anchorCtr="1">
+                <a:spAutoFit/>
+              </a:bodyPr>
+              <a:lstStyle/>
+              <a:p>
+                <a:pPr>
+                  <a:defRPr sz="900" b="0" i="0" u="none" strike="noStrike" kern="1200" baseline="0">
+                    <a:solidFill>
+                      <a:schemeClr val="tx1">
+                        <a:lumMod val="75000"/>
+                        <a:lumOff val="25000"/>
+                      </a:schemeClr>
+                    </a:solidFill>
+                    <a:latin typeface="+mn-lt"/>
+                    <a:ea typeface="+mn-ea"/>
+                    <a:cs typeface="+mn-cs"/>
+                  </a:defRPr>
+                </a:pPr>
+                <a:endParaRPr lang="de-DE"/>
+              </a:p>
+            </c:txPr>
+            <c:showLegendKey val="0"/>
+            <c:showVal val="1"/>
+            <c:showCatName val="0"/>
+            <c:showSerName val="0"/>
+            <c:showPercent val="0"/>
+            <c:showBubbleSize val="0"/>
+            <c:showLeaderLines val="0"/>
+            <c:extLst>
+              <c:ext xmlns:c15="http://schemas.microsoft.com/office/drawing/2012/chart" uri="{CE6537A1-D6FC-4f65-9D91-7224C49458BB}">
+                <c15:showLeaderLines val="1"/>
+                <c15:leaderLines>
+                  <c:spPr>
+                    <a:ln w="9525" cap="flat" cmpd="sng" algn="ctr">
+                      <a:solidFill>
+                        <a:schemeClr val="tx1">
+                          <a:lumMod val="35000"/>
+                          <a:lumOff val="65000"/>
+                        </a:schemeClr>
+                      </a:solidFill>
+                      <a:round/>
+                    </a:ln>
+                    <a:effectLst/>
+                  </c:spPr>
+                </c15:leaderLines>
+              </c:ext>
+            </c:extLst>
+          </c:dLbls>
+          <c:cat>
+            <c:strRef>
+              <c:f>'Suppl. Data 5 - MAMMALS-BUSCO'!$I$2:$I$13</c:f>
+              <c:strCache>
+                <c:ptCount val="12"/>
+                <c:pt idx="0">
+                  <c:v>Homo sapiens input annotation</c:v>
+                </c:pt>
+                <c:pt idx="1">
+                  <c:v>Homo sapiens               (0 MYA)</c:v>
+                </c:pt>
+                <c:pt idx="2">
+                  <c:v>Pan paniscus              (6,4 MYA)</c:v>
+                </c:pt>
+                <c:pt idx="3">
+                  <c:v>Pongo abelii             (15,2 MYA)</c:v>
+                </c:pt>
+                <c:pt idx="4">
+                  <c:v>Callithrix jacchus         (43 MYA)</c:v>
+                </c:pt>
+                <c:pt idx="5">
+                  <c:v>Mus musculus              (87 MYA)</c:v>
+                </c:pt>
+                <c:pt idx="6">
+                  <c:v>Capra hircus                   (94 MYA)</c:v>
+                </c:pt>
+                <c:pt idx="7">
+                  <c:v>Bos taurus                      (94 MYA)</c:v>
+                </c:pt>
+                <c:pt idx="8">
+                  <c:v>Orcinus orca               (94 MYA)</c:v>
+                </c:pt>
+                <c:pt idx="9">
+                  <c:v>Rhinolophus ferrumequinum          (94 MYA)</c:v>
+                </c:pt>
+                <c:pt idx="10">
+                  <c:v>Elephas maximus indicus                            (99 MYA)</c:v>
+                </c:pt>
+                <c:pt idx="11">
+                  <c:v>Phascolarctos cinereus (160 MYA)</c:v>
+                </c:pt>
+              </c:strCache>
+            </c:strRef>
+          </c:cat>
+          <c:val>
+            <c:numRef>
+              <c:f>'Suppl. Data 5 - MAMMALS-BUSCO'!$F$2:$F$13</c:f>
+              <c:numCache>
+                <c:formatCode>General</c:formatCode>
+                <c:ptCount val="12"/>
+                <c:pt idx="0">
+                  <c:v>0.1</c:v>
+                </c:pt>
+                <c:pt idx="1">
+                  <c:v>0.88879300000000006</c:v>
+                </c:pt>
+                <c:pt idx="2">
+                  <c:v>1.09473</c:v>
+                </c:pt>
+                <c:pt idx="3">
+                  <c:v>1.0730500000000001</c:v>
+                </c:pt>
+                <c:pt idx="4">
+                  <c:v>1.71255</c:v>
+                </c:pt>
+                <c:pt idx="5">
+                  <c:v>2.1461100000000002</c:v>
+                </c:pt>
+                <c:pt idx="6">
+                  <c:v>1.8426199999999999</c:v>
+                </c:pt>
+                <c:pt idx="7">
+                  <c:v>1.7559100000000001</c:v>
+                </c:pt>
+                <c:pt idx="8">
+                  <c:v>2.6663800000000002</c:v>
+                </c:pt>
+                <c:pt idx="9">
+                  <c:v>2.3412099999999998</c:v>
+                </c:pt>
+                <c:pt idx="10">
+                  <c:v>1.5282899999999999</c:v>
+                </c:pt>
+                <c:pt idx="11">
+                  <c:v>10.817299999999999</c:v>
+                </c:pt>
+              </c:numCache>
+            </c:numRef>
+          </c:val>
+          <c:extLst>
+            <c:ext xmlns:c16="http://schemas.microsoft.com/office/drawing/2014/chart" uri="{C3380CC4-5D6E-409C-BE32-E72D297353CC}">
+              <c16:uniqueId val="{00000000-52A5-4416-A8C8-DC5E1A0D44AE}"/>
+            </c:ext>
+          </c:extLst>
+        </c:ser>
+        <c:dLbls>
+          <c:showLegendKey val="0"/>
+          <c:showVal val="0"/>
+          <c:showCatName val="0"/>
+          <c:showSerName val="0"/>
+          <c:showPercent val="0"/>
+          <c:showBubbleSize val="0"/>
+        </c:dLbls>
+        <c:gapWidth val="219"/>
+        <c:axId val="135202687"/>
+        <c:axId val="240816095"/>
+      </c:barChart>
+      <c:catAx>
+        <c:axId val="135202687"/>
+        <c:scaling>
+          <c:orientation val="minMax"/>
+        </c:scaling>
+        <c:delete val="0"/>
+        <c:axPos val="b"/>
+        <c:numFmt formatCode="General" sourceLinked="1"/>
+        <c:majorTickMark val="none"/>
+        <c:minorTickMark val="none"/>
+        <c:tickLblPos val="nextTo"/>
+        <c:spPr>
+          <a:noFill/>
+          <a:ln w="9525" cap="flat" cmpd="sng" algn="ctr">
+            <a:solidFill>
+              <a:schemeClr val="tx1">
+                <a:lumMod val="15000"/>
+                <a:lumOff val="85000"/>
+              </a:schemeClr>
+            </a:solidFill>
+            <a:round/>
+          </a:ln>
+          <a:effectLst/>
+        </c:spPr>
+        <c:txPr>
+          <a:bodyPr rot="0" spcFirstLastPara="1" vertOverflow="ellipsis" wrap="square" anchor="ctr" anchorCtr="1"/>
+          <a:lstStyle/>
+          <a:p>
+            <a:pPr>
+              <a:defRPr sz="900" b="0" i="1" u="none" strike="noStrike" kern="1200" baseline="0">
+                <a:solidFill>
+                  <a:schemeClr val="tx1">
+                    <a:lumMod val="65000"/>
+                    <a:lumOff val="35000"/>
+                  </a:schemeClr>
+                </a:solidFill>
+                <a:latin typeface="+mn-lt"/>
+                <a:ea typeface="+mn-ea"/>
+                <a:cs typeface="+mn-cs"/>
+              </a:defRPr>
+            </a:pPr>
+            <a:endParaRPr lang="de-DE"/>
+          </a:p>
+        </c:txPr>
+        <c:crossAx val="240816095"/>
+        <c:crosses val="autoZero"/>
+        <c:auto val="1"/>
+        <c:lblAlgn val="ctr"/>
+        <c:lblOffset val="100"/>
+        <c:noMultiLvlLbl val="0"/>
+      </c:catAx>
+      <c:valAx>
+        <c:axId val="240816095"/>
+        <c:scaling>
+          <c:orientation val="minMax"/>
+        </c:scaling>
+        <c:delete val="0"/>
+        <c:axPos val="l"/>
+        <c:majorGridlines>
+          <c:spPr>
+            <a:ln w="9525" cap="flat" cmpd="sng" algn="ctr">
+              <a:solidFill>
+                <a:schemeClr val="tx1">
+                  <a:lumMod val="15000"/>
+                  <a:lumOff val="85000"/>
+                </a:schemeClr>
+              </a:solidFill>
+              <a:round/>
+            </a:ln>
+            <a:effectLst/>
+          </c:spPr>
+        </c:majorGridlines>
+        <c:title>
+          <c:tx>
+            <c:rich>
+              <a:bodyPr rot="-5400000" spcFirstLastPara="1" vertOverflow="ellipsis" vert="horz" wrap="square" anchor="ctr" anchorCtr="1"/>
+              <a:lstStyle/>
+              <a:p>
+                <a:pPr>
+                  <a:defRPr sz="1000" b="0" i="0" u="none" strike="noStrike" kern="1200" baseline="0">
+                    <a:solidFill>
+                      <a:schemeClr val="tx1">
+                        <a:lumMod val="65000"/>
+                        <a:lumOff val="35000"/>
+                      </a:schemeClr>
+                    </a:solidFill>
+                    <a:latin typeface="+mn-lt"/>
+                    <a:ea typeface="+mn-ea"/>
+                    <a:cs typeface="+mn-cs"/>
+                  </a:defRPr>
+                </a:pPr>
+                <a:r>
+                  <a:rPr lang="de-DE"/>
+                  <a:t>Missing BUSCO genes (mammalia_odb10) [%]</a:t>
+                </a:r>
+              </a:p>
+            </c:rich>
+          </c:tx>
+          <c:overlay val="0"/>
+          <c:spPr>
+            <a:noFill/>
+            <a:ln>
+              <a:noFill/>
+            </a:ln>
+            <a:effectLst/>
+          </c:spPr>
+          <c:txPr>
+            <a:bodyPr rot="-5400000" spcFirstLastPara="1" vertOverflow="ellipsis" vert="horz" wrap="square" anchor="ctr" anchorCtr="1"/>
+            <a:lstStyle/>
+            <a:p>
+              <a:pPr>
+                <a:defRPr sz="1000" b="0" i="0" u="none" strike="noStrike" kern="1200" baseline="0">
+                  <a:solidFill>
+                    <a:schemeClr val="tx1">
+                      <a:lumMod val="65000"/>
+                      <a:lumOff val="35000"/>
+                    </a:schemeClr>
+                  </a:solidFill>
+                  <a:latin typeface="+mn-lt"/>
+                  <a:ea typeface="+mn-ea"/>
+                  <a:cs typeface="+mn-cs"/>
+                </a:defRPr>
+              </a:pPr>
+              <a:endParaRPr lang="de-DE"/>
+            </a:p>
+          </c:txPr>
+        </c:title>
+        <c:numFmt formatCode="General" sourceLinked="1"/>
+        <c:majorTickMark val="none"/>
+        <c:minorTickMark val="none"/>
+        <c:tickLblPos val="nextTo"/>
+        <c:spPr>
+          <a:noFill/>
+          <a:ln>
+            <a:noFill/>
+          </a:ln>
+          <a:effectLst/>
+        </c:spPr>
+        <c:txPr>
+          <a:bodyPr rot="-60000000" spcFirstLastPara="1" vertOverflow="ellipsis" vert="horz" wrap="square" anchor="ctr" anchorCtr="1"/>
+          <a:lstStyle/>
+          <a:p>
+            <a:pPr>
+              <a:defRPr sz="900" b="0" i="0" u="none" strike="noStrike" kern="1200" baseline="0">
+                <a:solidFill>
+                  <a:schemeClr val="tx1">
+                    <a:lumMod val="65000"/>
+                    <a:lumOff val="35000"/>
+                  </a:schemeClr>
+                </a:solidFill>
+                <a:latin typeface="+mn-lt"/>
+                <a:ea typeface="+mn-ea"/>
+                <a:cs typeface="+mn-cs"/>
+              </a:defRPr>
+            </a:pPr>
+            <a:endParaRPr lang="de-DE"/>
+          </a:p>
+        </c:txPr>
+        <c:crossAx val="135202687"/>
+        <c:crosses val="autoZero"/>
+        <c:crossBetween val="between"/>
+      </c:valAx>
+      <c:spPr>
+        <a:noFill/>
+        <a:ln>
+          <a:noFill/>
+        </a:ln>
+        <a:effectLst/>
+      </c:spPr>
+    </c:plotArea>
+    <c:plotVisOnly val="1"/>
+    <c:dispBlanksAs val="gap"/>
+    <c:extLst>
+      <c:ext xmlns:c16r3="http://schemas.microsoft.com/office/drawing/2017/03/chart" uri="{56B9EC1D-385E-4148-901F-78D8002777C0}">
+        <c16r3:dataDisplayOptions16>
+          <c16r3:dispNaAsBlank val="1"/>
+        </c16r3:dataDisplayOptions16>
+      </c:ext>
+    </c:extLst>
+    <c:showDLblsOverMax val="0"/>
+  </c:chart>
+  <c:spPr>
+    <a:noFill/>
+    <a:ln>
+      <a:noFill/>
+    </a:ln>
+    <a:effectLst/>
+  </c:spPr>
+  <c:txPr>
+    <a:bodyPr rot="1200000"/>
+    <a:lstStyle/>
+    <a:p>
+      <a:pPr>
+        <a:defRPr/>
+      </a:pPr>
+      <a:endParaRPr lang="de-DE"/>
+    </a:p>
+  </c:txPr>
+  <c:externalData r:id="rId3">
+    <c:autoUpdate val="0"/>
+  </c:externalData>
+</c:chartSpace>
+</file>
+
+<file path=ppt/charts/chart8.xml><?xml version="1.0" encoding="utf-8"?>
+<c:chartSpace xmlns:c="http://schemas.openxmlformats.org/drawingml/2006/chart" xmlns:a="http://schemas.openxmlformats.org/drawingml/2006/main" xmlns:r="http://schemas.openxmlformats.org/officeDocument/2006/relationships" xmlns:c16r2="http://schemas.microsoft.com/office/drawing/2015/06/chart">
+  <c:date1904 val="0"/>
+  <c:lang val="de-DE"/>
+  <c:roundedCorners val="0"/>
+  <mc:AlternateContent xmlns:mc="http://schemas.openxmlformats.org/markup-compatibility/2006">
+    <mc:Choice xmlns:c14="http://schemas.microsoft.com/office/drawing/2007/8/2/chart" Requires="c14">
+      <c14:style val="102"/>
+    </mc:Choice>
+    <mc:Fallback>
+      <c:style val="2"/>
+    </mc:Fallback>
+  </mc:AlternateContent>
+  <c:chart>
+    <c:title>
+      <c:tx>
+        <c:rich>
+          <a:bodyPr rot="0" spcFirstLastPara="1" vertOverflow="ellipsis" vert="horz" wrap="square" anchor="ctr" anchorCtr="1"/>
+          <a:lstStyle/>
+          <a:p>
+            <a:pPr>
+              <a:defRPr sz="1400" b="0" i="0" u="none" strike="noStrike" kern="1200" spc="0" baseline="0">
+                <a:solidFill>
+                  <a:schemeClr val="tx1">
+                    <a:lumMod val="65000"/>
+                    <a:lumOff val="35000"/>
+                  </a:schemeClr>
+                </a:solidFill>
+                <a:latin typeface="+mn-lt"/>
+                <a:ea typeface="+mn-ea"/>
+                <a:cs typeface="+mn-cs"/>
+              </a:defRPr>
+            </a:pPr>
+            <a:r>
+              <a:rPr lang="de-DE" sz="1100" b="0" i="0" baseline="0">
+                <a:effectLst/>
+              </a:rPr>
+              <a:t>Transfer of </a:t>
+            </a:r>
+            <a:r>
+              <a:rPr lang="de-DE" sz="1100" b="0" i="1" baseline="0">
+                <a:effectLst/>
+              </a:rPr>
+              <a:t>H. sapiens </a:t>
+            </a:r>
+            <a:r>
+              <a:rPr lang="de-DE" sz="1100" b="0" i="0" baseline="0">
+                <a:effectLst/>
+              </a:rPr>
+              <a:t>Refseq annotation (protein &amp; mRNA) to diverged mammal genomes by HANNO </a:t>
+            </a:r>
+            <a:endParaRPr lang="de-DE" sz="1100">
+              <a:effectLst/>
+            </a:endParaRPr>
+          </a:p>
+        </c:rich>
+      </c:tx>
+      <c:overlay val="0"/>
+      <c:spPr>
+        <a:noFill/>
+        <a:ln>
+          <a:noFill/>
+        </a:ln>
+        <a:effectLst/>
+      </c:spPr>
+      <c:txPr>
+        <a:bodyPr rot="0" spcFirstLastPara="1" vertOverflow="ellipsis" vert="horz" wrap="square" anchor="ctr" anchorCtr="1"/>
+        <a:lstStyle/>
+        <a:p>
+          <a:pPr>
+            <a:defRPr sz="1400" b="0" i="0" u="none" strike="noStrike" kern="1200" spc="0" baseline="0">
+              <a:solidFill>
+                <a:schemeClr val="tx1">
+                  <a:lumMod val="65000"/>
+                  <a:lumOff val="35000"/>
+                </a:schemeClr>
+              </a:solidFill>
+              <a:latin typeface="+mn-lt"/>
+              <a:ea typeface="+mn-ea"/>
+              <a:cs typeface="+mn-cs"/>
+            </a:defRPr>
+          </a:pPr>
+          <a:endParaRPr lang="de-DE"/>
+        </a:p>
+      </c:txPr>
+    </c:title>
+    <c:autoTitleDeleted val="0"/>
+    <c:plotArea>
+      <c:layout/>
+      <c:barChart>
+        <c:barDir val="col"/>
+        <c:grouping val="clustered"/>
+        <c:varyColors val="0"/>
+        <c:ser>
+          <c:idx val="0"/>
+          <c:order val="0"/>
+          <c:spPr>
+            <a:solidFill>
+              <a:schemeClr val="accent1"/>
+            </a:solidFill>
+            <a:ln>
+              <a:noFill/>
+            </a:ln>
+            <a:effectLst/>
+          </c:spPr>
+          <c:invertIfNegative val="0"/>
+          <c:dLbls>
+            <c:numFmt formatCode="#,##0.0" sourceLinked="0"/>
+            <c:spPr>
+              <a:noFill/>
+              <a:ln>
+                <a:noFill/>
+              </a:ln>
+              <a:effectLst/>
+            </c:spPr>
+            <c:txPr>
+              <a:bodyPr rot="0" spcFirstLastPara="1" vertOverflow="ellipsis" vert="horz" wrap="square" lIns="38100" tIns="19050" rIns="38100" bIns="19050" anchor="ctr" anchorCtr="1">
+                <a:spAutoFit/>
+              </a:bodyPr>
+              <a:lstStyle/>
+              <a:p>
+                <a:pPr>
+                  <a:defRPr sz="900" b="0" i="0" u="none" strike="noStrike" kern="1200" baseline="0">
+                    <a:solidFill>
+                      <a:schemeClr val="tx1">
+                        <a:lumMod val="75000"/>
+                        <a:lumOff val="25000"/>
+                      </a:schemeClr>
+                    </a:solidFill>
+                    <a:latin typeface="+mn-lt"/>
+                    <a:ea typeface="+mn-ea"/>
+                    <a:cs typeface="+mn-cs"/>
+                  </a:defRPr>
+                </a:pPr>
+                <a:endParaRPr lang="de-DE"/>
+              </a:p>
+            </c:txPr>
+            <c:showLegendKey val="0"/>
+            <c:showVal val="1"/>
+            <c:showCatName val="0"/>
+            <c:showSerName val="0"/>
+            <c:showPercent val="0"/>
+            <c:showBubbleSize val="0"/>
+            <c:showLeaderLines val="0"/>
+            <c:extLst>
+              <c:ext xmlns:c15="http://schemas.microsoft.com/office/drawing/2012/chart" uri="{CE6537A1-D6FC-4f65-9D91-7224C49458BB}">
+                <c15:showLeaderLines val="1"/>
+                <c15:leaderLines>
+                  <c:spPr>
+                    <a:ln w="9525" cap="flat" cmpd="sng" algn="ctr">
+                      <a:solidFill>
+                        <a:schemeClr val="tx1">
+                          <a:lumMod val="35000"/>
+                          <a:lumOff val="65000"/>
+                        </a:schemeClr>
+                      </a:solidFill>
+                      <a:round/>
+                    </a:ln>
+                    <a:effectLst/>
+                  </c:spPr>
+                </c15:leaderLines>
+              </c:ext>
+            </c:extLst>
+          </c:dLbls>
+          <c:cat>
+            <c:strRef>
+              <c:f>'Suppl. Data 5 - MAMMALS-BUSCO'!$I$2:$I$13</c:f>
+              <c:strCache>
+                <c:ptCount val="12"/>
+                <c:pt idx="0">
+                  <c:v>Homo sapiens input annotation</c:v>
+                </c:pt>
+                <c:pt idx="1">
+                  <c:v>Homo sapiens               (0 MYA)</c:v>
+                </c:pt>
+                <c:pt idx="2">
+                  <c:v>Pan paniscus              (6,4 MYA)</c:v>
+                </c:pt>
+                <c:pt idx="3">
+                  <c:v>Pongo abelii             (15,2 MYA)</c:v>
+                </c:pt>
+                <c:pt idx="4">
+                  <c:v>Callithrix jacchus         (43 MYA)</c:v>
+                </c:pt>
+                <c:pt idx="5">
+                  <c:v>Mus musculus              (87 MYA)</c:v>
+                </c:pt>
+                <c:pt idx="6">
+                  <c:v>Capra hircus                   (94 MYA)</c:v>
+                </c:pt>
+                <c:pt idx="7">
+                  <c:v>Bos taurus                      (94 MYA)</c:v>
+                </c:pt>
+                <c:pt idx="8">
+                  <c:v>Orcinus orca               (94 MYA)</c:v>
+                </c:pt>
+                <c:pt idx="9">
+                  <c:v>Rhinolophus ferrumequinum          (94 MYA)</c:v>
+                </c:pt>
+                <c:pt idx="10">
+                  <c:v>Elephas maximus indicus                            (99 MYA)</c:v>
+                </c:pt>
+                <c:pt idx="11">
+                  <c:v>Phascolarctos cinereus (160 MYA)</c:v>
+                </c:pt>
+              </c:strCache>
+            </c:strRef>
+          </c:cat>
+          <c:val>
+            <c:numRef>
+              <c:f>'Suppl. Data 5 - MAMMALS-BUSCO'!$B$2:$B$13</c:f>
+              <c:numCache>
+                <c:formatCode>General</c:formatCode>
+                <c:ptCount val="12"/>
+                <c:pt idx="0">
+                  <c:v>99.9</c:v>
+                </c:pt>
+                <c:pt idx="1">
+                  <c:v>98.796899999999994</c:v>
+                </c:pt>
+                <c:pt idx="2">
+                  <c:v>98.569299999999998</c:v>
+                </c:pt>
+                <c:pt idx="3">
+                  <c:v>98.471699999999998</c:v>
+                </c:pt>
+                <c:pt idx="4">
+                  <c:v>97.171000000000006</c:v>
+                </c:pt>
+                <c:pt idx="5">
+                  <c:v>96.4773</c:v>
+                </c:pt>
+                <c:pt idx="6">
+                  <c:v>96.694100000000006</c:v>
+                </c:pt>
+                <c:pt idx="7">
+                  <c:v>96.921700000000001</c:v>
+                </c:pt>
+                <c:pt idx="8">
+                  <c:v>95.9679</c:v>
+                </c:pt>
+                <c:pt idx="9">
+                  <c:v>95.762</c:v>
+                </c:pt>
+                <c:pt idx="10">
+                  <c:v>97.398700000000005</c:v>
+                </c:pt>
+                <c:pt idx="11">
+                  <c:v>82.506</c:v>
+                </c:pt>
+              </c:numCache>
+            </c:numRef>
+          </c:val>
+          <c:extLst>
+            <c:ext xmlns:c16="http://schemas.microsoft.com/office/drawing/2014/chart" uri="{C3380CC4-5D6E-409C-BE32-E72D297353CC}">
+              <c16:uniqueId val="{00000000-1AC5-4D8A-81BD-0ADB6A13EB97}"/>
+            </c:ext>
+          </c:extLst>
+        </c:ser>
+        <c:dLbls>
+          <c:showLegendKey val="0"/>
+          <c:showVal val="0"/>
+          <c:showCatName val="0"/>
+          <c:showSerName val="0"/>
+          <c:showPercent val="0"/>
+          <c:showBubbleSize val="0"/>
+        </c:dLbls>
+        <c:gapWidth val="219"/>
+        <c:axId val="135202687"/>
+        <c:axId val="240816095"/>
+      </c:barChart>
+      <c:catAx>
+        <c:axId val="135202687"/>
+        <c:scaling>
+          <c:orientation val="minMax"/>
+        </c:scaling>
+        <c:delete val="0"/>
+        <c:axPos val="b"/>
+        <c:numFmt formatCode="General" sourceLinked="1"/>
+        <c:majorTickMark val="none"/>
+        <c:minorTickMark val="none"/>
+        <c:tickLblPos val="nextTo"/>
+        <c:spPr>
+          <a:noFill/>
+          <a:ln w="9525" cap="flat" cmpd="sng" algn="ctr">
+            <a:solidFill>
+              <a:schemeClr val="tx1">
+                <a:lumMod val="15000"/>
+                <a:lumOff val="85000"/>
+              </a:schemeClr>
+            </a:solidFill>
+            <a:round/>
+          </a:ln>
+          <a:effectLst/>
+        </c:spPr>
+        <c:txPr>
+          <a:bodyPr rot="0" spcFirstLastPara="1" vertOverflow="ellipsis" wrap="square" anchor="ctr" anchorCtr="1"/>
+          <a:lstStyle/>
+          <a:p>
+            <a:pPr>
+              <a:defRPr sz="900" b="0" i="1" u="none" strike="noStrike" kern="1200" baseline="0">
+                <a:solidFill>
+                  <a:schemeClr val="tx1">
+                    <a:lumMod val="65000"/>
+                    <a:lumOff val="35000"/>
+                  </a:schemeClr>
+                </a:solidFill>
+                <a:latin typeface="+mn-lt"/>
+                <a:ea typeface="+mn-ea"/>
+                <a:cs typeface="+mn-cs"/>
+              </a:defRPr>
+            </a:pPr>
+            <a:endParaRPr lang="de-DE"/>
+          </a:p>
+        </c:txPr>
+        <c:crossAx val="240816095"/>
+        <c:crosses val="autoZero"/>
+        <c:auto val="1"/>
+        <c:lblAlgn val="ctr"/>
+        <c:lblOffset val="100"/>
+        <c:noMultiLvlLbl val="0"/>
+      </c:catAx>
+      <c:valAx>
+        <c:axId val="240816095"/>
+        <c:scaling>
+          <c:orientation val="minMax"/>
+          <c:max val="100"/>
+          <c:min val="80"/>
+        </c:scaling>
+        <c:delete val="0"/>
+        <c:axPos val="l"/>
+        <c:majorGridlines>
+          <c:spPr>
+            <a:ln w="9525" cap="flat" cmpd="sng" algn="ctr">
+              <a:solidFill>
+                <a:schemeClr val="tx1">
+                  <a:lumMod val="15000"/>
+                  <a:lumOff val="85000"/>
+                </a:schemeClr>
+              </a:solidFill>
+              <a:round/>
+            </a:ln>
+            <a:effectLst/>
+          </c:spPr>
+        </c:majorGridlines>
+        <c:title>
+          <c:tx>
+            <c:rich>
+              <a:bodyPr rot="-5400000" spcFirstLastPara="1" vertOverflow="ellipsis" vert="horz" wrap="square" anchor="ctr" anchorCtr="1"/>
+              <a:lstStyle/>
+              <a:p>
+                <a:pPr>
+                  <a:defRPr sz="1000" b="0" i="0" u="none" strike="noStrike" kern="1200" baseline="0">
+                    <a:solidFill>
+                      <a:schemeClr val="tx1">
+                        <a:lumMod val="65000"/>
+                        <a:lumOff val="35000"/>
+                      </a:schemeClr>
+                    </a:solidFill>
+                    <a:latin typeface="+mn-lt"/>
+                    <a:ea typeface="+mn-ea"/>
+                    <a:cs typeface="+mn-cs"/>
+                  </a:defRPr>
+                </a:pPr>
+                <a:r>
+                  <a:rPr lang="de-DE"/>
+                  <a:t>Complete BUSCO genes (mammalia_odb10) [%]</a:t>
+                </a:r>
+              </a:p>
+            </c:rich>
+          </c:tx>
+          <c:overlay val="0"/>
+          <c:spPr>
+            <a:noFill/>
+            <a:ln>
+              <a:noFill/>
+            </a:ln>
+            <a:effectLst/>
+          </c:spPr>
+          <c:txPr>
+            <a:bodyPr rot="-5400000" spcFirstLastPara="1" vertOverflow="ellipsis" vert="horz" wrap="square" anchor="ctr" anchorCtr="1"/>
+            <a:lstStyle/>
+            <a:p>
+              <a:pPr>
+                <a:defRPr sz="1000" b="0" i="0" u="none" strike="noStrike" kern="1200" baseline="0">
+                  <a:solidFill>
+                    <a:schemeClr val="tx1">
+                      <a:lumMod val="65000"/>
+                      <a:lumOff val="35000"/>
+                    </a:schemeClr>
+                  </a:solidFill>
+                  <a:latin typeface="+mn-lt"/>
+                  <a:ea typeface="+mn-ea"/>
+                  <a:cs typeface="+mn-cs"/>
+                </a:defRPr>
+              </a:pPr>
+              <a:endParaRPr lang="de-DE"/>
+            </a:p>
+          </c:txPr>
+        </c:title>
+        <c:numFmt formatCode="General" sourceLinked="1"/>
+        <c:majorTickMark val="none"/>
+        <c:minorTickMark val="none"/>
+        <c:tickLblPos val="nextTo"/>
+        <c:spPr>
+          <a:noFill/>
+          <a:ln>
+            <a:noFill/>
+          </a:ln>
+          <a:effectLst/>
+        </c:spPr>
+        <c:txPr>
+          <a:bodyPr rot="-60000000" spcFirstLastPara="1" vertOverflow="ellipsis" vert="horz" wrap="square" anchor="ctr" anchorCtr="1"/>
+          <a:lstStyle/>
+          <a:p>
+            <a:pPr>
+              <a:defRPr sz="900" b="0" i="0" u="none" strike="noStrike" kern="1200" baseline="0">
+                <a:solidFill>
+                  <a:schemeClr val="tx1">
+                    <a:lumMod val="65000"/>
+                    <a:lumOff val="35000"/>
+                  </a:schemeClr>
+                </a:solidFill>
+                <a:latin typeface="+mn-lt"/>
+                <a:ea typeface="+mn-ea"/>
+                <a:cs typeface="+mn-cs"/>
+              </a:defRPr>
+            </a:pPr>
+            <a:endParaRPr lang="de-DE"/>
+          </a:p>
+        </c:txPr>
+        <c:crossAx val="135202687"/>
+        <c:crosses val="autoZero"/>
+        <c:crossBetween val="between"/>
+      </c:valAx>
+      <c:spPr>
+        <a:noFill/>
+        <a:ln>
+          <a:noFill/>
+        </a:ln>
+        <a:effectLst/>
+      </c:spPr>
+    </c:plotArea>
+    <c:plotVisOnly val="1"/>
+    <c:dispBlanksAs val="gap"/>
+    <c:extLst>
+      <c:ext xmlns:c16r3="http://schemas.microsoft.com/office/drawing/2017/03/chart" uri="{56B9EC1D-385E-4148-901F-78D8002777C0}">
+        <c16r3:dataDisplayOptions16>
+          <c16r3:dispNaAsBlank val="1"/>
+        </c16r3:dataDisplayOptions16>
+      </c:ext>
+    </c:extLst>
+    <c:showDLblsOverMax val="0"/>
+  </c:chart>
+  <c:spPr>
+    <a:noFill/>
+    <a:ln>
+      <a:noFill/>
+    </a:ln>
+    <a:effectLst/>
+  </c:spPr>
+  <c:txPr>
+    <a:bodyPr rot="1200000"/>
+    <a:lstStyle/>
+    <a:p>
+      <a:pPr>
+        <a:defRPr/>
+      </a:pPr>
+      <a:endParaRPr lang="de-DE"/>
+    </a:p>
+  </c:txPr>
+  <c:externalData r:id="rId3">
+    <c:autoUpdate val="0"/>
+  </c:externalData>
+</c:chartSpace>
+</file>
+
+<file path=ppt/charts/colors1.xml><?xml version="1.0" encoding="utf-8"?>
+<cs:colorStyle xmlns:cs="http://schemas.microsoft.com/office/drawing/2012/chartStyle" xmlns:a="http://schemas.openxmlformats.org/drawingml/2006/main" meth="cycle" id="10">
+  <a:schemeClr val="accent1"/>
+  <a:schemeClr val="accent2"/>
+  <a:schemeClr val="accent3"/>
+  <a:schemeClr val="accent4"/>
+  <a:schemeClr val="accent5"/>
+  <a:schemeClr val="accent6"/>
+  <cs:variation/>
+  <cs:variation>
+    <a:lumMod val="60000"/>
+  </cs:variation>
+  <cs:variation>
+    <a:lumMod val="80000"/>
+    <a:lumOff val="20000"/>
+  </cs:variation>
+  <cs:variation>
+    <a:lumMod val="80000"/>
+  </cs:variation>
+  <cs:variation>
+    <a:lumMod val="60000"/>
+    <a:lumOff val="40000"/>
+  </cs:variation>
+  <cs:variation>
+    <a:lumMod val="50000"/>
+  </cs:variation>
+  <cs:variation>
+    <a:lumMod val="70000"/>
+    <a:lumOff val="30000"/>
+  </cs:variation>
+  <cs:variation>
+    <a:lumMod val="70000"/>
+  </cs:variation>
+  <cs:variation>
+    <a:lumMod val="50000"/>
+    <a:lumOff val="50000"/>
+  </cs:variation>
+</cs:colorStyle>
+</file>
+
+<file path=ppt/charts/colors2.xml><?xml version="1.0" encoding="utf-8"?>
+<cs:colorStyle xmlns:cs="http://schemas.microsoft.com/office/drawing/2012/chartStyle" xmlns:a="http://schemas.openxmlformats.org/drawingml/2006/main" meth="cycle" id="10">
+  <a:schemeClr val="accent1"/>
+  <a:schemeClr val="accent2"/>
+  <a:schemeClr val="accent3"/>
+  <a:schemeClr val="accent4"/>
+  <a:schemeClr val="accent5"/>
+  <a:schemeClr val="accent6"/>
+  <cs:variation/>
+  <cs:variation>
+    <a:lumMod val="60000"/>
+  </cs:variation>
+  <cs:variation>
+    <a:lumMod val="80000"/>
+    <a:lumOff val="20000"/>
+  </cs:variation>
+  <cs:variation>
+    <a:lumMod val="80000"/>
+  </cs:variation>
+  <cs:variation>
+    <a:lumMod val="60000"/>
+    <a:lumOff val="40000"/>
+  </cs:variation>
+  <cs:variation>
+    <a:lumMod val="50000"/>
+  </cs:variation>
+  <cs:variation>
+    <a:lumMod val="70000"/>
+    <a:lumOff val="30000"/>
+  </cs:variation>
+  <cs:variation>
+    <a:lumMod val="70000"/>
+  </cs:variation>
+  <cs:variation>
+    <a:lumMod val="50000"/>
+    <a:lumOff val="50000"/>
+  </cs:variation>
+</cs:colorStyle>
+</file>
+
+<file path=ppt/charts/colors3.xml><?xml version="1.0" encoding="utf-8"?>
+<cs:colorStyle xmlns:cs="http://schemas.microsoft.com/office/drawing/2012/chartStyle" xmlns:a="http://schemas.openxmlformats.org/drawingml/2006/main" meth="cycle" id="10">
+  <a:schemeClr val="accent1"/>
+  <a:schemeClr val="accent2"/>
+  <a:schemeClr val="accent3"/>
+  <a:schemeClr val="accent4"/>
+  <a:schemeClr val="accent5"/>
+  <a:schemeClr val="accent6"/>
+  <cs:variation/>
+  <cs:variation>
+    <a:lumMod val="60000"/>
+  </cs:variation>
+  <cs:variation>
+    <a:lumMod val="80000"/>
+    <a:lumOff val="20000"/>
+  </cs:variation>
+  <cs:variation>
+    <a:lumMod val="80000"/>
+  </cs:variation>
+  <cs:variation>
+    <a:lumMod val="60000"/>
+    <a:lumOff val="40000"/>
+  </cs:variation>
+  <cs:variation>
+    <a:lumMod val="50000"/>
+  </cs:variation>
+  <cs:variation>
+    <a:lumMod val="70000"/>
+    <a:lumOff val="30000"/>
+  </cs:variation>
+  <cs:variation>
+    <a:lumMod val="70000"/>
+  </cs:variation>
+  <cs:variation>
+    <a:lumMod val="50000"/>
+    <a:lumOff val="50000"/>
+  </cs:variation>
+</cs:colorStyle>
+</file>
+
+<file path=ppt/charts/colors4.xml><?xml version="1.0" encoding="utf-8"?>
+<cs:colorStyle xmlns:cs="http://schemas.microsoft.com/office/drawing/2012/chartStyle" xmlns:a="http://schemas.openxmlformats.org/drawingml/2006/main" meth="cycle" id="10">
+  <a:schemeClr val="accent1"/>
+  <a:schemeClr val="accent2"/>
+  <a:schemeClr val="accent3"/>
+  <a:schemeClr val="accent4"/>
+  <a:schemeClr val="accent5"/>
+  <a:schemeClr val="accent6"/>
+  <cs:variation/>
+  <cs:variation>
+    <a:lumMod val="60000"/>
+  </cs:variation>
+  <cs:variation>
+    <a:lumMod val="80000"/>
+    <a:lumOff val="20000"/>
+  </cs:variation>
+  <cs:variation>
+    <a:lumMod val="80000"/>
+  </cs:variation>
+  <cs:variation>
+    <a:lumMod val="60000"/>
+    <a:lumOff val="40000"/>
+  </cs:variation>
+  <cs:variation>
+    <a:lumMod val="50000"/>
+  </cs:variation>
+  <cs:variation>
+    <a:lumMod val="70000"/>
+    <a:lumOff val="30000"/>
+  </cs:variation>
+  <cs:variation>
+    <a:lumMod val="70000"/>
+  </cs:variation>
+  <cs:variation>
+    <a:lumMod val="50000"/>
+    <a:lumOff val="50000"/>
+  </cs:variation>
+</cs:colorStyle>
+</file>
+
+<file path=ppt/charts/colors5.xml><?xml version="1.0" encoding="utf-8"?>
+<cs:colorStyle xmlns:cs="http://schemas.microsoft.com/office/drawing/2012/chartStyle" xmlns:a="http://schemas.openxmlformats.org/drawingml/2006/main" meth="cycle" id="10">
+  <a:schemeClr val="accent1"/>
+  <a:schemeClr val="accent2"/>
+  <a:schemeClr val="accent3"/>
+  <a:schemeClr val="accent4"/>
+  <a:schemeClr val="accent5"/>
+  <a:schemeClr val="accent6"/>
+  <cs:variation/>
+  <cs:variation>
+    <a:lumMod val="60000"/>
+  </cs:variation>
+  <cs:variation>
+    <a:lumMod val="80000"/>
+    <a:lumOff val="20000"/>
+  </cs:variation>
+  <cs:variation>
+    <a:lumMod val="80000"/>
+  </cs:variation>
+  <cs:variation>
+    <a:lumMod val="60000"/>
+    <a:lumOff val="40000"/>
+  </cs:variation>
+  <cs:variation>
+    <a:lumMod val="50000"/>
+  </cs:variation>
+  <cs:variation>
+    <a:lumMod val="70000"/>
+    <a:lumOff val="30000"/>
+  </cs:variation>
+  <cs:variation>
+    <a:lumMod val="70000"/>
+  </cs:variation>
+  <cs:variation>
+    <a:lumMod val="50000"/>
+    <a:lumOff val="50000"/>
+  </cs:variation>
+</cs:colorStyle>
+</file>
+
+<file path=ppt/charts/colors6.xml><?xml version="1.0" encoding="utf-8"?>
+<cs:colorStyle xmlns:cs="http://schemas.microsoft.com/office/drawing/2012/chartStyle" xmlns:a="http://schemas.openxmlformats.org/drawingml/2006/main" meth="cycle" id="10">
+  <a:schemeClr val="accent1"/>
+  <a:schemeClr val="accent2"/>
+  <a:schemeClr val="accent3"/>
+  <a:schemeClr val="accent4"/>
+  <a:schemeClr val="accent5"/>
+  <a:schemeClr val="accent6"/>
+  <cs:variation/>
+  <cs:variation>
+    <a:lumMod val="60000"/>
+  </cs:variation>
+  <cs:variation>
+    <a:lumMod val="80000"/>
+    <a:lumOff val="20000"/>
+  </cs:variation>
+  <cs:variation>
+    <a:lumMod val="80000"/>
+  </cs:variation>
+  <cs:variation>
+    <a:lumMod val="60000"/>
+    <a:lumOff val="40000"/>
+  </cs:variation>
+  <cs:variation>
+    <a:lumMod val="50000"/>
+  </cs:variation>
+  <cs:variation>
+    <a:lumMod val="70000"/>
+    <a:lumOff val="30000"/>
+  </cs:variation>
+  <cs:variation>
+    <a:lumMod val="70000"/>
+  </cs:variation>
+  <cs:variation>
+    <a:lumMod val="50000"/>
+    <a:lumOff val="50000"/>
+  </cs:variation>
+</cs:colorStyle>
+</file>
+
+<file path=ppt/charts/colors7.xml><?xml version="1.0" encoding="utf-8"?>
+<cs:colorStyle xmlns:cs="http://schemas.microsoft.com/office/drawing/2012/chartStyle" xmlns:a="http://schemas.openxmlformats.org/drawingml/2006/main" meth="cycle" id="10">
+  <a:schemeClr val="accent1"/>
+  <a:schemeClr val="accent2"/>
+  <a:schemeClr val="accent3"/>
+  <a:schemeClr val="accent4"/>
+  <a:schemeClr val="accent5"/>
+  <a:schemeClr val="accent6"/>
+  <cs:variation/>
+  <cs:variation>
+    <a:lumMod val="60000"/>
+  </cs:variation>
+  <cs:variation>
+    <a:lumMod val="80000"/>
+    <a:lumOff val="20000"/>
+  </cs:variation>
+  <cs:variation>
+    <a:lumMod val="80000"/>
+  </cs:variation>
+  <cs:variation>
+    <a:lumMod val="60000"/>
+    <a:lumOff val="40000"/>
+  </cs:variation>
+  <cs:variation>
+    <a:lumMod val="50000"/>
+  </cs:variation>
+  <cs:variation>
+    <a:lumMod val="70000"/>
+    <a:lumOff val="30000"/>
+  </cs:variation>
+  <cs:variation>
+    <a:lumMod val="70000"/>
+  </cs:variation>
+  <cs:variation>
+    <a:lumMod val="50000"/>
+    <a:lumOff val="50000"/>
+  </cs:variation>
+</cs:colorStyle>
+</file>
+
+<file path=ppt/charts/colors8.xml><?xml version="1.0" encoding="utf-8"?>
+<cs:colorStyle xmlns:cs="http://schemas.microsoft.com/office/drawing/2012/chartStyle" xmlns:a="http://schemas.openxmlformats.org/drawingml/2006/main" meth="cycle" id="10">
+  <a:schemeClr val="accent1"/>
+  <a:schemeClr val="accent2"/>
+  <a:schemeClr val="accent3"/>
+  <a:schemeClr val="accent4"/>
+  <a:schemeClr val="accent5"/>
+  <a:schemeClr val="accent6"/>
+  <cs:variation/>
+  <cs:variation>
+    <a:lumMod val="60000"/>
+  </cs:variation>
+  <cs:variation>
+    <a:lumMod val="80000"/>
+    <a:lumOff val="20000"/>
+  </cs:variation>
+  <cs:variation>
+    <a:lumMod val="80000"/>
+  </cs:variation>
+  <cs:variation>
+    <a:lumMod val="60000"/>
+    <a:lumOff val="40000"/>
+  </cs:variation>
+  <cs:variation>
+    <a:lumMod val="50000"/>
+  </cs:variation>
+  <cs:variation>
+    <a:lumMod val="70000"/>
+    <a:lumOff val="30000"/>
+  </cs:variation>
+  <cs:variation>
+    <a:lumMod val="70000"/>
+  </cs:variation>
+  <cs:variation>
+    <a:lumMod val="50000"/>
+    <a:lumOff val="50000"/>
+  </cs:variation>
+</cs:colorStyle>
+</file>
+
+<file path=ppt/charts/style1.xml><?xml version="1.0" encoding="utf-8"?>
+<cs:chartStyle xmlns:cs="http://schemas.microsoft.com/office/drawing/2012/chartStyle" xmlns:a="http://schemas.openxmlformats.org/drawingml/2006/main" id="201">
+  <cs:axisTitle>
+    <cs:lnRef idx="0"/>
+    <cs:fillRef idx="0"/>
+    <cs:effectRef idx="0"/>
+    <cs:fontRef idx="minor">
+      <a:schemeClr val="tx1">
+        <a:lumMod val="65000"/>
+        <a:lumOff val="35000"/>
+      </a:schemeClr>
+    </cs:fontRef>
+    <cs:defRPr sz="1000" kern="1200"/>
+  </cs:axisTitle>
+  <cs:categoryAxis>
+    <cs:lnRef idx="0"/>
+    <cs:fillRef idx="0"/>
+    <cs:effectRef idx="0"/>
+    <cs:fontRef idx="minor">
+      <a:schemeClr val="tx1">
+        <a:lumMod val="65000"/>
+        <a:lumOff val="35000"/>
+      </a:schemeClr>
+    </cs:fontRef>
+    <cs:spPr>
+      <a:ln w="9525" cap="flat" cmpd="sng" algn="ctr">
+        <a:solidFill>
+          <a:schemeClr val="tx1">
+            <a:lumMod val="15000"/>
+            <a:lumOff val="85000"/>
+          </a:schemeClr>
+        </a:solidFill>
+        <a:round/>
+      </a:ln>
+    </cs:spPr>
+    <cs:defRPr sz="900" kern="1200"/>
+  </cs:categoryAxis>
+  <cs:chartArea mods="allowNoFillOverride allowNoLineOverride">
+    <cs:lnRef idx="0"/>
+    <cs:fillRef idx="0"/>
+    <cs:effectRef idx="0"/>
+    <cs:fontRef idx="minor">
+      <a:schemeClr val="tx1"/>
+    </cs:fontRef>
+    <cs:spPr>
+      <a:solidFill>
+        <a:schemeClr val="bg1"/>
+      </a:solidFill>
+      <a:ln w="9525" cap="flat" cmpd="sng" algn="ctr">
+        <a:solidFill>
+          <a:schemeClr val="tx1">
+            <a:lumMod val="15000"/>
+            <a:lumOff val="85000"/>
+          </a:schemeClr>
+        </a:solidFill>
+        <a:round/>
+      </a:ln>
+    </cs:spPr>
+    <cs:defRPr sz="1000" kern="1200"/>
+  </cs:chartArea>
+  <cs:dataLabel>
+    <cs:lnRef idx="0"/>
+    <cs:fillRef idx="0"/>
+    <cs:effectRef idx="0"/>
+    <cs:fontRef idx="minor">
+      <a:schemeClr val="tx1">
+        <a:lumMod val="75000"/>
+        <a:lumOff val="25000"/>
+      </a:schemeClr>
+    </cs:fontRef>
+    <cs:defRPr sz="900" kern="1200"/>
+  </cs:dataLabel>
+  <cs:dataLabelCallout>
+    <cs:lnRef idx="0"/>
+    <cs:fillRef idx="0"/>
+    <cs:effectRef idx="0"/>
+    <cs:fontRef idx="minor">
+      <a:schemeClr val="dk1">
+        <a:lumMod val="65000"/>
+        <a:lumOff val="35000"/>
+      </a:schemeClr>
+    </cs:fontRef>
+    <cs:spPr>
+      <a:solidFill>
+        <a:schemeClr val="lt1"/>
+      </a:solidFill>
+      <a:ln>
+        <a:solidFill>
+          <a:schemeClr val="dk1">
+            <a:lumMod val="25000"/>
+            <a:lumOff val="75000"/>
+          </a:schemeClr>
+        </a:solidFill>
+      </a:ln>
+    </cs:spPr>
+    <cs:defRPr sz="900" kern="1200"/>
+    <cs:bodyPr rot="0" spcFirstLastPara="1" vertOverflow="clip" horzOverflow="clip" vert="horz" wrap="square" lIns="36576" tIns="18288" rIns="36576" bIns="18288" anchor="ctr" anchorCtr="1">
+      <a:spAutoFit/>
+    </cs:bodyPr>
+  </cs:dataLabelCallout>
+  <cs:dataPoint>
+    <cs:lnRef idx="0"/>
+    <cs:fillRef idx="1">
+      <cs:styleClr val="auto"/>
+    </cs:fillRef>
+    <cs:effectRef idx="0"/>
+    <cs:fontRef idx="minor">
+      <a:schemeClr val="tx1"/>
+    </cs:fontRef>
+  </cs:dataPoint>
+  <cs:dataPoint3D>
+    <cs:lnRef idx="0"/>
+    <cs:fillRef idx="1">
+      <cs:styleClr val="auto"/>
+    </cs:fillRef>
+    <cs:effectRef idx="0"/>
+    <cs:fontRef idx="minor">
+      <a:schemeClr val="tx1"/>
+    </cs:fontRef>
+  </cs:dataPoint3D>
+  <cs:dataPointLine>
+    <cs:lnRef idx="0">
+      <cs:styleClr val="auto"/>
+    </cs:lnRef>
+    <cs:fillRef idx="1"/>
+    <cs:effectRef idx="0"/>
+    <cs:fontRef idx="minor">
+      <a:schemeClr val="tx1"/>
+    </cs:fontRef>
+    <cs:spPr>
+      <a:ln w="28575" cap="rnd">
+        <a:solidFill>
+          <a:schemeClr val="phClr"/>
+        </a:solidFill>
+        <a:round/>
+      </a:ln>
+    </cs:spPr>
+  </cs:dataPointLine>
+  <cs:dataPointMarker>
+    <cs:lnRef idx="0">
+      <cs:styleClr val="auto"/>
+    </cs:lnRef>
+    <cs:fillRef idx="1">
+      <cs:styleClr val="auto"/>
+    </cs:fillRef>
+    <cs:effectRef idx="0"/>
+    <cs:fontRef idx="minor">
+      <a:schemeClr val="tx1"/>
+    </cs:fontRef>
+    <cs:spPr>
+      <a:ln w="9525">
+        <a:solidFill>
+          <a:schemeClr val="phClr"/>
+        </a:solidFill>
+      </a:ln>
+    </cs:spPr>
+  </cs:dataPointMarker>
+  <cs:dataPointMarkerLayout symbol="circle" size="5"/>
+  <cs:dataPointWireframe>
+    <cs:lnRef idx="0">
+      <cs:styleClr val="auto"/>
+    </cs:lnRef>
+    <cs:fillRef idx="1"/>
+    <cs:effectRef idx="0"/>
+    <cs:fontRef idx="minor">
+      <a:schemeClr val="tx1"/>
+    </cs:fontRef>
+    <cs:spPr>
+      <a:ln w="9525" cap="rnd">
+        <a:solidFill>
+          <a:schemeClr val="phClr"/>
+        </a:solidFill>
+        <a:round/>
+      </a:ln>
+    </cs:spPr>
+  </cs:dataPointWireframe>
+  <cs:dataTable>
+    <cs:lnRef idx="0"/>
+    <cs:fillRef idx="0"/>
+    <cs:effectRef idx="0"/>
+    <cs:fontRef idx="minor">
+      <a:schemeClr val="tx1">
+        <a:lumMod val="65000"/>
+        <a:lumOff val="35000"/>
+      </a:schemeClr>
+    </cs:fontRef>
+    <cs:spPr>
+      <a:noFill/>
+      <a:ln w="9525" cap="flat" cmpd="sng" algn="ctr">
+        <a:solidFill>
+          <a:schemeClr val="tx1">
+            <a:lumMod val="15000"/>
+            <a:lumOff val="85000"/>
+          </a:schemeClr>
+        </a:solidFill>
+        <a:round/>
+      </a:ln>
+    </cs:spPr>
+    <cs:defRPr sz="900" kern="1200"/>
+  </cs:dataTable>
+  <cs:downBar>
+    <cs:lnRef idx="0"/>
+    <cs:fillRef idx="0"/>
+    <cs:effectRef idx="0"/>
+    <cs:fontRef idx="minor">
+      <a:schemeClr val="dk1"/>
+    </cs:fontRef>
+    <cs:spPr>
+      <a:solidFill>
+        <a:schemeClr val="dk1">
+          <a:lumMod val="65000"/>
+          <a:lumOff val="35000"/>
+        </a:schemeClr>
+      </a:solidFill>
+      <a:ln w="9525">
+        <a:solidFill>
+          <a:schemeClr val="tx1">
+            <a:lumMod val="65000"/>
+            <a:lumOff val="35000"/>
+          </a:schemeClr>
+        </a:solidFill>
+      </a:ln>
+    </cs:spPr>
+  </cs:downBar>
+  <cs:dropLine>
+    <cs:lnRef idx="0"/>
+    <cs:fillRef idx="0"/>
+    <cs:effectRef idx="0"/>
+    <cs:fontRef idx="minor">
+      <a:schemeClr val="tx1"/>
+    </cs:fontRef>
+    <cs:spPr>
+      <a:ln w="9525" cap="flat" cmpd="sng" algn="ctr">
+        <a:solidFill>
+          <a:schemeClr val="tx1">
+            <a:lumMod val="35000"/>
+            <a:lumOff val="65000"/>
+          </a:schemeClr>
+        </a:solidFill>
+        <a:round/>
+      </a:ln>
+    </cs:spPr>
+  </cs:dropLine>
+  <cs:errorBar>
+    <cs:lnRef idx="0"/>
+    <cs:fillRef idx="0"/>
+    <cs:effectRef idx="0"/>
+    <cs:fontRef idx="minor">
+      <a:schemeClr val="tx1"/>
+    </cs:fontRef>
+    <cs:spPr>
+      <a:ln w="9525" cap="flat" cmpd="sng" algn="ctr">
+        <a:solidFill>
+          <a:schemeClr val="tx1">
+            <a:lumMod val="65000"/>
+            <a:lumOff val="35000"/>
+          </a:schemeClr>
+        </a:solidFill>
+        <a:round/>
+      </a:ln>
+    </cs:spPr>
+  </cs:errorBar>
+  <cs:floor>
+    <cs:lnRef idx="0"/>
+    <cs:fillRef idx="0"/>
+    <cs:effectRef idx="0"/>
+    <cs:fontRef idx="minor">
+      <a:schemeClr val="tx1"/>
+    </cs:fontRef>
+    <cs:spPr>
+      <a:noFill/>
+      <a:ln>
+        <a:noFill/>
+      </a:ln>
+    </cs:spPr>
+  </cs:floor>
+  <cs:gridlineMajor>
+    <cs:lnRef idx="0"/>
+    <cs:fillRef idx="0"/>
+    <cs:effectRef idx="0"/>
+    <cs:fontRef idx="minor">
+      <a:schemeClr val="tx1"/>
+    </cs:fontRef>
+    <cs:spPr>
+      <a:ln w="9525" cap="flat" cmpd="sng" algn="ctr">
+        <a:solidFill>
+          <a:schemeClr val="tx1">
+            <a:lumMod val="15000"/>
+            <a:lumOff val="85000"/>
+          </a:schemeClr>
+        </a:solidFill>
+        <a:round/>
+      </a:ln>
+    </cs:spPr>
+  </cs:gridlineMajor>
+  <cs:gridlineMinor>
+    <cs:lnRef idx="0"/>
+    <cs:fillRef idx="0"/>
+    <cs:effectRef idx="0"/>
+    <cs:fontRef idx="minor">
+      <a:schemeClr val="tx1"/>
+    </cs:fontRef>
+    <cs:spPr>
+      <a:ln w="9525" cap="flat" cmpd="sng" algn="ctr">
+        <a:solidFill>
+          <a:schemeClr val="tx1">
+            <a:lumMod val="5000"/>
+            <a:lumOff val="95000"/>
+          </a:schemeClr>
+        </a:solidFill>
+        <a:round/>
+      </a:ln>
+    </cs:spPr>
+  </cs:gridlineMinor>
+  <cs:hiLoLine>
+    <cs:lnRef idx="0"/>
+    <cs:fillRef idx="0"/>
+    <cs:effectRef idx="0"/>
+    <cs:fontRef idx="minor">
+      <a:schemeClr val="tx1"/>
+    </cs:fontRef>
+    <cs:spPr>
+      <a:ln w="9525" cap="flat" cmpd="sng" algn="ctr">
+        <a:solidFill>
+          <a:schemeClr val="tx1">
+            <a:lumMod val="75000"/>
+            <a:lumOff val="25000"/>
+          </a:schemeClr>
+        </a:solidFill>
+        <a:round/>
+      </a:ln>
+    </cs:spPr>
+  </cs:hiLoLine>
+  <cs:leaderLine>
+    <cs:lnRef idx="0"/>
+    <cs:fillRef idx="0"/>
+    <cs:effectRef idx="0"/>
+    <cs:fontRef idx="minor">
+      <a:schemeClr val="tx1"/>
+    </cs:fontRef>
+    <cs:spPr>
+      <a:ln w="9525" cap="flat" cmpd="sng" algn="ctr">
+        <a:solidFill>
+          <a:schemeClr val="tx1">
+            <a:lumMod val="35000"/>
+            <a:lumOff val="65000"/>
+          </a:schemeClr>
+        </a:solidFill>
+        <a:round/>
+      </a:ln>
+    </cs:spPr>
+  </cs:leaderLine>
+  <cs:legend>
+    <cs:lnRef idx="0"/>
+    <cs:fillRef idx="0"/>
+    <cs:effectRef idx="0"/>
+    <cs:fontRef idx="minor">
+      <a:schemeClr val="tx1">
+        <a:lumMod val="65000"/>
+        <a:lumOff val="35000"/>
+      </a:schemeClr>
+    </cs:fontRef>
+    <cs:defRPr sz="900" kern="1200"/>
+  </cs:legend>
+  <cs:plotArea mods="allowNoFillOverride allowNoLineOverride">
+    <cs:lnRef idx="0"/>
+    <cs:fillRef idx="0"/>
+    <cs:effectRef idx="0"/>
+    <cs:fontRef idx="minor">
+      <a:schemeClr val="tx1"/>
+    </cs:fontRef>
+  </cs:plotArea>
+  <cs:plotArea3D mods="allowNoFillOverride allowNoLineOverride">
+    <cs:lnRef idx="0"/>
+    <cs:fillRef idx="0"/>
+    <cs:effectRef idx="0"/>
+    <cs:fontRef idx="minor">
+      <a:schemeClr val="tx1"/>
+    </cs:fontRef>
+  </cs:plotArea3D>
+  <cs:seriesAxis>
+    <cs:lnRef idx="0"/>
+    <cs:fillRef idx="0"/>
+    <cs:effectRef idx="0"/>
+    <cs:fontRef idx="minor">
+      <a:schemeClr val="tx1">
+        <a:lumMod val="65000"/>
+        <a:lumOff val="35000"/>
+      </a:schemeClr>
+    </cs:fontRef>
+    <cs:defRPr sz="900" kern="1200"/>
+  </cs:seriesAxis>
+  <cs:seriesLine>
+    <cs:lnRef idx="0"/>
+    <cs:fillRef idx="0"/>
+    <cs:effectRef idx="0"/>
+    <cs:fontRef idx="minor">
+      <a:schemeClr val="tx1"/>
+    </cs:fontRef>
+    <cs:spPr>
+      <a:ln w="9525" cap="flat" cmpd="sng" algn="ctr">
+        <a:solidFill>
+          <a:schemeClr val="tx1">
+            <a:lumMod val="35000"/>
+            <a:lumOff val="65000"/>
+          </a:schemeClr>
+        </a:solidFill>
+        <a:round/>
+      </a:ln>
+    </cs:spPr>
+  </cs:seriesLine>
+  <cs:title>
+    <cs:lnRef idx="0"/>
+    <cs:fillRef idx="0"/>
+    <cs:effectRef idx="0"/>
+    <cs:fontRef idx="minor">
+      <a:schemeClr val="tx1">
+        <a:lumMod val="65000"/>
+        <a:lumOff val="35000"/>
+      </a:schemeClr>
+    </cs:fontRef>
+    <cs:defRPr sz="1400" b="0" kern="1200" spc="0" baseline="0"/>
+  </cs:title>
+  <cs:trendline>
+    <cs:lnRef idx="0">
+      <cs:styleClr val="auto"/>
+    </cs:lnRef>
+    <cs:fillRef idx="0"/>
+    <cs:effectRef idx="0"/>
+    <cs:fontRef idx="minor">
+      <a:schemeClr val="tx1"/>
+    </cs:fontRef>
+    <cs:spPr>
+      <a:ln w="19050" cap="rnd">
+        <a:solidFill>
+          <a:schemeClr val="phClr"/>
+        </a:solidFill>
+        <a:prstDash val="sysDot"/>
+      </a:ln>
+    </cs:spPr>
+  </cs:trendline>
+  <cs:trendlineLabel>
+    <cs:lnRef idx="0"/>
+    <cs:fillRef idx="0"/>
+    <cs:effectRef idx="0"/>
+    <cs:fontRef idx="minor">
+      <a:schemeClr val="tx1">
+        <a:lumMod val="65000"/>
+        <a:lumOff val="35000"/>
+      </a:schemeClr>
+    </cs:fontRef>
+    <cs:defRPr sz="900" kern="1200"/>
+  </cs:trendlineLabel>
+  <cs:upBar>
+    <cs:lnRef idx="0"/>
+    <cs:fillRef idx="0"/>
+    <cs:effectRef idx="0"/>
+    <cs:fontRef idx="minor">
+      <a:schemeClr val="dk1"/>
+    </cs:fontRef>
+    <cs:spPr>
+      <a:solidFill>
+        <a:schemeClr val="lt1"/>
+      </a:solidFill>
+      <a:ln w="9525">
+        <a:solidFill>
+          <a:schemeClr val="tx1">
+            <a:lumMod val="15000"/>
+            <a:lumOff val="85000"/>
+          </a:schemeClr>
+        </a:solidFill>
+      </a:ln>
+    </cs:spPr>
+  </cs:upBar>
+  <cs:valueAxis>
+    <cs:lnRef idx="0"/>
+    <cs:fillRef idx="0"/>
+    <cs:effectRef idx="0"/>
+    <cs:fontRef idx="minor">
+      <a:schemeClr val="tx1">
+        <a:lumMod val="65000"/>
+        <a:lumOff val="35000"/>
+      </a:schemeClr>
+    </cs:fontRef>
+    <cs:defRPr sz="900" kern="1200"/>
+  </cs:valueAxis>
+  <cs:wall>
+    <cs:lnRef idx="0"/>
+    <cs:fillRef idx="0"/>
+    <cs:effectRef idx="0"/>
+    <cs:fontRef idx="minor">
+      <a:schemeClr val="tx1"/>
+    </cs:fontRef>
+    <cs:spPr>
+      <a:noFill/>
+      <a:ln>
+        <a:noFill/>
+      </a:ln>
+    </cs:spPr>
+  </cs:wall>
+</cs:chartStyle>
+</file>
+
+<file path=ppt/charts/style2.xml><?xml version="1.0" encoding="utf-8"?>
+<cs:chartStyle xmlns:cs="http://schemas.microsoft.com/office/drawing/2012/chartStyle" xmlns:a="http://schemas.openxmlformats.org/drawingml/2006/main" id="201">
+  <cs:axisTitle>
+    <cs:lnRef idx="0"/>
+    <cs:fillRef idx="0"/>
+    <cs:effectRef idx="0"/>
+    <cs:fontRef idx="minor">
+      <a:schemeClr val="tx1">
+        <a:lumMod val="65000"/>
+        <a:lumOff val="35000"/>
+      </a:schemeClr>
+    </cs:fontRef>
+    <cs:defRPr sz="1000" kern="1200"/>
+  </cs:axisTitle>
+  <cs:categoryAxis>
+    <cs:lnRef idx="0"/>
+    <cs:fillRef idx="0"/>
+    <cs:effectRef idx="0"/>
+    <cs:fontRef idx="minor">
+      <a:schemeClr val="tx1">
+        <a:lumMod val="65000"/>
+        <a:lumOff val="35000"/>
+      </a:schemeClr>
+    </cs:fontRef>
+    <cs:spPr>
+      <a:ln w="9525" cap="flat" cmpd="sng" algn="ctr">
+        <a:solidFill>
+          <a:schemeClr val="tx1">
+            <a:lumMod val="15000"/>
+            <a:lumOff val="85000"/>
+          </a:schemeClr>
+        </a:solidFill>
+        <a:round/>
+      </a:ln>
+    </cs:spPr>
+    <cs:defRPr sz="900" kern="1200"/>
+  </cs:categoryAxis>
+  <cs:chartArea mods="allowNoFillOverride allowNoLineOverride">
+    <cs:lnRef idx="0"/>
+    <cs:fillRef idx="0"/>
+    <cs:effectRef idx="0"/>
+    <cs:fontRef idx="minor">
+      <a:schemeClr val="tx1"/>
+    </cs:fontRef>
+    <cs:spPr>
+      <a:solidFill>
+        <a:schemeClr val="bg1"/>
+      </a:solidFill>
+      <a:ln w="9525" cap="flat" cmpd="sng" algn="ctr">
+        <a:solidFill>
+          <a:schemeClr val="tx1">
+            <a:lumMod val="15000"/>
+            <a:lumOff val="85000"/>
+          </a:schemeClr>
+        </a:solidFill>
+        <a:round/>
+      </a:ln>
+    </cs:spPr>
+    <cs:defRPr sz="1000" kern="1200"/>
+  </cs:chartArea>
+  <cs:dataLabel>
+    <cs:lnRef idx="0"/>
+    <cs:fillRef idx="0"/>
+    <cs:effectRef idx="0"/>
+    <cs:fontRef idx="minor">
+      <a:schemeClr val="tx1">
+        <a:lumMod val="75000"/>
+        <a:lumOff val="25000"/>
+      </a:schemeClr>
+    </cs:fontRef>
+    <cs:defRPr sz="900" kern="1200"/>
+  </cs:dataLabel>
+  <cs:dataLabelCallout>
+    <cs:lnRef idx="0"/>
+    <cs:fillRef idx="0"/>
+    <cs:effectRef idx="0"/>
+    <cs:fontRef idx="minor">
+      <a:schemeClr val="dk1">
+        <a:lumMod val="65000"/>
+        <a:lumOff val="35000"/>
+      </a:schemeClr>
+    </cs:fontRef>
+    <cs:spPr>
+      <a:solidFill>
+        <a:schemeClr val="lt1"/>
+      </a:solidFill>
+      <a:ln>
+        <a:solidFill>
+          <a:schemeClr val="dk1">
+            <a:lumMod val="25000"/>
+            <a:lumOff val="75000"/>
+          </a:schemeClr>
+        </a:solidFill>
+      </a:ln>
+    </cs:spPr>
+    <cs:defRPr sz="900" kern="1200"/>
+    <cs:bodyPr rot="0" spcFirstLastPara="1" vertOverflow="clip" horzOverflow="clip" vert="horz" wrap="square" lIns="36576" tIns="18288" rIns="36576" bIns="18288" anchor="ctr" anchorCtr="1">
+      <a:spAutoFit/>
+    </cs:bodyPr>
+  </cs:dataLabelCallout>
+  <cs:dataPoint>
+    <cs:lnRef idx="0"/>
+    <cs:fillRef idx="1">
+      <cs:styleClr val="auto"/>
+    </cs:fillRef>
+    <cs:effectRef idx="0"/>
+    <cs:fontRef idx="minor">
+      <a:schemeClr val="tx1"/>
+    </cs:fontRef>
+  </cs:dataPoint>
+  <cs:dataPoint3D>
+    <cs:lnRef idx="0"/>
+    <cs:fillRef idx="1">
+      <cs:styleClr val="auto"/>
+    </cs:fillRef>
+    <cs:effectRef idx="0"/>
+    <cs:fontRef idx="minor">
+      <a:schemeClr val="tx1"/>
+    </cs:fontRef>
+  </cs:dataPoint3D>
+  <cs:dataPointLine>
+    <cs:lnRef idx="0">
+      <cs:styleClr val="auto"/>
+    </cs:lnRef>
+    <cs:fillRef idx="1"/>
+    <cs:effectRef idx="0"/>
+    <cs:fontRef idx="minor">
+      <a:schemeClr val="tx1"/>
+    </cs:fontRef>
+    <cs:spPr>
+      <a:ln w="28575" cap="rnd">
+        <a:solidFill>
+          <a:schemeClr val="phClr"/>
+        </a:solidFill>
+        <a:round/>
+      </a:ln>
+    </cs:spPr>
+  </cs:dataPointLine>
+  <cs:dataPointMarker>
+    <cs:lnRef idx="0">
+      <cs:styleClr val="auto"/>
+    </cs:lnRef>
+    <cs:fillRef idx="1">
+      <cs:styleClr val="auto"/>
+    </cs:fillRef>
+    <cs:effectRef idx="0"/>
+    <cs:fontRef idx="minor">
+      <a:schemeClr val="tx1"/>
+    </cs:fontRef>
+    <cs:spPr>
+      <a:ln w="9525">
+        <a:solidFill>
+          <a:schemeClr val="phClr"/>
+        </a:solidFill>
+      </a:ln>
+    </cs:spPr>
+  </cs:dataPointMarker>
+  <cs:dataPointMarkerLayout symbol="circle" size="5"/>
+  <cs:dataPointWireframe>
+    <cs:lnRef idx="0">
+      <cs:styleClr val="auto"/>
+    </cs:lnRef>
+    <cs:fillRef idx="1"/>
+    <cs:effectRef idx="0"/>
+    <cs:fontRef idx="minor">
+      <a:schemeClr val="tx1"/>
+    </cs:fontRef>
+    <cs:spPr>
+      <a:ln w="9525" cap="rnd">
+        <a:solidFill>
+          <a:schemeClr val="phClr"/>
+        </a:solidFill>
+        <a:round/>
+      </a:ln>
+    </cs:spPr>
+  </cs:dataPointWireframe>
+  <cs:dataTable>
+    <cs:lnRef idx="0"/>
+    <cs:fillRef idx="0"/>
+    <cs:effectRef idx="0"/>
+    <cs:fontRef idx="minor">
+      <a:schemeClr val="tx1">
+        <a:lumMod val="65000"/>
+        <a:lumOff val="35000"/>
+      </a:schemeClr>
+    </cs:fontRef>
+    <cs:spPr>
+      <a:noFill/>
+      <a:ln w="9525" cap="flat" cmpd="sng" algn="ctr">
+        <a:solidFill>
+          <a:schemeClr val="tx1">
+            <a:lumMod val="15000"/>
+            <a:lumOff val="85000"/>
+          </a:schemeClr>
+        </a:solidFill>
+        <a:round/>
+      </a:ln>
+    </cs:spPr>
+    <cs:defRPr sz="900" kern="1200"/>
+  </cs:dataTable>
+  <cs:downBar>
+    <cs:lnRef idx="0"/>
+    <cs:fillRef idx="0"/>
+    <cs:effectRef idx="0"/>
+    <cs:fontRef idx="minor">
+      <a:schemeClr val="dk1"/>
+    </cs:fontRef>
+    <cs:spPr>
+      <a:solidFill>
+        <a:schemeClr val="dk1">
+          <a:lumMod val="65000"/>
+          <a:lumOff val="35000"/>
+        </a:schemeClr>
+      </a:solidFill>
+      <a:ln w="9525">
+        <a:solidFill>
+          <a:schemeClr val="tx1">
+            <a:lumMod val="65000"/>
+            <a:lumOff val="35000"/>
+          </a:schemeClr>
+        </a:solidFill>
+      </a:ln>
+    </cs:spPr>
+  </cs:downBar>
+  <cs:dropLine>
+    <cs:lnRef idx="0"/>
+    <cs:fillRef idx="0"/>
+    <cs:effectRef idx="0"/>
+    <cs:fontRef idx="minor">
+      <a:schemeClr val="tx1"/>
+    </cs:fontRef>
+    <cs:spPr>
+      <a:ln w="9525" cap="flat" cmpd="sng" algn="ctr">
+        <a:solidFill>
+          <a:schemeClr val="tx1">
+            <a:lumMod val="35000"/>
+            <a:lumOff val="65000"/>
+          </a:schemeClr>
+        </a:solidFill>
+        <a:round/>
+      </a:ln>
+    </cs:spPr>
+  </cs:dropLine>
+  <cs:errorBar>
+    <cs:lnRef idx="0"/>
+    <cs:fillRef idx="0"/>
+    <cs:effectRef idx="0"/>
+    <cs:fontRef idx="minor">
+      <a:schemeClr val="tx1"/>
+    </cs:fontRef>
+    <cs:spPr>
+      <a:ln w="9525" cap="flat" cmpd="sng" algn="ctr">
+        <a:solidFill>
+          <a:schemeClr val="tx1">
+            <a:lumMod val="65000"/>
+            <a:lumOff val="35000"/>
+          </a:schemeClr>
+        </a:solidFill>
+        <a:round/>
+      </a:ln>
+    </cs:spPr>
+  </cs:errorBar>
+  <cs:floor>
+    <cs:lnRef idx="0"/>
+    <cs:fillRef idx="0"/>
+    <cs:effectRef idx="0"/>
+    <cs:fontRef idx="minor">
+      <a:schemeClr val="tx1"/>
+    </cs:fontRef>
+    <cs:spPr>
+      <a:noFill/>
+      <a:ln>
+        <a:noFill/>
+      </a:ln>
+    </cs:spPr>
+  </cs:floor>
+  <cs:gridlineMajor>
+    <cs:lnRef idx="0"/>
+    <cs:fillRef idx="0"/>
+    <cs:effectRef idx="0"/>
+    <cs:fontRef idx="minor">
+      <a:schemeClr val="tx1"/>
+    </cs:fontRef>
+    <cs:spPr>
+      <a:ln w="9525" cap="flat" cmpd="sng" algn="ctr">
+        <a:solidFill>
+          <a:schemeClr val="tx1">
+            <a:lumMod val="15000"/>
+            <a:lumOff val="85000"/>
+          </a:schemeClr>
+        </a:solidFill>
+        <a:round/>
+      </a:ln>
+    </cs:spPr>
+  </cs:gridlineMajor>
+  <cs:gridlineMinor>
+    <cs:lnRef idx="0"/>
+    <cs:fillRef idx="0"/>
+    <cs:effectRef idx="0"/>
+    <cs:fontRef idx="minor">
+      <a:schemeClr val="tx1"/>
+    </cs:fontRef>
+    <cs:spPr>
+      <a:ln w="9525" cap="flat" cmpd="sng" algn="ctr">
+        <a:solidFill>
+          <a:schemeClr val="tx1">
+            <a:lumMod val="5000"/>
+            <a:lumOff val="95000"/>
+          </a:schemeClr>
+        </a:solidFill>
+        <a:round/>
+      </a:ln>
+    </cs:spPr>
+  </cs:gridlineMinor>
+  <cs:hiLoLine>
+    <cs:lnRef idx="0"/>
+    <cs:fillRef idx="0"/>
+    <cs:effectRef idx="0"/>
+    <cs:fontRef idx="minor">
+      <a:schemeClr val="tx1"/>
+    </cs:fontRef>
+    <cs:spPr>
+      <a:ln w="9525" cap="flat" cmpd="sng" algn="ctr">
+        <a:solidFill>
+          <a:schemeClr val="tx1">
+            <a:lumMod val="75000"/>
+            <a:lumOff val="25000"/>
+          </a:schemeClr>
+        </a:solidFill>
+        <a:round/>
+      </a:ln>
+    </cs:spPr>
+  </cs:hiLoLine>
+  <cs:leaderLine>
+    <cs:lnRef idx="0"/>
+    <cs:fillRef idx="0"/>
+    <cs:effectRef idx="0"/>
+    <cs:fontRef idx="minor">
+      <a:schemeClr val="tx1"/>
+    </cs:fontRef>
+    <cs:spPr>
+      <a:ln w="9525" cap="flat" cmpd="sng" algn="ctr">
+        <a:solidFill>
+          <a:schemeClr val="tx1">
+            <a:lumMod val="35000"/>
+            <a:lumOff val="65000"/>
+          </a:schemeClr>
+        </a:solidFill>
+        <a:round/>
+      </a:ln>
+    </cs:spPr>
+  </cs:leaderLine>
+  <cs:legend>
+    <cs:lnRef idx="0"/>
+    <cs:fillRef idx="0"/>
+    <cs:effectRef idx="0"/>
+    <cs:fontRef idx="minor">
+      <a:schemeClr val="tx1">
+        <a:lumMod val="65000"/>
+        <a:lumOff val="35000"/>
+      </a:schemeClr>
+    </cs:fontRef>
+    <cs:defRPr sz="900" kern="1200"/>
+  </cs:legend>
+  <cs:plotArea mods="allowNoFillOverride allowNoLineOverride">
+    <cs:lnRef idx="0"/>
+    <cs:fillRef idx="0"/>
+    <cs:effectRef idx="0"/>
+    <cs:fontRef idx="minor">
+      <a:schemeClr val="tx1"/>
+    </cs:fontRef>
+  </cs:plotArea>
+  <cs:plotArea3D mods="allowNoFillOverride allowNoLineOverride">
+    <cs:lnRef idx="0"/>
+    <cs:fillRef idx="0"/>
+    <cs:effectRef idx="0"/>
+    <cs:fontRef idx="minor">
+      <a:schemeClr val="tx1"/>
+    </cs:fontRef>
+  </cs:plotArea3D>
+  <cs:seriesAxis>
+    <cs:lnRef idx="0"/>
+    <cs:fillRef idx="0"/>
+    <cs:effectRef idx="0"/>
+    <cs:fontRef idx="minor">
+      <a:schemeClr val="tx1">
+        <a:lumMod val="65000"/>
+        <a:lumOff val="35000"/>
+      </a:schemeClr>
+    </cs:fontRef>
+    <cs:defRPr sz="900" kern="1200"/>
+  </cs:seriesAxis>
+  <cs:seriesLine>
+    <cs:lnRef idx="0"/>
+    <cs:fillRef idx="0"/>
+    <cs:effectRef idx="0"/>
+    <cs:fontRef idx="minor">
+      <a:schemeClr val="tx1"/>
+    </cs:fontRef>
+    <cs:spPr>
+      <a:ln w="9525" cap="flat" cmpd="sng" algn="ctr">
+        <a:solidFill>
+          <a:schemeClr val="tx1">
+            <a:lumMod val="35000"/>
+            <a:lumOff val="65000"/>
+          </a:schemeClr>
+        </a:solidFill>
+        <a:round/>
+      </a:ln>
+    </cs:spPr>
+  </cs:seriesLine>
+  <cs:title>
+    <cs:lnRef idx="0"/>
+    <cs:fillRef idx="0"/>
+    <cs:effectRef idx="0"/>
+    <cs:fontRef idx="minor">
+      <a:schemeClr val="tx1">
+        <a:lumMod val="65000"/>
+        <a:lumOff val="35000"/>
+      </a:schemeClr>
+    </cs:fontRef>
+    <cs:defRPr sz="1400" b="0" kern="1200" spc="0" baseline="0"/>
+  </cs:title>
+  <cs:trendline>
+    <cs:lnRef idx="0">
+      <cs:styleClr val="auto"/>
+    </cs:lnRef>
+    <cs:fillRef idx="0"/>
+    <cs:effectRef idx="0"/>
+    <cs:fontRef idx="minor">
+      <a:schemeClr val="tx1"/>
+    </cs:fontRef>
+    <cs:spPr>
+      <a:ln w="19050" cap="rnd">
+        <a:solidFill>
+          <a:schemeClr val="phClr"/>
+        </a:solidFill>
+        <a:prstDash val="sysDot"/>
+      </a:ln>
+    </cs:spPr>
+  </cs:trendline>
+  <cs:trendlineLabel>
+    <cs:lnRef idx="0"/>
+    <cs:fillRef idx="0"/>
+    <cs:effectRef idx="0"/>
+    <cs:fontRef idx="minor">
+      <a:schemeClr val="tx1">
+        <a:lumMod val="65000"/>
+        <a:lumOff val="35000"/>
+      </a:schemeClr>
+    </cs:fontRef>
+    <cs:defRPr sz="900" kern="1200"/>
+  </cs:trendlineLabel>
+  <cs:upBar>
+    <cs:lnRef idx="0"/>
+    <cs:fillRef idx="0"/>
+    <cs:effectRef idx="0"/>
+    <cs:fontRef idx="minor">
+      <a:schemeClr val="dk1"/>
+    </cs:fontRef>
+    <cs:spPr>
+      <a:solidFill>
+        <a:schemeClr val="lt1"/>
+      </a:solidFill>
+      <a:ln w="9525">
+        <a:solidFill>
+          <a:schemeClr val="tx1">
+            <a:lumMod val="15000"/>
+            <a:lumOff val="85000"/>
+          </a:schemeClr>
+        </a:solidFill>
+      </a:ln>
+    </cs:spPr>
+  </cs:upBar>
+  <cs:valueAxis>
+    <cs:lnRef idx="0"/>
+    <cs:fillRef idx="0"/>
+    <cs:effectRef idx="0"/>
+    <cs:fontRef idx="minor">
+      <a:schemeClr val="tx1">
+        <a:lumMod val="65000"/>
+        <a:lumOff val="35000"/>
+      </a:schemeClr>
+    </cs:fontRef>
+    <cs:defRPr sz="900" kern="1200"/>
+  </cs:valueAxis>
+  <cs:wall>
+    <cs:lnRef idx="0"/>
+    <cs:fillRef idx="0"/>
+    <cs:effectRef idx="0"/>
+    <cs:fontRef idx="minor">
+      <a:schemeClr val="tx1"/>
+    </cs:fontRef>
+    <cs:spPr>
+      <a:noFill/>
+      <a:ln>
+        <a:noFill/>
+      </a:ln>
+    </cs:spPr>
+  </cs:wall>
+</cs:chartStyle>
+</file>
+
+<file path=ppt/charts/style3.xml><?xml version="1.0" encoding="utf-8"?>
+<cs:chartStyle xmlns:cs="http://schemas.microsoft.com/office/drawing/2012/chartStyle" xmlns:a="http://schemas.openxmlformats.org/drawingml/2006/main" id="201">
+  <cs:axisTitle>
+    <cs:lnRef idx="0"/>
+    <cs:fillRef idx="0"/>
+    <cs:effectRef idx="0"/>
+    <cs:fontRef idx="minor">
+      <a:schemeClr val="tx1">
+        <a:lumMod val="65000"/>
+        <a:lumOff val="35000"/>
+      </a:schemeClr>
+    </cs:fontRef>
+    <cs:defRPr sz="1000" kern="1200"/>
+  </cs:axisTitle>
+  <cs:categoryAxis>
+    <cs:lnRef idx="0"/>
+    <cs:fillRef idx="0"/>
+    <cs:effectRef idx="0"/>
+    <cs:fontRef idx="minor">
+      <a:schemeClr val="tx1">
+        <a:lumMod val="65000"/>
+        <a:lumOff val="35000"/>
+      </a:schemeClr>
+    </cs:fontRef>
+    <cs:spPr>
+      <a:ln w="9525" cap="flat" cmpd="sng" algn="ctr">
+        <a:solidFill>
+          <a:schemeClr val="tx1">
+            <a:lumMod val="15000"/>
+            <a:lumOff val="85000"/>
+          </a:schemeClr>
+        </a:solidFill>
+        <a:round/>
+      </a:ln>
+    </cs:spPr>
+    <cs:defRPr sz="900" kern="1200"/>
+  </cs:categoryAxis>
+  <cs:chartArea mods="allowNoFillOverride allowNoLineOverride">
+    <cs:lnRef idx="0"/>
+    <cs:fillRef idx="0"/>
+    <cs:effectRef idx="0"/>
+    <cs:fontRef idx="minor">
+      <a:schemeClr val="tx1"/>
+    </cs:fontRef>
+    <cs:spPr>
+      <a:solidFill>
+        <a:schemeClr val="bg1"/>
+      </a:solidFill>
+      <a:ln w="9525" cap="flat" cmpd="sng" algn="ctr">
+        <a:solidFill>
+          <a:schemeClr val="tx1">
+            <a:lumMod val="15000"/>
+            <a:lumOff val="85000"/>
+          </a:schemeClr>
+        </a:solidFill>
+        <a:round/>
+      </a:ln>
+    </cs:spPr>
+    <cs:defRPr sz="1000" kern="1200"/>
+  </cs:chartArea>
+  <cs:dataLabel>
+    <cs:lnRef idx="0"/>
+    <cs:fillRef idx="0"/>
+    <cs:effectRef idx="0"/>
+    <cs:fontRef idx="minor">
+      <a:schemeClr val="tx1">
+        <a:lumMod val="75000"/>
+        <a:lumOff val="25000"/>
+      </a:schemeClr>
+    </cs:fontRef>
+    <cs:defRPr sz="900" kern="1200"/>
+  </cs:dataLabel>
+  <cs:dataLabelCallout>
+    <cs:lnRef idx="0"/>
+    <cs:fillRef idx="0"/>
+    <cs:effectRef idx="0"/>
+    <cs:fontRef idx="minor">
+      <a:schemeClr val="dk1">
+        <a:lumMod val="65000"/>
+        <a:lumOff val="35000"/>
+      </a:schemeClr>
+    </cs:fontRef>
+    <cs:spPr>
+      <a:solidFill>
+        <a:schemeClr val="lt1"/>
+      </a:solidFill>
+      <a:ln>
+        <a:solidFill>
+          <a:schemeClr val="dk1">
+            <a:lumMod val="25000"/>
+            <a:lumOff val="75000"/>
+          </a:schemeClr>
+        </a:solidFill>
+      </a:ln>
+    </cs:spPr>
+    <cs:defRPr sz="900" kern="1200"/>
+    <cs:bodyPr rot="0" spcFirstLastPara="1" vertOverflow="clip" horzOverflow="clip" vert="horz" wrap="square" lIns="36576" tIns="18288" rIns="36576" bIns="18288" anchor="ctr" anchorCtr="1">
+      <a:spAutoFit/>
+    </cs:bodyPr>
+  </cs:dataLabelCallout>
+  <cs:dataPoint>
+    <cs:lnRef idx="0"/>
+    <cs:fillRef idx="1">
+      <cs:styleClr val="auto"/>
+    </cs:fillRef>
+    <cs:effectRef idx="0"/>
+    <cs:fontRef idx="minor">
+      <a:schemeClr val="tx1"/>
+    </cs:fontRef>
+  </cs:dataPoint>
+  <cs:dataPoint3D>
+    <cs:lnRef idx="0"/>
+    <cs:fillRef idx="1">
+      <cs:styleClr val="auto"/>
+    </cs:fillRef>
+    <cs:effectRef idx="0"/>
+    <cs:fontRef idx="minor">
+      <a:schemeClr val="tx1"/>
+    </cs:fontRef>
+  </cs:dataPoint3D>
+  <cs:dataPointLine>
+    <cs:lnRef idx="0">
+      <cs:styleClr val="auto"/>
+    </cs:lnRef>
+    <cs:fillRef idx="1"/>
+    <cs:effectRef idx="0"/>
+    <cs:fontRef idx="minor">
+      <a:schemeClr val="tx1"/>
+    </cs:fontRef>
+    <cs:spPr>
+      <a:ln w="28575" cap="rnd">
+        <a:solidFill>
+          <a:schemeClr val="phClr"/>
+        </a:solidFill>
+        <a:round/>
+      </a:ln>
+    </cs:spPr>
+  </cs:dataPointLine>
+  <cs:dataPointMarker>
+    <cs:lnRef idx="0">
+      <cs:styleClr val="auto"/>
+    </cs:lnRef>
+    <cs:fillRef idx="1">
+      <cs:styleClr val="auto"/>
+    </cs:fillRef>
+    <cs:effectRef idx="0"/>
+    <cs:fontRef idx="minor">
+      <a:schemeClr val="tx1"/>
+    </cs:fontRef>
+    <cs:spPr>
+      <a:ln w="9525">
+        <a:solidFill>
+          <a:schemeClr val="phClr"/>
+        </a:solidFill>
+      </a:ln>
+    </cs:spPr>
+  </cs:dataPointMarker>
+  <cs:dataPointMarkerLayout symbol="circle" size="5"/>
+  <cs:dataPointWireframe>
+    <cs:lnRef idx="0">
+      <cs:styleClr val="auto"/>
+    </cs:lnRef>
+    <cs:fillRef idx="1"/>
+    <cs:effectRef idx="0"/>
+    <cs:fontRef idx="minor">
+      <a:schemeClr val="tx1"/>
+    </cs:fontRef>
+    <cs:spPr>
+      <a:ln w="9525" cap="rnd">
+        <a:solidFill>
+          <a:schemeClr val="phClr"/>
+        </a:solidFill>
+        <a:round/>
+      </a:ln>
+    </cs:spPr>
+  </cs:dataPointWireframe>
+  <cs:dataTable>
+    <cs:lnRef idx="0"/>
+    <cs:fillRef idx="0"/>
+    <cs:effectRef idx="0"/>
+    <cs:fontRef idx="minor">
+      <a:schemeClr val="tx1">
+        <a:lumMod val="65000"/>
+        <a:lumOff val="35000"/>
+      </a:schemeClr>
+    </cs:fontRef>
+    <cs:spPr>
+      <a:noFill/>
+      <a:ln w="9525" cap="flat" cmpd="sng" algn="ctr">
+        <a:solidFill>
+          <a:schemeClr val="tx1">
+            <a:lumMod val="15000"/>
+            <a:lumOff val="85000"/>
+          </a:schemeClr>
+        </a:solidFill>
+        <a:round/>
+      </a:ln>
+    </cs:spPr>
+    <cs:defRPr sz="900" kern="1200"/>
+  </cs:dataTable>
+  <cs:downBar>
+    <cs:lnRef idx="0"/>
+    <cs:fillRef idx="0"/>
+    <cs:effectRef idx="0"/>
+    <cs:fontRef idx="minor">
+      <a:schemeClr val="dk1"/>
+    </cs:fontRef>
+    <cs:spPr>
+      <a:solidFill>
+        <a:schemeClr val="dk1">
+          <a:lumMod val="65000"/>
+          <a:lumOff val="35000"/>
+        </a:schemeClr>
+      </a:solidFill>
+      <a:ln w="9525">
+        <a:solidFill>
+          <a:schemeClr val="tx1">
+            <a:lumMod val="65000"/>
+            <a:lumOff val="35000"/>
+          </a:schemeClr>
+        </a:solidFill>
+      </a:ln>
+    </cs:spPr>
+  </cs:downBar>
+  <cs:dropLine>
+    <cs:lnRef idx="0"/>
+    <cs:fillRef idx="0"/>
+    <cs:effectRef idx="0"/>
+    <cs:fontRef idx="minor">
+      <a:schemeClr val="tx1"/>
+    </cs:fontRef>
+    <cs:spPr>
+      <a:ln w="9525" cap="flat" cmpd="sng" algn="ctr">
+        <a:solidFill>
+          <a:schemeClr val="tx1">
+            <a:lumMod val="35000"/>
+            <a:lumOff val="65000"/>
+          </a:schemeClr>
+        </a:solidFill>
+        <a:round/>
+      </a:ln>
+    </cs:spPr>
+  </cs:dropLine>
+  <cs:errorBar>
+    <cs:lnRef idx="0"/>
+    <cs:fillRef idx="0"/>
+    <cs:effectRef idx="0"/>
+    <cs:fontRef idx="minor">
+      <a:schemeClr val="tx1"/>
+    </cs:fontRef>
+    <cs:spPr>
+      <a:ln w="9525" cap="flat" cmpd="sng" algn="ctr">
+        <a:solidFill>
+          <a:schemeClr val="tx1">
+            <a:lumMod val="65000"/>
+            <a:lumOff val="35000"/>
+          </a:schemeClr>
+        </a:solidFill>
+        <a:round/>
+      </a:ln>
+    </cs:spPr>
+  </cs:errorBar>
+  <cs:floor>
+    <cs:lnRef idx="0"/>
+    <cs:fillRef idx="0"/>
+    <cs:effectRef idx="0"/>
+    <cs:fontRef idx="minor">
+      <a:schemeClr val="tx1"/>
+    </cs:fontRef>
+    <cs:spPr>
+      <a:noFill/>
+      <a:ln>
+        <a:noFill/>
+      </a:ln>
+    </cs:spPr>
+  </cs:floor>
+  <cs:gridlineMajor>
+    <cs:lnRef idx="0"/>
+    <cs:fillRef idx="0"/>
+    <cs:effectRef idx="0"/>
+    <cs:fontRef idx="minor">
+      <a:schemeClr val="tx1"/>
+    </cs:fontRef>
+    <cs:spPr>
+      <a:ln w="9525" cap="flat" cmpd="sng" algn="ctr">
+        <a:solidFill>
+          <a:schemeClr val="tx1">
+            <a:lumMod val="15000"/>
+            <a:lumOff val="85000"/>
+          </a:schemeClr>
+        </a:solidFill>
+        <a:round/>
+      </a:ln>
+    </cs:spPr>
+  </cs:gridlineMajor>
+  <cs:gridlineMinor>
+    <cs:lnRef idx="0"/>
+    <cs:fillRef idx="0"/>
+    <cs:effectRef idx="0"/>
+    <cs:fontRef idx="minor">
+      <a:schemeClr val="tx1"/>
+    </cs:fontRef>
+    <cs:spPr>
+      <a:ln w="9525" cap="flat" cmpd="sng" algn="ctr">
+        <a:solidFill>
+          <a:schemeClr val="tx1">
+            <a:lumMod val="5000"/>
+            <a:lumOff val="95000"/>
+          </a:schemeClr>
+        </a:solidFill>
+        <a:round/>
+      </a:ln>
+    </cs:spPr>
+  </cs:gridlineMinor>
+  <cs:hiLoLine>
+    <cs:lnRef idx="0"/>
+    <cs:fillRef idx="0"/>
+    <cs:effectRef idx="0"/>
+    <cs:fontRef idx="minor">
+      <a:schemeClr val="tx1"/>
+    </cs:fontRef>
+    <cs:spPr>
+      <a:ln w="9525" cap="flat" cmpd="sng" algn="ctr">
+        <a:solidFill>
+          <a:schemeClr val="tx1">
+            <a:lumMod val="75000"/>
+            <a:lumOff val="25000"/>
+          </a:schemeClr>
+        </a:solidFill>
+        <a:round/>
+      </a:ln>
+    </cs:spPr>
+  </cs:hiLoLine>
+  <cs:leaderLine>
+    <cs:lnRef idx="0"/>
+    <cs:fillRef idx="0"/>
+    <cs:effectRef idx="0"/>
+    <cs:fontRef idx="minor">
+      <a:schemeClr val="tx1"/>
+    </cs:fontRef>
+    <cs:spPr>
+      <a:ln w="9525" cap="flat" cmpd="sng" algn="ctr">
+        <a:solidFill>
+          <a:schemeClr val="tx1">
+            <a:lumMod val="35000"/>
+            <a:lumOff val="65000"/>
+          </a:schemeClr>
+        </a:solidFill>
+        <a:round/>
+      </a:ln>
+    </cs:spPr>
+  </cs:leaderLine>
+  <cs:legend>
+    <cs:lnRef idx="0"/>
+    <cs:fillRef idx="0"/>
+    <cs:effectRef idx="0"/>
+    <cs:fontRef idx="minor">
+      <a:schemeClr val="tx1">
+        <a:lumMod val="65000"/>
+        <a:lumOff val="35000"/>
+      </a:schemeClr>
+    </cs:fontRef>
+    <cs:defRPr sz="900" kern="1200"/>
+  </cs:legend>
+  <cs:plotArea mods="allowNoFillOverride allowNoLineOverride">
+    <cs:lnRef idx="0"/>
+    <cs:fillRef idx="0"/>
+    <cs:effectRef idx="0"/>
+    <cs:fontRef idx="minor">
+      <a:schemeClr val="tx1"/>
+    </cs:fontRef>
+  </cs:plotArea>
+  <cs:plotArea3D mods="allowNoFillOverride allowNoLineOverride">
+    <cs:lnRef idx="0"/>
+    <cs:fillRef idx="0"/>
+    <cs:effectRef idx="0"/>
+    <cs:fontRef idx="minor">
+      <a:schemeClr val="tx1"/>
+    </cs:fontRef>
+  </cs:plotArea3D>
+  <cs:seriesAxis>
+    <cs:lnRef idx="0"/>
+    <cs:fillRef idx="0"/>
+    <cs:effectRef idx="0"/>
+    <cs:fontRef idx="minor">
+      <a:schemeClr val="tx1">
+        <a:lumMod val="65000"/>
+        <a:lumOff val="35000"/>
+      </a:schemeClr>
+    </cs:fontRef>
+    <cs:defRPr sz="900" kern="1200"/>
+  </cs:seriesAxis>
+  <cs:seriesLine>
+    <cs:lnRef idx="0"/>
+    <cs:fillRef idx="0"/>
+    <cs:effectRef idx="0"/>
+    <cs:fontRef idx="minor">
+      <a:schemeClr val="tx1"/>
+    </cs:fontRef>
+    <cs:spPr>
+      <a:ln w="9525" cap="flat" cmpd="sng" algn="ctr">
+        <a:solidFill>
+          <a:schemeClr val="tx1">
+            <a:lumMod val="35000"/>
+            <a:lumOff val="65000"/>
+          </a:schemeClr>
+        </a:solidFill>
+        <a:round/>
+      </a:ln>
+    </cs:spPr>
+  </cs:seriesLine>
+  <cs:title>
+    <cs:lnRef idx="0"/>
+    <cs:fillRef idx="0"/>
+    <cs:effectRef idx="0"/>
+    <cs:fontRef idx="minor">
+      <a:schemeClr val="tx1">
+        <a:lumMod val="65000"/>
+        <a:lumOff val="35000"/>
+      </a:schemeClr>
+    </cs:fontRef>
+    <cs:defRPr sz="1400" b="0" kern="1200" spc="0" baseline="0"/>
+  </cs:title>
+  <cs:trendline>
+    <cs:lnRef idx="0">
+      <cs:styleClr val="auto"/>
+    </cs:lnRef>
+    <cs:fillRef idx="0"/>
+    <cs:effectRef idx="0"/>
+    <cs:fontRef idx="minor">
+      <a:schemeClr val="tx1"/>
+    </cs:fontRef>
+    <cs:spPr>
+      <a:ln w="19050" cap="rnd">
+        <a:solidFill>
+          <a:schemeClr val="phClr"/>
+        </a:solidFill>
+        <a:prstDash val="sysDot"/>
+      </a:ln>
+    </cs:spPr>
+  </cs:trendline>
+  <cs:trendlineLabel>
+    <cs:lnRef idx="0"/>
+    <cs:fillRef idx="0"/>
+    <cs:effectRef idx="0"/>
+    <cs:fontRef idx="minor">
+      <a:schemeClr val="tx1">
+        <a:lumMod val="65000"/>
+        <a:lumOff val="35000"/>
+      </a:schemeClr>
+    </cs:fontRef>
+    <cs:defRPr sz="900" kern="1200"/>
+  </cs:trendlineLabel>
+  <cs:upBar>
+    <cs:lnRef idx="0"/>
+    <cs:fillRef idx="0"/>
+    <cs:effectRef idx="0"/>
+    <cs:fontRef idx="minor">
+      <a:schemeClr val="dk1"/>
+    </cs:fontRef>
+    <cs:spPr>
+      <a:solidFill>
+        <a:schemeClr val="lt1"/>
+      </a:solidFill>
+      <a:ln w="9525">
+        <a:solidFill>
+          <a:schemeClr val="tx1">
+            <a:lumMod val="15000"/>
+            <a:lumOff val="85000"/>
+          </a:schemeClr>
+        </a:solidFill>
+      </a:ln>
+    </cs:spPr>
+  </cs:upBar>
+  <cs:valueAxis>
+    <cs:lnRef idx="0"/>
+    <cs:fillRef idx="0"/>
+    <cs:effectRef idx="0"/>
+    <cs:fontRef idx="minor">
+      <a:schemeClr val="tx1">
+        <a:lumMod val="65000"/>
+        <a:lumOff val="35000"/>
+      </a:schemeClr>
+    </cs:fontRef>
+    <cs:defRPr sz="900" kern="1200"/>
+  </cs:valueAxis>
+  <cs:wall>
+    <cs:lnRef idx="0"/>
+    <cs:fillRef idx="0"/>
+    <cs:effectRef idx="0"/>
+    <cs:fontRef idx="minor">
+      <a:schemeClr val="tx1"/>
+    </cs:fontRef>
+    <cs:spPr>
+      <a:noFill/>
+      <a:ln>
+        <a:noFill/>
+      </a:ln>
+    </cs:spPr>
+  </cs:wall>
+</cs:chartStyle>
+</file>
+
+<file path=ppt/charts/style4.xml><?xml version="1.0" encoding="utf-8"?>
+<cs:chartStyle xmlns:cs="http://schemas.microsoft.com/office/drawing/2012/chartStyle" xmlns:a="http://schemas.openxmlformats.org/drawingml/2006/main" id="201">
+  <cs:axisTitle>
+    <cs:lnRef idx="0"/>
+    <cs:fillRef idx="0"/>
+    <cs:effectRef idx="0"/>
+    <cs:fontRef idx="minor">
+      <a:schemeClr val="tx1">
+        <a:lumMod val="65000"/>
+        <a:lumOff val="35000"/>
+      </a:schemeClr>
+    </cs:fontRef>
+    <cs:defRPr sz="1000" kern="1200"/>
+  </cs:axisTitle>
+  <cs:categoryAxis>
+    <cs:lnRef idx="0"/>
+    <cs:fillRef idx="0"/>
+    <cs:effectRef idx="0"/>
+    <cs:fontRef idx="minor">
+      <a:schemeClr val="tx1">
+        <a:lumMod val="65000"/>
+        <a:lumOff val="35000"/>
+      </a:schemeClr>
+    </cs:fontRef>
+    <cs:spPr>
+      <a:ln w="9525" cap="flat" cmpd="sng" algn="ctr">
+        <a:solidFill>
+          <a:schemeClr val="tx1">
+            <a:lumMod val="15000"/>
+            <a:lumOff val="85000"/>
+          </a:schemeClr>
+        </a:solidFill>
+        <a:round/>
+      </a:ln>
+    </cs:spPr>
+    <cs:defRPr sz="900" kern="1200"/>
+  </cs:categoryAxis>
+  <cs:chartArea mods="allowNoFillOverride allowNoLineOverride">
+    <cs:lnRef idx="0"/>
+    <cs:fillRef idx="0"/>
+    <cs:effectRef idx="0"/>
+    <cs:fontRef idx="minor">
+      <a:schemeClr val="tx1"/>
+    </cs:fontRef>
+    <cs:spPr>
+      <a:solidFill>
+        <a:schemeClr val="bg1"/>
+      </a:solidFill>
+      <a:ln w="9525" cap="flat" cmpd="sng" algn="ctr">
+        <a:solidFill>
+          <a:schemeClr val="tx1">
+            <a:lumMod val="15000"/>
+            <a:lumOff val="85000"/>
+          </a:schemeClr>
+        </a:solidFill>
+        <a:round/>
+      </a:ln>
+    </cs:spPr>
+    <cs:defRPr sz="1000" kern="1200"/>
+  </cs:chartArea>
+  <cs:dataLabel>
+    <cs:lnRef idx="0"/>
+    <cs:fillRef idx="0"/>
+    <cs:effectRef idx="0"/>
+    <cs:fontRef idx="minor">
+      <a:schemeClr val="tx1">
+        <a:lumMod val="75000"/>
+        <a:lumOff val="25000"/>
+      </a:schemeClr>
+    </cs:fontRef>
+    <cs:defRPr sz="900" kern="1200"/>
+  </cs:dataLabel>
+  <cs:dataLabelCallout>
+    <cs:lnRef idx="0"/>
+    <cs:fillRef idx="0"/>
+    <cs:effectRef idx="0"/>
+    <cs:fontRef idx="minor">
+      <a:schemeClr val="dk1">
+        <a:lumMod val="65000"/>
+        <a:lumOff val="35000"/>
+      </a:schemeClr>
+    </cs:fontRef>
+    <cs:spPr>
+      <a:solidFill>
+        <a:schemeClr val="lt1"/>
+      </a:solidFill>
+      <a:ln>
+        <a:solidFill>
+          <a:schemeClr val="dk1">
+            <a:lumMod val="25000"/>
+            <a:lumOff val="75000"/>
+          </a:schemeClr>
+        </a:solidFill>
+      </a:ln>
+    </cs:spPr>
+    <cs:defRPr sz="900" kern="1200"/>
+    <cs:bodyPr rot="0" spcFirstLastPara="1" vertOverflow="clip" horzOverflow="clip" vert="horz" wrap="square" lIns="36576" tIns="18288" rIns="36576" bIns="18288" anchor="ctr" anchorCtr="1">
+      <a:spAutoFit/>
+    </cs:bodyPr>
+  </cs:dataLabelCallout>
+  <cs:dataPoint>
+    <cs:lnRef idx="0"/>
+    <cs:fillRef idx="1">
+      <cs:styleClr val="auto"/>
+    </cs:fillRef>
+    <cs:effectRef idx="0"/>
+    <cs:fontRef idx="minor">
+      <a:schemeClr val="tx1"/>
+    </cs:fontRef>
+  </cs:dataPoint>
+  <cs:dataPoint3D>
+    <cs:lnRef idx="0"/>
+    <cs:fillRef idx="1">
+      <cs:styleClr val="auto"/>
+    </cs:fillRef>
+    <cs:effectRef idx="0"/>
+    <cs:fontRef idx="minor">
+      <a:schemeClr val="tx1"/>
+    </cs:fontRef>
+  </cs:dataPoint3D>
+  <cs:dataPointLine>
+    <cs:lnRef idx="0">
+      <cs:styleClr val="auto"/>
+    </cs:lnRef>
+    <cs:fillRef idx="1"/>
+    <cs:effectRef idx="0"/>
+    <cs:fontRef idx="minor">
+      <a:schemeClr val="tx1"/>
+    </cs:fontRef>
+    <cs:spPr>
+      <a:ln w="28575" cap="rnd">
+        <a:solidFill>
+          <a:schemeClr val="phClr"/>
+        </a:solidFill>
+        <a:round/>
+      </a:ln>
+    </cs:spPr>
+  </cs:dataPointLine>
+  <cs:dataPointMarker>
+    <cs:lnRef idx="0">
+      <cs:styleClr val="auto"/>
+    </cs:lnRef>
+    <cs:fillRef idx="1">
+      <cs:styleClr val="auto"/>
+    </cs:fillRef>
+    <cs:effectRef idx="0"/>
+    <cs:fontRef idx="minor">
+      <a:schemeClr val="tx1"/>
+    </cs:fontRef>
+    <cs:spPr>
+      <a:ln w="9525">
+        <a:solidFill>
+          <a:schemeClr val="phClr"/>
+        </a:solidFill>
+      </a:ln>
+    </cs:spPr>
+  </cs:dataPointMarker>
+  <cs:dataPointMarkerLayout symbol="circle" size="5"/>
+  <cs:dataPointWireframe>
+    <cs:lnRef idx="0">
+      <cs:styleClr val="auto"/>
+    </cs:lnRef>
+    <cs:fillRef idx="1"/>
+    <cs:effectRef idx="0"/>
+    <cs:fontRef idx="minor">
+      <a:schemeClr val="tx1"/>
+    </cs:fontRef>
+    <cs:spPr>
+      <a:ln w="9525" cap="rnd">
+        <a:solidFill>
+          <a:schemeClr val="phClr"/>
+        </a:solidFill>
+        <a:round/>
+      </a:ln>
+    </cs:spPr>
+  </cs:dataPointWireframe>
+  <cs:dataTable>
+    <cs:lnRef idx="0"/>
+    <cs:fillRef idx="0"/>
+    <cs:effectRef idx="0"/>
+    <cs:fontRef idx="minor">
+      <a:schemeClr val="tx1">
+        <a:lumMod val="65000"/>
+        <a:lumOff val="35000"/>
+      </a:schemeClr>
+    </cs:fontRef>
+    <cs:spPr>
+      <a:noFill/>
+      <a:ln w="9525" cap="flat" cmpd="sng" algn="ctr">
+        <a:solidFill>
+          <a:schemeClr val="tx1">
+            <a:lumMod val="15000"/>
+            <a:lumOff val="85000"/>
+          </a:schemeClr>
+        </a:solidFill>
+        <a:round/>
+      </a:ln>
+    </cs:spPr>
+    <cs:defRPr sz="900" kern="1200"/>
+  </cs:dataTable>
+  <cs:downBar>
+    <cs:lnRef idx="0"/>
+    <cs:fillRef idx="0"/>
+    <cs:effectRef idx="0"/>
+    <cs:fontRef idx="minor">
+      <a:schemeClr val="dk1"/>
+    </cs:fontRef>
+    <cs:spPr>
+      <a:solidFill>
+        <a:schemeClr val="dk1">
+          <a:lumMod val="65000"/>
+          <a:lumOff val="35000"/>
+        </a:schemeClr>
+      </a:solidFill>
+      <a:ln w="9525">
+        <a:solidFill>
+          <a:schemeClr val="tx1">
+            <a:lumMod val="65000"/>
+            <a:lumOff val="35000"/>
+          </a:schemeClr>
+        </a:solidFill>
+      </a:ln>
+    </cs:spPr>
+  </cs:downBar>
+  <cs:dropLine>
+    <cs:lnRef idx="0"/>
+    <cs:fillRef idx="0"/>
+    <cs:effectRef idx="0"/>
+    <cs:fontRef idx="minor">
+      <a:schemeClr val="tx1"/>
+    </cs:fontRef>
+    <cs:spPr>
+      <a:ln w="9525" cap="flat" cmpd="sng" algn="ctr">
+        <a:solidFill>
+          <a:schemeClr val="tx1">
+            <a:lumMod val="35000"/>
+            <a:lumOff val="65000"/>
+          </a:schemeClr>
+        </a:solidFill>
+        <a:round/>
+      </a:ln>
+    </cs:spPr>
+  </cs:dropLine>
+  <cs:errorBar>
+    <cs:lnRef idx="0"/>
+    <cs:fillRef idx="0"/>
+    <cs:effectRef idx="0"/>
+    <cs:fontRef idx="minor">
+      <a:schemeClr val="tx1"/>
+    </cs:fontRef>
+    <cs:spPr>
+      <a:ln w="9525" cap="flat" cmpd="sng" algn="ctr">
+        <a:solidFill>
+          <a:schemeClr val="tx1">
+            <a:lumMod val="65000"/>
+            <a:lumOff val="35000"/>
+          </a:schemeClr>
+        </a:solidFill>
+        <a:round/>
+      </a:ln>
+    </cs:spPr>
+  </cs:errorBar>
+  <cs:floor>
+    <cs:lnRef idx="0"/>
+    <cs:fillRef idx="0"/>
+    <cs:effectRef idx="0"/>
+    <cs:fontRef idx="minor">
+      <a:schemeClr val="tx1"/>
+    </cs:fontRef>
+    <cs:spPr>
+      <a:noFill/>
+      <a:ln>
+        <a:noFill/>
+      </a:ln>
+    </cs:spPr>
+  </cs:floor>
+  <cs:gridlineMajor>
+    <cs:lnRef idx="0"/>
+    <cs:fillRef idx="0"/>
+    <cs:effectRef idx="0"/>
+    <cs:fontRef idx="minor">
+      <a:schemeClr val="tx1"/>
+    </cs:fontRef>
+    <cs:spPr>
+      <a:ln w="9525" cap="flat" cmpd="sng" algn="ctr">
+        <a:solidFill>
+          <a:schemeClr val="tx1">
+            <a:lumMod val="15000"/>
+            <a:lumOff val="85000"/>
+          </a:schemeClr>
+        </a:solidFill>
+        <a:round/>
+      </a:ln>
+    </cs:spPr>
+  </cs:gridlineMajor>
+  <cs:gridlineMinor>
+    <cs:lnRef idx="0"/>
+    <cs:fillRef idx="0"/>
+    <cs:effectRef idx="0"/>
+    <cs:fontRef idx="minor">
+      <a:schemeClr val="tx1"/>
+    </cs:fontRef>
+    <cs:spPr>
+      <a:ln w="9525" cap="flat" cmpd="sng" algn="ctr">
+        <a:solidFill>
+          <a:schemeClr val="tx1">
+            <a:lumMod val="5000"/>
+            <a:lumOff val="95000"/>
+          </a:schemeClr>
+        </a:solidFill>
+        <a:round/>
+      </a:ln>
+    </cs:spPr>
+  </cs:gridlineMinor>
+  <cs:hiLoLine>
+    <cs:lnRef idx="0"/>
+    <cs:fillRef idx="0"/>
+    <cs:effectRef idx="0"/>
+    <cs:fontRef idx="minor">
+      <a:schemeClr val="tx1"/>
+    </cs:fontRef>
+    <cs:spPr>
+      <a:ln w="9525" cap="flat" cmpd="sng" algn="ctr">
+        <a:solidFill>
+          <a:schemeClr val="tx1">
+            <a:lumMod val="75000"/>
+            <a:lumOff val="25000"/>
+          </a:schemeClr>
+        </a:solidFill>
+        <a:round/>
+      </a:ln>
+    </cs:spPr>
+  </cs:hiLoLine>
+  <cs:leaderLine>
+    <cs:lnRef idx="0"/>
+    <cs:fillRef idx="0"/>
+    <cs:effectRef idx="0"/>
+    <cs:fontRef idx="minor">
+      <a:schemeClr val="tx1"/>
+    </cs:fontRef>
+    <cs:spPr>
+      <a:ln w="9525" cap="flat" cmpd="sng" algn="ctr">
+        <a:solidFill>
+          <a:schemeClr val="tx1">
+            <a:lumMod val="35000"/>
+            <a:lumOff val="65000"/>
+          </a:schemeClr>
+        </a:solidFill>
+        <a:round/>
+      </a:ln>
+    </cs:spPr>
+  </cs:leaderLine>
+  <cs:legend>
+    <cs:lnRef idx="0"/>
+    <cs:fillRef idx="0"/>
+    <cs:effectRef idx="0"/>
+    <cs:fontRef idx="minor">
+      <a:schemeClr val="tx1">
+        <a:lumMod val="65000"/>
+        <a:lumOff val="35000"/>
+      </a:schemeClr>
+    </cs:fontRef>
+    <cs:defRPr sz="900" kern="1200"/>
+  </cs:legend>
+  <cs:plotArea mods="allowNoFillOverride allowNoLineOverride">
+    <cs:lnRef idx="0"/>
+    <cs:fillRef idx="0"/>
+    <cs:effectRef idx="0"/>
+    <cs:fontRef idx="minor">
+      <a:schemeClr val="tx1"/>
+    </cs:fontRef>
+  </cs:plotArea>
+  <cs:plotArea3D mods="allowNoFillOverride allowNoLineOverride">
+    <cs:lnRef idx="0"/>
+    <cs:fillRef idx="0"/>
+    <cs:effectRef idx="0"/>
+    <cs:fontRef idx="minor">
+      <a:schemeClr val="tx1"/>
+    </cs:fontRef>
+  </cs:plotArea3D>
+  <cs:seriesAxis>
+    <cs:lnRef idx="0"/>
+    <cs:fillRef idx="0"/>
+    <cs:effectRef idx="0"/>
+    <cs:fontRef idx="minor">
+      <a:schemeClr val="tx1">
+        <a:lumMod val="65000"/>
+        <a:lumOff val="35000"/>
+      </a:schemeClr>
+    </cs:fontRef>
+    <cs:defRPr sz="900" kern="1200"/>
+  </cs:seriesAxis>
+  <cs:seriesLine>
+    <cs:lnRef idx="0"/>
+    <cs:fillRef idx="0"/>
+    <cs:effectRef idx="0"/>
+    <cs:fontRef idx="minor">
+      <a:schemeClr val="tx1"/>
+    </cs:fontRef>
+    <cs:spPr>
+      <a:ln w="9525" cap="flat" cmpd="sng" algn="ctr">
+        <a:solidFill>
+          <a:schemeClr val="tx1">
+            <a:lumMod val="35000"/>
+            <a:lumOff val="65000"/>
+          </a:schemeClr>
+        </a:solidFill>
+        <a:round/>
+      </a:ln>
+    </cs:spPr>
+  </cs:seriesLine>
+  <cs:title>
+    <cs:lnRef idx="0"/>
+    <cs:fillRef idx="0"/>
+    <cs:effectRef idx="0"/>
+    <cs:fontRef idx="minor">
+      <a:schemeClr val="tx1">
+        <a:lumMod val="65000"/>
+        <a:lumOff val="35000"/>
+      </a:schemeClr>
+    </cs:fontRef>
+    <cs:defRPr sz="1400" b="0" kern="1200" spc="0" baseline="0"/>
+  </cs:title>
+  <cs:trendline>
+    <cs:lnRef idx="0">
+      <cs:styleClr val="auto"/>
+    </cs:lnRef>
+    <cs:fillRef idx="0"/>
+    <cs:effectRef idx="0"/>
+    <cs:fontRef idx="minor">
+      <a:schemeClr val="tx1"/>
+    </cs:fontRef>
+    <cs:spPr>
+      <a:ln w="19050" cap="rnd">
+        <a:solidFill>
+          <a:schemeClr val="phClr"/>
+        </a:solidFill>
+        <a:prstDash val="sysDot"/>
+      </a:ln>
+    </cs:spPr>
+  </cs:trendline>
+  <cs:trendlineLabel>
+    <cs:lnRef idx="0"/>
+    <cs:fillRef idx="0"/>
+    <cs:effectRef idx="0"/>
+    <cs:fontRef idx="minor">
+      <a:schemeClr val="tx1">
+        <a:lumMod val="65000"/>
+        <a:lumOff val="35000"/>
+      </a:schemeClr>
+    </cs:fontRef>
+    <cs:defRPr sz="900" kern="1200"/>
+  </cs:trendlineLabel>
+  <cs:upBar>
+    <cs:lnRef idx="0"/>
+    <cs:fillRef idx="0"/>
+    <cs:effectRef idx="0"/>
+    <cs:fontRef idx="minor">
+      <a:schemeClr val="dk1"/>
+    </cs:fontRef>
+    <cs:spPr>
+      <a:solidFill>
+        <a:schemeClr val="lt1"/>
+      </a:solidFill>
+      <a:ln w="9525">
+        <a:solidFill>
+          <a:schemeClr val="tx1">
+            <a:lumMod val="15000"/>
+            <a:lumOff val="85000"/>
+          </a:schemeClr>
+        </a:solidFill>
+      </a:ln>
+    </cs:spPr>
+  </cs:upBar>
+  <cs:valueAxis>
+    <cs:lnRef idx="0"/>
+    <cs:fillRef idx="0"/>
+    <cs:effectRef idx="0"/>
+    <cs:fontRef idx="minor">
+      <a:schemeClr val="tx1">
+        <a:lumMod val="65000"/>
+        <a:lumOff val="35000"/>
+      </a:schemeClr>
+    </cs:fontRef>
+    <cs:defRPr sz="900" kern="1200"/>
+  </cs:valueAxis>
+  <cs:wall>
+    <cs:lnRef idx="0"/>
+    <cs:fillRef idx="0"/>
+    <cs:effectRef idx="0"/>
+    <cs:fontRef idx="minor">
+      <a:schemeClr val="tx1"/>
+    </cs:fontRef>
+    <cs:spPr>
+      <a:noFill/>
+      <a:ln>
+        <a:noFill/>
+      </a:ln>
+    </cs:spPr>
+  </cs:wall>
+</cs:chartStyle>
+</file>
+
+<file path=ppt/charts/style5.xml><?xml version="1.0" encoding="utf-8"?>
+<cs:chartStyle xmlns:cs="http://schemas.microsoft.com/office/drawing/2012/chartStyle" xmlns:a="http://schemas.openxmlformats.org/drawingml/2006/main" id="201">
+  <cs:axisTitle>
+    <cs:lnRef idx="0"/>
+    <cs:fillRef idx="0"/>
+    <cs:effectRef idx="0"/>
+    <cs:fontRef idx="minor">
+      <a:schemeClr val="tx1">
+        <a:lumMod val="65000"/>
+        <a:lumOff val="35000"/>
+      </a:schemeClr>
+    </cs:fontRef>
+    <cs:defRPr sz="1000" kern="1200"/>
+  </cs:axisTitle>
+  <cs:categoryAxis>
+    <cs:lnRef idx="0"/>
+    <cs:fillRef idx="0"/>
+    <cs:effectRef idx="0"/>
+    <cs:fontRef idx="minor">
+      <a:schemeClr val="tx1">
+        <a:lumMod val="65000"/>
+        <a:lumOff val="35000"/>
+      </a:schemeClr>
+    </cs:fontRef>
+    <cs:spPr>
+      <a:ln w="9525" cap="flat" cmpd="sng" algn="ctr">
+        <a:solidFill>
+          <a:schemeClr val="tx1">
+            <a:lumMod val="15000"/>
+            <a:lumOff val="85000"/>
+          </a:schemeClr>
+        </a:solidFill>
+        <a:round/>
+      </a:ln>
+    </cs:spPr>
+    <cs:defRPr sz="900" kern="1200"/>
+  </cs:categoryAxis>
+  <cs:chartArea mods="allowNoFillOverride allowNoLineOverride">
+    <cs:lnRef idx="0"/>
+    <cs:fillRef idx="0"/>
+    <cs:effectRef idx="0"/>
+    <cs:fontRef idx="minor">
+      <a:schemeClr val="tx1"/>
+    </cs:fontRef>
+    <cs:spPr>
+      <a:solidFill>
+        <a:schemeClr val="bg1"/>
+      </a:solidFill>
+      <a:ln w="9525" cap="flat" cmpd="sng" algn="ctr">
+        <a:solidFill>
+          <a:schemeClr val="tx1">
+            <a:lumMod val="15000"/>
+            <a:lumOff val="85000"/>
+          </a:schemeClr>
+        </a:solidFill>
+        <a:round/>
+      </a:ln>
+    </cs:spPr>
+    <cs:defRPr sz="1000" kern="1200"/>
+  </cs:chartArea>
+  <cs:dataLabel>
+    <cs:lnRef idx="0"/>
+    <cs:fillRef idx="0"/>
+    <cs:effectRef idx="0"/>
+    <cs:fontRef idx="minor">
+      <a:schemeClr val="tx1">
+        <a:lumMod val="75000"/>
+        <a:lumOff val="25000"/>
+      </a:schemeClr>
+    </cs:fontRef>
+    <cs:defRPr sz="900" kern="1200"/>
+  </cs:dataLabel>
+  <cs:dataLabelCallout>
+    <cs:lnRef idx="0"/>
+    <cs:fillRef idx="0"/>
+    <cs:effectRef idx="0"/>
+    <cs:fontRef idx="minor">
+      <a:schemeClr val="dk1">
+        <a:lumMod val="65000"/>
+        <a:lumOff val="35000"/>
+      </a:schemeClr>
+    </cs:fontRef>
+    <cs:spPr>
+      <a:solidFill>
+        <a:schemeClr val="lt1"/>
+      </a:solidFill>
+      <a:ln>
+        <a:solidFill>
+          <a:schemeClr val="dk1">
+            <a:lumMod val="25000"/>
+            <a:lumOff val="75000"/>
+          </a:schemeClr>
+        </a:solidFill>
+      </a:ln>
+    </cs:spPr>
+    <cs:defRPr sz="900" kern="1200"/>
+    <cs:bodyPr rot="0" spcFirstLastPara="1" vertOverflow="clip" horzOverflow="clip" vert="horz" wrap="square" lIns="36576" tIns="18288" rIns="36576" bIns="18288" anchor="ctr" anchorCtr="1">
+      <a:spAutoFit/>
+    </cs:bodyPr>
+  </cs:dataLabelCallout>
+  <cs:dataPoint>
+    <cs:lnRef idx="0"/>
+    <cs:fillRef idx="1">
+      <cs:styleClr val="auto"/>
+    </cs:fillRef>
+    <cs:effectRef idx="0"/>
+    <cs:fontRef idx="minor">
+      <a:schemeClr val="tx1"/>
+    </cs:fontRef>
+  </cs:dataPoint>
+  <cs:dataPoint3D>
+    <cs:lnRef idx="0"/>
+    <cs:fillRef idx="1">
+      <cs:styleClr val="auto"/>
+    </cs:fillRef>
+    <cs:effectRef idx="0"/>
+    <cs:fontRef idx="minor">
+      <a:schemeClr val="tx1"/>
+    </cs:fontRef>
+  </cs:dataPoint3D>
+  <cs:dataPointLine>
+    <cs:lnRef idx="0">
+      <cs:styleClr val="auto"/>
+    </cs:lnRef>
+    <cs:fillRef idx="1"/>
+    <cs:effectRef idx="0"/>
+    <cs:fontRef idx="minor">
+      <a:schemeClr val="tx1"/>
+    </cs:fontRef>
+    <cs:spPr>
+      <a:ln w="28575" cap="rnd">
+        <a:solidFill>
+          <a:schemeClr val="phClr"/>
+        </a:solidFill>
+        <a:round/>
+      </a:ln>
+    </cs:spPr>
+  </cs:dataPointLine>
+  <cs:dataPointMarker>
+    <cs:lnRef idx="0">
+      <cs:styleClr val="auto"/>
+    </cs:lnRef>
+    <cs:fillRef idx="1">
+      <cs:styleClr val="auto"/>
+    </cs:fillRef>
+    <cs:effectRef idx="0"/>
+    <cs:fontRef idx="minor">
+      <a:schemeClr val="tx1"/>
+    </cs:fontRef>
+    <cs:spPr>
+      <a:ln w="9525">
+        <a:solidFill>
+          <a:schemeClr val="phClr"/>
+        </a:solidFill>
+      </a:ln>
+    </cs:spPr>
+  </cs:dataPointMarker>
+  <cs:dataPointMarkerLayout symbol="circle" size="5"/>
+  <cs:dataPointWireframe>
+    <cs:lnRef idx="0">
+      <cs:styleClr val="auto"/>
+    </cs:lnRef>
+    <cs:fillRef idx="1"/>
+    <cs:effectRef idx="0"/>
+    <cs:fontRef idx="minor">
+      <a:schemeClr val="tx1"/>
+    </cs:fontRef>
+    <cs:spPr>
+      <a:ln w="9525" cap="rnd">
+        <a:solidFill>
+          <a:schemeClr val="phClr"/>
+        </a:solidFill>
+        <a:round/>
+      </a:ln>
+    </cs:spPr>
+  </cs:dataPointWireframe>
+  <cs:dataTable>
+    <cs:lnRef idx="0"/>
+    <cs:fillRef idx="0"/>
+    <cs:effectRef idx="0"/>
+    <cs:fontRef idx="minor">
+      <a:schemeClr val="tx1">
+        <a:lumMod val="65000"/>
+        <a:lumOff val="35000"/>
+      </a:schemeClr>
+    </cs:fontRef>
+    <cs:spPr>
+      <a:noFill/>
+      <a:ln w="9525" cap="flat" cmpd="sng" algn="ctr">
+        <a:solidFill>
+          <a:schemeClr val="tx1">
+            <a:lumMod val="15000"/>
+            <a:lumOff val="85000"/>
+          </a:schemeClr>
+        </a:solidFill>
+        <a:round/>
+      </a:ln>
+    </cs:spPr>
+    <cs:defRPr sz="900" kern="1200"/>
+  </cs:dataTable>
+  <cs:downBar>
+    <cs:lnRef idx="0"/>
+    <cs:fillRef idx="0"/>
+    <cs:effectRef idx="0"/>
+    <cs:fontRef idx="minor">
+      <a:schemeClr val="dk1"/>
+    </cs:fontRef>
+    <cs:spPr>
+      <a:solidFill>
+        <a:schemeClr val="dk1">
+          <a:lumMod val="65000"/>
+          <a:lumOff val="35000"/>
+        </a:schemeClr>
+      </a:solidFill>
+      <a:ln w="9525">
+        <a:solidFill>
+          <a:schemeClr val="tx1">
+            <a:lumMod val="65000"/>
+            <a:lumOff val="35000"/>
+          </a:schemeClr>
+        </a:solidFill>
+      </a:ln>
+    </cs:spPr>
+  </cs:downBar>
+  <cs:dropLine>
+    <cs:lnRef idx="0"/>
+    <cs:fillRef idx="0"/>
+    <cs:effectRef idx="0"/>
+    <cs:fontRef idx="minor">
+      <a:schemeClr val="tx1"/>
+    </cs:fontRef>
+    <cs:spPr>
+      <a:ln w="9525" cap="flat" cmpd="sng" algn="ctr">
+        <a:solidFill>
+          <a:schemeClr val="tx1">
+            <a:lumMod val="35000"/>
+            <a:lumOff val="65000"/>
+          </a:schemeClr>
+        </a:solidFill>
+        <a:round/>
+      </a:ln>
+    </cs:spPr>
+  </cs:dropLine>
+  <cs:errorBar>
+    <cs:lnRef idx="0"/>
+    <cs:fillRef idx="0"/>
+    <cs:effectRef idx="0"/>
+    <cs:fontRef idx="minor">
+      <a:schemeClr val="tx1"/>
+    </cs:fontRef>
+    <cs:spPr>
+      <a:ln w="9525" cap="flat" cmpd="sng" algn="ctr">
+        <a:solidFill>
+          <a:schemeClr val="tx1">
+            <a:lumMod val="65000"/>
+            <a:lumOff val="35000"/>
+          </a:schemeClr>
+        </a:solidFill>
+        <a:round/>
+      </a:ln>
+    </cs:spPr>
+  </cs:errorBar>
+  <cs:floor>
+    <cs:lnRef idx="0"/>
+    <cs:fillRef idx="0"/>
+    <cs:effectRef idx="0"/>
+    <cs:fontRef idx="minor">
+      <a:schemeClr val="tx1"/>
+    </cs:fontRef>
+    <cs:spPr>
+      <a:noFill/>
+      <a:ln>
+        <a:noFill/>
+      </a:ln>
+    </cs:spPr>
+  </cs:floor>
+  <cs:gridlineMajor>
+    <cs:lnRef idx="0"/>
+    <cs:fillRef idx="0"/>
+    <cs:effectRef idx="0"/>
+    <cs:fontRef idx="minor">
+      <a:schemeClr val="tx1"/>
+    </cs:fontRef>
+    <cs:spPr>
+      <a:ln w="9525" cap="flat" cmpd="sng" algn="ctr">
+        <a:solidFill>
+          <a:schemeClr val="tx1">
+            <a:lumMod val="15000"/>
+            <a:lumOff val="85000"/>
+          </a:schemeClr>
+        </a:solidFill>
+        <a:round/>
+      </a:ln>
+    </cs:spPr>
+  </cs:gridlineMajor>
+  <cs:gridlineMinor>
+    <cs:lnRef idx="0"/>
+    <cs:fillRef idx="0"/>
+    <cs:effectRef idx="0"/>
+    <cs:fontRef idx="minor">
+      <a:schemeClr val="tx1"/>
+    </cs:fontRef>
+    <cs:spPr>
+      <a:ln w="9525" cap="flat" cmpd="sng" algn="ctr">
+        <a:solidFill>
+          <a:schemeClr val="tx1">
+            <a:lumMod val="5000"/>
+            <a:lumOff val="95000"/>
+          </a:schemeClr>
+        </a:solidFill>
+        <a:round/>
+      </a:ln>
+    </cs:spPr>
+  </cs:gridlineMinor>
+  <cs:hiLoLine>
+    <cs:lnRef idx="0"/>
+    <cs:fillRef idx="0"/>
+    <cs:effectRef idx="0"/>
+    <cs:fontRef idx="minor">
+      <a:schemeClr val="tx1"/>
+    </cs:fontRef>
+    <cs:spPr>
+      <a:ln w="9525" cap="flat" cmpd="sng" algn="ctr">
+        <a:solidFill>
+          <a:schemeClr val="tx1">
+            <a:lumMod val="75000"/>
+            <a:lumOff val="25000"/>
+          </a:schemeClr>
+        </a:solidFill>
+        <a:round/>
+      </a:ln>
+    </cs:spPr>
+  </cs:hiLoLine>
+  <cs:leaderLine>
+    <cs:lnRef idx="0"/>
+    <cs:fillRef idx="0"/>
+    <cs:effectRef idx="0"/>
+    <cs:fontRef idx="minor">
+      <a:schemeClr val="tx1"/>
+    </cs:fontRef>
+    <cs:spPr>
+      <a:ln w="9525" cap="flat" cmpd="sng" algn="ctr">
+        <a:solidFill>
+          <a:schemeClr val="tx1">
+            <a:lumMod val="35000"/>
+            <a:lumOff val="65000"/>
+          </a:schemeClr>
+        </a:solidFill>
+        <a:round/>
+      </a:ln>
+    </cs:spPr>
+  </cs:leaderLine>
+  <cs:legend>
+    <cs:lnRef idx="0"/>
+    <cs:fillRef idx="0"/>
+    <cs:effectRef idx="0"/>
+    <cs:fontRef idx="minor">
+      <a:schemeClr val="tx1">
+        <a:lumMod val="65000"/>
+        <a:lumOff val="35000"/>
+      </a:schemeClr>
+    </cs:fontRef>
+    <cs:defRPr sz="900" kern="1200"/>
+  </cs:legend>
+  <cs:plotArea mods="allowNoFillOverride allowNoLineOverride">
+    <cs:lnRef idx="0"/>
+    <cs:fillRef idx="0"/>
+    <cs:effectRef idx="0"/>
+    <cs:fontRef idx="minor">
+      <a:schemeClr val="tx1"/>
+    </cs:fontRef>
+  </cs:plotArea>
+  <cs:plotArea3D mods="allowNoFillOverride allowNoLineOverride">
+    <cs:lnRef idx="0"/>
+    <cs:fillRef idx="0"/>
+    <cs:effectRef idx="0"/>
+    <cs:fontRef idx="minor">
+      <a:schemeClr val="tx1"/>
+    </cs:fontRef>
+  </cs:plotArea3D>
+  <cs:seriesAxis>
+    <cs:lnRef idx="0"/>
+    <cs:fillRef idx="0"/>
+    <cs:effectRef idx="0"/>
+    <cs:fontRef idx="minor">
+      <a:schemeClr val="tx1">
+        <a:lumMod val="65000"/>
+        <a:lumOff val="35000"/>
+      </a:schemeClr>
+    </cs:fontRef>
+    <cs:defRPr sz="900" kern="1200"/>
+  </cs:seriesAxis>
+  <cs:seriesLine>
+    <cs:lnRef idx="0"/>
+    <cs:fillRef idx="0"/>
+    <cs:effectRef idx="0"/>
+    <cs:fontRef idx="minor">
+      <a:schemeClr val="tx1"/>
+    </cs:fontRef>
+    <cs:spPr>
+      <a:ln w="9525" cap="flat" cmpd="sng" algn="ctr">
+        <a:solidFill>
+          <a:schemeClr val="tx1">
+            <a:lumMod val="35000"/>
+            <a:lumOff val="65000"/>
+          </a:schemeClr>
+        </a:solidFill>
+        <a:round/>
+      </a:ln>
+    </cs:spPr>
+  </cs:seriesLine>
+  <cs:title>
+    <cs:lnRef idx="0"/>
+    <cs:fillRef idx="0"/>
+    <cs:effectRef idx="0"/>
+    <cs:fontRef idx="minor">
+      <a:schemeClr val="tx1">
+        <a:lumMod val="65000"/>
+        <a:lumOff val="35000"/>
+      </a:schemeClr>
+    </cs:fontRef>
+    <cs:defRPr sz="1400" b="0" kern="1200" spc="0" baseline="0"/>
+  </cs:title>
+  <cs:trendline>
+    <cs:lnRef idx="0">
+      <cs:styleClr val="auto"/>
+    </cs:lnRef>
+    <cs:fillRef idx="0"/>
+    <cs:effectRef idx="0"/>
+    <cs:fontRef idx="minor">
+      <a:schemeClr val="tx1"/>
+    </cs:fontRef>
+    <cs:spPr>
+      <a:ln w="19050" cap="rnd">
+        <a:solidFill>
+          <a:schemeClr val="phClr"/>
+        </a:solidFill>
+        <a:prstDash val="sysDot"/>
+      </a:ln>
+    </cs:spPr>
+  </cs:trendline>
+  <cs:trendlineLabel>
+    <cs:lnRef idx="0"/>
+    <cs:fillRef idx="0"/>
+    <cs:effectRef idx="0"/>
+    <cs:fontRef idx="minor">
+      <a:schemeClr val="tx1">
+        <a:lumMod val="65000"/>
+        <a:lumOff val="35000"/>
+      </a:schemeClr>
+    </cs:fontRef>
+    <cs:defRPr sz="900" kern="1200"/>
+  </cs:trendlineLabel>
+  <cs:upBar>
+    <cs:lnRef idx="0"/>
+    <cs:fillRef idx="0"/>
+    <cs:effectRef idx="0"/>
+    <cs:fontRef idx="minor">
+      <a:schemeClr val="dk1"/>
+    </cs:fontRef>
+    <cs:spPr>
+      <a:solidFill>
+        <a:schemeClr val="lt1"/>
+      </a:solidFill>
+      <a:ln w="9525">
+        <a:solidFill>
+          <a:schemeClr val="tx1">
+            <a:lumMod val="15000"/>
+            <a:lumOff val="85000"/>
+          </a:schemeClr>
+        </a:solidFill>
+      </a:ln>
+    </cs:spPr>
+  </cs:upBar>
+  <cs:valueAxis>
+    <cs:lnRef idx="0"/>
+    <cs:fillRef idx="0"/>
+    <cs:effectRef idx="0"/>
+    <cs:fontRef idx="minor">
+      <a:schemeClr val="tx1">
+        <a:lumMod val="65000"/>
+        <a:lumOff val="35000"/>
+      </a:schemeClr>
+    </cs:fontRef>
+    <cs:defRPr sz="900" kern="1200"/>
+  </cs:valueAxis>
+  <cs:wall>
+    <cs:lnRef idx="0"/>
+    <cs:fillRef idx="0"/>
+    <cs:effectRef idx="0"/>
+    <cs:fontRef idx="minor">
+      <a:schemeClr val="tx1"/>
+    </cs:fontRef>
+    <cs:spPr>
+      <a:noFill/>
+      <a:ln>
+        <a:noFill/>
+      </a:ln>
+    </cs:spPr>
+  </cs:wall>
+</cs:chartStyle>
+</file>
+
+<file path=ppt/charts/style6.xml><?xml version="1.0" encoding="utf-8"?>
+<cs:chartStyle xmlns:cs="http://schemas.microsoft.com/office/drawing/2012/chartStyle" xmlns:a="http://schemas.openxmlformats.org/drawingml/2006/main" id="201">
+  <cs:axisTitle>
+    <cs:lnRef idx="0"/>
+    <cs:fillRef idx="0"/>
+    <cs:effectRef idx="0"/>
+    <cs:fontRef idx="minor">
+      <a:schemeClr val="tx1">
+        <a:lumMod val="65000"/>
+        <a:lumOff val="35000"/>
+      </a:schemeClr>
+    </cs:fontRef>
+    <cs:defRPr sz="1000" kern="1200"/>
+  </cs:axisTitle>
+  <cs:categoryAxis>
+    <cs:lnRef idx="0"/>
+    <cs:fillRef idx="0"/>
+    <cs:effectRef idx="0"/>
+    <cs:fontRef idx="minor">
+      <a:schemeClr val="tx1">
+        <a:lumMod val="65000"/>
+        <a:lumOff val="35000"/>
+      </a:schemeClr>
+    </cs:fontRef>
+    <cs:spPr>
+      <a:ln w="9525" cap="flat" cmpd="sng" algn="ctr">
+        <a:solidFill>
+          <a:schemeClr val="tx1">
+            <a:lumMod val="15000"/>
+            <a:lumOff val="85000"/>
+          </a:schemeClr>
+        </a:solidFill>
+        <a:round/>
+      </a:ln>
+    </cs:spPr>
+    <cs:defRPr sz="900" kern="1200"/>
+  </cs:categoryAxis>
+  <cs:chartArea mods="allowNoFillOverride allowNoLineOverride">
+    <cs:lnRef idx="0"/>
+    <cs:fillRef idx="0"/>
+    <cs:effectRef idx="0"/>
+    <cs:fontRef idx="minor">
+      <a:schemeClr val="tx1"/>
+    </cs:fontRef>
+    <cs:spPr>
+      <a:solidFill>
+        <a:schemeClr val="bg1"/>
+      </a:solidFill>
+      <a:ln w="9525" cap="flat" cmpd="sng" algn="ctr">
+        <a:solidFill>
+          <a:schemeClr val="tx1">
+            <a:lumMod val="15000"/>
+            <a:lumOff val="85000"/>
+          </a:schemeClr>
+        </a:solidFill>
+        <a:round/>
+      </a:ln>
+    </cs:spPr>
+    <cs:defRPr sz="1000" kern="1200"/>
+  </cs:chartArea>
+  <cs:dataLabel>
+    <cs:lnRef idx="0"/>
+    <cs:fillRef idx="0"/>
+    <cs:effectRef idx="0"/>
+    <cs:fontRef idx="minor">
+      <a:schemeClr val="tx1">
+        <a:lumMod val="75000"/>
+        <a:lumOff val="25000"/>
+      </a:schemeClr>
+    </cs:fontRef>
+    <cs:defRPr sz="900" kern="1200"/>
+  </cs:dataLabel>
+  <cs:dataLabelCallout>
+    <cs:lnRef idx="0"/>
+    <cs:fillRef idx="0"/>
+    <cs:effectRef idx="0"/>
+    <cs:fontRef idx="minor">
+      <a:schemeClr val="dk1">
+        <a:lumMod val="65000"/>
+        <a:lumOff val="35000"/>
+      </a:schemeClr>
+    </cs:fontRef>
+    <cs:spPr>
+      <a:solidFill>
+        <a:schemeClr val="lt1"/>
+      </a:solidFill>
+      <a:ln>
+        <a:solidFill>
+          <a:schemeClr val="dk1">
+            <a:lumMod val="25000"/>
+            <a:lumOff val="75000"/>
+          </a:schemeClr>
+        </a:solidFill>
+      </a:ln>
+    </cs:spPr>
+    <cs:defRPr sz="900" kern="1200"/>
+    <cs:bodyPr rot="0" spcFirstLastPara="1" vertOverflow="clip" horzOverflow="clip" vert="horz" wrap="square" lIns="36576" tIns="18288" rIns="36576" bIns="18288" anchor="ctr" anchorCtr="1">
+      <a:spAutoFit/>
+    </cs:bodyPr>
+  </cs:dataLabelCallout>
+  <cs:dataPoint>
+    <cs:lnRef idx="0"/>
+    <cs:fillRef idx="1">
+      <cs:styleClr val="auto"/>
+    </cs:fillRef>
+    <cs:effectRef idx="0"/>
+    <cs:fontRef idx="minor">
+      <a:schemeClr val="tx1"/>
+    </cs:fontRef>
+  </cs:dataPoint>
+  <cs:dataPoint3D>
+    <cs:lnRef idx="0"/>
+    <cs:fillRef idx="1">
+      <cs:styleClr val="auto"/>
+    </cs:fillRef>
+    <cs:effectRef idx="0"/>
+    <cs:fontRef idx="minor">
+      <a:schemeClr val="tx1"/>
+    </cs:fontRef>
+  </cs:dataPoint3D>
+  <cs:dataPointLine>
+    <cs:lnRef idx="0">
+      <cs:styleClr val="auto"/>
+    </cs:lnRef>
+    <cs:fillRef idx="1"/>
+    <cs:effectRef idx="0"/>
+    <cs:fontRef idx="minor">
+      <a:schemeClr val="tx1"/>
+    </cs:fontRef>
+    <cs:spPr>
+      <a:ln w="28575" cap="rnd">
+        <a:solidFill>
+          <a:schemeClr val="phClr"/>
+        </a:solidFill>
+        <a:round/>
+      </a:ln>
+    </cs:spPr>
+  </cs:dataPointLine>
+  <cs:dataPointMarker>
+    <cs:lnRef idx="0">
+      <cs:styleClr val="auto"/>
+    </cs:lnRef>
+    <cs:fillRef idx="1">
+      <cs:styleClr val="auto"/>
+    </cs:fillRef>
+    <cs:effectRef idx="0"/>
+    <cs:fontRef idx="minor">
+      <a:schemeClr val="tx1"/>
+    </cs:fontRef>
+    <cs:spPr>
+      <a:ln w="9525">
+        <a:solidFill>
+          <a:schemeClr val="phClr"/>
+        </a:solidFill>
+      </a:ln>
+    </cs:spPr>
+  </cs:dataPointMarker>
+  <cs:dataPointMarkerLayout symbol="circle" size="5"/>
+  <cs:dataPointWireframe>
+    <cs:lnRef idx="0">
+      <cs:styleClr val="auto"/>
+    </cs:lnRef>
+    <cs:fillRef idx="1"/>
+    <cs:effectRef idx="0"/>
+    <cs:fontRef idx="minor">
+      <a:schemeClr val="tx1"/>
+    </cs:fontRef>
+    <cs:spPr>
+      <a:ln w="9525" cap="rnd">
+        <a:solidFill>
+          <a:schemeClr val="phClr"/>
+        </a:solidFill>
+        <a:round/>
+      </a:ln>
+    </cs:spPr>
+  </cs:dataPointWireframe>
+  <cs:dataTable>
+    <cs:lnRef idx="0"/>
+    <cs:fillRef idx="0"/>
+    <cs:effectRef idx="0"/>
+    <cs:fontRef idx="minor">
+      <a:schemeClr val="tx1">
+        <a:lumMod val="65000"/>
+        <a:lumOff val="35000"/>
+      </a:schemeClr>
+    </cs:fontRef>
+    <cs:spPr>
+      <a:noFill/>
+      <a:ln w="9525" cap="flat" cmpd="sng" algn="ctr">
+        <a:solidFill>
+          <a:schemeClr val="tx1">
+            <a:lumMod val="15000"/>
+            <a:lumOff val="85000"/>
+          </a:schemeClr>
+        </a:solidFill>
+        <a:round/>
+      </a:ln>
+    </cs:spPr>
+    <cs:defRPr sz="900" kern="1200"/>
+  </cs:dataTable>
+  <cs:downBar>
+    <cs:lnRef idx="0"/>
+    <cs:fillRef idx="0"/>
+    <cs:effectRef idx="0"/>
+    <cs:fontRef idx="minor">
+      <a:schemeClr val="dk1"/>
+    </cs:fontRef>
+    <cs:spPr>
+      <a:solidFill>
+        <a:schemeClr val="dk1">
+          <a:lumMod val="65000"/>
+          <a:lumOff val="35000"/>
+        </a:schemeClr>
+      </a:solidFill>
+      <a:ln w="9525">
+        <a:solidFill>
+          <a:schemeClr val="tx1">
+            <a:lumMod val="65000"/>
+            <a:lumOff val="35000"/>
+          </a:schemeClr>
+        </a:solidFill>
+      </a:ln>
+    </cs:spPr>
+  </cs:downBar>
+  <cs:dropLine>
+    <cs:lnRef idx="0"/>
+    <cs:fillRef idx="0"/>
+    <cs:effectRef idx="0"/>
+    <cs:fontRef idx="minor">
+      <a:schemeClr val="tx1"/>
+    </cs:fontRef>
+    <cs:spPr>
+      <a:ln w="9525" cap="flat" cmpd="sng" algn="ctr">
+        <a:solidFill>
+          <a:schemeClr val="tx1">
+            <a:lumMod val="35000"/>
+            <a:lumOff val="65000"/>
+          </a:schemeClr>
+        </a:solidFill>
+        <a:round/>
+      </a:ln>
+    </cs:spPr>
+  </cs:dropLine>
+  <cs:errorBar>
+    <cs:lnRef idx="0"/>
+    <cs:fillRef idx="0"/>
+    <cs:effectRef idx="0"/>
+    <cs:fontRef idx="minor">
+      <a:schemeClr val="tx1"/>
+    </cs:fontRef>
+    <cs:spPr>
+      <a:ln w="9525" cap="flat" cmpd="sng" algn="ctr">
+        <a:solidFill>
+          <a:schemeClr val="tx1">
+            <a:lumMod val="65000"/>
+            <a:lumOff val="35000"/>
+          </a:schemeClr>
+        </a:solidFill>
+        <a:round/>
+      </a:ln>
+    </cs:spPr>
+  </cs:errorBar>
+  <cs:floor>
+    <cs:lnRef idx="0"/>
+    <cs:fillRef idx="0"/>
+    <cs:effectRef idx="0"/>
+    <cs:fontRef idx="minor">
+      <a:schemeClr val="tx1"/>
+    </cs:fontRef>
+    <cs:spPr>
+      <a:noFill/>
+      <a:ln>
+        <a:noFill/>
+      </a:ln>
+    </cs:spPr>
+  </cs:floor>
+  <cs:gridlineMajor>
+    <cs:lnRef idx="0"/>
+    <cs:fillRef idx="0"/>
+    <cs:effectRef idx="0"/>
+    <cs:fontRef idx="minor">
+      <a:schemeClr val="tx1"/>
+    </cs:fontRef>
+    <cs:spPr>
+      <a:ln w="9525" cap="flat" cmpd="sng" algn="ctr">
+        <a:solidFill>
+          <a:schemeClr val="tx1">
+            <a:lumMod val="15000"/>
+            <a:lumOff val="85000"/>
+          </a:schemeClr>
+        </a:solidFill>
+        <a:round/>
+      </a:ln>
+    </cs:spPr>
+  </cs:gridlineMajor>
+  <cs:gridlineMinor>
+    <cs:lnRef idx="0"/>
+    <cs:fillRef idx="0"/>
+    <cs:effectRef idx="0"/>
+    <cs:fontRef idx="minor">
+      <a:schemeClr val="tx1"/>
+    </cs:fontRef>
+    <cs:spPr>
+      <a:ln w="9525" cap="flat" cmpd="sng" algn="ctr">
+        <a:solidFill>
+          <a:schemeClr val="tx1">
+            <a:lumMod val="5000"/>
+            <a:lumOff val="95000"/>
+          </a:schemeClr>
+        </a:solidFill>
+        <a:round/>
+      </a:ln>
+    </cs:spPr>
+  </cs:gridlineMinor>
+  <cs:hiLoLine>
+    <cs:lnRef idx="0"/>
+    <cs:fillRef idx="0"/>
+    <cs:effectRef idx="0"/>
+    <cs:fontRef idx="minor">
+      <a:schemeClr val="tx1"/>
+    </cs:fontRef>
+    <cs:spPr>
+      <a:ln w="9525" cap="flat" cmpd="sng" algn="ctr">
+        <a:solidFill>
+          <a:schemeClr val="tx1">
+            <a:lumMod val="75000"/>
+            <a:lumOff val="25000"/>
+          </a:schemeClr>
+        </a:solidFill>
+        <a:round/>
+      </a:ln>
+    </cs:spPr>
+  </cs:hiLoLine>
+  <cs:leaderLine>
+    <cs:lnRef idx="0"/>
+    <cs:fillRef idx="0"/>
+    <cs:effectRef idx="0"/>
+    <cs:fontRef idx="minor">
+      <a:schemeClr val="tx1"/>
+    </cs:fontRef>
+    <cs:spPr>
+      <a:ln w="9525" cap="flat" cmpd="sng" algn="ctr">
+        <a:solidFill>
+          <a:schemeClr val="tx1">
+            <a:lumMod val="35000"/>
+            <a:lumOff val="65000"/>
+          </a:schemeClr>
+        </a:solidFill>
+        <a:round/>
+      </a:ln>
+    </cs:spPr>
+  </cs:leaderLine>
+  <cs:legend>
+    <cs:lnRef idx="0"/>
+    <cs:fillRef idx="0"/>
+    <cs:effectRef idx="0"/>
+    <cs:fontRef idx="minor">
+      <a:schemeClr val="tx1">
+        <a:lumMod val="65000"/>
+        <a:lumOff val="35000"/>
+      </a:schemeClr>
+    </cs:fontRef>
+    <cs:defRPr sz="900" kern="1200"/>
+  </cs:legend>
+  <cs:plotArea mods="allowNoFillOverride allowNoLineOverride">
+    <cs:lnRef idx="0"/>
+    <cs:fillRef idx="0"/>
+    <cs:effectRef idx="0"/>
+    <cs:fontRef idx="minor">
+      <a:schemeClr val="tx1"/>
+    </cs:fontRef>
+  </cs:plotArea>
+  <cs:plotArea3D mods="allowNoFillOverride allowNoLineOverride">
+    <cs:lnRef idx="0"/>
+    <cs:fillRef idx="0"/>
+    <cs:effectRef idx="0"/>
+    <cs:fontRef idx="minor">
+      <a:schemeClr val="tx1"/>
+    </cs:fontRef>
+  </cs:plotArea3D>
+  <cs:seriesAxis>
+    <cs:lnRef idx="0"/>
+    <cs:fillRef idx="0"/>
+    <cs:effectRef idx="0"/>
+    <cs:fontRef idx="minor">
+      <a:schemeClr val="tx1">
+        <a:lumMod val="65000"/>
+        <a:lumOff val="35000"/>
+      </a:schemeClr>
+    </cs:fontRef>
+    <cs:defRPr sz="900" kern="1200"/>
+  </cs:seriesAxis>
+  <cs:seriesLine>
+    <cs:lnRef idx="0"/>
+    <cs:fillRef idx="0"/>
+    <cs:effectRef idx="0"/>
+    <cs:fontRef idx="minor">
+      <a:schemeClr val="tx1"/>
+    </cs:fontRef>
+    <cs:spPr>
+      <a:ln w="9525" cap="flat" cmpd="sng" algn="ctr">
+        <a:solidFill>
+          <a:schemeClr val="tx1">
+            <a:lumMod val="35000"/>
+            <a:lumOff val="65000"/>
+          </a:schemeClr>
+        </a:solidFill>
+        <a:round/>
+      </a:ln>
+    </cs:spPr>
+  </cs:seriesLine>
+  <cs:title>
+    <cs:lnRef idx="0"/>
+    <cs:fillRef idx="0"/>
+    <cs:effectRef idx="0"/>
+    <cs:fontRef idx="minor">
+      <a:schemeClr val="tx1">
+        <a:lumMod val="65000"/>
+        <a:lumOff val="35000"/>
+      </a:schemeClr>
+    </cs:fontRef>
+    <cs:defRPr sz="1400" b="0" kern="1200" spc="0" baseline="0"/>
+  </cs:title>
+  <cs:trendline>
+    <cs:lnRef idx="0">
+      <cs:styleClr val="auto"/>
+    </cs:lnRef>
+    <cs:fillRef idx="0"/>
+    <cs:effectRef idx="0"/>
+    <cs:fontRef idx="minor">
+      <a:schemeClr val="tx1"/>
+    </cs:fontRef>
+    <cs:spPr>
+      <a:ln w="19050" cap="rnd">
+        <a:solidFill>
+          <a:schemeClr val="phClr"/>
+        </a:solidFill>
+        <a:prstDash val="sysDot"/>
+      </a:ln>
+    </cs:spPr>
+  </cs:trendline>
+  <cs:trendlineLabel>
+    <cs:lnRef idx="0"/>
+    <cs:fillRef idx="0"/>
+    <cs:effectRef idx="0"/>
+    <cs:fontRef idx="minor">
+      <a:schemeClr val="tx1">
+        <a:lumMod val="65000"/>
+        <a:lumOff val="35000"/>
+      </a:schemeClr>
+    </cs:fontRef>
+    <cs:defRPr sz="900" kern="1200"/>
+  </cs:trendlineLabel>
+  <cs:upBar>
+    <cs:lnRef idx="0"/>
+    <cs:fillRef idx="0"/>
+    <cs:effectRef idx="0"/>
+    <cs:fontRef idx="minor">
+      <a:schemeClr val="dk1"/>
+    </cs:fontRef>
+    <cs:spPr>
+      <a:solidFill>
+        <a:schemeClr val="lt1"/>
+      </a:solidFill>
+      <a:ln w="9525">
+        <a:solidFill>
+          <a:schemeClr val="tx1">
+            <a:lumMod val="15000"/>
+            <a:lumOff val="85000"/>
+          </a:schemeClr>
+        </a:solidFill>
+      </a:ln>
+    </cs:spPr>
+  </cs:upBar>
+  <cs:valueAxis>
+    <cs:lnRef idx="0"/>
+    <cs:fillRef idx="0"/>
+    <cs:effectRef idx="0"/>
+    <cs:fontRef idx="minor">
+      <a:schemeClr val="tx1">
+        <a:lumMod val="65000"/>
+        <a:lumOff val="35000"/>
+      </a:schemeClr>
+    </cs:fontRef>
+    <cs:defRPr sz="900" kern="1200"/>
+  </cs:valueAxis>
+  <cs:wall>
+    <cs:lnRef idx="0"/>
+    <cs:fillRef idx="0"/>
+    <cs:effectRef idx="0"/>
+    <cs:fontRef idx="minor">
+      <a:schemeClr val="tx1"/>
+    </cs:fontRef>
+    <cs:spPr>
+      <a:noFill/>
+      <a:ln>
+        <a:noFill/>
+      </a:ln>
+    </cs:spPr>
+  </cs:wall>
+</cs:chartStyle>
+</file>
+
+<file path=ppt/charts/style7.xml><?xml version="1.0" encoding="utf-8"?>
+<cs:chartStyle xmlns:cs="http://schemas.microsoft.com/office/drawing/2012/chartStyle" xmlns:a="http://schemas.openxmlformats.org/drawingml/2006/main" id="201">
+  <cs:axisTitle>
+    <cs:lnRef idx="0"/>
+    <cs:fillRef idx="0"/>
+    <cs:effectRef idx="0"/>
+    <cs:fontRef idx="minor">
+      <a:schemeClr val="tx1">
+        <a:lumMod val="65000"/>
+        <a:lumOff val="35000"/>
+      </a:schemeClr>
+    </cs:fontRef>
+    <cs:defRPr sz="1000" kern="1200"/>
+  </cs:axisTitle>
+  <cs:categoryAxis>
+    <cs:lnRef idx="0"/>
+    <cs:fillRef idx="0"/>
+    <cs:effectRef idx="0"/>
+    <cs:fontRef idx="minor">
+      <a:schemeClr val="tx1">
+        <a:lumMod val="65000"/>
+        <a:lumOff val="35000"/>
+      </a:schemeClr>
+    </cs:fontRef>
+    <cs:spPr>
+      <a:ln w="9525" cap="flat" cmpd="sng" algn="ctr">
+        <a:solidFill>
+          <a:schemeClr val="tx1">
+            <a:lumMod val="15000"/>
+            <a:lumOff val="85000"/>
+          </a:schemeClr>
+        </a:solidFill>
+        <a:round/>
+      </a:ln>
+    </cs:spPr>
+    <cs:defRPr sz="900" kern="1200"/>
+  </cs:categoryAxis>
+  <cs:chartArea mods="allowNoFillOverride allowNoLineOverride">
+    <cs:lnRef idx="0"/>
+    <cs:fillRef idx="0"/>
+    <cs:effectRef idx="0"/>
+    <cs:fontRef idx="minor">
+      <a:schemeClr val="tx1"/>
+    </cs:fontRef>
+    <cs:spPr>
+      <a:solidFill>
+        <a:schemeClr val="bg1"/>
+      </a:solidFill>
+      <a:ln w="9525" cap="flat" cmpd="sng" algn="ctr">
+        <a:solidFill>
+          <a:schemeClr val="tx1">
+            <a:lumMod val="15000"/>
+            <a:lumOff val="85000"/>
+          </a:schemeClr>
+        </a:solidFill>
+        <a:round/>
+      </a:ln>
+    </cs:spPr>
+    <cs:defRPr sz="1000" kern="1200"/>
+  </cs:chartArea>
+  <cs:dataLabel>
+    <cs:lnRef idx="0"/>
+    <cs:fillRef idx="0"/>
+    <cs:effectRef idx="0"/>
+    <cs:fontRef idx="minor">
+      <a:schemeClr val="tx1">
+        <a:lumMod val="75000"/>
+        <a:lumOff val="25000"/>
+      </a:schemeClr>
+    </cs:fontRef>
+    <cs:defRPr sz="900" kern="1200"/>
+  </cs:dataLabel>
+  <cs:dataLabelCallout>
+    <cs:lnRef idx="0"/>
+    <cs:fillRef idx="0"/>
+    <cs:effectRef idx="0"/>
+    <cs:fontRef idx="minor">
+      <a:schemeClr val="dk1">
+        <a:lumMod val="65000"/>
+        <a:lumOff val="35000"/>
+      </a:schemeClr>
+    </cs:fontRef>
+    <cs:spPr>
+      <a:solidFill>
+        <a:schemeClr val="lt1"/>
+      </a:solidFill>
+      <a:ln>
+        <a:solidFill>
+          <a:schemeClr val="dk1">
+            <a:lumMod val="25000"/>
+            <a:lumOff val="75000"/>
+          </a:schemeClr>
+        </a:solidFill>
+      </a:ln>
+    </cs:spPr>
+    <cs:defRPr sz="900" kern="1200"/>
+    <cs:bodyPr rot="0" spcFirstLastPara="1" vertOverflow="clip" horzOverflow="clip" vert="horz" wrap="square" lIns="36576" tIns="18288" rIns="36576" bIns="18288" anchor="ctr" anchorCtr="1">
+      <a:spAutoFit/>
+    </cs:bodyPr>
+  </cs:dataLabelCallout>
+  <cs:dataPoint>
+    <cs:lnRef idx="0"/>
+    <cs:fillRef idx="1">
+      <cs:styleClr val="auto"/>
+    </cs:fillRef>
+    <cs:effectRef idx="0"/>
+    <cs:fontRef idx="minor">
+      <a:schemeClr val="tx1"/>
+    </cs:fontRef>
+  </cs:dataPoint>
+  <cs:dataPoint3D>
+    <cs:lnRef idx="0"/>
+    <cs:fillRef idx="1">
+      <cs:styleClr val="auto"/>
+    </cs:fillRef>
+    <cs:effectRef idx="0"/>
+    <cs:fontRef idx="minor">
+      <a:schemeClr val="tx1"/>
+    </cs:fontRef>
+  </cs:dataPoint3D>
+  <cs:dataPointLine>
+    <cs:lnRef idx="0">
+      <cs:styleClr val="auto"/>
+    </cs:lnRef>
+    <cs:fillRef idx="1"/>
+    <cs:effectRef idx="0"/>
+    <cs:fontRef idx="minor">
+      <a:schemeClr val="tx1"/>
+    </cs:fontRef>
+    <cs:spPr>
+      <a:ln w="28575" cap="rnd">
+        <a:solidFill>
+          <a:schemeClr val="phClr"/>
+        </a:solidFill>
+        <a:round/>
+      </a:ln>
+    </cs:spPr>
+  </cs:dataPointLine>
+  <cs:dataPointMarker>
+    <cs:lnRef idx="0">
+      <cs:styleClr val="auto"/>
+    </cs:lnRef>
+    <cs:fillRef idx="1">
+      <cs:styleClr val="auto"/>
+    </cs:fillRef>
+    <cs:effectRef idx="0"/>
+    <cs:fontRef idx="minor">
+      <a:schemeClr val="tx1"/>
+    </cs:fontRef>
+    <cs:spPr>
+      <a:ln w="9525">
+        <a:solidFill>
+          <a:schemeClr val="phClr"/>
+        </a:solidFill>
+      </a:ln>
+    </cs:spPr>
+  </cs:dataPointMarker>
+  <cs:dataPointMarkerLayout symbol="circle" size="5"/>
+  <cs:dataPointWireframe>
+    <cs:lnRef idx="0">
+      <cs:styleClr val="auto"/>
+    </cs:lnRef>
+    <cs:fillRef idx="1"/>
+    <cs:effectRef idx="0"/>
+    <cs:fontRef idx="minor">
+      <a:schemeClr val="tx1"/>
+    </cs:fontRef>
+    <cs:spPr>
+      <a:ln w="9525" cap="rnd">
+        <a:solidFill>
+          <a:schemeClr val="phClr"/>
+        </a:solidFill>
+        <a:round/>
+      </a:ln>
+    </cs:spPr>
+  </cs:dataPointWireframe>
+  <cs:dataTable>
+    <cs:lnRef idx="0"/>
+    <cs:fillRef idx="0"/>
+    <cs:effectRef idx="0"/>
+    <cs:fontRef idx="minor">
+      <a:schemeClr val="tx1">
+        <a:lumMod val="65000"/>
+        <a:lumOff val="35000"/>
+      </a:schemeClr>
+    </cs:fontRef>
+    <cs:spPr>
+      <a:noFill/>
+      <a:ln w="9525" cap="flat" cmpd="sng" algn="ctr">
+        <a:solidFill>
+          <a:schemeClr val="tx1">
+            <a:lumMod val="15000"/>
+            <a:lumOff val="85000"/>
+          </a:schemeClr>
+        </a:solidFill>
+        <a:round/>
+      </a:ln>
+    </cs:spPr>
+    <cs:defRPr sz="900" kern="1200"/>
+  </cs:dataTable>
+  <cs:downBar>
+    <cs:lnRef idx="0"/>
+    <cs:fillRef idx="0"/>
+    <cs:effectRef idx="0"/>
+    <cs:fontRef idx="minor">
+      <a:schemeClr val="dk1"/>
+    </cs:fontRef>
+    <cs:spPr>
+      <a:solidFill>
+        <a:schemeClr val="dk1">
+          <a:lumMod val="65000"/>
+          <a:lumOff val="35000"/>
+        </a:schemeClr>
+      </a:solidFill>
+      <a:ln w="9525">
+        <a:solidFill>
+          <a:schemeClr val="tx1">
+            <a:lumMod val="65000"/>
+            <a:lumOff val="35000"/>
+          </a:schemeClr>
+        </a:solidFill>
+      </a:ln>
+    </cs:spPr>
+  </cs:downBar>
+  <cs:dropLine>
+    <cs:lnRef idx="0"/>
+    <cs:fillRef idx="0"/>
+    <cs:effectRef idx="0"/>
+    <cs:fontRef idx="minor">
+      <a:schemeClr val="tx1"/>
+    </cs:fontRef>
+    <cs:spPr>
+      <a:ln w="9525" cap="flat" cmpd="sng" algn="ctr">
+        <a:solidFill>
+          <a:schemeClr val="tx1">
+            <a:lumMod val="35000"/>
+            <a:lumOff val="65000"/>
+          </a:schemeClr>
+        </a:solidFill>
+        <a:round/>
+      </a:ln>
+    </cs:spPr>
+  </cs:dropLine>
+  <cs:errorBar>
+    <cs:lnRef idx="0"/>
+    <cs:fillRef idx="0"/>
+    <cs:effectRef idx="0"/>
+    <cs:fontRef idx="minor">
+      <a:schemeClr val="tx1"/>
+    </cs:fontRef>
+    <cs:spPr>
+      <a:ln w="9525" cap="flat" cmpd="sng" algn="ctr">
+        <a:solidFill>
+          <a:schemeClr val="tx1">
+            <a:lumMod val="65000"/>
+            <a:lumOff val="35000"/>
+          </a:schemeClr>
+        </a:solidFill>
+        <a:round/>
+      </a:ln>
+    </cs:spPr>
+  </cs:errorBar>
+  <cs:floor>
+    <cs:lnRef idx="0"/>
+    <cs:fillRef idx="0"/>
+    <cs:effectRef idx="0"/>
+    <cs:fontRef idx="minor">
+      <a:schemeClr val="tx1"/>
+    </cs:fontRef>
+    <cs:spPr>
+      <a:noFill/>
+      <a:ln>
+        <a:noFill/>
+      </a:ln>
+    </cs:spPr>
+  </cs:floor>
+  <cs:gridlineMajor>
+    <cs:lnRef idx="0"/>
+    <cs:fillRef idx="0"/>
+    <cs:effectRef idx="0"/>
+    <cs:fontRef idx="minor">
+      <a:schemeClr val="tx1"/>
+    </cs:fontRef>
+    <cs:spPr>
+      <a:ln w="9525" cap="flat" cmpd="sng" algn="ctr">
+        <a:solidFill>
+          <a:schemeClr val="tx1">
+            <a:lumMod val="15000"/>
+            <a:lumOff val="85000"/>
+          </a:schemeClr>
+        </a:solidFill>
+        <a:round/>
+      </a:ln>
+    </cs:spPr>
+  </cs:gridlineMajor>
+  <cs:gridlineMinor>
+    <cs:lnRef idx="0"/>
+    <cs:fillRef idx="0"/>
+    <cs:effectRef idx="0"/>
+    <cs:fontRef idx="minor">
+      <a:schemeClr val="tx1"/>
+    </cs:fontRef>
+    <cs:spPr>
+      <a:ln w="9525" cap="flat" cmpd="sng" algn="ctr">
+        <a:solidFill>
+          <a:schemeClr val="tx1">
+            <a:lumMod val="5000"/>
+            <a:lumOff val="95000"/>
+          </a:schemeClr>
+        </a:solidFill>
+        <a:round/>
+      </a:ln>
+    </cs:spPr>
+  </cs:gridlineMinor>
+  <cs:hiLoLine>
+    <cs:lnRef idx="0"/>
+    <cs:fillRef idx="0"/>
+    <cs:effectRef idx="0"/>
+    <cs:fontRef idx="minor">
+      <a:schemeClr val="tx1"/>
+    </cs:fontRef>
+    <cs:spPr>
+      <a:ln w="9525" cap="flat" cmpd="sng" algn="ctr">
+        <a:solidFill>
+          <a:schemeClr val="tx1">
+            <a:lumMod val="75000"/>
+            <a:lumOff val="25000"/>
+          </a:schemeClr>
+        </a:solidFill>
+        <a:round/>
+      </a:ln>
+    </cs:spPr>
+  </cs:hiLoLine>
+  <cs:leaderLine>
+    <cs:lnRef idx="0"/>
+    <cs:fillRef idx="0"/>
+    <cs:effectRef idx="0"/>
+    <cs:fontRef idx="minor">
+      <a:schemeClr val="tx1"/>
+    </cs:fontRef>
+    <cs:spPr>
+      <a:ln w="9525" cap="flat" cmpd="sng" algn="ctr">
+        <a:solidFill>
+          <a:schemeClr val="tx1">
+            <a:lumMod val="35000"/>
+            <a:lumOff val="65000"/>
+          </a:schemeClr>
+        </a:solidFill>
+        <a:round/>
+      </a:ln>
+    </cs:spPr>
+  </cs:leaderLine>
+  <cs:legend>
+    <cs:lnRef idx="0"/>
+    <cs:fillRef idx="0"/>
+    <cs:effectRef idx="0"/>
+    <cs:fontRef idx="minor">
+      <a:schemeClr val="tx1">
+        <a:lumMod val="65000"/>
+        <a:lumOff val="35000"/>
+      </a:schemeClr>
+    </cs:fontRef>
+    <cs:defRPr sz="900" kern="1200"/>
+  </cs:legend>
+  <cs:plotArea mods="allowNoFillOverride allowNoLineOverride">
+    <cs:lnRef idx="0"/>
+    <cs:fillRef idx="0"/>
+    <cs:effectRef idx="0"/>
+    <cs:fontRef idx="minor">
+      <a:schemeClr val="tx1"/>
+    </cs:fontRef>
+  </cs:plotArea>
+  <cs:plotArea3D mods="allowNoFillOverride allowNoLineOverride">
+    <cs:lnRef idx="0"/>
+    <cs:fillRef idx="0"/>
+    <cs:effectRef idx="0"/>
+    <cs:fontRef idx="minor">
+      <a:schemeClr val="tx1"/>
+    </cs:fontRef>
+  </cs:plotArea3D>
+  <cs:seriesAxis>
+    <cs:lnRef idx="0"/>
+    <cs:fillRef idx="0"/>
+    <cs:effectRef idx="0"/>
+    <cs:fontRef idx="minor">
+      <a:schemeClr val="tx1">
+        <a:lumMod val="65000"/>
+        <a:lumOff val="35000"/>
+      </a:schemeClr>
+    </cs:fontRef>
+    <cs:defRPr sz="900" kern="1200"/>
+  </cs:seriesAxis>
+  <cs:seriesLine>
+    <cs:lnRef idx="0"/>
+    <cs:fillRef idx="0"/>
+    <cs:effectRef idx="0"/>
+    <cs:fontRef idx="minor">
+      <a:schemeClr val="tx1"/>
+    </cs:fontRef>
+    <cs:spPr>
+      <a:ln w="9525" cap="flat" cmpd="sng" algn="ctr">
+        <a:solidFill>
+          <a:schemeClr val="tx1">
+            <a:lumMod val="35000"/>
+            <a:lumOff val="65000"/>
+          </a:schemeClr>
+        </a:solidFill>
+        <a:round/>
+      </a:ln>
+    </cs:spPr>
+  </cs:seriesLine>
+  <cs:title>
+    <cs:lnRef idx="0"/>
+    <cs:fillRef idx="0"/>
+    <cs:effectRef idx="0"/>
+    <cs:fontRef idx="minor">
+      <a:schemeClr val="tx1">
+        <a:lumMod val="65000"/>
+        <a:lumOff val="35000"/>
+      </a:schemeClr>
+    </cs:fontRef>
+    <cs:defRPr sz="1400" b="0" kern="1200" spc="0" baseline="0"/>
+  </cs:title>
+  <cs:trendline>
+    <cs:lnRef idx="0">
+      <cs:styleClr val="auto"/>
+    </cs:lnRef>
+    <cs:fillRef idx="0"/>
+    <cs:effectRef idx="0"/>
+    <cs:fontRef idx="minor">
+      <a:schemeClr val="tx1"/>
+    </cs:fontRef>
+    <cs:spPr>
+      <a:ln w="19050" cap="rnd">
+        <a:solidFill>
+          <a:schemeClr val="phClr"/>
+        </a:solidFill>
+        <a:prstDash val="sysDot"/>
+      </a:ln>
+    </cs:spPr>
+  </cs:trendline>
+  <cs:trendlineLabel>
+    <cs:lnRef idx="0"/>
+    <cs:fillRef idx="0"/>
+    <cs:effectRef idx="0"/>
+    <cs:fontRef idx="minor">
+      <a:schemeClr val="tx1">
+        <a:lumMod val="65000"/>
+        <a:lumOff val="35000"/>
+      </a:schemeClr>
+    </cs:fontRef>
+    <cs:defRPr sz="900" kern="1200"/>
+  </cs:trendlineLabel>
+  <cs:upBar>
+    <cs:lnRef idx="0"/>
+    <cs:fillRef idx="0"/>
+    <cs:effectRef idx="0"/>
+    <cs:fontRef idx="minor">
+      <a:schemeClr val="dk1"/>
+    </cs:fontRef>
+    <cs:spPr>
+      <a:solidFill>
+        <a:schemeClr val="lt1"/>
+      </a:solidFill>
+      <a:ln w="9525">
+        <a:solidFill>
+          <a:schemeClr val="tx1">
+            <a:lumMod val="15000"/>
+            <a:lumOff val="85000"/>
+          </a:schemeClr>
+        </a:solidFill>
+      </a:ln>
+    </cs:spPr>
+  </cs:upBar>
+  <cs:valueAxis>
+    <cs:lnRef idx="0"/>
+    <cs:fillRef idx="0"/>
+    <cs:effectRef idx="0"/>
+    <cs:fontRef idx="minor">
+      <a:schemeClr val="tx1">
+        <a:lumMod val="65000"/>
+        <a:lumOff val="35000"/>
+      </a:schemeClr>
+    </cs:fontRef>
+    <cs:defRPr sz="900" kern="1200"/>
+  </cs:valueAxis>
+  <cs:wall>
+    <cs:lnRef idx="0"/>
+    <cs:fillRef idx="0"/>
+    <cs:effectRef idx="0"/>
+    <cs:fontRef idx="minor">
+      <a:schemeClr val="tx1"/>
+    </cs:fontRef>
+    <cs:spPr>
+      <a:noFill/>
+      <a:ln>
+        <a:noFill/>
+      </a:ln>
+    </cs:spPr>
+  </cs:wall>
+</cs:chartStyle>
+</file>
+
+<file path=ppt/charts/style8.xml><?xml version="1.0" encoding="utf-8"?>
+<cs:chartStyle xmlns:cs="http://schemas.microsoft.com/office/drawing/2012/chartStyle" xmlns:a="http://schemas.openxmlformats.org/drawingml/2006/main" id="201">
+  <cs:axisTitle>
+    <cs:lnRef idx="0"/>
+    <cs:fillRef idx="0"/>
+    <cs:effectRef idx="0"/>
+    <cs:fontRef idx="minor">
+      <a:schemeClr val="tx1">
+        <a:lumMod val="65000"/>
+        <a:lumOff val="35000"/>
+      </a:schemeClr>
+    </cs:fontRef>
+    <cs:defRPr sz="1000" kern="1200"/>
+  </cs:axisTitle>
+  <cs:categoryAxis>
+    <cs:lnRef idx="0"/>
+    <cs:fillRef idx="0"/>
+    <cs:effectRef idx="0"/>
+    <cs:fontRef idx="minor">
+      <a:schemeClr val="tx1">
+        <a:lumMod val="65000"/>
+        <a:lumOff val="35000"/>
+      </a:schemeClr>
+    </cs:fontRef>
+    <cs:spPr>
+      <a:ln w="9525" cap="flat" cmpd="sng" algn="ctr">
+        <a:solidFill>
+          <a:schemeClr val="tx1">
+            <a:lumMod val="15000"/>
+            <a:lumOff val="85000"/>
+          </a:schemeClr>
+        </a:solidFill>
+        <a:round/>
+      </a:ln>
+    </cs:spPr>
+    <cs:defRPr sz="900" kern="1200"/>
+  </cs:categoryAxis>
+  <cs:chartArea mods="allowNoFillOverride allowNoLineOverride">
+    <cs:lnRef idx="0"/>
+    <cs:fillRef idx="0"/>
+    <cs:effectRef idx="0"/>
+    <cs:fontRef idx="minor">
+      <a:schemeClr val="tx1"/>
+    </cs:fontRef>
+    <cs:spPr>
+      <a:solidFill>
+        <a:schemeClr val="bg1"/>
+      </a:solidFill>
+      <a:ln w="9525" cap="flat" cmpd="sng" algn="ctr">
+        <a:solidFill>
+          <a:schemeClr val="tx1">
+            <a:lumMod val="15000"/>
+            <a:lumOff val="85000"/>
+          </a:schemeClr>
+        </a:solidFill>
+        <a:round/>
+      </a:ln>
+    </cs:spPr>
+    <cs:defRPr sz="1000" kern="1200"/>
+  </cs:chartArea>
+  <cs:dataLabel>
+    <cs:lnRef idx="0"/>
+    <cs:fillRef idx="0"/>
+    <cs:effectRef idx="0"/>
+    <cs:fontRef idx="minor">
+      <a:schemeClr val="tx1">
+        <a:lumMod val="75000"/>
+        <a:lumOff val="25000"/>
+      </a:schemeClr>
+    </cs:fontRef>
+    <cs:defRPr sz="900" kern="1200"/>
+  </cs:dataLabel>
+  <cs:dataLabelCallout>
+    <cs:lnRef idx="0"/>
+    <cs:fillRef idx="0"/>
+    <cs:effectRef idx="0"/>
+    <cs:fontRef idx="minor">
+      <a:schemeClr val="dk1">
+        <a:lumMod val="65000"/>
+        <a:lumOff val="35000"/>
+      </a:schemeClr>
+    </cs:fontRef>
+    <cs:spPr>
+      <a:solidFill>
+        <a:schemeClr val="lt1"/>
+      </a:solidFill>
+      <a:ln>
+        <a:solidFill>
+          <a:schemeClr val="dk1">
+            <a:lumMod val="25000"/>
+            <a:lumOff val="75000"/>
+          </a:schemeClr>
+        </a:solidFill>
+      </a:ln>
+    </cs:spPr>
+    <cs:defRPr sz="900" kern="1200"/>
+    <cs:bodyPr rot="0" spcFirstLastPara="1" vertOverflow="clip" horzOverflow="clip" vert="horz" wrap="square" lIns="36576" tIns="18288" rIns="36576" bIns="18288" anchor="ctr" anchorCtr="1">
+      <a:spAutoFit/>
+    </cs:bodyPr>
+  </cs:dataLabelCallout>
+  <cs:dataPoint>
+    <cs:lnRef idx="0"/>
+    <cs:fillRef idx="1">
+      <cs:styleClr val="auto"/>
+    </cs:fillRef>
+    <cs:effectRef idx="0"/>
+    <cs:fontRef idx="minor">
+      <a:schemeClr val="tx1"/>
+    </cs:fontRef>
+  </cs:dataPoint>
+  <cs:dataPoint3D>
+    <cs:lnRef idx="0"/>
+    <cs:fillRef idx="1">
+      <cs:styleClr val="auto"/>
+    </cs:fillRef>
+    <cs:effectRef idx="0"/>
+    <cs:fontRef idx="minor">
+      <a:schemeClr val="tx1"/>
+    </cs:fontRef>
+  </cs:dataPoint3D>
+  <cs:dataPointLine>
+    <cs:lnRef idx="0">
+      <cs:styleClr val="auto"/>
+    </cs:lnRef>
+    <cs:fillRef idx="1"/>
+    <cs:effectRef idx="0"/>
+    <cs:fontRef idx="minor">
+      <a:schemeClr val="tx1"/>
+    </cs:fontRef>
+    <cs:spPr>
+      <a:ln w="28575" cap="rnd">
+        <a:solidFill>
+          <a:schemeClr val="phClr"/>
+        </a:solidFill>
+        <a:round/>
+      </a:ln>
+    </cs:spPr>
+  </cs:dataPointLine>
+  <cs:dataPointMarker>
+    <cs:lnRef idx="0">
+      <cs:styleClr val="auto"/>
+    </cs:lnRef>
+    <cs:fillRef idx="1">
+      <cs:styleClr val="auto"/>
+    </cs:fillRef>
+    <cs:effectRef idx="0"/>
+    <cs:fontRef idx="minor">
+      <a:schemeClr val="tx1"/>
+    </cs:fontRef>
+    <cs:spPr>
+      <a:ln w="9525">
+        <a:solidFill>
+          <a:schemeClr val="phClr"/>
+        </a:solidFill>
+      </a:ln>
+    </cs:spPr>
+  </cs:dataPointMarker>
+  <cs:dataPointMarkerLayout symbol="circle" size="5"/>
+  <cs:dataPointWireframe>
+    <cs:lnRef idx="0">
+      <cs:styleClr val="auto"/>
+    </cs:lnRef>
+    <cs:fillRef idx="1"/>
+    <cs:effectRef idx="0"/>
+    <cs:fontRef idx="minor">
+      <a:schemeClr val="tx1"/>
+    </cs:fontRef>
+    <cs:spPr>
+      <a:ln w="9525" cap="rnd">
+        <a:solidFill>
+          <a:schemeClr val="phClr"/>
+        </a:solidFill>
+        <a:round/>
+      </a:ln>
+    </cs:spPr>
+  </cs:dataPointWireframe>
+  <cs:dataTable>
+    <cs:lnRef idx="0"/>
+    <cs:fillRef idx="0"/>
+    <cs:effectRef idx="0"/>
+    <cs:fontRef idx="minor">
+      <a:schemeClr val="tx1">
+        <a:lumMod val="65000"/>
+        <a:lumOff val="35000"/>
+      </a:schemeClr>
+    </cs:fontRef>
+    <cs:spPr>
+      <a:noFill/>
+      <a:ln w="9525" cap="flat" cmpd="sng" algn="ctr">
+        <a:solidFill>
+          <a:schemeClr val="tx1">
+            <a:lumMod val="15000"/>
+            <a:lumOff val="85000"/>
+          </a:schemeClr>
+        </a:solidFill>
+        <a:round/>
+      </a:ln>
+    </cs:spPr>
+    <cs:defRPr sz="900" kern="1200"/>
+  </cs:dataTable>
+  <cs:downBar>
+    <cs:lnRef idx="0"/>
+    <cs:fillRef idx="0"/>
+    <cs:effectRef idx="0"/>
+    <cs:fontRef idx="minor">
+      <a:schemeClr val="dk1"/>
+    </cs:fontRef>
+    <cs:spPr>
+      <a:solidFill>
+        <a:schemeClr val="dk1">
+          <a:lumMod val="65000"/>
+          <a:lumOff val="35000"/>
+        </a:schemeClr>
+      </a:solidFill>
+      <a:ln w="9525">
+        <a:solidFill>
+          <a:schemeClr val="tx1">
+            <a:lumMod val="65000"/>
+            <a:lumOff val="35000"/>
+          </a:schemeClr>
+        </a:solidFill>
+      </a:ln>
+    </cs:spPr>
+  </cs:downBar>
+  <cs:dropLine>
+    <cs:lnRef idx="0"/>
+    <cs:fillRef idx="0"/>
+    <cs:effectRef idx="0"/>
+    <cs:fontRef idx="minor">
+      <a:schemeClr val="tx1"/>
+    </cs:fontRef>
+    <cs:spPr>
+      <a:ln w="9525" cap="flat" cmpd="sng" algn="ctr">
+        <a:solidFill>
+          <a:schemeClr val="tx1">
+            <a:lumMod val="35000"/>
+            <a:lumOff val="65000"/>
+          </a:schemeClr>
+        </a:solidFill>
+        <a:round/>
+      </a:ln>
+    </cs:spPr>
+  </cs:dropLine>
+  <cs:errorBar>
+    <cs:lnRef idx="0"/>
+    <cs:fillRef idx="0"/>
+    <cs:effectRef idx="0"/>
+    <cs:fontRef idx="minor">
+      <a:schemeClr val="tx1"/>
+    </cs:fontRef>
+    <cs:spPr>
+      <a:ln w="9525" cap="flat" cmpd="sng" algn="ctr">
+        <a:solidFill>
+          <a:schemeClr val="tx1">
+            <a:lumMod val="65000"/>
+            <a:lumOff val="35000"/>
+          </a:schemeClr>
+        </a:solidFill>
+        <a:round/>
+      </a:ln>
+    </cs:spPr>
+  </cs:errorBar>
+  <cs:floor>
+    <cs:lnRef idx="0"/>
+    <cs:fillRef idx="0"/>
+    <cs:effectRef idx="0"/>
+    <cs:fontRef idx="minor">
+      <a:schemeClr val="tx1"/>
+    </cs:fontRef>
+    <cs:spPr>
+      <a:noFill/>
+      <a:ln>
+        <a:noFill/>
+      </a:ln>
+    </cs:spPr>
+  </cs:floor>
+  <cs:gridlineMajor>
+    <cs:lnRef idx="0"/>
+    <cs:fillRef idx="0"/>
+    <cs:effectRef idx="0"/>
+    <cs:fontRef idx="minor">
+      <a:schemeClr val="tx1"/>
+    </cs:fontRef>
+    <cs:spPr>
+      <a:ln w="9525" cap="flat" cmpd="sng" algn="ctr">
+        <a:solidFill>
+          <a:schemeClr val="tx1">
+            <a:lumMod val="15000"/>
+            <a:lumOff val="85000"/>
+          </a:schemeClr>
+        </a:solidFill>
+        <a:round/>
+      </a:ln>
+    </cs:spPr>
+  </cs:gridlineMajor>
+  <cs:gridlineMinor>
+    <cs:lnRef idx="0"/>
+    <cs:fillRef idx="0"/>
+    <cs:effectRef idx="0"/>
+    <cs:fontRef idx="minor">
+      <a:schemeClr val="tx1"/>
+    </cs:fontRef>
+    <cs:spPr>
+      <a:ln w="9525" cap="flat" cmpd="sng" algn="ctr">
+        <a:solidFill>
+          <a:schemeClr val="tx1">
+            <a:lumMod val="5000"/>
+            <a:lumOff val="95000"/>
+          </a:schemeClr>
+        </a:solidFill>
+        <a:round/>
+      </a:ln>
+    </cs:spPr>
+  </cs:gridlineMinor>
+  <cs:hiLoLine>
+    <cs:lnRef idx="0"/>
+    <cs:fillRef idx="0"/>
+    <cs:effectRef idx="0"/>
+    <cs:fontRef idx="minor">
+      <a:schemeClr val="tx1"/>
+    </cs:fontRef>
+    <cs:spPr>
+      <a:ln w="9525" cap="flat" cmpd="sng" algn="ctr">
+        <a:solidFill>
+          <a:schemeClr val="tx1">
+            <a:lumMod val="75000"/>
+            <a:lumOff val="25000"/>
+          </a:schemeClr>
+        </a:solidFill>
+        <a:round/>
+      </a:ln>
+    </cs:spPr>
+  </cs:hiLoLine>
+  <cs:leaderLine>
+    <cs:lnRef idx="0"/>
+    <cs:fillRef idx="0"/>
+    <cs:effectRef idx="0"/>
+    <cs:fontRef idx="minor">
+      <a:schemeClr val="tx1"/>
+    </cs:fontRef>
+    <cs:spPr>
+      <a:ln w="9525" cap="flat" cmpd="sng" algn="ctr">
+        <a:solidFill>
+          <a:schemeClr val="tx1">
+            <a:lumMod val="35000"/>
+            <a:lumOff val="65000"/>
+          </a:schemeClr>
+        </a:solidFill>
+        <a:round/>
+      </a:ln>
+    </cs:spPr>
+  </cs:leaderLine>
+  <cs:legend>
+    <cs:lnRef idx="0"/>
+    <cs:fillRef idx="0"/>
+    <cs:effectRef idx="0"/>
+    <cs:fontRef idx="minor">
+      <a:schemeClr val="tx1">
+        <a:lumMod val="65000"/>
+        <a:lumOff val="35000"/>
+      </a:schemeClr>
+    </cs:fontRef>
+    <cs:defRPr sz="900" kern="1200"/>
+  </cs:legend>
+  <cs:plotArea mods="allowNoFillOverride allowNoLineOverride">
+    <cs:lnRef idx="0"/>
+    <cs:fillRef idx="0"/>
+    <cs:effectRef idx="0"/>
+    <cs:fontRef idx="minor">
+      <a:schemeClr val="tx1"/>
+    </cs:fontRef>
+  </cs:plotArea>
+  <cs:plotArea3D mods="allowNoFillOverride allowNoLineOverride">
+    <cs:lnRef idx="0"/>
+    <cs:fillRef idx="0"/>
+    <cs:effectRef idx="0"/>
+    <cs:fontRef idx="minor">
+      <a:schemeClr val="tx1"/>
+    </cs:fontRef>
+  </cs:plotArea3D>
+  <cs:seriesAxis>
+    <cs:lnRef idx="0"/>
+    <cs:fillRef idx="0"/>
+    <cs:effectRef idx="0"/>
+    <cs:fontRef idx="minor">
+      <a:schemeClr val="tx1">
+        <a:lumMod val="65000"/>
+        <a:lumOff val="35000"/>
+      </a:schemeClr>
+    </cs:fontRef>
+    <cs:defRPr sz="900" kern="1200"/>
+  </cs:seriesAxis>
+  <cs:seriesLine>
+    <cs:lnRef idx="0"/>
+    <cs:fillRef idx="0"/>
+    <cs:effectRef idx="0"/>
+    <cs:fontRef idx="minor">
+      <a:schemeClr val="tx1"/>
+    </cs:fontRef>
+    <cs:spPr>
+      <a:ln w="9525" cap="flat" cmpd="sng" algn="ctr">
+        <a:solidFill>
+          <a:schemeClr val="tx1">
+            <a:lumMod val="35000"/>
+            <a:lumOff val="65000"/>
+          </a:schemeClr>
+        </a:solidFill>
+        <a:round/>
+      </a:ln>
+    </cs:spPr>
+  </cs:seriesLine>
+  <cs:title>
+    <cs:lnRef idx="0"/>
+    <cs:fillRef idx="0"/>
+    <cs:effectRef idx="0"/>
+    <cs:fontRef idx="minor">
+      <a:schemeClr val="tx1">
+        <a:lumMod val="65000"/>
+        <a:lumOff val="35000"/>
+      </a:schemeClr>
+    </cs:fontRef>
+    <cs:defRPr sz="1400" b="0" kern="1200" spc="0" baseline="0"/>
+  </cs:title>
+  <cs:trendline>
+    <cs:lnRef idx="0">
+      <cs:styleClr val="auto"/>
+    </cs:lnRef>
+    <cs:fillRef idx="0"/>
+    <cs:effectRef idx="0"/>
+    <cs:fontRef idx="minor">
+      <a:schemeClr val="tx1"/>
+    </cs:fontRef>
+    <cs:spPr>
+      <a:ln w="19050" cap="rnd">
+        <a:solidFill>
+          <a:schemeClr val="phClr"/>
+        </a:solidFill>
+        <a:prstDash val="sysDot"/>
+      </a:ln>
+    </cs:spPr>
+  </cs:trendline>
+  <cs:trendlineLabel>
+    <cs:lnRef idx="0"/>
+    <cs:fillRef idx="0"/>
+    <cs:effectRef idx="0"/>
+    <cs:fontRef idx="minor">
+      <a:schemeClr val="tx1">
+        <a:lumMod val="65000"/>
+        <a:lumOff val="35000"/>
+      </a:schemeClr>
+    </cs:fontRef>
+    <cs:defRPr sz="900" kern="1200"/>
+  </cs:trendlineLabel>
+  <cs:upBar>
+    <cs:lnRef idx="0"/>
+    <cs:fillRef idx="0"/>
+    <cs:effectRef idx="0"/>
+    <cs:fontRef idx="minor">
+      <a:schemeClr val="dk1"/>
+    </cs:fontRef>
+    <cs:spPr>
+      <a:solidFill>
+        <a:schemeClr val="lt1"/>
+      </a:solidFill>
+      <a:ln w="9525">
+        <a:solidFill>
+          <a:schemeClr val="tx1">
+            <a:lumMod val="15000"/>
+            <a:lumOff val="85000"/>
+          </a:schemeClr>
+        </a:solidFill>
+      </a:ln>
+    </cs:spPr>
+  </cs:upBar>
+  <cs:valueAxis>
+    <cs:lnRef idx="0"/>
+    <cs:fillRef idx="0"/>
+    <cs:effectRef idx="0"/>
+    <cs:fontRef idx="minor">
+      <a:schemeClr val="tx1">
+        <a:lumMod val="65000"/>
+        <a:lumOff val="35000"/>
+      </a:schemeClr>
+    </cs:fontRef>
+    <cs:defRPr sz="900" kern="1200"/>
+  </cs:valueAxis>
+  <cs:wall>
+    <cs:lnRef idx="0"/>
+    <cs:fillRef idx="0"/>
+    <cs:effectRef idx="0"/>
+    <cs:fontRef idx="minor">
+      <a:schemeClr val="tx1"/>
+    </cs:fontRef>
+    <cs:spPr>
+      <a:noFill/>
+      <a:ln>
+        <a:noFill/>
+      </a:ln>
+    </cs:spPr>
+  </cs:wall>
+</cs:chartStyle>
+</file>
+
 <file path=ppt/slideLayouts/slideLayout1.xml><?xml version="1.0" encoding="utf-8"?>
 <p:sldLayout xmlns:a="http://schemas.openxmlformats.org/drawingml/2006/main" xmlns:r="http://schemas.openxmlformats.org/officeDocument/2006/relationships" xmlns:p="http://schemas.openxmlformats.org/presentationml/2006/main" type="title" preserve="1">
   <p:cSld name="Titelfolie">
@@ -260,7 +7971,7 @@
           <a:p>
             <a:fld id="{A9531741-AD63-4175-9B13-A64D2CF23D31}" type="datetimeFigureOut">
               <a:rPr lang="de-DE" smtClean="0"/>
-              <a:t>05.06.2024</a:t>
+              <a:t>06.06.2024</a:t>
             </a:fld>
             <a:endParaRPr lang="de-DE"/>
           </a:p>
@@ -458,7 +8169,7 @@
           <a:p>
             <a:fld id="{A9531741-AD63-4175-9B13-A64D2CF23D31}" type="datetimeFigureOut">
               <a:rPr lang="de-DE" smtClean="0"/>
-              <a:t>05.06.2024</a:t>
+              <a:t>06.06.2024</a:t>
             </a:fld>
             <a:endParaRPr lang="de-DE"/>
           </a:p>
@@ -666,7 +8377,7 @@
           <a:p>
             <a:fld id="{A9531741-AD63-4175-9B13-A64D2CF23D31}" type="datetimeFigureOut">
               <a:rPr lang="de-DE" smtClean="0"/>
-              <a:t>05.06.2024</a:t>
+              <a:t>06.06.2024</a:t>
             </a:fld>
             <a:endParaRPr lang="de-DE"/>
           </a:p>
@@ -864,7 +8575,7 @@
           <a:p>
             <a:fld id="{A9531741-AD63-4175-9B13-A64D2CF23D31}" type="datetimeFigureOut">
               <a:rPr lang="de-DE" smtClean="0"/>
-              <a:t>05.06.2024</a:t>
+              <a:t>06.06.2024</a:t>
             </a:fld>
             <a:endParaRPr lang="de-DE"/>
           </a:p>
@@ -1139,7 +8850,7 @@
           <a:p>
             <a:fld id="{A9531741-AD63-4175-9B13-A64D2CF23D31}" type="datetimeFigureOut">
               <a:rPr lang="de-DE" smtClean="0"/>
-              <a:t>05.06.2024</a:t>
+              <a:t>06.06.2024</a:t>
             </a:fld>
             <a:endParaRPr lang="de-DE"/>
           </a:p>
@@ -1404,7 +9115,7 @@
           <a:p>
             <a:fld id="{A9531741-AD63-4175-9B13-A64D2CF23D31}" type="datetimeFigureOut">
               <a:rPr lang="de-DE" smtClean="0"/>
-              <a:t>05.06.2024</a:t>
+              <a:t>06.06.2024</a:t>
             </a:fld>
             <a:endParaRPr lang="de-DE"/>
           </a:p>
@@ -1816,7 +9527,7 @@
           <a:p>
             <a:fld id="{A9531741-AD63-4175-9B13-A64D2CF23D31}" type="datetimeFigureOut">
               <a:rPr lang="de-DE" smtClean="0"/>
-              <a:t>05.06.2024</a:t>
+              <a:t>06.06.2024</a:t>
             </a:fld>
             <a:endParaRPr lang="de-DE"/>
           </a:p>
@@ -1957,7 +9668,7 @@
           <a:p>
             <a:fld id="{A9531741-AD63-4175-9B13-A64D2CF23D31}" type="datetimeFigureOut">
               <a:rPr lang="de-DE" smtClean="0"/>
-              <a:t>05.06.2024</a:t>
+              <a:t>06.06.2024</a:t>
             </a:fld>
             <a:endParaRPr lang="de-DE"/>
           </a:p>
@@ -2070,7 +9781,7 @@
           <a:p>
             <a:fld id="{A9531741-AD63-4175-9B13-A64D2CF23D31}" type="datetimeFigureOut">
               <a:rPr lang="de-DE" smtClean="0"/>
-              <a:t>05.06.2024</a:t>
+              <a:t>06.06.2024</a:t>
             </a:fld>
             <a:endParaRPr lang="de-DE"/>
           </a:p>
@@ -2381,7 +10092,7 @@
           <a:p>
             <a:fld id="{A9531741-AD63-4175-9B13-A64D2CF23D31}" type="datetimeFigureOut">
               <a:rPr lang="de-DE" smtClean="0"/>
-              <a:t>05.06.2024</a:t>
+              <a:t>06.06.2024</a:t>
             </a:fld>
             <a:endParaRPr lang="de-DE"/>
           </a:p>
@@ -2669,7 +10380,7 @@
           <a:p>
             <a:fld id="{A9531741-AD63-4175-9B13-A64D2CF23D31}" type="datetimeFigureOut">
               <a:rPr lang="de-DE" smtClean="0"/>
-              <a:t>05.06.2024</a:t>
+              <a:t>06.06.2024</a:t>
             </a:fld>
             <a:endParaRPr lang="de-DE"/>
           </a:p>
@@ -2910,7 +10621,7 @@
           <a:p>
             <a:fld id="{A9531741-AD63-4175-9B13-A64D2CF23D31}" type="datetimeFigureOut">
               <a:rPr lang="de-DE" smtClean="0"/>
-              <a:t>05.06.2024</a:t>
+              <a:t>06.06.2024</a:t>
             </a:fld>
             <a:endParaRPr lang="de-DE"/>
           </a:p>
@@ -6584,313 +14295,340 @@
           <a:chExt cx="0" cy="0"/>
         </a:xfrm>
       </p:grpSpPr>
-      <p:grpSp>
-        <p:nvGrpSpPr>
-          <p:cNvPr id="3" name="Gruppieren 2">
+      <p:graphicFrame>
+        <p:nvGraphicFramePr>
+          <p:cNvPr id="12" name="Diagramm 11">
             <a:extLst>
               <a:ext uri="{FF2B5EF4-FFF2-40B4-BE49-F238E27FC236}">
-                <a16:creationId xmlns:a16="http://schemas.microsoft.com/office/drawing/2014/main" id="{A24132B1-1EE3-46A8-BA89-50DAB7F70D2E}"/>
+                <a16:creationId xmlns:a16="http://schemas.microsoft.com/office/drawing/2014/main" id="{EA294DAC-42A8-461E-8590-8AD763A9FF9A}"/>
               </a:ext>
             </a:extLst>
           </p:cNvPr>
-          <p:cNvGrpSpPr/>
-          <p:nvPr/>
-        </p:nvGrpSpPr>
-        <p:grpSpPr>
-          <a:xfrm>
-            <a:off x="345498" y="159392"/>
-            <a:ext cx="7748463" cy="6363050"/>
-            <a:chOff x="345498" y="159392"/>
-            <a:chExt cx="7748463" cy="6363050"/>
-          </a:xfrm>
-        </p:grpSpPr>
-        <p:pic>
-          <p:nvPicPr>
-            <p:cNvPr id="2" name="Grafik 1">
-              <a:extLst>
-                <a:ext uri="{FF2B5EF4-FFF2-40B4-BE49-F238E27FC236}">
-                  <a16:creationId xmlns:a16="http://schemas.microsoft.com/office/drawing/2014/main" id="{96D080D6-FB6F-4420-A351-05AC5D883300}"/>
-                </a:ext>
-              </a:extLst>
-            </p:cNvPr>
-            <p:cNvPicPr>
-              <a:picLocks noChangeAspect="1"/>
-            </p:cNvPicPr>
-            <p:nvPr/>
-          </p:nvPicPr>
-          <p:blipFill>
-            <a:blip r:embed="rId2"/>
-            <a:stretch>
-              <a:fillRect/>
-            </a:stretch>
-          </p:blipFill>
-          <p:spPr>
-            <a:xfrm>
-              <a:off x="4875552" y="3734811"/>
-              <a:ext cx="3218409" cy="2787631"/>
-            </a:xfrm>
-            <a:prstGeom prst="rect">
-              <a:avLst/>
-            </a:prstGeom>
-            <a:ln>
-              <a:solidFill>
-                <a:schemeClr val="tx1"/>
-              </a:solidFill>
-            </a:ln>
-          </p:spPr>
-        </p:pic>
-        <p:pic>
-          <p:nvPicPr>
-            <p:cNvPr id="4" name="Grafik 3">
-              <a:extLst>
-                <a:ext uri="{FF2B5EF4-FFF2-40B4-BE49-F238E27FC236}">
-                  <a16:creationId xmlns:a16="http://schemas.microsoft.com/office/drawing/2014/main" id="{0A71E476-E88E-4554-8870-98377D230B5D}"/>
-                </a:ext>
-              </a:extLst>
-            </p:cNvPr>
-            <p:cNvPicPr>
-              <a:picLocks noChangeAspect="1"/>
-            </p:cNvPicPr>
-            <p:nvPr/>
-          </p:nvPicPr>
-          <p:blipFill>
-            <a:blip r:embed="rId3"/>
-            <a:stretch>
-              <a:fillRect/>
-            </a:stretch>
-          </p:blipFill>
-          <p:spPr>
-            <a:xfrm>
-              <a:off x="345498" y="159392"/>
-              <a:ext cx="4335559" cy="3471542"/>
-            </a:xfrm>
-            <a:prstGeom prst="rect">
-              <a:avLst/>
-            </a:prstGeom>
-            <a:ln>
-              <a:solidFill>
-                <a:schemeClr val="tx1"/>
-              </a:solidFill>
-            </a:ln>
-          </p:spPr>
-        </p:pic>
-        <p:pic>
-          <p:nvPicPr>
-            <p:cNvPr id="5" name="Grafik 4">
-              <a:extLst>
-                <a:ext uri="{FF2B5EF4-FFF2-40B4-BE49-F238E27FC236}">
-                  <a16:creationId xmlns:a16="http://schemas.microsoft.com/office/drawing/2014/main" id="{FF371D41-AF38-449F-B5F9-ED697C0E32C3}"/>
-                </a:ext>
-              </a:extLst>
-            </p:cNvPr>
-            <p:cNvPicPr>
-              <a:picLocks noChangeAspect="1"/>
-            </p:cNvPicPr>
-            <p:nvPr/>
-          </p:nvPicPr>
-          <p:blipFill>
-            <a:blip r:embed="rId4"/>
-            <a:stretch>
-              <a:fillRect/>
-            </a:stretch>
-          </p:blipFill>
-          <p:spPr>
-            <a:xfrm>
-              <a:off x="4875552" y="159392"/>
-              <a:ext cx="3218409" cy="3471542"/>
-            </a:xfrm>
-            <a:prstGeom prst="rect">
-              <a:avLst/>
-            </a:prstGeom>
-            <a:ln>
-              <a:solidFill>
-                <a:schemeClr val="tx1"/>
-              </a:solidFill>
-            </a:ln>
-          </p:spPr>
-        </p:pic>
-        <p:pic>
-          <p:nvPicPr>
-            <p:cNvPr id="7" name="Grafik 6">
-              <a:extLst>
-                <a:ext uri="{FF2B5EF4-FFF2-40B4-BE49-F238E27FC236}">
-                  <a16:creationId xmlns:a16="http://schemas.microsoft.com/office/drawing/2014/main" id="{3C3BD533-3AB6-4BA2-9377-C91B143492BC}"/>
-                </a:ext>
-              </a:extLst>
-            </p:cNvPr>
-            <p:cNvPicPr>
-              <a:picLocks noChangeAspect="1"/>
-            </p:cNvPicPr>
-            <p:nvPr/>
-          </p:nvPicPr>
-          <p:blipFill>
-            <a:blip r:embed="rId5"/>
-            <a:stretch>
-              <a:fillRect/>
-            </a:stretch>
-          </p:blipFill>
-          <p:spPr>
-            <a:xfrm>
-              <a:off x="345498" y="3896131"/>
-              <a:ext cx="4335559" cy="2626311"/>
-            </a:xfrm>
-            <a:prstGeom prst="rect">
-              <a:avLst/>
-            </a:prstGeom>
-            <a:ln>
-              <a:solidFill>
-                <a:schemeClr val="tx1"/>
-              </a:solidFill>
-            </a:ln>
-          </p:spPr>
-        </p:pic>
-        <p:sp>
-          <p:nvSpPr>
-            <p:cNvPr id="8" name="Textfeld 7">
-              <a:extLst>
-                <a:ext uri="{FF2B5EF4-FFF2-40B4-BE49-F238E27FC236}">
-                  <a16:creationId xmlns:a16="http://schemas.microsoft.com/office/drawing/2014/main" id="{67272494-DC68-425E-9B2E-13F0AE1BBBB8}"/>
-                </a:ext>
-              </a:extLst>
-            </p:cNvPr>
-            <p:cNvSpPr txBox="1"/>
-            <p:nvPr/>
-          </p:nvSpPr>
-          <p:spPr>
-            <a:xfrm>
-              <a:off x="738231" y="260059"/>
-              <a:ext cx="554960" cy="369332"/>
-            </a:xfrm>
-            <a:prstGeom prst="rect">
-              <a:avLst/>
-            </a:prstGeom>
-            <a:noFill/>
-          </p:spPr>
-          <p:txBody>
-            <a:bodyPr wrap="none" rtlCol="0">
-              <a:spAutoFit/>
-            </a:bodyPr>
-            <a:lstStyle/>
-            <a:p>
-              <a:r>
-                <a:rPr lang="de-DE" dirty="0"/>
-                <a:t>Fish</a:t>
-              </a:r>
-            </a:p>
-          </p:txBody>
-        </p:sp>
-        <p:sp>
-          <p:nvSpPr>
-            <p:cNvPr id="9" name="Textfeld 8">
-              <a:extLst>
-                <a:ext uri="{FF2B5EF4-FFF2-40B4-BE49-F238E27FC236}">
-                  <a16:creationId xmlns:a16="http://schemas.microsoft.com/office/drawing/2014/main" id="{62E0F05B-EBE6-4EF2-98A7-841527CD9F31}"/>
-                </a:ext>
-              </a:extLst>
-            </p:cNvPr>
-            <p:cNvSpPr txBox="1"/>
-            <p:nvPr/>
-          </p:nvSpPr>
-          <p:spPr>
-            <a:xfrm>
-              <a:off x="5276680" y="260059"/>
-              <a:ext cx="1295547" cy="369332"/>
-            </a:xfrm>
-            <a:prstGeom prst="rect">
-              <a:avLst/>
-            </a:prstGeom>
-            <a:noFill/>
-          </p:spPr>
-          <p:txBody>
-            <a:bodyPr wrap="none" rtlCol="0">
-              <a:spAutoFit/>
-            </a:bodyPr>
-            <a:lstStyle/>
-            <a:p>
-              <a:r>
-                <a:rPr lang="de-DE" dirty="0" err="1"/>
-                <a:t>Amphibians</a:t>
-              </a:r>
-              <a:endParaRPr lang="de-DE" dirty="0"/>
-            </a:p>
-          </p:txBody>
-        </p:sp>
-        <p:sp>
-          <p:nvSpPr>
-            <p:cNvPr id="10" name="Textfeld 9">
-              <a:extLst>
-                <a:ext uri="{FF2B5EF4-FFF2-40B4-BE49-F238E27FC236}">
-                  <a16:creationId xmlns:a16="http://schemas.microsoft.com/office/drawing/2014/main" id="{CE025AE1-5F9D-44F6-A6FE-9C7B217F091A}"/>
-                </a:ext>
-              </a:extLst>
-            </p:cNvPr>
-            <p:cNvSpPr txBox="1"/>
-            <p:nvPr/>
-          </p:nvSpPr>
-          <p:spPr>
-            <a:xfrm>
-              <a:off x="5068353" y="3860097"/>
-              <a:ext cx="651204" cy="369332"/>
-            </a:xfrm>
-            <a:prstGeom prst="rect">
-              <a:avLst/>
-            </a:prstGeom>
-            <a:noFill/>
-          </p:spPr>
-          <p:txBody>
-            <a:bodyPr wrap="none" rtlCol="0">
-              <a:spAutoFit/>
-            </a:bodyPr>
-            <a:lstStyle/>
-            <a:p>
-              <a:r>
-                <a:rPr lang="de-DE" dirty="0"/>
-                <a:t>Birds</a:t>
-              </a:r>
-            </a:p>
-          </p:txBody>
-        </p:sp>
-        <p:sp>
-          <p:nvSpPr>
-            <p:cNvPr id="11" name="Textfeld 10">
-              <a:extLst>
-                <a:ext uri="{FF2B5EF4-FFF2-40B4-BE49-F238E27FC236}">
-                  <a16:creationId xmlns:a16="http://schemas.microsoft.com/office/drawing/2014/main" id="{1C066DA1-79F9-4D84-B4E6-045AA6948650}"/>
-                </a:ext>
-              </a:extLst>
-            </p:cNvPr>
-            <p:cNvSpPr txBox="1"/>
-            <p:nvPr/>
-          </p:nvSpPr>
-          <p:spPr>
-            <a:xfrm>
-              <a:off x="531307" y="3861475"/>
-              <a:ext cx="1114408" cy="369332"/>
-            </a:xfrm>
-            <a:prstGeom prst="rect">
-              <a:avLst/>
-            </a:prstGeom>
-            <a:noFill/>
-          </p:spPr>
-          <p:txBody>
-            <a:bodyPr wrap="none" rtlCol="0">
-              <a:spAutoFit/>
-            </a:bodyPr>
-            <a:lstStyle/>
-            <a:p>
-              <a:r>
-                <a:rPr lang="de-DE" dirty="0" err="1"/>
-                <a:t>Mammals</a:t>
-              </a:r>
-              <a:endParaRPr lang="de-DE" dirty="0"/>
-            </a:p>
-          </p:txBody>
-        </p:sp>
-      </p:grpSp>
+          <p:cNvGraphicFramePr>
+            <a:graphicFrameLocks/>
+          </p:cNvGraphicFramePr>
+          <p:nvPr>
+            <p:extLst>
+              <p:ext uri="{D42A27DB-BD31-4B8C-83A1-F6EECF244321}">
+                <p14:modId xmlns:p14="http://schemas.microsoft.com/office/powerpoint/2010/main" val="4079563958"/>
+              </p:ext>
+            </p:extLst>
+          </p:nvPr>
+        </p:nvGraphicFramePr>
+        <p:xfrm>
+          <a:off x="730470" y="3546628"/>
+          <a:ext cx="10606771" cy="3311371"/>
+        </p:xfrm>
+        <a:graphic>
+          <a:graphicData uri="http://schemas.openxmlformats.org/drawingml/2006/chart">
+            <c:chart xmlns:c="http://schemas.openxmlformats.org/drawingml/2006/chart" xmlns:r="http://schemas.openxmlformats.org/officeDocument/2006/relationships" r:id="rId2"/>
+          </a:graphicData>
+        </a:graphic>
+      </p:graphicFrame>
+      <p:graphicFrame>
+        <p:nvGraphicFramePr>
+          <p:cNvPr id="13" name="Diagramm 12">
+            <a:extLst>
+              <a:ext uri="{FF2B5EF4-FFF2-40B4-BE49-F238E27FC236}">
+                <a16:creationId xmlns:a16="http://schemas.microsoft.com/office/drawing/2014/main" id="{8F8D78BA-C0EB-449B-A915-901A70CAD699}"/>
+              </a:ext>
+            </a:extLst>
+          </p:cNvPr>
+          <p:cNvGraphicFramePr>
+            <a:graphicFrameLocks/>
+          </p:cNvGraphicFramePr>
+          <p:nvPr>
+            <p:extLst>
+              <p:ext uri="{D42A27DB-BD31-4B8C-83A1-F6EECF244321}">
+                <p14:modId xmlns:p14="http://schemas.microsoft.com/office/powerpoint/2010/main" val="2534149272"/>
+              </p:ext>
+            </p:extLst>
+          </p:nvPr>
+        </p:nvGraphicFramePr>
+        <p:xfrm>
+          <a:off x="730470" y="0"/>
+          <a:ext cx="10574114" cy="3311371"/>
+        </p:xfrm>
+        <a:graphic>
+          <a:graphicData uri="http://schemas.openxmlformats.org/drawingml/2006/chart">
+            <c:chart xmlns:c="http://schemas.openxmlformats.org/drawingml/2006/chart" xmlns:r="http://schemas.openxmlformats.org/officeDocument/2006/relationships" r:id="rId3"/>
+          </a:graphicData>
+        </a:graphic>
+      </p:graphicFrame>
     </p:spTree>
     <p:extLst>
       <p:ext uri="{BB962C8B-B14F-4D97-AF65-F5344CB8AC3E}">
         <p14:creationId xmlns:p14="http://schemas.microsoft.com/office/powerpoint/2010/main" val="4233297437"/>
+      </p:ext>
+    </p:extLst>
+  </p:cSld>
+  <p:clrMapOvr>
+    <a:masterClrMapping/>
+  </p:clrMapOvr>
+</p:sld>
+</file>
+
+<file path=ppt/slides/slide3.xml><?xml version="1.0" encoding="utf-8"?>
+<p:sld xmlns:a="http://schemas.openxmlformats.org/drawingml/2006/main" xmlns:r="http://schemas.openxmlformats.org/officeDocument/2006/relationships" xmlns:p="http://schemas.openxmlformats.org/presentationml/2006/main">
+  <p:cSld>
+    <p:spTree>
+      <p:nvGrpSpPr>
+        <p:cNvPr id="1" name=""/>
+        <p:cNvGrpSpPr/>
+        <p:nvPr/>
+      </p:nvGrpSpPr>
+      <p:grpSpPr>
+        <a:xfrm>
+          <a:off x="0" y="0"/>
+          <a:ext cx="0" cy="0"/>
+          <a:chOff x="0" y="0"/>
+          <a:chExt cx="0" cy="0"/>
+        </a:xfrm>
+      </p:grpSpPr>
+      <p:graphicFrame>
+        <p:nvGraphicFramePr>
+          <p:cNvPr id="4" name="Diagramm 3">
+            <a:extLst>
+              <a:ext uri="{FF2B5EF4-FFF2-40B4-BE49-F238E27FC236}">
+                <a16:creationId xmlns:a16="http://schemas.microsoft.com/office/drawing/2014/main" id="{B3577AF6-5FD5-4871-960C-1706DF6BD394}"/>
+              </a:ext>
+            </a:extLst>
+          </p:cNvPr>
+          <p:cNvGraphicFramePr>
+            <a:graphicFrameLocks/>
+          </p:cNvGraphicFramePr>
+          <p:nvPr>
+            <p:extLst>
+              <p:ext uri="{D42A27DB-BD31-4B8C-83A1-F6EECF244321}">
+                <p14:modId xmlns:p14="http://schemas.microsoft.com/office/powerpoint/2010/main" val="3075674636"/>
+              </p:ext>
+            </p:extLst>
+          </p:nvPr>
+        </p:nvGraphicFramePr>
+        <p:xfrm>
+          <a:off x="2168297" y="3429000"/>
+          <a:ext cx="7855406" cy="3429000"/>
+        </p:xfrm>
+        <a:graphic>
+          <a:graphicData uri="http://schemas.openxmlformats.org/drawingml/2006/chart">
+            <c:chart xmlns:c="http://schemas.openxmlformats.org/drawingml/2006/chart" xmlns:r="http://schemas.openxmlformats.org/officeDocument/2006/relationships" r:id="rId2"/>
+          </a:graphicData>
+        </a:graphic>
+      </p:graphicFrame>
+      <p:graphicFrame>
+        <p:nvGraphicFramePr>
+          <p:cNvPr id="5" name="Diagramm 4">
+            <a:extLst>
+              <a:ext uri="{FF2B5EF4-FFF2-40B4-BE49-F238E27FC236}">
+                <a16:creationId xmlns:a16="http://schemas.microsoft.com/office/drawing/2014/main" id="{B5AC57AF-910B-4117-87DD-68E8949351E0}"/>
+              </a:ext>
+            </a:extLst>
+          </p:cNvPr>
+          <p:cNvGraphicFramePr>
+            <a:graphicFrameLocks/>
+          </p:cNvGraphicFramePr>
+          <p:nvPr>
+            <p:extLst>
+              <p:ext uri="{D42A27DB-BD31-4B8C-83A1-F6EECF244321}">
+                <p14:modId xmlns:p14="http://schemas.microsoft.com/office/powerpoint/2010/main" val="3455531323"/>
+              </p:ext>
+            </p:extLst>
+          </p:nvPr>
+        </p:nvGraphicFramePr>
+        <p:xfrm>
+          <a:off x="2168297" y="0"/>
+          <a:ext cx="7855406" cy="3355759"/>
+        </p:xfrm>
+        <a:graphic>
+          <a:graphicData uri="http://schemas.openxmlformats.org/drawingml/2006/chart">
+            <c:chart xmlns:c="http://schemas.openxmlformats.org/drawingml/2006/chart" xmlns:r="http://schemas.openxmlformats.org/officeDocument/2006/relationships" r:id="rId3"/>
+          </a:graphicData>
+        </a:graphic>
+      </p:graphicFrame>
+    </p:spTree>
+    <p:extLst>
+      <p:ext uri="{BB962C8B-B14F-4D97-AF65-F5344CB8AC3E}">
+        <p14:creationId xmlns:p14="http://schemas.microsoft.com/office/powerpoint/2010/main" val="181319246"/>
+      </p:ext>
+    </p:extLst>
+  </p:cSld>
+  <p:clrMapOvr>
+    <a:masterClrMapping/>
+  </p:clrMapOvr>
+</p:sld>
+</file>
+
+<file path=ppt/slides/slide4.xml><?xml version="1.0" encoding="utf-8"?>
+<p:sld xmlns:a="http://schemas.openxmlformats.org/drawingml/2006/main" xmlns:r="http://schemas.openxmlformats.org/officeDocument/2006/relationships" xmlns:p="http://schemas.openxmlformats.org/presentationml/2006/main">
+  <p:cSld>
+    <p:spTree>
+      <p:nvGrpSpPr>
+        <p:cNvPr id="1" name=""/>
+        <p:cNvGrpSpPr/>
+        <p:nvPr/>
+      </p:nvGrpSpPr>
+      <p:grpSpPr>
+        <a:xfrm>
+          <a:off x="0" y="0"/>
+          <a:ext cx="0" cy="0"/>
+          <a:chOff x="0" y="0"/>
+          <a:chExt cx="0" cy="0"/>
+        </a:xfrm>
+      </p:grpSpPr>
+      <p:graphicFrame>
+        <p:nvGraphicFramePr>
+          <p:cNvPr id="4" name="Diagramm 3">
+            <a:extLst>
+              <a:ext uri="{FF2B5EF4-FFF2-40B4-BE49-F238E27FC236}">
+                <a16:creationId xmlns:a16="http://schemas.microsoft.com/office/drawing/2014/main" id="{0BB18325-783A-40A6-B6ED-6B9D0E6EF63A}"/>
+              </a:ext>
+            </a:extLst>
+          </p:cNvPr>
+          <p:cNvGraphicFramePr>
+            <a:graphicFrameLocks/>
+          </p:cNvGraphicFramePr>
+          <p:nvPr>
+            <p:extLst>
+              <p:ext uri="{D42A27DB-BD31-4B8C-83A1-F6EECF244321}">
+                <p14:modId xmlns:p14="http://schemas.microsoft.com/office/powerpoint/2010/main" val="2200227382"/>
+              </p:ext>
+            </p:extLst>
+          </p:nvPr>
+        </p:nvGraphicFramePr>
+        <p:xfrm>
+          <a:off x="1190624" y="3133818"/>
+          <a:ext cx="9810751" cy="3490034"/>
+        </p:xfrm>
+        <a:graphic>
+          <a:graphicData uri="http://schemas.openxmlformats.org/drawingml/2006/chart">
+            <c:chart xmlns:c="http://schemas.openxmlformats.org/drawingml/2006/chart" xmlns:r="http://schemas.openxmlformats.org/officeDocument/2006/relationships" r:id="rId2"/>
+          </a:graphicData>
+        </a:graphic>
+      </p:graphicFrame>
+      <p:graphicFrame>
+        <p:nvGraphicFramePr>
+          <p:cNvPr id="5" name="Diagramm 4">
+            <a:extLst>
+              <a:ext uri="{FF2B5EF4-FFF2-40B4-BE49-F238E27FC236}">
+                <a16:creationId xmlns:a16="http://schemas.microsoft.com/office/drawing/2014/main" id="{B9997540-DE8A-4F7E-8FAD-3B34B3043EDD}"/>
+              </a:ext>
+            </a:extLst>
+          </p:cNvPr>
+          <p:cNvGraphicFramePr>
+            <a:graphicFrameLocks/>
+          </p:cNvGraphicFramePr>
+          <p:nvPr>
+            <p:extLst>
+              <p:ext uri="{D42A27DB-BD31-4B8C-83A1-F6EECF244321}">
+                <p14:modId xmlns:p14="http://schemas.microsoft.com/office/powerpoint/2010/main" val="3086050682"/>
+              </p:ext>
+            </p:extLst>
+          </p:nvPr>
+        </p:nvGraphicFramePr>
+        <p:xfrm>
+          <a:off x="1190624" y="100984"/>
+          <a:ext cx="9778094" cy="3328016"/>
+        </p:xfrm>
+        <a:graphic>
+          <a:graphicData uri="http://schemas.openxmlformats.org/drawingml/2006/chart">
+            <c:chart xmlns:c="http://schemas.openxmlformats.org/drawingml/2006/chart" xmlns:r="http://schemas.openxmlformats.org/officeDocument/2006/relationships" r:id="rId3"/>
+          </a:graphicData>
+        </a:graphic>
+      </p:graphicFrame>
+    </p:spTree>
+    <p:extLst>
+      <p:ext uri="{BB962C8B-B14F-4D97-AF65-F5344CB8AC3E}">
+        <p14:creationId xmlns:p14="http://schemas.microsoft.com/office/powerpoint/2010/main" val="3220273980"/>
+      </p:ext>
+    </p:extLst>
+  </p:cSld>
+  <p:clrMapOvr>
+    <a:masterClrMapping/>
+  </p:clrMapOvr>
+</p:sld>
+</file>
+
+<file path=ppt/slides/slide5.xml><?xml version="1.0" encoding="utf-8"?>
+<p:sld xmlns:a="http://schemas.openxmlformats.org/drawingml/2006/main" xmlns:r="http://schemas.openxmlformats.org/officeDocument/2006/relationships" xmlns:p="http://schemas.openxmlformats.org/presentationml/2006/main">
+  <p:cSld>
+    <p:spTree>
+      <p:nvGrpSpPr>
+        <p:cNvPr id="1" name=""/>
+        <p:cNvGrpSpPr/>
+        <p:nvPr/>
+      </p:nvGrpSpPr>
+      <p:grpSpPr>
+        <a:xfrm>
+          <a:off x="0" y="0"/>
+          <a:ext cx="0" cy="0"/>
+          <a:chOff x="0" y="0"/>
+          <a:chExt cx="0" cy="0"/>
+        </a:xfrm>
+      </p:grpSpPr>
+      <p:graphicFrame>
+        <p:nvGraphicFramePr>
+          <p:cNvPr id="4" name="Diagramm 3">
+            <a:extLst>
+              <a:ext uri="{FF2B5EF4-FFF2-40B4-BE49-F238E27FC236}">
+                <a16:creationId xmlns:a16="http://schemas.microsoft.com/office/drawing/2014/main" id="{75051789-D37F-4410-8B0C-B9448E2FE261}"/>
+              </a:ext>
+            </a:extLst>
+          </p:cNvPr>
+          <p:cNvGraphicFramePr>
+            <a:graphicFrameLocks/>
+          </p:cNvGraphicFramePr>
+          <p:nvPr>
+            <p:extLst>
+              <p:ext uri="{D42A27DB-BD31-4B8C-83A1-F6EECF244321}">
+                <p14:modId xmlns:p14="http://schemas.microsoft.com/office/powerpoint/2010/main" val="4199337814"/>
+              </p:ext>
+            </p:extLst>
+          </p:nvPr>
+        </p:nvGraphicFramePr>
+        <p:xfrm>
+          <a:off x="594659" y="3429000"/>
+          <a:ext cx="11237677" cy="3332988"/>
+        </p:xfrm>
+        <a:graphic>
+          <a:graphicData uri="http://schemas.openxmlformats.org/drawingml/2006/chart">
+            <c:chart xmlns:c="http://schemas.openxmlformats.org/drawingml/2006/chart" xmlns:r="http://schemas.openxmlformats.org/officeDocument/2006/relationships" r:id="rId2"/>
+          </a:graphicData>
+        </a:graphic>
+      </p:graphicFrame>
+      <p:graphicFrame>
+        <p:nvGraphicFramePr>
+          <p:cNvPr id="5" name="Diagramm 4">
+            <a:extLst>
+              <a:ext uri="{FF2B5EF4-FFF2-40B4-BE49-F238E27FC236}">
+                <a16:creationId xmlns:a16="http://schemas.microsoft.com/office/drawing/2014/main" id="{373B8E08-7229-4E4F-AE53-20445EF76C27}"/>
+              </a:ext>
+            </a:extLst>
+          </p:cNvPr>
+          <p:cNvGraphicFramePr>
+            <a:graphicFrameLocks/>
+          </p:cNvGraphicFramePr>
+          <p:nvPr>
+            <p:extLst>
+              <p:ext uri="{D42A27DB-BD31-4B8C-83A1-F6EECF244321}">
+                <p14:modId xmlns:p14="http://schemas.microsoft.com/office/powerpoint/2010/main" val="2794545046"/>
+              </p:ext>
+            </p:extLst>
+          </p:nvPr>
+        </p:nvGraphicFramePr>
+        <p:xfrm>
+          <a:off x="594659" y="32004"/>
+          <a:ext cx="11237677" cy="3296412"/>
+        </p:xfrm>
+        <a:graphic>
+          <a:graphicData uri="http://schemas.openxmlformats.org/drawingml/2006/chart">
+            <c:chart xmlns:c="http://schemas.openxmlformats.org/drawingml/2006/chart" xmlns:r="http://schemas.openxmlformats.org/officeDocument/2006/relationships" r:id="rId3"/>
+          </a:graphicData>
+        </a:graphic>
+      </p:graphicFrame>
+    </p:spTree>
+    <p:extLst>
+      <p:ext uri="{BB962C8B-B14F-4D97-AF65-F5344CB8AC3E}">
+        <p14:creationId xmlns:p14="http://schemas.microsoft.com/office/powerpoint/2010/main" val="1887498568"/>
       </p:ext>
     </p:extLst>
   </p:cSld>

--- a/HANNO-flow.pptx
+++ b/HANNO-flow.pptx
@@ -8,8 +8,8 @@
     <p:sldId id="256" r:id="rId2"/>
     <p:sldId id="257" r:id="rId3"/>
     <p:sldId id="258" r:id="rId4"/>
-    <p:sldId id="259" r:id="rId5"/>
-    <p:sldId id="260" r:id="rId6"/>
+    <p:sldId id="260" r:id="rId5"/>
+    <p:sldId id="261" r:id="rId6"/>
   </p:sldIdLst>
   <p:sldSz cx="12192000" cy="6858000"/>
   <p:notesSz cx="6858000" cy="9144000"/>
@@ -130,22 +130,107 @@
     </mc:Fallback>
   </mc:AlternateContent>
   <c:chart>
-    <c:autoTitleDeleted val="1"/>
+    <c:title>
+      <c:tx>
+        <c:rich>
+          <a:bodyPr rot="0" spcFirstLastPara="1" vertOverflow="ellipsis" vert="horz" wrap="square" anchor="ctr" anchorCtr="1"/>
+          <a:lstStyle/>
+          <a:p>
+            <a:pPr>
+              <a:defRPr sz="1400" b="0" i="0" u="none" strike="noStrike" kern="1200" spc="0" baseline="0">
+                <a:solidFill>
+                  <a:schemeClr val="tx1">
+                    <a:lumMod val="65000"/>
+                    <a:lumOff val="35000"/>
+                  </a:schemeClr>
+                </a:solidFill>
+                <a:latin typeface="+mn-lt"/>
+                <a:ea typeface="+mn-ea"/>
+                <a:cs typeface="+mn-cs"/>
+              </a:defRPr>
+            </a:pPr>
+            <a:r>
+              <a:rPr lang="de-DE" sz="1100" b="0" i="0" baseline="0">
+                <a:effectLst/>
+              </a:rPr>
+              <a:t>Transfer of </a:t>
+            </a:r>
+            <a:r>
+              <a:rPr lang="de-DE" sz="1100" b="0" i="1" baseline="0">
+                <a:effectLst/>
+              </a:rPr>
+              <a:t>P. flavescens </a:t>
+            </a:r>
+            <a:r>
+              <a:rPr lang="de-DE" sz="1100" b="0" i="0" baseline="0">
+                <a:effectLst/>
+              </a:rPr>
+              <a:t>Refseq annotation (protein &amp; mRNA) to diverged fish genomes by HANNO </a:t>
+            </a:r>
+            <a:endParaRPr lang="de-DE" sz="1100">
+              <a:effectLst/>
+            </a:endParaRPr>
+          </a:p>
+        </c:rich>
+      </c:tx>
+      <c:overlay val="0"/>
+      <c:spPr>
+        <a:noFill/>
+        <a:ln>
+          <a:noFill/>
+        </a:ln>
+        <a:effectLst/>
+      </c:spPr>
+      <c:txPr>
+        <a:bodyPr rot="0" spcFirstLastPara="1" vertOverflow="ellipsis" vert="horz" wrap="square" anchor="ctr" anchorCtr="1"/>
+        <a:lstStyle/>
+        <a:p>
+          <a:pPr>
+            <a:defRPr sz="1400" b="0" i="0" u="none" strike="noStrike" kern="1200" spc="0" baseline="0">
+              <a:solidFill>
+                <a:schemeClr val="tx1">
+                  <a:lumMod val="65000"/>
+                  <a:lumOff val="35000"/>
+                </a:schemeClr>
+              </a:solidFill>
+              <a:latin typeface="+mn-lt"/>
+              <a:ea typeface="+mn-ea"/>
+              <a:cs typeface="+mn-cs"/>
+            </a:defRPr>
+          </a:pPr>
+          <a:endParaRPr lang="de-DE"/>
+        </a:p>
+      </c:txPr>
+    </c:title>
+    <c:autoTitleDeleted val="0"/>
     <c:plotArea>
       <c:layout/>
       <c:barChart>
         <c:barDir val="col"/>
-        <c:grouping val="clustered"/>
+        <c:grouping val="stacked"/>
         <c:varyColors val="0"/>
         <c:ser>
           <c:idx val="0"/>
           <c:order val="0"/>
+          <c:tx>
+            <c:strRef>
+              <c:f>'Suppl. Data 2 - FISHES-BUSCO'!$B$1</c:f>
+              <c:strCache>
+                <c:ptCount val="1"/>
+                <c:pt idx="0">
+                  <c:v>Complete</c:v>
+                </c:pt>
+              </c:strCache>
+            </c:strRef>
+          </c:tx>
           <c:spPr>
             <a:solidFill>
               <a:schemeClr val="accent1"/>
             </a:solidFill>
-            <a:ln>
-              <a:noFill/>
+            <a:ln w="0">
+              <a:solidFill>
+                <a:schemeClr val="tx1"/>
+              </a:solidFill>
             </a:ln>
             <a:effectLst/>
           </c:spPr>
@@ -166,12 +251,9 @@
               <a:lstStyle/>
               <a:p>
                 <a:pPr>
-                  <a:defRPr sz="900" b="0" i="0" u="none" strike="noStrike" kern="1200" baseline="0">
+                  <a:defRPr sz="900" b="1" i="0" u="none" strike="noStrike" kern="1200" baseline="0">
                     <a:solidFill>
-                      <a:schemeClr val="tx1">
-                        <a:lumMod val="75000"/>
-                        <a:lumOff val="25000"/>
-                      </a:schemeClr>
+                      <a:schemeClr val="bg1"/>
                     </a:solidFill>
                     <a:latin typeface="+mn-lt"/>
                     <a:ea typeface="+mn-ea"/>
@@ -226,7 +308,7 @@
                   <c:v>Epinephelus fuscoguttatus               (77 MYA)</c:v>
                 </c:pt>
                 <c:pt idx="4">
-                  <c:v>Dicentrarchus labrax    (104 MYA)</c:v>
+                  <c:v>Dicentrarchus labrax            (104 MYA)</c:v>
                 </c:pt>
                 <c:pt idx="5">
                   <c:v>Oreochromis niloticus      (112 MYA)</c:v>
@@ -243,6 +325,273 @@
               </c:strCache>
             </c:strRef>
           </c:cat>
+          <c:val>
+            <c:numRef>
+              <c:f>'Suppl. Data 2 - FISHES-BUSCO'!$B$2:$B$10</c:f>
+              <c:numCache>
+                <c:formatCode>General</c:formatCode>
+                <c:ptCount val="9"/>
+                <c:pt idx="0" formatCode="0.0000">
+                  <c:v>99.4</c:v>
+                </c:pt>
+                <c:pt idx="1">
+                  <c:v>98.014799999999994</c:v>
+                </c:pt>
+                <c:pt idx="2">
+                  <c:v>98.058499999999995</c:v>
+                </c:pt>
+                <c:pt idx="3">
+                  <c:v>98.080299999999994</c:v>
+                </c:pt>
+                <c:pt idx="4">
+                  <c:v>97.774900000000002</c:v>
+                </c:pt>
+                <c:pt idx="5">
+                  <c:v>97.927599999999998</c:v>
+                </c:pt>
+                <c:pt idx="6">
+                  <c:v>94.546199999999999</c:v>
+                </c:pt>
+                <c:pt idx="7">
+                  <c:v>91.012200000000007</c:v>
+                </c:pt>
+                <c:pt idx="8">
+                  <c:v>89.594200000000001</c:v>
+                </c:pt>
+              </c:numCache>
+            </c:numRef>
+          </c:val>
+          <c:extLst>
+            <c:ext xmlns:c16="http://schemas.microsoft.com/office/drawing/2014/chart" uri="{C3380CC4-5D6E-409C-BE32-E72D297353CC}">
+              <c16:uniqueId val="{00000000-7C18-4C6D-8D29-321EFB90331E}"/>
+            </c:ext>
+          </c:extLst>
+        </c:ser>
+        <c:ser>
+          <c:idx val="1"/>
+          <c:order val="1"/>
+          <c:tx>
+            <c:strRef>
+              <c:f>'Suppl. Data 2 - FISHES-BUSCO'!$E$1</c:f>
+              <c:strCache>
+                <c:ptCount val="1"/>
+                <c:pt idx="0">
+                  <c:v>Fragmented</c:v>
+                </c:pt>
+              </c:strCache>
+            </c:strRef>
+          </c:tx>
+          <c:spPr>
+            <a:solidFill>
+              <a:schemeClr val="accent2"/>
+            </a:solidFill>
+            <a:ln w="0">
+              <a:solidFill>
+                <a:schemeClr val="tx1"/>
+              </a:solidFill>
+            </a:ln>
+            <a:effectLst/>
+          </c:spPr>
+          <c:invertIfNegative val="0"/>
+          <c:dLbls>
+            <c:dLbl>
+              <c:idx val="0"/>
+              <c:layout>
+                <c:manualLayout>
+                  <c:x val="0"/>
+                  <c:y val="3.5420616332669315E-3"/>
+                </c:manualLayout>
+              </c:layout>
+              <c:showLegendKey val="0"/>
+              <c:showVal val="1"/>
+              <c:showCatName val="0"/>
+              <c:showSerName val="0"/>
+              <c:showPercent val="0"/>
+              <c:showBubbleSize val="0"/>
+              <c:extLst>
+                <c:ext xmlns:c15="http://schemas.microsoft.com/office/drawing/2012/chart" uri="{CE6537A1-D6FC-4f65-9D91-7224C49458BB}"/>
+                <c:ext xmlns:c16="http://schemas.microsoft.com/office/drawing/2014/chart" uri="{C3380CC4-5D6E-409C-BE32-E72D297353CC}">
+                  <c16:uniqueId val="{00000001-7C18-4C6D-8D29-321EFB90331E}"/>
+                </c:ext>
+              </c:extLst>
+            </c:dLbl>
+            <c:numFmt formatCode="#,##0.0" sourceLinked="0"/>
+            <c:spPr>
+              <a:noFill/>
+              <a:ln>
+                <a:noFill/>
+              </a:ln>
+              <a:effectLst/>
+            </c:spPr>
+            <c:txPr>
+              <a:bodyPr rot="0" spcFirstLastPara="1" vertOverflow="ellipsis" vert="horz" wrap="square" lIns="38100" tIns="19050" rIns="38100" bIns="19050" anchor="ctr" anchorCtr="1">
+                <a:spAutoFit/>
+              </a:bodyPr>
+              <a:lstStyle/>
+              <a:p>
+                <a:pPr>
+                  <a:defRPr sz="900" b="1" i="0" u="none" strike="noStrike" kern="1200" baseline="0">
+                    <a:solidFill>
+                      <a:schemeClr val="bg1"/>
+                    </a:solidFill>
+                    <a:latin typeface="+mn-lt"/>
+                    <a:ea typeface="+mn-ea"/>
+                    <a:cs typeface="+mn-cs"/>
+                  </a:defRPr>
+                </a:pPr>
+                <a:endParaRPr lang="de-DE"/>
+              </a:p>
+            </c:txPr>
+            <c:showLegendKey val="0"/>
+            <c:showVal val="1"/>
+            <c:showCatName val="0"/>
+            <c:showSerName val="0"/>
+            <c:showPercent val="0"/>
+            <c:showBubbleSize val="0"/>
+            <c:showLeaderLines val="0"/>
+            <c:extLst>
+              <c:ext xmlns:c15="http://schemas.microsoft.com/office/drawing/2012/chart" uri="{CE6537A1-D6FC-4f65-9D91-7224C49458BB}">
+                <c15:showLeaderLines val="1"/>
+                <c15:leaderLines>
+                  <c:spPr>
+                    <a:ln w="9525" cap="flat" cmpd="sng" algn="ctr">
+                      <a:solidFill>
+                        <a:schemeClr val="tx1">
+                          <a:lumMod val="35000"/>
+                          <a:lumOff val="65000"/>
+                        </a:schemeClr>
+                      </a:solidFill>
+                      <a:round/>
+                    </a:ln>
+                    <a:effectLst/>
+                  </c:spPr>
+                </c15:leaderLines>
+              </c:ext>
+            </c:extLst>
+          </c:dLbls>
+          <c:val>
+            <c:numRef>
+              <c:f>'Suppl. Data 2 - FISHES-BUSCO'!$E$2:$E$10</c:f>
+              <c:numCache>
+                <c:formatCode>General</c:formatCode>
+                <c:ptCount val="9"/>
+                <c:pt idx="0" formatCode="0.0000">
+                  <c:v>0.4</c:v>
+                </c:pt>
+                <c:pt idx="1">
+                  <c:v>1.3089</c:v>
+                </c:pt>
+                <c:pt idx="2">
+                  <c:v>1.2216400000000001</c:v>
+                </c:pt>
+                <c:pt idx="3">
+                  <c:v>1.3307199999999999</c:v>
+                </c:pt>
+                <c:pt idx="4">
+                  <c:v>1.5925</c:v>
+                </c:pt>
+                <c:pt idx="5">
+                  <c:v>1.41798</c:v>
+                </c:pt>
+                <c:pt idx="6">
+                  <c:v>3.90489</c:v>
+                </c:pt>
+                <c:pt idx="7">
+                  <c:v>6.13002</c:v>
+                </c:pt>
+                <c:pt idx="8">
+                  <c:v>6.3917999999999999</c:v>
+                </c:pt>
+              </c:numCache>
+            </c:numRef>
+          </c:val>
+          <c:extLst>
+            <c:ext xmlns:c16="http://schemas.microsoft.com/office/drawing/2014/chart" uri="{C3380CC4-5D6E-409C-BE32-E72D297353CC}">
+              <c16:uniqueId val="{00000002-7C18-4C6D-8D29-321EFB90331E}"/>
+            </c:ext>
+          </c:extLst>
+        </c:ser>
+        <c:ser>
+          <c:idx val="2"/>
+          <c:order val="2"/>
+          <c:tx>
+            <c:strRef>
+              <c:f>'Suppl. Data 2 - FISHES-BUSCO'!$F$1</c:f>
+              <c:strCache>
+                <c:ptCount val="1"/>
+                <c:pt idx="0">
+                  <c:v>Missing</c:v>
+                </c:pt>
+              </c:strCache>
+            </c:strRef>
+          </c:tx>
+          <c:spPr>
+            <a:solidFill>
+              <a:schemeClr val="accent3"/>
+            </a:solidFill>
+            <a:ln w="0">
+              <a:solidFill>
+                <a:schemeClr val="tx1"/>
+              </a:solidFill>
+            </a:ln>
+            <a:effectLst/>
+          </c:spPr>
+          <c:invertIfNegative val="0"/>
+          <c:dLbls>
+            <c:numFmt formatCode="#,##0.0" sourceLinked="0"/>
+            <c:spPr>
+              <a:noFill/>
+              <a:ln>
+                <a:noFill/>
+              </a:ln>
+              <a:effectLst/>
+            </c:spPr>
+            <c:txPr>
+              <a:bodyPr rot="0" spcFirstLastPara="1" vertOverflow="ellipsis" vert="horz" wrap="square" lIns="38100" tIns="19050" rIns="38100" bIns="19050" anchor="ctr" anchorCtr="1">
+                <a:spAutoFit/>
+              </a:bodyPr>
+              <a:lstStyle/>
+              <a:p>
+                <a:pPr>
+                  <a:defRPr sz="900" b="1" i="0" u="none" strike="noStrike" kern="1200" baseline="0">
+                    <a:solidFill>
+                      <a:schemeClr val="bg1"/>
+                    </a:solidFill>
+                    <a:latin typeface="+mn-lt"/>
+                    <a:ea typeface="+mn-ea"/>
+                    <a:cs typeface="+mn-cs"/>
+                  </a:defRPr>
+                </a:pPr>
+                <a:endParaRPr lang="de-DE"/>
+              </a:p>
+            </c:txPr>
+            <c:showLegendKey val="0"/>
+            <c:showVal val="1"/>
+            <c:showCatName val="0"/>
+            <c:showSerName val="0"/>
+            <c:showPercent val="0"/>
+            <c:showBubbleSize val="0"/>
+            <c:showLeaderLines val="0"/>
+            <c:extLst>
+              <c:ext xmlns:c15="http://schemas.microsoft.com/office/drawing/2012/chart" uri="{CE6537A1-D6FC-4f65-9D91-7224C49458BB}">
+                <c15:showLeaderLines val="1"/>
+                <c15:leaderLines>
+                  <c:spPr>
+                    <a:ln w="9525" cap="flat" cmpd="sng" algn="ctr">
+                      <a:solidFill>
+                        <a:schemeClr val="tx1">
+                          <a:lumMod val="35000"/>
+                          <a:lumOff val="65000"/>
+                        </a:schemeClr>
+                      </a:solidFill>
+                      <a:round/>
+                    </a:ln>
+                    <a:effectLst/>
+                  </c:spPr>
+                </c15:leaderLines>
+              </c:ext>
+            </c:extLst>
+          </c:dLbls>
           <c:val>
             <c:numRef>
               <c:f>'Suppl. Data 2 - FISHES-BUSCO'!$F$2:$F$10</c:f>
@@ -281,7 +630,7 @@
           </c:val>
           <c:extLst>
             <c:ext xmlns:c16="http://schemas.microsoft.com/office/drawing/2014/chart" uri="{C3380CC4-5D6E-409C-BE32-E72D297353CC}">
-              <c16:uniqueId val="{00000000-C1CC-4450-80AD-384636148F18}"/>
+              <c16:uniqueId val="{00000003-7C18-4C6D-8D29-321EFB90331E}"/>
             </c:ext>
           </c:extLst>
         </c:ser>
@@ -294,7 +643,7 @@
           <c:showBubbleSize val="0"/>
         </c:dLbls>
         <c:gapWidth val="219"/>
-        <c:overlap val="-27"/>
+        <c:overlap val="100"/>
         <c:axId val="135202687"/>
         <c:axId val="240816095"/>
       </c:barChart>
@@ -353,6 +702,7 @@
         <c:axId val="240816095"/>
         <c:scaling>
           <c:orientation val="minMax"/>
+          <c:min val="80"/>
         </c:scaling>
         <c:delete val="0"/>
         <c:axPos val="l"/>
@@ -391,7 +741,7 @@
                 </a:pPr>
                 <a:r>
                   <a:rPr lang="de-DE"/>
-                  <a:t>Missing BUSCO genes (actinopterygii_odb9) [%]</a:t>
+                  <a:t>BUSCO genes (actinopterygii_odb9) [%]</a:t>
                 </a:r>
               </a:p>
             </c:rich>
@@ -468,6 +818,37 @@
         <a:effectLst/>
       </c:spPr>
     </c:plotArea>
+    <c:legend>
+      <c:legendPos val="r"/>
+      <c:overlay val="0"/>
+      <c:spPr>
+        <a:noFill/>
+        <a:ln>
+          <a:noFill/>
+        </a:ln>
+        <a:effectLst/>
+      </c:spPr>
+      <c:txPr>
+        <a:bodyPr rot="0" spcFirstLastPara="1" vertOverflow="ellipsis" vert="horz" wrap="square" anchor="ctr" anchorCtr="1"/>
+        <a:lstStyle/>
+        <a:p>
+          <a:pPr>
+            <a:defRPr sz="900" b="0" i="0" u="none" strike="noStrike" kern="1200" baseline="0">
+              <a:solidFill>
+                <a:schemeClr val="tx1">
+                  <a:lumMod val="65000"/>
+                  <a:lumOff val="35000"/>
+                </a:schemeClr>
+              </a:solidFill>
+              <a:latin typeface="+mn-lt"/>
+              <a:ea typeface="+mn-ea"/>
+              <a:cs typeface="+mn-cs"/>
+            </a:defRPr>
+          </a:pPr>
+          <a:endParaRPr lang="de-DE"/>
+        </a:p>
+      </c:txPr>
+    </c:legend>
     <c:plotVisOnly val="1"/>
     <c:dispBlanksAs val="gap"/>
     <c:extLst>
@@ -545,13 +926,13 @@
               <a:rPr lang="de-DE" sz="1100" b="0" i="1" baseline="0">
                 <a:effectLst/>
               </a:rPr>
-              <a:t>P. flavescens </a:t>
+              <a:t>B. bufo </a:t>
             </a:r>
             <a:r>
               <a:rPr lang="de-DE" sz="1100" b="0" i="0" baseline="0">
                 <a:effectLst/>
               </a:rPr>
-              <a:t>Refseq annotation (protein &amp; mRNA) to diverged fish genomes by HANNO </a:t>
+              <a:t>Refseq annotation (protein &amp; mRNA) to diverged amphibian genomes by HANNO </a:t>
             </a:r>
             <a:endParaRPr lang="de-DE" sz="1100">
               <a:effectLst/>
@@ -593,17 +974,30 @@
       <c:layout/>
       <c:barChart>
         <c:barDir val="col"/>
-        <c:grouping val="clustered"/>
+        <c:grouping val="stacked"/>
         <c:varyColors val="0"/>
         <c:ser>
           <c:idx val="0"/>
           <c:order val="0"/>
+          <c:tx>
+            <c:strRef>
+              <c:f>'Suppl. Data 3 - AMPHIBIA-BUSCO'!$B$1</c:f>
+              <c:strCache>
+                <c:ptCount val="1"/>
+                <c:pt idx="0">
+                  <c:v>Complete</c:v>
+                </c:pt>
+              </c:strCache>
+            </c:strRef>
+          </c:tx>
           <c:spPr>
             <a:solidFill>
               <a:schemeClr val="accent1"/>
             </a:solidFill>
-            <a:ln>
-              <a:noFill/>
+            <a:ln w="0">
+              <a:solidFill>
+                <a:schemeClr val="tx1"/>
+              </a:solidFill>
             </a:ln>
             <a:effectLst/>
           </c:spPr>
@@ -624,12 +1018,9 @@
               <a:lstStyle/>
               <a:p>
                 <a:pPr>
-                  <a:defRPr sz="900" b="0" i="0" u="none" strike="noStrike" kern="1200" baseline="0">
+                  <a:defRPr sz="900" b="1" i="0" u="none" strike="noStrike" kern="1200" baseline="0">
                     <a:solidFill>
-                      <a:schemeClr val="tx1">
-                        <a:lumMod val="75000"/>
-                        <a:lumOff val="25000"/>
-                      </a:schemeClr>
+                      <a:schemeClr val="bg1"/>
                     </a:solidFill>
                     <a:latin typeface="+mn-lt"/>
                     <a:ea typeface="+mn-ea"/>
@@ -668,78 +1059,358 @@
           </c:dLbls>
           <c:cat>
             <c:strRef>
-              <c:f>'Suppl. Data 2 - FISHES-BUSCO'!$I$2:$I$10</c:f>
+              <c:f>'Suppl. Data 3 - AMPHIBIA-BUSCO'!$I$2:$I$8</c:f>
               <c:strCache>
-                <c:ptCount val="9"/>
+                <c:ptCount val="7"/>
                 <c:pt idx="0">
-                  <c:v>Perca flavescens           input annotation</c:v>
+                  <c:v>Bufo bufo                      input annotation</c:v>
                 </c:pt>
                 <c:pt idx="1">
-                  <c:v>Perca flavescens                (0 MYA)</c:v>
+                  <c:v>Bufo bufo                             (0 MYA)</c:v>
                 </c:pt>
                 <c:pt idx="2">
-                  <c:v>Sander vitreus                 (31 MYA)</c:v>
+                  <c:v>Bufotes viridis                 (31,9 MYA)</c:v>
                 </c:pt>
                 <c:pt idx="3">
-                  <c:v>Epinephelus fuscoguttatus               (77 MYA)</c:v>
+                  <c:v>Leptodactylus fuscus        (68 MYA)</c:v>
                 </c:pt>
                 <c:pt idx="4">
-                  <c:v>Dicentrarchus labrax    (104 MYA)</c:v>
+                  <c:v>Spea bombifrons            (192 MYA)</c:v>
                 </c:pt>
                 <c:pt idx="5">
-                  <c:v>Oreochromis niloticus      (112 MYA)</c:v>
+                  <c:v>Xenopus tropicalis       (202 MYA)</c:v>
                 </c:pt>
                 <c:pt idx="6">
-                  <c:v>Esox lucius                     (205 MYA)</c:v>
-                </c:pt>
-                <c:pt idx="7">
-                  <c:v>Danio rerio                      (224 MYA)</c:v>
-                </c:pt>
-                <c:pt idx="8">
-                  <c:v>Clarias gariepinus          (224 MYA)</c:v>
+                  <c:v>Bombina bombina       (210 MYA)</c:v>
                 </c:pt>
               </c:strCache>
             </c:strRef>
           </c:cat>
           <c:val>
             <c:numRef>
-              <c:f>'Suppl. Data 2 - FISHES-BUSCO'!$B$2:$B$10</c:f>
+              <c:f>'Suppl. Data 3 - AMPHIBIA-BUSCO'!$B$2:$B$8</c:f>
               <c:numCache>
                 <c:formatCode>General</c:formatCode>
-                <c:ptCount val="9"/>
+                <c:ptCount val="7"/>
                 <c:pt idx="0" formatCode="0.0000">
-                  <c:v>99.4</c:v>
+                  <c:v>98</c:v>
                 </c:pt>
                 <c:pt idx="1">
-                  <c:v>98.014799999999994</c:v>
+                  <c:v>96.287700000000001</c:v>
                 </c:pt>
                 <c:pt idx="2">
-                  <c:v>98.058499999999995</c:v>
+                  <c:v>96.674400000000006</c:v>
                 </c:pt>
                 <c:pt idx="3">
-                  <c:v>98.080299999999994</c:v>
+                  <c:v>96.713099999999997</c:v>
                 </c:pt>
                 <c:pt idx="4">
-                  <c:v>97.774900000000002</c:v>
+                  <c:v>95.823700000000002</c:v>
                 </c:pt>
                 <c:pt idx="5">
-                  <c:v>97.927599999999998</c:v>
+                  <c:v>95.398300000000006</c:v>
                 </c:pt>
                 <c:pt idx="6">
-                  <c:v>94.546199999999999</c:v>
-                </c:pt>
-                <c:pt idx="7">
-                  <c:v>91.012200000000007</c:v>
-                </c:pt>
-                <c:pt idx="8">
-                  <c:v>89.594200000000001</c:v>
+                  <c:v>89.907200000000003</c:v>
                 </c:pt>
               </c:numCache>
             </c:numRef>
           </c:val>
           <c:extLst>
             <c:ext xmlns:c16="http://schemas.microsoft.com/office/drawing/2014/chart" uri="{C3380CC4-5D6E-409C-BE32-E72D297353CC}">
-              <c16:uniqueId val="{00000000-C8B3-47E4-B8F1-F6AF6056F292}"/>
+              <c16:uniqueId val="{00000000-3AF0-46A2-A6B7-B6B5CE5245EF}"/>
+            </c:ext>
+          </c:extLst>
+        </c:ser>
+        <c:ser>
+          <c:idx val="1"/>
+          <c:order val="1"/>
+          <c:tx>
+            <c:strRef>
+              <c:f>'Suppl. Data 3 - AMPHIBIA-BUSCO'!$E$1</c:f>
+              <c:strCache>
+                <c:ptCount val="1"/>
+                <c:pt idx="0">
+                  <c:v>Fragmented</c:v>
+                </c:pt>
+              </c:strCache>
+            </c:strRef>
+          </c:tx>
+          <c:spPr>
+            <a:solidFill>
+              <a:schemeClr val="accent2"/>
+            </a:solidFill>
+            <a:ln w="0">
+              <a:solidFill>
+                <a:schemeClr val="tx1"/>
+              </a:solidFill>
+            </a:ln>
+            <a:effectLst/>
+          </c:spPr>
+          <c:invertIfNegative val="0"/>
+          <c:dLbls>
+            <c:numFmt formatCode="#,##0.0" sourceLinked="0"/>
+            <c:spPr>
+              <a:noFill/>
+              <a:ln>
+                <a:noFill/>
+              </a:ln>
+              <a:effectLst/>
+            </c:spPr>
+            <c:txPr>
+              <a:bodyPr rot="0" spcFirstLastPara="1" vertOverflow="ellipsis" vert="horz" wrap="square" lIns="38100" tIns="19050" rIns="38100" bIns="19050" anchor="ctr" anchorCtr="1">
+                <a:spAutoFit/>
+              </a:bodyPr>
+              <a:lstStyle/>
+              <a:p>
+                <a:pPr>
+                  <a:defRPr sz="900" b="1" i="0" u="none" strike="noStrike" kern="1200" baseline="0">
+                    <a:solidFill>
+                      <a:schemeClr val="bg1"/>
+                    </a:solidFill>
+                    <a:latin typeface="+mn-lt"/>
+                    <a:ea typeface="+mn-ea"/>
+                    <a:cs typeface="+mn-cs"/>
+                  </a:defRPr>
+                </a:pPr>
+                <a:endParaRPr lang="de-DE"/>
+              </a:p>
+            </c:txPr>
+            <c:showLegendKey val="0"/>
+            <c:showVal val="1"/>
+            <c:showCatName val="0"/>
+            <c:showSerName val="0"/>
+            <c:showPercent val="0"/>
+            <c:showBubbleSize val="0"/>
+            <c:showLeaderLines val="0"/>
+            <c:extLst>
+              <c:ext xmlns:c15="http://schemas.microsoft.com/office/drawing/2012/chart" uri="{CE6537A1-D6FC-4f65-9D91-7224C49458BB}">
+                <c15:showLeaderLines val="1"/>
+                <c15:leaderLines>
+                  <c:spPr>
+                    <a:ln w="9525" cap="flat" cmpd="sng" algn="ctr">
+                      <a:solidFill>
+                        <a:schemeClr val="tx1">
+                          <a:lumMod val="35000"/>
+                          <a:lumOff val="65000"/>
+                        </a:schemeClr>
+                      </a:solidFill>
+                      <a:round/>
+                    </a:ln>
+                    <a:effectLst/>
+                  </c:spPr>
+                </c15:leaderLines>
+              </c:ext>
+            </c:extLst>
+          </c:dLbls>
+          <c:cat>
+            <c:strRef>
+              <c:f>'Suppl. Data 3 - AMPHIBIA-BUSCO'!$I$2:$I$8</c:f>
+              <c:strCache>
+                <c:ptCount val="7"/>
+                <c:pt idx="0">
+                  <c:v>Bufo bufo                      input annotation</c:v>
+                </c:pt>
+                <c:pt idx="1">
+                  <c:v>Bufo bufo                             (0 MYA)</c:v>
+                </c:pt>
+                <c:pt idx="2">
+                  <c:v>Bufotes viridis                 (31,9 MYA)</c:v>
+                </c:pt>
+                <c:pt idx="3">
+                  <c:v>Leptodactylus fuscus        (68 MYA)</c:v>
+                </c:pt>
+                <c:pt idx="4">
+                  <c:v>Spea bombifrons            (192 MYA)</c:v>
+                </c:pt>
+                <c:pt idx="5">
+                  <c:v>Xenopus tropicalis       (202 MYA)</c:v>
+                </c:pt>
+                <c:pt idx="6">
+                  <c:v>Bombina bombina       (210 MYA)</c:v>
+                </c:pt>
+              </c:strCache>
+            </c:strRef>
+          </c:cat>
+          <c:val>
+            <c:numRef>
+              <c:f>'Suppl. Data 3 - AMPHIBIA-BUSCO'!$E$2:$E$8</c:f>
+              <c:numCache>
+                <c:formatCode>General</c:formatCode>
+                <c:ptCount val="7"/>
+                <c:pt idx="0">
+                  <c:v>0.8</c:v>
+                </c:pt>
+                <c:pt idx="1">
+                  <c:v>2.1655099999999998</c:v>
+                </c:pt>
+                <c:pt idx="2">
+                  <c:v>1.81748</c:v>
+                </c:pt>
+                <c:pt idx="3">
+                  <c:v>1.4694499999999999</c:v>
+                </c:pt>
+                <c:pt idx="4">
+                  <c:v>2.20418</c:v>
+                </c:pt>
+                <c:pt idx="5">
+                  <c:v>2.4748600000000001</c:v>
+                </c:pt>
+                <c:pt idx="6">
+                  <c:v>6.7672100000000004</c:v>
+                </c:pt>
+              </c:numCache>
+            </c:numRef>
+          </c:val>
+          <c:extLst>
+            <c:ext xmlns:c16="http://schemas.microsoft.com/office/drawing/2014/chart" uri="{C3380CC4-5D6E-409C-BE32-E72D297353CC}">
+              <c16:uniqueId val="{00000001-3AF0-46A2-A6B7-B6B5CE5245EF}"/>
+            </c:ext>
+          </c:extLst>
+        </c:ser>
+        <c:ser>
+          <c:idx val="2"/>
+          <c:order val="2"/>
+          <c:tx>
+            <c:strRef>
+              <c:f>'Suppl. Data 3 - AMPHIBIA-BUSCO'!$F$1</c:f>
+              <c:strCache>
+                <c:ptCount val="1"/>
+                <c:pt idx="0">
+                  <c:v>Missing</c:v>
+                </c:pt>
+              </c:strCache>
+            </c:strRef>
+          </c:tx>
+          <c:spPr>
+            <a:solidFill>
+              <a:schemeClr val="accent3"/>
+            </a:solidFill>
+            <a:ln w="0">
+              <a:solidFill>
+                <a:schemeClr val="tx1"/>
+              </a:solidFill>
+            </a:ln>
+            <a:effectLst/>
+          </c:spPr>
+          <c:invertIfNegative val="0"/>
+          <c:dLbls>
+            <c:numFmt formatCode="#,##0.0" sourceLinked="0"/>
+            <c:spPr>
+              <a:noFill/>
+              <a:ln>
+                <a:noFill/>
+              </a:ln>
+              <a:effectLst/>
+            </c:spPr>
+            <c:txPr>
+              <a:bodyPr rot="0" spcFirstLastPara="1" vertOverflow="ellipsis" vert="horz" wrap="square" lIns="38100" tIns="19050" rIns="38100" bIns="19050" anchor="ctr" anchorCtr="1">
+                <a:spAutoFit/>
+              </a:bodyPr>
+              <a:lstStyle/>
+              <a:p>
+                <a:pPr>
+                  <a:defRPr sz="900" b="1" i="0" u="none" strike="noStrike" kern="1200" baseline="0">
+                    <a:solidFill>
+                      <a:schemeClr val="bg1"/>
+                    </a:solidFill>
+                    <a:latin typeface="+mn-lt"/>
+                    <a:ea typeface="+mn-ea"/>
+                    <a:cs typeface="+mn-cs"/>
+                  </a:defRPr>
+                </a:pPr>
+                <a:endParaRPr lang="de-DE"/>
+              </a:p>
+            </c:txPr>
+            <c:showLegendKey val="0"/>
+            <c:showVal val="1"/>
+            <c:showCatName val="0"/>
+            <c:showSerName val="0"/>
+            <c:showPercent val="0"/>
+            <c:showBubbleSize val="0"/>
+            <c:showLeaderLines val="0"/>
+            <c:extLst>
+              <c:ext xmlns:c15="http://schemas.microsoft.com/office/drawing/2012/chart" uri="{CE6537A1-D6FC-4f65-9D91-7224C49458BB}">
+                <c15:showLeaderLines val="1"/>
+                <c15:leaderLines>
+                  <c:spPr>
+                    <a:ln w="9525" cap="flat" cmpd="sng" algn="ctr">
+                      <a:solidFill>
+                        <a:schemeClr val="tx1">
+                          <a:lumMod val="35000"/>
+                          <a:lumOff val="65000"/>
+                        </a:schemeClr>
+                      </a:solidFill>
+                      <a:round/>
+                    </a:ln>
+                    <a:effectLst/>
+                  </c:spPr>
+                </c15:leaderLines>
+              </c:ext>
+            </c:extLst>
+          </c:dLbls>
+          <c:cat>
+            <c:strRef>
+              <c:f>'Suppl. Data 3 - AMPHIBIA-BUSCO'!$I$2:$I$8</c:f>
+              <c:strCache>
+                <c:ptCount val="7"/>
+                <c:pt idx="0">
+                  <c:v>Bufo bufo                      input annotation</c:v>
+                </c:pt>
+                <c:pt idx="1">
+                  <c:v>Bufo bufo                             (0 MYA)</c:v>
+                </c:pt>
+                <c:pt idx="2">
+                  <c:v>Bufotes viridis                 (31,9 MYA)</c:v>
+                </c:pt>
+                <c:pt idx="3">
+                  <c:v>Leptodactylus fuscus        (68 MYA)</c:v>
+                </c:pt>
+                <c:pt idx="4">
+                  <c:v>Spea bombifrons            (192 MYA)</c:v>
+                </c:pt>
+                <c:pt idx="5">
+                  <c:v>Xenopus tropicalis       (202 MYA)</c:v>
+                </c:pt>
+                <c:pt idx="6">
+                  <c:v>Bombina bombina       (210 MYA)</c:v>
+                </c:pt>
+              </c:strCache>
+            </c:strRef>
+          </c:cat>
+          <c:val>
+            <c:numRef>
+              <c:f>'Suppl. Data 3 - AMPHIBIA-BUSCO'!$F$2:$F$8</c:f>
+              <c:numCache>
+                <c:formatCode>General</c:formatCode>
+                <c:ptCount val="7"/>
+                <c:pt idx="0">
+                  <c:v>1.2</c:v>
+                </c:pt>
+                <c:pt idx="1">
+                  <c:v>1.5467900000000001</c:v>
+                </c:pt>
+                <c:pt idx="2">
+                  <c:v>1.5081199999999999</c:v>
+                </c:pt>
+                <c:pt idx="3">
+                  <c:v>1.81748</c:v>
+                </c:pt>
+                <c:pt idx="4">
+                  <c:v>1.9721599999999999</c:v>
+                </c:pt>
+                <c:pt idx="5">
+                  <c:v>2.1268400000000001</c:v>
+                </c:pt>
+                <c:pt idx="6">
+                  <c:v>3.3256000000000001</c:v>
+                </c:pt>
+              </c:numCache>
+            </c:numRef>
+          </c:val>
+          <c:extLst>
+            <c:ext xmlns:c16="http://schemas.microsoft.com/office/drawing/2014/chart" uri="{C3380CC4-5D6E-409C-BE32-E72D297353CC}">
+              <c16:uniqueId val="{00000002-3AF0-46A2-A6B7-B6B5CE5245EF}"/>
             </c:ext>
           </c:extLst>
         </c:ser>
@@ -752,7 +1423,7 @@
           <c:showBubbleSize val="0"/>
         </c:dLbls>
         <c:gapWidth val="219"/>
-        <c:overlap val="-27"/>
+        <c:overlap val="100"/>
         <c:axId val="135202687"/>
         <c:axId val="240816095"/>
       </c:barChart>
@@ -811,6 +1482,7 @@
         <c:axId val="240816095"/>
         <c:scaling>
           <c:orientation val="minMax"/>
+          <c:min val="80"/>
         </c:scaling>
         <c:delete val="0"/>
         <c:axPos val="l"/>
@@ -849,7 +1521,7 @@
                 </a:pPr>
                 <a:r>
                   <a:rPr lang="de-DE"/>
-                  <a:t>Complete BUSCO genes (actinopterygii_odb9) [%]</a:t>
+                  <a:t>BUSCO genes (vertebrata_odb9) [%]</a:t>
                 </a:r>
               </a:p>
             </c:rich>
@@ -926,6 +1598,37 @@
         <a:effectLst/>
       </c:spPr>
     </c:plotArea>
+    <c:legend>
+      <c:legendPos val="r"/>
+      <c:overlay val="0"/>
+      <c:spPr>
+        <a:noFill/>
+        <a:ln>
+          <a:noFill/>
+        </a:ln>
+        <a:effectLst/>
+      </c:spPr>
+      <c:txPr>
+        <a:bodyPr rot="0" spcFirstLastPara="1" vertOverflow="ellipsis" vert="horz" wrap="square" anchor="ctr" anchorCtr="1"/>
+        <a:lstStyle/>
+        <a:p>
+          <a:pPr>
+            <a:defRPr sz="900" b="0" i="0" u="none" strike="noStrike" kern="1200" baseline="0">
+              <a:solidFill>
+                <a:schemeClr val="tx1">
+                  <a:lumMod val="65000"/>
+                  <a:lumOff val="35000"/>
+                </a:schemeClr>
+              </a:solidFill>
+              <a:latin typeface="+mn-lt"/>
+              <a:ea typeface="+mn-ea"/>
+              <a:cs typeface="+mn-cs"/>
+            </a:defRPr>
+          </a:pPr>
+          <a:endParaRPr lang="de-DE"/>
+        </a:p>
+      </c:txPr>
+    </c:legend>
     <c:plotVisOnly val="1"/>
     <c:dispBlanksAs val="gap"/>
     <c:extLst>
@@ -974,22 +1677,107 @@
     </mc:Fallback>
   </mc:AlternateContent>
   <c:chart>
-    <c:autoTitleDeleted val="1"/>
+    <c:title>
+      <c:tx>
+        <c:rich>
+          <a:bodyPr rot="0" spcFirstLastPara="1" vertOverflow="ellipsis" vert="horz" wrap="square" anchor="ctr" anchorCtr="1"/>
+          <a:lstStyle/>
+          <a:p>
+            <a:pPr>
+              <a:defRPr sz="1400" b="0" i="0" u="none" strike="noStrike" kern="1200" spc="0" baseline="0">
+                <a:solidFill>
+                  <a:schemeClr val="tx1">
+                    <a:lumMod val="65000"/>
+                    <a:lumOff val="35000"/>
+                  </a:schemeClr>
+                </a:solidFill>
+                <a:latin typeface="+mn-lt"/>
+                <a:ea typeface="+mn-ea"/>
+                <a:cs typeface="+mn-cs"/>
+              </a:defRPr>
+            </a:pPr>
+            <a:r>
+              <a:rPr lang="de-DE" sz="1100" b="0" i="0" baseline="0">
+                <a:effectLst/>
+              </a:rPr>
+              <a:t>Transfer of </a:t>
+            </a:r>
+            <a:r>
+              <a:rPr lang="de-DE" sz="1100" b="0" i="1" baseline="0">
+                <a:effectLst/>
+              </a:rPr>
+              <a:t>T.guttata </a:t>
+            </a:r>
+            <a:r>
+              <a:rPr lang="de-DE" sz="1100" b="0" i="0" baseline="0">
+                <a:effectLst/>
+              </a:rPr>
+              <a:t>Refseq annotation (protein &amp; mRNA) to diverged bird genomes by HANNO </a:t>
+            </a:r>
+            <a:endParaRPr lang="de-DE" sz="1100">
+              <a:effectLst/>
+            </a:endParaRPr>
+          </a:p>
+        </c:rich>
+      </c:tx>
+      <c:overlay val="0"/>
+      <c:spPr>
+        <a:noFill/>
+        <a:ln>
+          <a:noFill/>
+        </a:ln>
+        <a:effectLst/>
+      </c:spPr>
+      <c:txPr>
+        <a:bodyPr rot="0" spcFirstLastPara="1" vertOverflow="ellipsis" vert="horz" wrap="square" anchor="ctr" anchorCtr="1"/>
+        <a:lstStyle/>
+        <a:p>
+          <a:pPr>
+            <a:defRPr sz="1400" b="0" i="0" u="none" strike="noStrike" kern="1200" spc="0" baseline="0">
+              <a:solidFill>
+                <a:schemeClr val="tx1">
+                  <a:lumMod val="65000"/>
+                  <a:lumOff val="35000"/>
+                </a:schemeClr>
+              </a:solidFill>
+              <a:latin typeface="+mn-lt"/>
+              <a:ea typeface="+mn-ea"/>
+              <a:cs typeface="+mn-cs"/>
+            </a:defRPr>
+          </a:pPr>
+          <a:endParaRPr lang="de-DE"/>
+        </a:p>
+      </c:txPr>
+    </c:title>
+    <c:autoTitleDeleted val="0"/>
     <c:plotArea>
       <c:layout/>
       <c:barChart>
         <c:barDir val="col"/>
-        <c:grouping val="clustered"/>
+        <c:grouping val="stacked"/>
         <c:varyColors val="0"/>
         <c:ser>
           <c:idx val="0"/>
           <c:order val="0"/>
+          <c:tx>
+            <c:strRef>
+              <c:f>'Suppl. Data 4 - BIRDS-BUSCO'!$B$1</c:f>
+              <c:strCache>
+                <c:ptCount val="1"/>
+                <c:pt idx="0">
+                  <c:v>Complete</c:v>
+                </c:pt>
+              </c:strCache>
+            </c:strRef>
+          </c:tx>
           <c:spPr>
             <a:solidFill>
               <a:schemeClr val="accent1"/>
             </a:solidFill>
-            <a:ln>
-              <a:noFill/>
+            <a:ln w="0">
+              <a:solidFill>
+                <a:schemeClr val="tx1"/>
+              </a:solidFill>
             </a:ln>
             <a:effectLst/>
           </c:spPr>
@@ -1010,12 +1798,9 @@
               <a:lstStyle/>
               <a:p>
                 <a:pPr>
-                  <a:defRPr sz="900" b="0" i="0" u="none" strike="noStrike" kern="1200" baseline="0">
+                  <a:defRPr sz="900" b="1" i="0" u="none" strike="noStrike" kern="1200" baseline="0">
                     <a:solidFill>
-                      <a:schemeClr val="tx1">
-                        <a:lumMod val="75000"/>
-                        <a:lumOff val="25000"/>
-                      </a:schemeClr>
+                      <a:schemeClr val="bg1"/>
                     </a:solidFill>
                     <a:latin typeface="+mn-lt"/>
                     <a:ea typeface="+mn-ea"/>
@@ -1054,66 +1839,358 @@
           </c:dLbls>
           <c:cat>
             <c:strRef>
-              <c:f>'Suppl. Data 3 - AMPHIBIA-BUSCO'!$I$2:$I$8</c:f>
+              <c:f>'Suppl. Data 4 - BIRDS-BUSCO'!$I$2:$I$8</c:f>
               <c:strCache>
                 <c:ptCount val="7"/>
                 <c:pt idx="0">
-                  <c:v>Bufo bufo              input annotation</c:v>
+                  <c:v>Taeniopygia guttata           input annotation</c:v>
                 </c:pt>
                 <c:pt idx="1">
-                  <c:v>Bufo bufo                       (0 MYA)</c:v>
+                  <c:v>Taeniopygia guttata               (0 MYA)</c:v>
                 </c:pt>
                 <c:pt idx="2">
-                  <c:v>Bufotes viridis         (31,9 MYA)</c:v>
+                  <c:v>Serinus canaria                    (24 MYA)</c:v>
                 </c:pt>
                 <c:pt idx="3">
-                  <c:v>Leptodactylus fuscus (68 MYA)</c:v>
+                  <c:v>Myiozetetes cayanensis     (26 MYA)</c:v>
                 </c:pt>
                 <c:pt idx="4">
-                  <c:v>Spea bombifrons      (192 MYA)</c:v>
+                  <c:v>Phaethornis superciliosus                    (76 MYA)</c:v>
                 </c:pt>
                 <c:pt idx="5">
-                  <c:v>Xenopus tropicalis (202 MYA)</c:v>
+                  <c:v>Gallus gallus                         (91 MYA)</c:v>
                 </c:pt>
                 <c:pt idx="6">
-                  <c:v>Bombina bombina (210 MYA)</c:v>
+                  <c:v>Dromaius novaehollandiae (108 MYA)</c:v>
                 </c:pt>
               </c:strCache>
             </c:strRef>
           </c:cat>
           <c:val>
             <c:numRef>
-              <c:f>'Suppl. Data 3 - AMPHIBIA-BUSCO'!$F$2:$F$8</c:f>
+              <c:f>'Suppl. Data 4 - BIRDS-BUSCO'!$B$2:$B$8</c:f>
               <c:numCache>
                 <c:formatCode>General</c:formatCode>
                 <c:ptCount val="7"/>
                 <c:pt idx="0">
-                  <c:v>1.2</c:v>
+                  <c:v>98.6</c:v>
                 </c:pt>
                 <c:pt idx="1">
-                  <c:v>1.5467900000000001</c:v>
+                  <c:v>97.619500000000002</c:v>
                 </c:pt>
                 <c:pt idx="2">
-                  <c:v>1.5081199999999999</c:v>
+                  <c:v>96.561499999999995</c:v>
                 </c:pt>
                 <c:pt idx="3">
-                  <c:v>1.81748</c:v>
+                  <c:v>95.483199999999997</c:v>
                 </c:pt>
                 <c:pt idx="4">
-                  <c:v>1.9721599999999999</c:v>
+                  <c:v>96.276700000000005</c:v>
                 </c:pt>
                 <c:pt idx="5">
-                  <c:v>2.1268400000000001</c:v>
+                  <c:v>96.215699999999998</c:v>
                 </c:pt>
                 <c:pt idx="6">
-                  <c:v>3.3256000000000001</c:v>
+                  <c:v>95.910499999999999</c:v>
                 </c:pt>
               </c:numCache>
             </c:numRef>
           </c:val>
           <c:extLst>
             <c:ext xmlns:c16="http://schemas.microsoft.com/office/drawing/2014/chart" uri="{C3380CC4-5D6E-409C-BE32-E72D297353CC}">
-              <c16:uniqueId val="{00000000-E378-4EAD-A8A6-79558BD09D2C}"/>
+              <c16:uniqueId val="{00000000-D1E3-45DF-8AD2-2874561539DB}"/>
+            </c:ext>
+          </c:extLst>
+        </c:ser>
+        <c:ser>
+          <c:idx val="1"/>
+          <c:order val="1"/>
+          <c:tx>
+            <c:strRef>
+              <c:f>'Suppl. Data 4 - BIRDS-BUSCO'!$E$1</c:f>
+              <c:strCache>
+                <c:ptCount val="1"/>
+                <c:pt idx="0">
+                  <c:v>Fragmented</c:v>
+                </c:pt>
+              </c:strCache>
+            </c:strRef>
+          </c:tx>
+          <c:spPr>
+            <a:solidFill>
+              <a:schemeClr val="accent2"/>
+            </a:solidFill>
+            <a:ln w="0">
+              <a:solidFill>
+                <a:schemeClr val="tx1"/>
+              </a:solidFill>
+            </a:ln>
+            <a:effectLst/>
+          </c:spPr>
+          <c:invertIfNegative val="0"/>
+          <c:dLbls>
+            <c:numFmt formatCode="#,##0.0" sourceLinked="0"/>
+            <c:spPr>
+              <a:noFill/>
+              <a:ln>
+                <a:noFill/>
+              </a:ln>
+              <a:effectLst/>
+            </c:spPr>
+            <c:txPr>
+              <a:bodyPr rot="0" spcFirstLastPara="1" vertOverflow="ellipsis" vert="horz" wrap="square" lIns="38100" tIns="19050" rIns="38100" bIns="19050" anchor="ctr" anchorCtr="1">
+                <a:spAutoFit/>
+              </a:bodyPr>
+              <a:lstStyle/>
+              <a:p>
+                <a:pPr>
+                  <a:defRPr sz="900" b="1" i="0" u="none" strike="noStrike" kern="1200" baseline="0">
+                    <a:solidFill>
+                      <a:schemeClr val="bg1"/>
+                    </a:solidFill>
+                    <a:latin typeface="+mn-lt"/>
+                    <a:ea typeface="+mn-ea"/>
+                    <a:cs typeface="+mn-cs"/>
+                  </a:defRPr>
+                </a:pPr>
+                <a:endParaRPr lang="de-DE"/>
+              </a:p>
+            </c:txPr>
+            <c:showLegendKey val="0"/>
+            <c:showVal val="1"/>
+            <c:showCatName val="0"/>
+            <c:showSerName val="0"/>
+            <c:showPercent val="0"/>
+            <c:showBubbleSize val="0"/>
+            <c:showLeaderLines val="0"/>
+            <c:extLst>
+              <c:ext xmlns:c15="http://schemas.microsoft.com/office/drawing/2012/chart" uri="{CE6537A1-D6FC-4f65-9D91-7224C49458BB}">
+                <c15:showLeaderLines val="1"/>
+                <c15:leaderLines>
+                  <c:spPr>
+                    <a:ln w="9525" cap="flat" cmpd="sng" algn="ctr">
+                      <a:solidFill>
+                        <a:schemeClr val="tx1">
+                          <a:lumMod val="35000"/>
+                          <a:lumOff val="65000"/>
+                        </a:schemeClr>
+                      </a:solidFill>
+                      <a:round/>
+                    </a:ln>
+                    <a:effectLst/>
+                  </c:spPr>
+                </c15:leaderLines>
+              </c:ext>
+            </c:extLst>
+          </c:dLbls>
+          <c:cat>
+            <c:strRef>
+              <c:f>'Suppl. Data 4 - BIRDS-BUSCO'!$I$2:$I$8</c:f>
+              <c:strCache>
+                <c:ptCount val="7"/>
+                <c:pt idx="0">
+                  <c:v>Taeniopygia guttata           input annotation</c:v>
+                </c:pt>
+                <c:pt idx="1">
+                  <c:v>Taeniopygia guttata               (0 MYA)</c:v>
+                </c:pt>
+                <c:pt idx="2">
+                  <c:v>Serinus canaria                    (24 MYA)</c:v>
+                </c:pt>
+                <c:pt idx="3">
+                  <c:v>Myiozetetes cayanensis     (26 MYA)</c:v>
+                </c:pt>
+                <c:pt idx="4">
+                  <c:v>Phaethornis superciliosus                    (76 MYA)</c:v>
+                </c:pt>
+                <c:pt idx="5">
+                  <c:v>Gallus gallus                         (91 MYA)</c:v>
+                </c:pt>
+                <c:pt idx="6">
+                  <c:v>Dromaius novaehollandiae (108 MYA)</c:v>
+                </c:pt>
+              </c:strCache>
+            </c:strRef>
+          </c:cat>
+          <c:val>
+            <c:numRef>
+              <c:f>'Suppl. Data 4 - BIRDS-BUSCO'!$E$2:$E$8</c:f>
+              <c:numCache>
+                <c:formatCode>General</c:formatCode>
+                <c:ptCount val="7"/>
+                <c:pt idx="0">
+                  <c:v>0.7</c:v>
+                </c:pt>
+                <c:pt idx="1">
+                  <c:v>0.97660199999999997</c:v>
+                </c:pt>
+                <c:pt idx="2">
+                  <c:v>1.5056</c:v>
+                </c:pt>
+                <c:pt idx="3">
+                  <c:v>2.42116</c:v>
+                </c:pt>
+                <c:pt idx="4">
+                  <c:v>1.79044</c:v>
+                </c:pt>
+                <c:pt idx="5">
+                  <c:v>1.9125099999999999</c:v>
+                </c:pt>
+                <c:pt idx="6">
+                  <c:v>2.2176999999999998</c:v>
+                </c:pt>
+              </c:numCache>
+            </c:numRef>
+          </c:val>
+          <c:extLst>
+            <c:ext xmlns:c16="http://schemas.microsoft.com/office/drawing/2014/chart" uri="{C3380CC4-5D6E-409C-BE32-E72D297353CC}">
+              <c16:uniqueId val="{00000001-D1E3-45DF-8AD2-2874561539DB}"/>
+            </c:ext>
+          </c:extLst>
+        </c:ser>
+        <c:ser>
+          <c:idx val="2"/>
+          <c:order val="2"/>
+          <c:tx>
+            <c:strRef>
+              <c:f>'Suppl. Data 4 - BIRDS-BUSCO'!$F$1</c:f>
+              <c:strCache>
+                <c:ptCount val="1"/>
+                <c:pt idx="0">
+                  <c:v>Missing</c:v>
+                </c:pt>
+              </c:strCache>
+            </c:strRef>
+          </c:tx>
+          <c:spPr>
+            <a:solidFill>
+              <a:schemeClr val="accent3"/>
+            </a:solidFill>
+            <a:ln w="0">
+              <a:solidFill>
+                <a:schemeClr val="tx1"/>
+              </a:solidFill>
+            </a:ln>
+            <a:effectLst/>
+          </c:spPr>
+          <c:invertIfNegative val="0"/>
+          <c:dLbls>
+            <c:numFmt formatCode="#,##0.0" sourceLinked="0"/>
+            <c:spPr>
+              <a:noFill/>
+              <a:ln>
+                <a:noFill/>
+              </a:ln>
+              <a:effectLst/>
+            </c:spPr>
+            <c:txPr>
+              <a:bodyPr rot="0" spcFirstLastPara="1" vertOverflow="ellipsis" vert="horz" wrap="square" lIns="38100" tIns="19050" rIns="38100" bIns="19050" anchor="ctr" anchorCtr="1">
+                <a:spAutoFit/>
+              </a:bodyPr>
+              <a:lstStyle/>
+              <a:p>
+                <a:pPr>
+                  <a:defRPr sz="900" b="1" i="0" u="none" strike="noStrike" kern="1200" baseline="0">
+                    <a:solidFill>
+                      <a:schemeClr val="bg1"/>
+                    </a:solidFill>
+                    <a:latin typeface="+mn-lt"/>
+                    <a:ea typeface="+mn-ea"/>
+                    <a:cs typeface="+mn-cs"/>
+                  </a:defRPr>
+                </a:pPr>
+                <a:endParaRPr lang="de-DE"/>
+              </a:p>
+            </c:txPr>
+            <c:showLegendKey val="0"/>
+            <c:showVal val="1"/>
+            <c:showCatName val="0"/>
+            <c:showSerName val="0"/>
+            <c:showPercent val="0"/>
+            <c:showBubbleSize val="0"/>
+            <c:showLeaderLines val="0"/>
+            <c:extLst>
+              <c:ext xmlns:c15="http://schemas.microsoft.com/office/drawing/2012/chart" uri="{CE6537A1-D6FC-4f65-9D91-7224C49458BB}">
+                <c15:showLeaderLines val="1"/>
+                <c15:leaderLines>
+                  <c:spPr>
+                    <a:ln w="9525" cap="flat" cmpd="sng" algn="ctr">
+                      <a:solidFill>
+                        <a:schemeClr val="tx1">
+                          <a:lumMod val="35000"/>
+                          <a:lumOff val="65000"/>
+                        </a:schemeClr>
+                      </a:solidFill>
+                      <a:round/>
+                    </a:ln>
+                    <a:effectLst/>
+                  </c:spPr>
+                </c15:leaderLines>
+              </c:ext>
+            </c:extLst>
+          </c:dLbls>
+          <c:cat>
+            <c:strRef>
+              <c:f>'Suppl. Data 4 - BIRDS-BUSCO'!$I$2:$I$8</c:f>
+              <c:strCache>
+                <c:ptCount val="7"/>
+                <c:pt idx="0">
+                  <c:v>Taeniopygia guttata           input annotation</c:v>
+                </c:pt>
+                <c:pt idx="1">
+                  <c:v>Taeniopygia guttata               (0 MYA)</c:v>
+                </c:pt>
+                <c:pt idx="2">
+                  <c:v>Serinus canaria                    (24 MYA)</c:v>
+                </c:pt>
+                <c:pt idx="3">
+                  <c:v>Myiozetetes cayanensis     (26 MYA)</c:v>
+                </c:pt>
+                <c:pt idx="4">
+                  <c:v>Phaethornis superciliosus                    (76 MYA)</c:v>
+                </c:pt>
+                <c:pt idx="5">
+                  <c:v>Gallus gallus                         (91 MYA)</c:v>
+                </c:pt>
+                <c:pt idx="6">
+                  <c:v>Dromaius novaehollandiae (108 MYA)</c:v>
+                </c:pt>
+              </c:strCache>
+            </c:strRef>
+          </c:cat>
+          <c:val>
+            <c:numRef>
+              <c:f>'Suppl. Data 4 - BIRDS-BUSCO'!$F$2:$F$8</c:f>
+              <c:numCache>
+                <c:formatCode>General</c:formatCode>
+                <c:ptCount val="7"/>
+                <c:pt idx="0">
+                  <c:v>0.7</c:v>
+                </c:pt>
+                <c:pt idx="1">
+                  <c:v>1.40387</c:v>
+                </c:pt>
+                <c:pt idx="2">
+                  <c:v>1.93286</c:v>
+                </c:pt>
+                <c:pt idx="3">
+                  <c:v>2.0956299999999999</c:v>
+                </c:pt>
+                <c:pt idx="4">
+                  <c:v>1.93286</c:v>
+                </c:pt>
+                <c:pt idx="5">
+                  <c:v>1.87182</c:v>
+                </c:pt>
+                <c:pt idx="6">
+                  <c:v>1.87182</c:v>
+                </c:pt>
+              </c:numCache>
+            </c:numRef>
+          </c:val>
+          <c:extLst>
+            <c:ext xmlns:c16="http://schemas.microsoft.com/office/drawing/2014/chart" uri="{C3380CC4-5D6E-409C-BE32-E72D297353CC}">
+              <c16:uniqueId val="{00000002-D1E3-45DF-8AD2-2874561539DB}"/>
             </c:ext>
           </c:extLst>
         </c:ser>
@@ -1126,7 +2203,7 @@
           <c:showBubbleSize val="0"/>
         </c:dLbls>
         <c:gapWidth val="219"/>
-        <c:overlap val="-27"/>
+        <c:overlap val="100"/>
         <c:axId val="135202687"/>
         <c:axId val="240816095"/>
       </c:barChart>
@@ -1185,6 +2262,7 @@
         <c:axId val="240816095"/>
         <c:scaling>
           <c:orientation val="minMax"/>
+          <c:min val="80"/>
         </c:scaling>
         <c:delete val="0"/>
         <c:axPos val="l"/>
@@ -1223,7 +2301,7 @@
                 </a:pPr>
                 <a:r>
                   <a:rPr lang="de-DE"/>
-                  <a:t>Missing BUSCO genes (vertebrata_odb9) [%]</a:t>
+                  <a:t>BUSCO genes (aves_odb9) [%]</a:t>
                 </a:r>
               </a:p>
             </c:rich>
@@ -1257,7 +2335,7 @@
             </a:p>
           </c:txPr>
         </c:title>
-        <c:numFmt formatCode="General" sourceLinked="1"/>
+        <c:numFmt formatCode="0.0" sourceLinked="0"/>
         <c:majorTickMark val="none"/>
         <c:minorTickMark val="none"/>
         <c:tickLblPos val="nextTo"/>
@@ -1300,6 +2378,37 @@
         <a:effectLst/>
       </c:spPr>
     </c:plotArea>
+    <c:legend>
+      <c:legendPos val="r"/>
+      <c:overlay val="0"/>
+      <c:spPr>
+        <a:noFill/>
+        <a:ln>
+          <a:noFill/>
+        </a:ln>
+        <a:effectLst/>
+      </c:spPr>
+      <c:txPr>
+        <a:bodyPr rot="0" spcFirstLastPara="1" vertOverflow="ellipsis" vert="horz" wrap="square" anchor="ctr" anchorCtr="1"/>
+        <a:lstStyle/>
+        <a:p>
+          <a:pPr>
+            <a:defRPr sz="900" b="0" i="0" u="none" strike="noStrike" kern="1200" baseline="0">
+              <a:solidFill>
+                <a:schemeClr val="tx1">
+                  <a:lumMod val="65000"/>
+                  <a:lumOff val="35000"/>
+                </a:schemeClr>
+              </a:solidFill>
+              <a:latin typeface="+mn-lt"/>
+              <a:ea typeface="+mn-ea"/>
+              <a:cs typeface="+mn-cs"/>
+            </a:defRPr>
+          </a:pPr>
+          <a:endParaRPr lang="de-DE"/>
+        </a:p>
+      </c:txPr>
+    </c:legend>
     <c:plotVisOnly val="1"/>
     <c:dispBlanksAs val="gap"/>
     <c:extLst>
@@ -1377,13 +2486,13 @@
               <a:rPr lang="de-DE" sz="1100" b="0" i="1" baseline="0">
                 <a:effectLst/>
               </a:rPr>
-              <a:t>B. bufo </a:t>
+              <a:t>H. sapiens </a:t>
             </a:r>
             <a:r>
               <a:rPr lang="de-DE" sz="1100" b="0" i="0" baseline="0">
                 <a:effectLst/>
               </a:rPr>
-              <a:t>Refseq annotation (protein &amp; mRNA) to diverged amphibian genomes by HANNO </a:t>
+              <a:t>Refseq annotation (protein &amp; mRNA) to diverged mammal genomes by HANNO </a:t>
             </a:r>
             <a:endParaRPr lang="de-DE" sz="1100">
               <a:effectLst/>
@@ -1425,17 +2534,30 @@
       <c:layout/>
       <c:barChart>
         <c:barDir val="col"/>
-        <c:grouping val="clustered"/>
+        <c:grouping val="stacked"/>
         <c:varyColors val="0"/>
         <c:ser>
           <c:idx val="0"/>
           <c:order val="0"/>
+          <c:tx>
+            <c:strRef>
+              <c:f>'Suppl. Data 5 - MAMMALS-BUSCO'!$B$1</c:f>
+              <c:strCache>
+                <c:ptCount val="1"/>
+                <c:pt idx="0">
+                  <c:v>Complete</c:v>
+                </c:pt>
+              </c:strCache>
+            </c:strRef>
+          </c:tx>
           <c:spPr>
             <a:solidFill>
               <a:schemeClr val="accent1"/>
             </a:solidFill>
-            <a:ln>
-              <a:noFill/>
+            <a:ln w="0">
+              <a:solidFill>
+                <a:schemeClr val="tx1"/>
+              </a:solidFill>
             </a:ln>
             <a:effectLst/>
           </c:spPr>
@@ -1456,1206 +2578,9 @@
               <a:lstStyle/>
               <a:p>
                 <a:pPr>
-                  <a:defRPr sz="900" b="0" i="0" u="none" strike="noStrike" kern="1200" baseline="0">
+                  <a:defRPr sz="900" b="1" i="0" u="none" strike="noStrike" kern="1200" baseline="0">
                     <a:solidFill>
-                      <a:schemeClr val="tx1">
-                        <a:lumMod val="75000"/>
-                        <a:lumOff val="25000"/>
-                      </a:schemeClr>
-                    </a:solidFill>
-                    <a:latin typeface="+mn-lt"/>
-                    <a:ea typeface="+mn-ea"/>
-                    <a:cs typeface="+mn-cs"/>
-                  </a:defRPr>
-                </a:pPr>
-                <a:endParaRPr lang="de-DE"/>
-              </a:p>
-            </c:txPr>
-            <c:showLegendKey val="0"/>
-            <c:showVal val="1"/>
-            <c:showCatName val="0"/>
-            <c:showSerName val="0"/>
-            <c:showPercent val="0"/>
-            <c:showBubbleSize val="0"/>
-            <c:showLeaderLines val="0"/>
-            <c:extLst>
-              <c:ext xmlns:c15="http://schemas.microsoft.com/office/drawing/2012/chart" uri="{CE6537A1-D6FC-4f65-9D91-7224C49458BB}">
-                <c15:showLeaderLines val="1"/>
-                <c15:leaderLines>
-                  <c:spPr>
-                    <a:ln w="9525" cap="flat" cmpd="sng" algn="ctr">
-                      <a:solidFill>
-                        <a:schemeClr val="tx1">
-                          <a:lumMod val="35000"/>
-                          <a:lumOff val="65000"/>
-                        </a:schemeClr>
-                      </a:solidFill>
-                      <a:round/>
-                    </a:ln>
-                    <a:effectLst/>
-                  </c:spPr>
-                </c15:leaderLines>
-              </c:ext>
-            </c:extLst>
-          </c:dLbls>
-          <c:cat>
-            <c:strRef>
-              <c:f>'Suppl. Data 3 - AMPHIBIA-BUSCO'!$I$2:$I$8</c:f>
-              <c:strCache>
-                <c:ptCount val="7"/>
-                <c:pt idx="0">
-                  <c:v>Bufo bufo              input annotation</c:v>
-                </c:pt>
-                <c:pt idx="1">
-                  <c:v>Bufo bufo                       (0 MYA)</c:v>
-                </c:pt>
-                <c:pt idx="2">
-                  <c:v>Bufotes viridis         (31,9 MYA)</c:v>
-                </c:pt>
-                <c:pt idx="3">
-                  <c:v>Leptodactylus fuscus (68 MYA)</c:v>
-                </c:pt>
-                <c:pt idx="4">
-                  <c:v>Spea bombifrons      (192 MYA)</c:v>
-                </c:pt>
-                <c:pt idx="5">
-                  <c:v>Xenopus tropicalis (202 MYA)</c:v>
-                </c:pt>
-                <c:pt idx="6">
-                  <c:v>Bombina bombina (210 MYA)</c:v>
-                </c:pt>
-              </c:strCache>
-            </c:strRef>
-          </c:cat>
-          <c:val>
-            <c:numRef>
-              <c:f>'Suppl. Data 3 - AMPHIBIA-BUSCO'!$B$2:$B$8</c:f>
-              <c:numCache>
-                <c:formatCode>General</c:formatCode>
-                <c:ptCount val="7"/>
-                <c:pt idx="0" formatCode="0.0000">
-                  <c:v>98</c:v>
-                </c:pt>
-                <c:pt idx="1">
-                  <c:v>96.287700000000001</c:v>
-                </c:pt>
-                <c:pt idx="2">
-                  <c:v>96.674400000000006</c:v>
-                </c:pt>
-                <c:pt idx="3">
-                  <c:v>96.713099999999997</c:v>
-                </c:pt>
-                <c:pt idx="4">
-                  <c:v>95.823700000000002</c:v>
-                </c:pt>
-                <c:pt idx="5">
-                  <c:v>95.398300000000006</c:v>
-                </c:pt>
-                <c:pt idx="6">
-                  <c:v>89.907200000000003</c:v>
-                </c:pt>
-              </c:numCache>
-            </c:numRef>
-          </c:val>
-          <c:extLst>
-            <c:ext xmlns:c16="http://schemas.microsoft.com/office/drawing/2014/chart" uri="{C3380CC4-5D6E-409C-BE32-E72D297353CC}">
-              <c16:uniqueId val="{00000000-1666-4777-8A0F-53C3D9423866}"/>
-            </c:ext>
-          </c:extLst>
-        </c:ser>
-        <c:dLbls>
-          <c:showLegendKey val="0"/>
-          <c:showVal val="0"/>
-          <c:showCatName val="0"/>
-          <c:showSerName val="0"/>
-          <c:showPercent val="0"/>
-          <c:showBubbleSize val="0"/>
-        </c:dLbls>
-        <c:gapWidth val="219"/>
-        <c:overlap val="-27"/>
-        <c:axId val="135202687"/>
-        <c:axId val="240816095"/>
-      </c:barChart>
-      <c:catAx>
-        <c:axId val="135202687"/>
-        <c:scaling>
-          <c:orientation val="minMax"/>
-        </c:scaling>
-        <c:delete val="0"/>
-        <c:axPos val="b"/>
-        <c:numFmt formatCode="General" sourceLinked="1"/>
-        <c:majorTickMark val="none"/>
-        <c:minorTickMark val="none"/>
-        <c:tickLblPos val="nextTo"/>
-        <c:spPr>
-          <a:noFill/>
-          <a:ln w="9525" cap="flat" cmpd="sng" algn="ctr">
-            <a:solidFill>
-              <a:schemeClr val="tx1">
-                <a:lumMod val="15000"/>
-                <a:lumOff val="85000"/>
-              </a:schemeClr>
-            </a:solidFill>
-            <a:round/>
-          </a:ln>
-          <a:effectLst/>
-        </c:spPr>
-        <c:txPr>
-          <a:bodyPr rot="0" spcFirstLastPara="1" vertOverflow="ellipsis" wrap="square" anchor="ctr" anchorCtr="1"/>
-          <a:lstStyle/>
-          <a:p>
-            <a:pPr>
-              <a:defRPr sz="900" b="0" i="1" u="none" strike="noStrike" kern="1200" baseline="0">
-                <a:solidFill>
-                  <a:schemeClr val="tx1">
-                    <a:lumMod val="65000"/>
-                    <a:lumOff val="35000"/>
-                  </a:schemeClr>
-                </a:solidFill>
-                <a:latin typeface="+mn-lt"/>
-                <a:ea typeface="+mn-ea"/>
-                <a:cs typeface="+mn-cs"/>
-              </a:defRPr>
-            </a:pPr>
-            <a:endParaRPr lang="de-DE"/>
-          </a:p>
-        </c:txPr>
-        <c:crossAx val="240816095"/>
-        <c:crosses val="autoZero"/>
-        <c:auto val="1"/>
-        <c:lblAlgn val="ctr"/>
-        <c:lblOffset val="100"/>
-        <c:noMultiLvlLbl val="0"/>
-      </c:catAx>
-      <c:valAx>
-        <c:axId val="240816095"/>
-        <c:scaling>
-          <c:orientation val="minMax"/>
-        </c:scaling>
-        <c:delete val="0"/>
-        <c:axPos val="l"/>
-        <c:majorGridlines>
-          <c:spPr>
-            <a:ln w="9525" cap="flat" cmpd="sng" algn="ctr">
-              <a:solidFill>
-                <a:schemeClr val="tx1">
-                  <a:lumMod val="15000"/>
-                  <a:lumOff val="85000"/>
-                </a:schemeClr>
-              </a:solidFill>
-              <a:round/>
-            </a:ln>
-            <a:effectLst/>
-          </c:spPr>
-        </c:majorGridlines>
-        <c:title>
-          <c:tx>
-            <c:rich>
-              <a:bodyPr rot="-5400000" spcFirstLastPara="1" vertOverflow="ellipsis" vert="horz" wrap="square" anchor="ctr" anchorCtr="1"/>
-              <a:lstStyle/>
-              <a:p>
-                <a:pPr>
-                  <a:defRPr sz="1000" b="0" i="0" u="none" strike="noStrike" kern="1200" baseline="0">
-                    <a:solidFill>
-                      <a:schemeClr val="tx1">
-                        <a:lumMod val="65000"/>
-                        <a:lumOff val="35000"/>
-                      </a:schemeClr>
-                    </a:solidFill>
-                    <a:latin typeface="+mn-lt"/>
-                    <a:ea typeface="+mn-ea"/>
-                    <a:cs typeface="+mn-cs"/>
-                  </a:defRPr>
-                </a:pPr>
-                <a:r>
-                  <a:rPr lang="de-DE"/>
-                  <a:t>Complete BUSCO genes (vertebrata_odb9) [%]</a:t>
-                </a:r>
-              </a:p>
-            </c:rich>
-          </c:tx>
-          <c:overlay val="0"/>
-          <c:spPr>
-            <a:noFill/>
-            <a:ln>
-              <a:noFill/>
-            </a:ln>
-            <a:effectLst/>
-          </c:spPr>
-          <c:txPr>
-            <a:bodyPr rot="-5400000" spcFirstLastPara="1" vertOverflow="ellipsis" vert="horz" wrap="square" anchor="ctr" anchorCtr="1"/>
-            <a:lstStyle/>
-            <a:p>
-              <a:pPr>
-                <a:defRPr sz="1000" b="0" i="0" u="none" strike="noStrike" kern="1200" baseline="0">
-                  <a:solidFill>
-                    <a:schemeClr val="tx1">
-                      <a:lumMod val="65000"/>
-                      <a:lumOff val="35000"/>
-                    </a:schemeClr>
-                  </a:solidFill>
-                  <a:latin typeface="+mn-lt"/>
-                  <a:ea typeface="+mn-ea"/>
-                  <a:cs typeface="+mn-cs"/>
-                </a:defRPr>
-              </a:pPr>
-              <a:endParaRPr lang="de-DE"/>
-            </a:p>
-          </c:txPr>
-        </c:title>
-        <c:numFmt formatCode="0.0000" sourceLinked="1"/>
-        <c:majorTickMark val="none"/>
-        <c:minorTickMark val="none"/>
-        <c:tickLblPos val="nextTo"/>
-        <c:spPr>
-          <a:noFill/>
-          <a:ln>
-            <a:noFill/>
-          </a:ln>
-          <a:effectLst/>
-        </c:spPr>
-        <c:txPr>
-          <a:bodyPr rot="-60000000" spcFirstLastPara="1" vertOverflow="ellipsis" vert="horz" wrap="square" anchor="ctr" anchorCtr="1"/>
-          <a:lstStyle/>
-          <a:p>
-            <a:pPr>
-              <a:defRPr sz="900" b="0" i="0" u="none" strike="noStrike" kern="1200" baseline="0">
-                <a:solidFill>
-                  <a:schemeClr val="tx1">
-                    <a:lumMod val="65000"/>
-                    <a:lumOff val="35000"/>
-                  </a:schemeClr>
-                </a:solidFill>
-                <a:latin typeface="+mn-lt"/>
-                <a:ea typeface="+mn-ea"/>
-                <a:cs typeface="+mn-cs"/>
-              </a:defRPr>
-            </a:pPr>
-            <a:endParaRPr lang="de-DE"/>
-          </a:p>
-        </c:txPr>
-        <c:crossAx val="135202687"/>
-        <c:crosses val="autoZero"/>
-        <c:crossBetween val="between"/>
-      </c:valAx>
-      <c:spPr>
-        <a:noFill/>
-        <a:ln>
-          <a:noFill/>
-        </a:ln>
-        <a:effectLst/>
-      </c:spPr>
-    </c:plotArea>
-    <c:plotVisOnly val="1"/>
-    <c:dispBlanksAs val="gap"/>
-    <c:extLst>
-      <c:ext xmlns:c16r3="http://schemas.microsoft.com/office/drawing/2017/03/chart" uri="{56B9EC1D-385E-4148-901F-78D8002777C0}">
-        <c16r3:dataDisplayOptions16>
-          <c16r3:dispNaAsBlank val="1"/>
-        </c16r3:dataDisplayOptions16>
-      </c:ext>
-    </c:extLst>
-    <c:showDLblsOverMax val="0"/>
-  </c:chart>
-  <c:spPr>
-    <a:noFill/>
-    <a:ln>
-      <a:noFill/>
-    </a:ln>
-    <a:effectLst/>
-  </c:spPr>
-  <c:txPr>
-    <a:bodyPr rot="1200000"/>
-    <a:lstStyle/>
-    <a:p>
-      <a:pPr>
-        <a:defRPr/>
-      </a:pPr>
-      <a:endParaRPr lang="de-DE"/>
-    </a:p>
-  </c:txPr>
-  <c:externalData r:id="rId3">
-    <c:autoUpdate val="0"/>
-  </c:externalData>
-</c:chartSpace>
-</file>
-
-<file path=ppt/charts/chart5.xml><?xml version="1.0" encoding="utf-8"?>
-<c:chartSpace xmlns:c="http://schemas.openxmlformats.org/drawingml/2006/chart" xmlns:a="http://schemas.openxmlformats.org/drawingml/2006/main" xmlns:r="http://schemas.openxmlformats.org/officeDocument/2006/relationships" xmlns:c16r2="http://schemas.microsoft.com/office/drawing/2015/06/chart">
-  <c:date1904 val="0"/>
-  <c:lang val="de-DE"/>
-  <c:roundedCorners val="0"/>
-  <mc:AlternateContent xmlns:mc="http://schemas.openxmlformats.org/markup-compatibility/2006">
-    <mc:Choice xmlns:c14="http://schemas.microsoft.com/office/drawing/2007/8/2/chart" Requires="c14">
-      <c14:style val="102"/>
-    </mc:Choice>
-    <mc:Fallback>
-      <c:style val="2"/>
-    </mc:Fallback>
-  </mc:AlternateContent>
-  <c:chart>
-    <c:autoTitleDeleted val="1"/>
-    <c:plotArea>
-      <c:layout/>
-      <c:barChart>
-        <c:barDir val="col"/>
-        <c:grouping val="clustered"/>
-        <c:varyColors val="0"/>
-        <c:ser>
-          <c:idx val="0"/>
-          <c:order val="0"/>
-          <c:spPr>
-            <a:solidFill>
-              <a:schemeClr val="accent1"/>
-            </a:solidFill>
-            <a:ln>
-              <a:noFill/>
-            </a:ln>
-            <a:effectLst/>
-          </c:spPr>
-          <c:invertIfNegative val="0"/>
-          <c:dLbls>
-            <c:numFmt formatCode="#,##0.0" sourceLinked="0"/>
-            <c:spPr>
-              <a:noFill/>
-              <a:ln>
-                <a:noFill/>
-              </a:ln>
-              <a:effectLst/>
-            </c:spPr>
-            <c:txPr>
-              <a:bodyPr rot="0" spcFirstLastPara="1" vertOverflow="ellipsis" vert="horz" wrap="square" lIns="38100" tIns="19050" rIns="38100" bIns="19050" anchor="ctr" anchorCtr="1">
-                <a:spAutoFit/>
-              </a:bodyPr>
-              <a:lstStyle/>
-              <a:p>
-                <a:pPr>
-                  <a:defRPr sz="900" b="0" i="0" u="none" strike="noStrike" kern="1200" baseline="0">
-                    <a:solidFill>
-                      <a:schemeClr val="tx1">
-                        <a:lumMod val="75000"/>
-                        <a:lumOff val="25000"/>
-                      </a:schemeClr>
-                    </a:solidFill>
-                    <a:latin typeface="+mn-lt"/>
-                    <a:ea typeface="+mn-ea"/>
-                    <a:cs typeface="+mn-cs"/>
-                  </a:defRPr>
-                </a:pPr>
-                <a:endParaRPr lang="de-DE"/>
-              </a:p>
-            </c:txPr>
-            <c:showLegendKey val="0"/>
-            <c:showVal val="1"/>
-            <c:showCatName val="0"/>
-            <c:showSerName val="0"/>
-            <c:showPercent val="0"/>
-            <c:showBubbleSize val="0"/>
-            <c:showLeaderLines val="0"/>
-            <c:extLst>
-              <c:ext xmlns:c15="http://schemas.microsoft.com/office/drawing/2012/chart" uri="{CE6537A1-D6FC-4f65-9D91-7224C49458BB}">
-                <c15:showLeaderLines val="1"/>
-                <c15:leaderLines>
-                  <c:spPr>
-                    <a:ln w="9525" cap="flat" cmpd="sng" algn="ctr">
-                      <a:solidFill>
-                        <a:schemeClr val="tx1">
-                          <a:lumMod val="35000"/>
-                          <a:lumOff val="65000"/>
-                        </a:schemeClr>
-                      </a:solidFill>
-                      <a:round/>
-                    </a:ln>
-                    <a:effectLst/>
-                  </c:spPr>
-                </c15:leaderLines>
-              </c:ext>
-            </c:extLst>
-          </c:dLbls>
-          <c:cat>
-            <c:strRef>
-              <c:f>'Suppl. Data 4 - BIRDS-BUSCO'!$I$2:$I$8</c:f>
-              <c:strCache>
-                <c:ptCount val="7"/>
-                <c:pt idx="0">
-                  <c:v>Taeniopygia guttata input annotation</c:v>
-                </c:pt>
-                <c:pt idx="1">
-                  <c:v>Taeniopygia guttata               (0 MYA)</c:v>
-                </c:pt>
-                <c:pt idx="2">
-                  <c:v>Serinus canaria                    (24 MYA)</c:v>
-                </c:pt>
-                <c:pt idx="3">
-                  <c:v>Myiozetetes cayanensis     (26 MYA)</c:v>
-                </c:pt>
-                <c:pt idx="4">
-                  <c:v>Phaethornis superciliosus                    (76 MYA)</c:v>
-                </c:pt>
-                <c:pt idx="5">
-                  <c:v>Gallus gallus                         (91 MYA)</c:v>
-                </c:pt>
-                <c:pt idx="6">
-                  <c:v>Dromaius novaehollandiae (108 MYA)</c:v>
-                </c:pt>
-              </c:strCache>
-            </c:strRef>
-          </c:cat>
-          <c:val>
-            <c:numRef>
-              <c:f>'Suppl. Data 4 - BIRDS-BUSCO'!$F$2:$F$8</c:f>
-              <c:numCache>
-                <c:formatCode>General</c:formatCode>
-                <c:ptCount val="7"/>
-                <c:pt idx="0">
-                  <c:v>0.7</c:v>
-                </c:pt>
-                <c:pt idx="1">
-                  <c:v>1.40387</c:v>
-                </c:pt>
-                <c:pt idx="2">
-                  <c:v>1.93286</c:v>
-                </c:pt>
-                <c:pt idx="3">
-                  <c:v>2.0956299999999999</c:v>
-                </c:pt>
-                <c:pt idx="4">
-                  <c:v>1.93286</c:v>
-                </c:pt>
-                <c:pt idx="5">
-                  <c:v>1.87182</c:v>
-                </c:pt>
-                <c:pt idx="6">
-                  <c:v>1.87182</c:v>
-                </c:pt>
-              </c:numCache>
-            </c:numRef>
-          </c:val>
-          <c:extLst>
-            <c:ext xmlns:c16="http://schemas.microsoft.com/office/drawing/2014/chart" uri="{C3380CC4-5D6E-409C-BE32-E72D297353CC}">
-              <c16:uniqueId val="{00000000-E389-4EE8-A815-814A4E2259E9}"/>
-            </c:ext>
-          </c:extLst>
-        </c:ser>
-        <c:dLbls>
-          <c:showLegendKey val="0"/>
-          <c:showVal val="0"/>
-          <c:showCatName val="0"/>
-          <c:showSerName val="0"/>
-          <c:showPercent val="0"/>
-          <c:showBubbleSize val="0"/>
-        </c:dLbls>
-        <c:gapWidth val="219"/>
-        <c:overlap val="-27"/>
-        <c:axId val="135202687"/>
-        <c:axId val="240816095"/>
-      </c:barChart>
-      <c:catAx>
-        <c:axId val="135202687"/>
-        <c:scaling>
-          <c:orientation val="minMax"/>
-        </c:scaling>
-        <c:delete val="0"/>
-        <c:axPos val="b"/>
-        <c:numFmt formatCode="General" sourceLinked="1"/>
-        <c:majorTickMark val="none"/>
-        <c:minorTickMark val="none"/>
-        <c:tickLblPos val="nextTo"/>
-        <c:spPr>
-          <a:noFill/>
-          <a:ln w="9525" cap="flat" cmpd="sng" algn="ctr">
-            <a:solidFill>
-              <a:schemeClr val="tx1">
-                <a:lumMod val="15000"/>
-                <a:lumOff val="85000"/>
-              </a:schemeClr>
-            </a:solidFill>
-            <a:round/>
-          </a:ln>
-          <a:effectLst/>
-        </c:spPr>
-        <c:txPr>
-          <a:bodyPr rot="0" spcFirstLastPara="1" vertOverflow="ellipsis" wrap="square" anchor="ctr" anchorCtr="1"/>
-          <a:lstStyle/>
-          <a:p>
-            <a:pPr>
-              <a:defRPr sz="900" b="0" i="1" u="none" strike="noStrike" kern="1200" baseline="0">
-                <a:solidFill>
-                  <a:schemeClr val="tx1">
-                    <a:lumMod val="65000"/>
-                    <a:lumOff val="35000"/>
-                  </a:schemeClr>
-                </a:solidFill>
-                <a:latin typeface="+mn-lt"/>
-                <a:ea typeface="+mn-ea"/>
-                <a:cs typeface="+mn-cs"/>
-              </a:defRPr>
-            </a:pPr>
-            <a:endParaRPr lang="de-DE"/>
-          </a:p>
-        </c:txPr>
-        <c:crossAx val="240816095"/>
-        <c:crosses val="autoZero"/>
-        <c:auto val="1"/>
-        <c:lblAlgn val="ctr"/>
-        <c:lblOffset val="100"/>
-        <c:noMultiLvlLbl val="0"/>
-      </c:catAx>
-      <c:valAx>
-        <c:axId val="240816095"/>
-        <c:scaling>
-          <c:orientation val="minMax"/>
-        </c:scaling>
-        <c:delete val="0"/>
-        <c:axPos val="l"/>
-        <c:majorGridlines>
-          <c:spPr>
-            <a:ln w="9525" cap="flat" cmpd="sng" algn="ctr">
-              <a:solidFill>
-                <a:schemeClr val="tx1">
-                  <a:lumMod val="15000"/>
-                  <a:lumOff val="85000"/>
-                </a:schemeClr>
-              </a:solidFill>
-              <a:round/>
-            </a:ln>
-            <a:effectLst/>
-          </c:spPr>
-        </c:majorGridlines>
-        <c:title>
-          <c:tx>
-            <c:rich>
-              <a:bodyPr rot="-5400000" spcFirstLastPara="1" vertOverflow="ellipsis" vert="horz" wrap="square" anchor="ctr" anchorCtr="1"/>
-              <a:lstStyle/>
-              <a:p>
-                <a:pPr>
-                  <a:defRPr sz="1000" b="0" i="0" u="none" strike="noStrike" kern="1200" baseline="0">
-                    <a:solidFill>
-                      <a:schemeClr val="tx1">
-                        <a:lumMod val="65000"/>
-                        <a:lumOff val="35000"/>
-                      </a:schemeClr>
-                    </a:solidFill>
-                    <a:latin typeface="+mn-lt"/>
-                    <a:ea typeface="+mn-ea"/>
-                    <a:cs typeface="+mn-cs"/>
-                  </a:defRPr>
-                </a:pPr>
-                <a:r>
-                  <a:rPr lang="de-DE"/>
-                  <a:t>Missing BUSCO genes (aves_odb9) [%]</a:t>
-                </a:r>
-              </a:p>
-            </c:rich>
-          </c:tx>
-          <c:overlay val="0"/>
-          <c:spPr>
-            <a:noFill/>
-            <a:ln>
-              <a:noFill/>
-            </a:ln>
-            <a:effectLst/>
-          </c:spPr>
-          <c:txPr>
-            <a:bodyPr rot="-5400000" spcFirstLastPara="1" vertOverflow="ellipsis" vert="horz" wrap="square" anchor="ctr" anchorCtr="1"/>
-            <a:lstStyle/>
-            <a:p>
-              <a:pPr>
-                <a:defRPr sz="1000" b="0" i="0" u="none" strike="noStrike" kern="1200" baseline="0">
-                  <a:solidFill>
-                    <a:schemeClr val="tx1">
-                      <a:lumMod val="65000"/>
-                      <a:lumOff val="35000"/>
-                    </a:schemeClr>
-                  </a:solidFill>
-                  <a:latin typeface="+mn-lt"/>
-                  <a:ea typeface="+mn-ea"/>
-                  <a:cs typeface="+mn-cs"/>
-                </a:defRPr>
-              </a:pPr>
-              <a:endParaRPr lang="de-DE"/>
-            </a:p>
-          </c:txPr>
-        </c:title>
-        <c:numFmt formatCode="General" sourceLinked="1"/>
-        <c:majorTickMark val="none"/>
-        <c:minorTickMark val="none"/>
-        <c:tickLblPos val="nextTo"/>
-        <c:spPr>
-          <a:noFill/>
-          <a:ln>
-            <a:noFill/>
-          </a:ln>
-          <a:effectLst/>
-        </c:spPr>
-        <c:txPr>
-          <a:bodyPr rot="-60000000" spcFirstLastPara="1" vertOverflow="ellipsis" vert="horz" wrap="square" anchor="ctr" anchorCtr="1"/>
-          <a:lstStyle/>
-          <a:p>
-            <a:pPr>
-              <a:defRPr sz="900" b="0" i="0" u="none" strike="noStrike" kern="1200" baseline="0">
-                <a:solidFill>
-                  <a:schemeClr val="tx1">
-                    <a:lumMod val="65000"/>
-                    <a:lumOff val="35000"/>
-                  </a:schemeClr>
-                </a:solidFill>
-                <a:latin typeface="+mn-lt"/>
-                <a:ea typeface="+mn-ea"/>
-                <a:cs typeface="+mn-cs"/>
-              </a:defRPr>
-            </a:pPr>
-            <a:endParaRPr lang="de-DE"/>
-          </a:p>
-        </c:txPr>
-        <c:crossAx val="135202687"/>
-        <c:crosses val="autoZero"/>
-        <c:crossBetween val="between"/>
-      </c:valAx>
-      <c:spPr>
-        <a:noFill/>
-        <a:ln>
-          <a:noFill/>
-        </a:ln>
-        <a:effectLst/>
-      </c:spPr>
-    </c:plotArea>
-    <c:plotVisOnly val="1"/>
-    <c:dispBlanksAs val="gap"/>
-    <c:extLst>
-      <c:ext xmlns:c16r3="http://schemas.microsoft.com/office/drawing/2017/03/chart" uri="{56B9EC1D-385E-4148-901F-78D8002777C0}">
-        <c16r3:dataDisplayOptions16>
-          <c16r3:dispNaAsBlank val="1"/>
-        </c16r3:dataDisplayOptions16>
-      </c:ext>
-    </c:extLst>
-    <c:showDLblsOverMax val="0"/>
-  </c:chart>
-  <c:spPr>
-    <a:noFill/>
-    <a:ln>
-      <a:noFill/>
-    </a:ln>
-    <a:effectLst/>
-  </c:spPr>
-  <c:txPr>
-    <a:bodyPr rot="1200000"/>
-    <a:lstStyle/>
-    <a:p>
-      <a:pPr>
-        <a:defRPr/>
-      </a:pPr>
-      <a:endParaRPr lang="de-DE"/>
-    </a:p>
-  </c:txPr>
-  <c:externalData r:id="rId3">
-    <c:autoUpdate val="0"/>
-  </c:externalData>
-</c:chartSpace>
-</file>
-
-<file path=ppt/charts/chart6.xml><?xml version="1.0" encoding="utf-8"?>
-<c:chartSpace xmlns:c="http://schemas.openxmlformats.org/drawingml/2006/chart" xmlns:a="http://schemas.openxmlformats.org/drawingml/2006/main" xmlns:r="http://schemas.openxmlformats.org/officeDocument/2006/relationships" xmlns:c16r2="http://schemas.microsoft.com/office/drawing/2015/06/chart">
-  <c:date1904 val="0"/>
-  <c:lang val="de-DE"/>
-  <c:roundedCorners val="0"/>
-  <mc:AlternateContent xmlns:mc="http://schemas.openxmlformats.org/markup-compatibility/2006">
-    <mc:Choice xmlns:c14="http://schemas.microsoft.com/office/drawing/2007/8/2/chart" Requires="c14">
-      <c14:style val="102"/>
-    </mc:Choice>
-    <mc:Fallback>
-      <c:style val="2"/>
-    </mc:Fallback>
-  </mc:AlternateContent>
-  <c:chart>
-    <c:title>
-      <c:tx>
-        <c:rich>
-          <a:bodyPr rot="0" spcFirstLastPara="1" vertOverflow="ellipsis" vert="horz" wrap="square" anchor="ctr" anchorCtr="1"/>
-          <a:lstStyle/>
-          <a:p>
-            <a:pPr>
-              <a:defRPr sz="1400" b="0" i="0" u="none" strike="noStrike" kern="1200" spc="0" baseline="0">
-                <a:solidFill>
-                  <a:schemeClr val="tx1">
-                    <a:lumMod val="65000"/>
-                    <a:lumOff val="35000"/>
-                  </a:schemeClr>
-                </a:solidFill>
-                <a:latin typeface="+mn-lt"/>
-                <a:ea typeface="+mn-ea"/>
-                <a:cs typeface="+mn-cs"/>
-              </a:defRPr>
-            </a:pPr>
-            <a:r>
-              <a:rPr lang="de-DE" sz="1100" b="0" i="0" baseline="0">
-                <a:effectLst/>
-              </a:rPr>
-              <a:t>Transfer of </a:t>
-            </a:r>
-            <a:r>
-              <a:rPr lang="de-DE" sz="1100" b="0" i="1" baseline="0">
-                <a:effectLst/>
-              </a:rPr>
-              <a:t>T. guttata </a:t>
-            </a:r>
-            <a:r>
-              <a:rPr lang="de-DE" sz="1100" b="0" i="0" baseline="0">
-                <a:effectLst/>
-              </a:rPr>
-              <a:t>Refseq annotation (protein &amp; mRNA) to diverged bird genomes by HANNO </a:t>
-            </a:r>
-            <a:endParaRPr lang="de-DE" sz="1100">
-              <a:effectLst/>
-            </a:endParaRPr>
-          </a:p>
-        </c:rich>
-      </c:tx>
-      <c:overlay val="0"/>
-      <c:spPr>
-        <a:noFill/>
-        <a:ln>
-          <a:noFill/>
-        </a:ln>
-        <a:effectLst/>
-      </c:spPr>
-      <c:txPr>
-        <a:bodyPr rot="0" spcFirstLastPara="1" vertOverflow="ellipsis" vert="horz" wrap="square" anchor="ctr" anchorCtr="1"/>
-        <a:lstStyle/>
-        <a:p>
-          <a:pPr>
-            <a:defRPr sz="1400" b="0" i="0" u="none" strike="noStrike" kern="1200" spc="0" baseline="0">
-              <a:solidFill>
-                <a:schemeClr val="tx1">
-                  <a:lumMod val="65000"/>
-                  <a:lumOff val="35000"/>
-                </a:schemeClr>
-              </a:solidFill>
-              <a:latin typeface="+mn-lt"/>
-              <a:ea typeface="+mn-ea"/>
-              <a:cs typeface="+mn-cs"/>
-            </a:defRPr>
-          </a:pPr>
-          <a:endParaRPr lang="de-DE"/>
-        </a:p>
-      </c:txPr>
-    </c:title>
-    <c:autoTitleDeleted val="0"/>
-    <c:plotArea>
-      <c:layout/>
-      <c:barChart>
-        <c:barDir val="col"/>
-        <c:grouping val="clustered"/>
-        <c:varyColors val="0"/>
-        <c:ser>
-          <c:idx val="0"/>
-          <c:order val="0"/>
-          <c:spPr>
-            <a:solidFill>
-              <a:schemeClr val="accent1"/>
-            </a:solidFill>
-            <a:ln>
-              <a:noFill/>
-            </a:ln>
-            <a:effectLst/>
-          </c:spPr>
-          <c:invertIfNegative val="0"/>
-          <c:dLbls>
-            <c:numFmt formatCode="#,##0.0" sourceLinked="0"/>
-            <c:spPr>
-              <a:noFill/>
-              <a:ln>
-                <a:noFill/>
-              </a:ln>
-              <a:effectLst/>
-            </c:spPr>
-            <c:txPr>
-              <a:bodyPr rot="0" spcFirstLastPara="1" vertOverflow="ellipsis" vert="horz" wrap="square" lIns="38100" tIns="19050" rIns="38100" bIns="19050" anchor="ctr" anchorCtr="1">
-                <a:spAutoFit/>
-              </a:bodyPr>
-              <a:lstStyle/>
-              <a:p>
-                <a:pPr>
-                  <a:defRPr sz="900" b="0" i="0" u="none" strike="noStrike" kern="1200" baseline="0">
-                    <a:solidFill>
-                      <a:schemeClr val="tx1">
-                        <a:lumMod val="75000"/>
-                        <a:lumOff val="25000"/>
-                      </a:schemeClr>
-                    </a:solidFill>
-                    <a:latin typeface="+mn-lt"/>
-                    <a:ea typeface="+mn-ea"/>
-                    <a:cs typeface="+mn-cs"/>
-                  </a:defRPr>
-                </a:pPr>
-                <a:endParaRPr lang="de-DE"/>
-              </a:p>
-            </c:txPr>
-            <c:showLegendKey val="0"/>
-            <c:showVal val="1"/>
-            <c:showCatName val="0"/>
-            <c:showSerName val="0"/>
-            <c:showPercent val="0"/>
-            <c:showBubbleSize val="0"/>
-            <c:showLeaderLines val="0"/>
-            <c:extLst>
-              <c:ext xmlns:c15="http://schemas.microsoft.com/office/drawing/2012/chart" uri="{CE6537A1-D6FC-4f65-9D91-7224C49458BB}">
-                <c15:showLeaderLines val="1"/>
-                <c15:leaderLines>
-                  <c:spPr>
-                    <a:ln w="9525" cap="flat" cmpd="sng" algn="ctr">
-                      <a:solidFill>
-                        <a:schemeClr val="tx1">
-                          <a:lumMod val="35000"/>
-                          <a:lumOff val="65000"/>
-                        </a:schemeClr>
-                      </a:solidFill>
-                      <a:round/>
-                    </a:ln>
-                    <a:effectLst/>
-                  </c:spPr>
-                </c15:leaderLines>
-              </c:ext>
-            </c:extLst>
-          </c:dLbls>
-          <c:cat>
-            <c:strRef>
-              <c:f>'Suppl. Data 4 - BIRDS-BUSCO'!$I$2:$I$8</c:f>
-              <c:strCache>
-                <c:ptCount val="7"/>
-                <c:pt idx="0">
-                  <c:v>Taeniopygia guttata input annotation</c:v>
-                </c:pt>
-                <c:pt idx="1">
-                  <c:v>Taeniopygia guttata               (0 MYA)</c:v>
-                </c:pt>
-                <c:pt idx="2">
-                  <c:v>Serinus canaria                    (24 MYA)</c:v>
-                </c:pt>
-                <c:pt idx="3">
-                  <c:v>Myiozetetes cayanensis     (26 MYA)</c:v>
-                </c:pt>
-                <c:pt idx="4">
-                  <c:v>Phaethornis superciliosus                    (76 MYA)</c:v>
-                </c:pt>
-                <c:pt idx="5">
-                  <c:v>Gallus gallus                         (91 MYA)</c:v>
-                </c:pt>
-                <c:pt idx="6">
-                  <c:v>Dromaius novaehollandiae (108 MYA)</c:v>
-                </c:pt>
-              </c:strCache>
-            </c:strRef>
-          </c:cat>
-          <c:val>
-            <c:numRef>
-              <c:f>'Suppl. Data 4 - BIRDS-BUSCO'!$B$2:$B$8</c:f>
-              <c:numCache>
-                <c:formatCode>General</c:formatCode>
-                <c:ptCount val="7"/>
-                <c:pt idx="0">
-                  <c:v>98.6</c:v>
-                </c:pt>
-                <c:pt idx="1">
-                  <c:v>97.619500000000002</c:v>
-                </c:pt>
-                <c:pt idx="2">
-                  <c:v>96.561499999999995</c:v>
-                </c:pt>
-                <c:pt idx="3">
-                  <c:v>95.483199999999997</c:v>
-                </c:pt>
-                <c:pt idx="4">
-                  <c:v>96.276700000000005</c:v>
-                </c:pt>
-                <c:pt idx="5">
-                  <c:v>96.215699999999998</c:v>
-                </c:pt>
-                <c:pt idx="6">
-                  <c:v>95.910499999999999</c:v>
-                </c:pt>
-              </c:numCache>
-            </c:numRef>
-          </c:val>
-          <c:extLst>
-            <c:ext xmlns:c16="http://schemas.microsoft.com/office/drawing/2014/chart" uri="{C3380CC4-5D6E-409C-BE32-E72D297353CC}">
-              <c16:uniqueId val="{00000000-08CB-4482-90A8-BFBFAC0165A0}"/>
-            </c:ext>
-          </c:extLst>
-        </c:ser>
-        <c:dLbls>
-          <c:showLegendKey val="0"/>
-          <c:showVal val="0"/>
-          <c:showCatName val="0"/>
-          <c:showSerName val="0"/>
-          <c:showPercent val="0"/>
-          <c:showBubbleSize val="0"/>
-        </c:dLbls>
-        <c:gapWidth val="219"/>
-        <c:overlap val="-27"/>
-        <c:axId val="135202687"/>
-        <c:axId val="240816095"/>
-      </c:barChart>
-      <c:catAx>
-        <c:axId val="135202687"/>
-        <c:scaling>
-          <c:orientation val="minMax"/>
-        </c:scaling>
-        <c:delete val="0"/>
-        <c:axPos val="b"/>
-        <c:numFmt formatCode="General" sourceLinked="1"/>
-        <c:majorTickMark val="none"/>
-        <c:minorTickMark val="none"/>
-        <c:tickLblPos val="nextTo"/>
-        <c:spPr>
-          <a:noFill/>
-          <a:ln w="9525" cap="flat" cmpd="sng" algn="ctr">
-            <a:solidFill>
-              <a:schemeClr val="tx1">
-                <a:lumMod val="15000"/>
-                <a:lumOff val="85000"/>
-              </a:schemeClr>
-            </a:solidFill>
-            <a:round/>
-          </a:ln>
-          <a:effectLst/>
-        </c:spPr>
-        <c:txPr>
-          <a:bodyPr rot="0" spcFirstLastPara="1" vertOverflow="ellipsis" wrap="square" anchor="ctr" anchorCtr="1"/>
-          <a:lstStyle/>
-          <a:p>
-            <a:pPr>
-              <a:defRPr sz="900" b="0" i="1" u="none" strike="noStrike" kern="1200" baseline="0">
-                <a:solidFill>
-                  <a:schemeClr val="tx1">
-                    <a:lumMod val="65000"/>
-                    <a:lumOff val="35000"/>
-                  </a:schemeClr>
-                </a:solidFill>
-                <a:latin typeface="+mn-lt"/>
-                <a:ea typeface="+mn-ea"/>
-                <a:cs typeface="+mn-cs"/>
-              </a:defRPr>
-            </a:pPr>
-            <a:endParaRPr lang="de-DE"/>
-          </a:p>
-        </c:txPr>
-        <c:crossAx val="240816095"/>
-        <c:crosses val="autoZero"/>
-        <c:auto val="1"/>
-        <c:lblAlgn val="ctr"/>
-        <c:lblOffset val="100"/>
-        <c:noMultiLvlLbl val="0"/>
-      </c:catAx>
-      <c:valAx>
-        <c:axId val="240816095"/>
-        <c:scaling>
-          <c:orientation val="minMax"/>
-        </c:scaling>
-        <c:delete val="0"/>
-        <c:axPos val="l"/>
-        <c:majorGridlines>
-          <c:spPr>
-            <a:ln w="9525" cap="flat" cmpd="sng" algn="ctr">
-              <a:solidFill>
-                <a:schemeClr val="tx1">
-                  <a:lumMod val="15000"/>
-                  <a:lumOff val="85000"/>
-                </a:schemeClr>
-              </a:solidFill>
-              <a:round/>
-            </a:ln>
-            <a:effectLst/>
-          </c:spPr>
-        </c:majorGridlines>
-        <c:title>
-          <c:tx>
-            <c:rich>
-              <a:bodyPr rot="-5400000" spcFirstLastPara="1" vertOverflow="ellipsis" vert="horz" wrap="square" anchor="ctr" anchorCtr="1"/>
-              <a:lstStyle/>
-              <a:p>
-                <a:pPr>
-                  <a:defRPr sz="1000" b="0" i="0" u="none" strike="noStrike" kern="1200" baseline="0">
-                    <a:solidFill>
-                      <a:schemeClr val="tx1">
-                        <a:lumMod val="65000"/>
-                        <a:lumOff val="35000"/>
-                      </a:schemeClr>
-                    </a:solidFill>
-                    <a:latin typeface="+mn-lt"/>
-                    <a:ea typeface="+mn-ea"/>
-                    <a:cs typeface="+mn-cs"/>
-                  </a:defRPr>
-                </a:pPr>
-                <a:r>
-                  <a:rPr lang="de-DE"/>
-                  <a:t>Complete BUSCO genes (aves_odb9) [%]</a:t>
-                </a:r>
-              </a:p>
-            </c:rich>
-          </c:tx>
-          <c:overlay val="0"/>
-          <c:spPr>
-            <a:noFill/>
-            <a:ln>
-              <a:noFill/>
-            </a:ln>
-            <a:effectLst/>
-          </c:spPr>
-          <c:txPr>
-            <a:bodyPr rot="-5400000" spcFirstLastPara="1" vertOverflow="ellipsis" vert="horz" wrap="square" anchor="ctr" anchorCtr="1"/>
-            <a:lstStyle/>
-            <a:p>
-              <a:pPr>
-                <a:defRPr sz="1000" b="0" i="0" u="none" strike="noStrike" kern="1200" baseline="0">
-                  <a:solidFill>
-                    <a:schemeClr val="tx1">
-                      <a:lumMod val="65000"/>
-                      <a:lumOff val="35000"/>
-                    </a:schemeClr>
-                  </a:solidFill>
-                  <a:latin typeface="+mn-lt"/>
-                  <a:ea typeface="+mn-ea"/>
-                  <a:cs typeface="+mn-cs"/>
-                </a:defRPr>
-              </a:pPr>
-              <a:endParaRPr lang="de-DE"/>
-            </a:p>
-          </c:txPr>
-        </c:title>
-        <c:numFmt formatCode="General" sourceLinked="1"/>
-        <c:majorTickMark val="none"/>
-        <c:minorTickMark val="none"/>
-        <c:tickLblPos val="nextTo"/>
-        <c:spPr>
-          <a:noFill/>
-          <a:ln>
-            <a:noFill/>
-          </a:ln>
-          <a:effectLst/>
-        </c:spPr>
-        <c:txPr>
-          <a:bodyPr rot="-60000000" spcFirstLastPara="1" vertOverflow="ellipsis" vert="horz" wrap="square" anchor="ctr" anchorCtr="1"/>
-          <a:lstStyle/>
-          <a:p>
-            <a:pPr>
-              <a:defRPr sz="900" b="0" i="0" u="none" strike="noStrike" kern="1200" baseline="0">
-                <a:solidFill>
-                  <a:schemeClr val="tx1">
-                    <a:lumMod val="65000"/>
-                    <a:lumOff val="35000"/>
-                  </a:schemeClr>
-                </a:solidFill>
-                <a:latin typeface="+mn-lt"/>
-                <a:ea typeface="+mn-ea"/>
-                <a:cs typeface="+mn-cs"/>
-              </a:defRPr>
-            </a:pPr>
-            <a:endParaRPr lang="de-DE"/>
-          </a:p>
-        </c:txPr>
-        <c:crossAx val="135202687"/>
-        <c:crosses val="autoZero"/>
-        <c:crossBetween val="between"/>
-      </c:valAx>
-      <c:spPr>
-        <a:noFill/>
-        <a:ln>
-          <a:noFill/>
-        </a:ln>
-        <a:effectLst/>
-      </c:spPr>
-    </c:plotArea>
-    <c:plotVisOnly val="1"/>
-    <c:dispBlanksAs val="gap"/>
-    <c:extLst>
-      <c:ext xmlns:c16r3="http://schemas.microsoft.com/office/drawing/2017/03/chart" uri="{56B9EC1D-385E-4148-901F-78D8002777C0}">
-        <c16r3:dataDisplayOptions16>
-          <c16r3:dispNaAsBlank val="1"/>
-        </c16r3:dataDisplayOptions16>
-      </c:ext>
-    </c:extLst>
-    <c:showDLblsOverMax val="0"/>
-  </c:chart>
-  <c:spPr>
-    <a:noFill/>
-    <a:ln>
-      <a:noFill/>
-    </a:ln>
-    <a:effectLst/>
-  </c:spPr>
-  <c:txPr>
-    <a:bodyPr rot="1200000"/>
-    <a:lstStyle/>
-    <a:p>
-      <a:pPr>
-        <a:defRPr/>
-      </a:pPr>
-      <a:endParaRPr lang="de-DE"/>
-    </a:p>
-  </c:txPr>
-  <c:externalData r:id="rId3">
-    <c:autoUpdate val="0"/>
-  </c:externalData>
-</c:chartSpace>
-</file>
-
-<file path=ppt/charts/chart7.xml><?xml version="1.0" encoding="utf-8"?>
-<c:chartSpace xmlns:c="http://schemas.openxmlformats.org/drawingml/2006/chart" xmlns:a="http://schemas.openxmlformats.org/drawingml/2006/main" xmlns:r="http://schemas.openxmlformats.org/officeDocument/2006/relationships" xmlns:c16r2="http://schemas.microsoft.com/office/drawing/2015/06/chart">
-  <c:date1904 val="0"/>
-  <c:lang val="de-DE"/>
-  <c:roundedCorners val="0"/>
-  <mc:AlternateContent xmlns:mc="http://schemas.openxmlformats.org/markup-compatibility/2006">
-    <mc:Choice xmlns:c14="http://schemas.microsoft.com/office/drawing/2007/8/2/chart" Requires="c14">
-      <c14:style val="102"/>
-    </mc:Choice>
-    <mc:Fallback>
-      <c:style val="2"/>
-    </mc:Fallback>
-  </mc:AlternateContent>
-  <c:chart>
-    <c:autoTitleDeleted val="1"/>
-    <c:plotArea>
-      <c:layout/>
-      <c:barChart>
-        <c:barDir val="col"/>
-        <c:grouping val="clustered"/>
-        <c:varyColors val="0"/>
-        <c:ser>
-          <c:idx val="0"/>
-          <c:order val="0"/>
-          <c:spPr>
-            <a:solidFill>
-              <a:schemeClr val="accent1"/>
-            </a:solidFill>
-            <a:ln>
-              <a:noFill/>
-            </a:ln>
-            <a:effectLst/>
-          </c:spPr>
-          <c:invertIfNegative val="0"/>
-          <c:dLbls>
-            <c:numFmt formatCode="#,##0.0" sourceLinked="0"/>
-            <c:spPr>
-              <a:noFill/>
-              <a:ln>
-                <a:noFill/>
-              </a:ln>
-              <a:effectLst/>
-            </c:spPr>
-            <c:txPr>
-              <a:bodyPr rot="0" spcFirstLastPara="1" vertOverflow="ellipsis" vert="horz" wrap="square" lIns="38100" tIns="19050" rIns="38100" bIns="19050" anchor="ctr" anchorCtr="1">
-                <a:spAutoFit/>
-              </a:bodyPr>
-              <a:lstStyle/>
-              <a:p>
-                <a:pPr>
-                  <a:defRPr sz="900" b="0" i="0" u="none" strike="noStrike" kern="1200" baseline="0">
-                    <a:solidFill>
-                      <a:schemeClr val="tx1">
-                        <a:lumMod val="75000"/>
-                        <a:lumOff val="25000"/>
-                      </a:schemeClr>
+                      <a:schemeClr val="bg1"/>
                     </a:solidFill>
                     <a:latin typeface="+mn-lt"/>
                     <a:ea typeface="+mn-ea"/>
@@ -2731,385 +2656,99 @@
                   <c:v>Elephas maximus indicus                            (99 MYA)</c:v>
                 </c:pt>
                 <c:pt idx="11">
-                  <c:v>Phascolarctos cinereus (160 MYA)</c:v>
+                  <c:v>Phascolarctos cinereus             (160 MYA)</c:v>
                 </c:pt>
               </c:strCache>
             </c:strRef>
           </c:cat>
           <c:val>
             <c:numRef>
-              <c:f>'Suppl. Data 5 - MAMMALS-BUSCO'!$F$2:$F$13</c:f>
+              <c:f>'Suppl. Data 5 - MAMMALS-BUSCO'!$B$2:$B$13</c:f>
               <c:numCache>
                 <c:formatCode>General</c:formatCode>
                 <c:ptCount val="12"/>
                 <c:pt idx="0">
-                  <c:v>0.1</c:v>
+                  <c:v>99.9</c:v>
                 </c:pt>
                 <c:pt idx="1">
-                  <c:v>0.88879300000000006</c:v>
+                  <c:v>98.796899999999994</c:v>
                 </c:pt>
                 <c:pt idx="2">
-                  <c:v>1.09473</c:v>
+                  <c:v>98.569299999999998</c:v>
                 </c:pt>
                 <c:pt idx="3">
-                  <c:v>1.0730500000000001</c:v>
+                  <c:v>98.471699999999998</c:v>
                 </c:pt>
                 <c:pt idx="4">
-                  <c:v>1.71255</c:v>
+                  <c:v>97.171000000000006</c:v>
                 </c:pt>
                 <c:pt idx="5">
-                  <c:v>2.1461100000000002</c:v>
+                  <c:v>96.4773</c:v>
                 </c:pt>
                 <c:pt idx="6">
-                  <c:v>1.8426199999999999</c:v>
+                  <c:v>96.694100000000006</c:v>
                 </c:pt>
                 <c:pt idx="7">
-                  <c:v>1.7559100000000001</c:v>
+                  <c:v>96.921700000000001</c:v>
                 </c:pt>
                 <c:pt idx="8">
-                  <c:v>2.6663800000000002</c:v>
+                  <c:v>95.9679</c:v>
                 </c:pt>
                 <c:pt idx="9">
-                  <c:v>2.3412099999999998</c:v>
+                  <c:v>95.762</c:v>
                 </c:pt>
                 <c:pt idx="10">
-                  <c:v>1.5282899999999999</c:v>
+                  <c:v>97.398700000000005</c:v>
                 </c:pt>
                 <c:pt idx="11">
-                  <c:v>10.817299999999999</c:v>
+                  <c:v>82.506</c:v>
                 </c:pt>
               </c:numCache>
             </c:numRef>
           </c:val>
           <c:extLst>
             <c:ext xmlns:c16="http://schemas.microsoft.com/office/drawing/2014/chart" uri="{C3380CC4-5D6E-409C-BE32-E72D297353CC}">
-              <c16:uniqueId val="{00000000-52A5-4416-A8C8-DC5E1A0D44AE}"/>
+              <c16:uniqueId val="{00000000-3179-4222-AA90-B84E33578852}"/>
             </c:ext>
           </c:extLst>
         </c:ser>
-        <c:dLbls>
-          <c:showLegendKey val="0"/>
-          <c:showVal val="0"/>
-          <c:showCatName val="0"/>
-          <c:showSerName val="0"/>
-          <c:showPercent val="0"/>
-          <c:showBubbleSize val="0"/>
-        </c:dLbls>
-        <c:gapWidth val="219"/>
-        <c:axId val="135202687"/>
-        <c:axId val="240816095"/>
-      </c:barChart>
-      <c:catAx>
-        <c:axId val="135202687"/>
-        <c:scaling>
-          <c:orientation val="minMax"/>
-        </c:scaling>
-        <c:delete val="0"/>
-        <c:axPos val="b"/>
-        <c:numFmt formatCode="General" sourceLinked="1"/>
-        <c:majorTickMark val="none"/>
-        <c:minorTickMark val="none"/>
-        <c:tickLblPos val="nextTo"/>
-        <c:spPr>
-          <a:noFill/>
-          <a:ln w="9525" cap="flat" cmpd="sng" algn="ctr">
-            <a:solidFill>
-              <a:schemeClr val="tx1">
-                <a:lumMod val="15000"/>
-                <a:lumOff val="85000"/>
-              </a:schemeClr>
-            </a:solidFill>
-            <a:round/>
-          </a:ln>
-          <a:effectLst/>
-        </c:spPr>
-        <c:txPr>
-          <a:bodyPr rot="0" spcFirstLastPara="1" vertOverflow="ellipsis" wrap="square" anchor="ctr" anchorCtr="1"/>
-          <a:lstStyle/>
-          <a:p>
-            <a:pPr>
-              <a:defRPr sz="900" b="0" i="1" u="none" strike="noStrike" kern="1200" baseline="0">
-                <a:solidFill>
-                  <a:schemeClr val="tx1">
-                    <a:lumMod val="65000"/>
-                    <a:lumOff val="35000"/>
-                  </a:schemeClr>
-                </a:solidFill>
-                <a:latin typeface="+mn-lt"/>
-                <a:ea typeface="+mn-ea"/>
-                <a:cs typeface="+mn-cs"/>
-              </a:defRPr>
-            </a:pPr>
-            <a:endParaRPr lang="de-DE"/>
-          </a:p>
-        </c:txPr>
-        <c:crossAx val="240816095"/>
-        <c:crosses val="autoZero"/>
-        <c:auto val="1"/>
-        <c:lblAlgn val="ctr"/>
-        <c:lblOffset val="100"/>
-        <c:noMultiLvlLbl val="0"/>
-      </c:catAx>
-      <c:valAx>
-        <c:axId val="240816095"/>
-        <c:scaling>
-          <c:orientation val="minMax"/>
-        </c:scaling>
-        <c:delete val="0"/>
-        <c:axPos val="l"/>
-        <c:majorGridlines>
-          <c:spPr>
-            <a:ln w="9525" cap="flat" cmpd="sng" algn="ctr">
-              <a:solidFill>
-                <a:schemeClr val="tx1">
-                  <a:lumMod val="15000"/>
-                  <a:lumOff val="85000"/>
-                </a:schemeClr>
-              </a:solidFill>
-              <a:round/>
-            </a:ln>
-            <a:effectLst/>
-          </c:spPr>
-        </c:majorGridlines>
-        <c:title>
+        <c:ser>
+          <c:idx val="1"/>
+          <c:order val="1"/>
           <c:tx>
-            <c:rich>
-              <a:bodyPr rot="-5400000" spcFirstLastPara="1" vertOverflow="ellipsis" vert="horz" wrap="square" anchor="ctr" anchorCtr="1"/>
-              <a:lstStyle/>
-              <a:p>
-                <a:pPr>
-                  <a:defRPr sz="1000" b="0" i="0" u="none" strike="noStrike" kern="1200" baseline="0">
-                    <a:solidFill>
-                      <a:schemeClr val="tx1">
-                        <a:lumMod val="65000"/>
-                        <a:lumOff val="35000"/>
-                      </a:schemeClr>
-                    </a:solidFill>
-                    <a:latin typeface="+mn-lt"/>
-                    <a:ea typeface="+mn-ea"/>
-                    <a:cs typeface="+mn-cs"/>
-                  </a:defRPr>
-                </a:pPr>
-                <a:r>
-                  <a:rPr lang="de-DE"/>
-                  <a:t>Missing BUSCO genes (mammalia_odb10) [%]</a:t>
-                </a:r>
-              </a:p>
-            </c:rich>
+            <c:strRef>
+              <c:f>'Suppl. Data 5 - MAMMALS-BUSCO'!$E$1</c:f>
+              <c:strCache>
+                <c:ptCount val="1"/>
+                <c:pt idx="0">
+                  <c:v>Fragmented</c:v>
+                </c:pt>
+              </c:strCache>
+            </c:strRef>
           </c:tx>
-          <c:overlay val="0"/>
-          <c:spPr>
-            <a:noFill/>
-            <a:ln>
-              <a:noFill/>
-            </a:ln>
-            <a:effectLst/>
-          </c:spPr>
-          <c:txPr>
-            <a:bodyPr rot="-5400000" spcFirstLastPara="1" vertOverflow="ellipsis" vert="horz" wrap="square" anchor="ctr" anchorCtr="1"/>
-            <a:lstStyle/>
-            <a:p>
-              <a:pPr>
-                <a:defRPr sz="1000" b="0" i="0" u="none" strike="noStrike" kern="1200" baseline="0">
-                  <a:solidFill>
-                    <a:schemeClr val="tx1">
-                      <a:lumMod val="65000"/>
-                      <a:lumOff val="35000"/>
-                    </a:schemeClr>
-                  </a:solidFill>
-                  <a:latin typeface="+mn-lt"/>
-                  <a:ea typeface="+mn-ea"/>
-                  <a:cs typeface="+mn-cs"/>
-                </a:defRPr>
-              </a:pPr>
-              <a:endParaRPr lang="de-DE"/>
-            </a:p>
-          </c:txPr>
-        </c:title>
-        <c:numFmt formatCode="General" sourceLinked="1"/>
-        <c:majorTickMark val="none"/>
-        <c:minorTickMark val="none"/>
-        <c:tickLblPos val="nextTo"/>
-        <c:spPr>
-          <a:noFill/>
-          <a:ln>
-            <a:noFill/>
-          </a:ln>
-          <a:effectLst/>
-        </c:spPr>
-        <c:txPr>
-          <a:bodyPr rot="-60000000" spcFirstLastPara="1" vertOverflow="ellipsis" vert="horz" wrap="square" anchor="ctr" anchorCtr="1"/>
-          <a:lstStyle/>
-          <a:p>
-            <a:pPr>
-              <a:defRPr sz="900" b="0" i="0" u="none" strike="noStrike" kern="1200" baseline="0">
-                <a:solidFill>
-                  <a:schemeClr val="tx1">
-                    <a:lumMod val="65000"/>
-                    <a:lumOff val="35000"/>
-                  </a:schemeClr>
-                </a:solidFill>
-                <a:latin typeface="+mn-lt"/>
-                <a:ea typeface="+mn-ea"/>
-                <a:cs typeface="+mn-cs"/>
-              </a:defRPr>
-            </a:pPr>
-            <a:endParaRPr lang="de-DE"/>
-          </a:p>
-        </c:txPr>
-        <c:crossAx val="135202687"/>
-        <c:crosses val="autoZero"/>
-        <c:crossBetween val="between"/>
-      </c:valAx>
-      <c:spPr>
-        <a:noFill/>
-        <a:ln>
-          <a:noFill/>
-        </a:ln>
-        <a:effectLst/>
-      </c:spPr>
-    </c:plotArea>
-    <c:plotVisOnly val="1"/>
-    <c:dispBlanksAs val="gap"/>
-    <c:extLst>
-      <c:ext xmlns:c16r3="http://schemas.microsoft.com/office/drawing/2017/03/chart" uri="{56B9EC1D-385E-4148-901F-78D8002777C0}">
-        <c16r3:dataDisplayOptions16>
-          <c16r3:dispNaAsBlank val="1"/>
-        </c16r3:dataDisplayOptions16>
-      </c:ext>
-    </c:extLst>
-    <c:showDLblsOverMax val="0"/>
-  </c:chart>
-  <c:spPr>
-    <a:noFill/>
-    <a:ln>
-      <a:noFill/>
-    </a:ln>
-    <a:effectLst/>
-  </c:spPr>
-  <c:txPr>
-    <a:bodyPr rot="1200000"/>
-    <a:lstStyle/>
-    <a:p>
-      <a:pPr>
-        <a:defRPr/>
-      </a:pPr>
-      <a:endParaRPr lang="de-DE"/>
-    </a:p>
-  </c:txPr>
-  <c:externalData r:id="rId3">
-    <c:autoUpdate val="0"/>
-  </c:externalData>
-</c:chartSpace>
-</file>
-
-<file path=ppt/charts/chart8.xml><?xml version="1.0" encoding="utf-8"?>
-<c:chartSpace xmlns:c="http://schemas.openxmlformats.org/drawingml/2006/chart" xmlns:a="http://schemas.openxmlformats.org/drawingml/2006/main" xmlns:r="http://schemas.openxmlformats.org/officeDocument/2006/relationships" xmlns:c16r2="http://schemas.microsoft.com/office/drawing/2015/06/chart">
-  <c:date1904 val="0"/>
-  <c:lang val="de-DE"/>
-  <c:roundedCorners val="0"/>
-  <mc:AlternateContent xmlns:mc="http://schemas.openxmlformats.org/markup-compatibility/2006">
-    <mc:Choice xmlns:c14="http://schemas.microsoft.com/office/drawing/2007/8/2/chart" Requires="c14">
-      <c14:style val="102"/>
-    </mc:Choice>
-    <mc:Fallback>
-      <c:style val="2"/>
-    </mc:Fallback>
-  </mc:AlternateContent>
-  <c:chart>
-    <c:title>
-      <c:tx>
-        <c:rich>
-          <a:bodyPr rot="0" spcFirstLastPara="1" vertOverflow="ellipsis" vert="horz" wrap="square" anchor="ctr" anchorCtr="1"/>
-          <a:lstStyle/>
-          <a:p>
-            <a:pPr>
-              <a:defRPr sz="1400" b="0" i="0" u="none" strike="noStrike" kern="1200" spc="0" baseline="0">
-                <a:solidFill>
-                  <a:schemeClr val="tx1">
-                    <a:lumMod val="65000"/>
-                    <a:lumOff val="35000"/>
-                  </a:schemeClr>
-                </a:solidFill>
-                <a:latin typeface="+mn-lt"/>
-                <a:ea typeface="+mn-ea"/>
-                <a:cs typeface="+mn-cs"/>
-              </a:defRPr>
-            </a:pPr>
-            <a:r>
-              <a:rPr lang="de-DE" sz="1100" b="0" i="0" baseline="0">
-                <a:effectLst/>
-              </a:rPr>
-              <a:t>Transfer of </a:t>
-            </a:r>
-            <a:r>
-              <a:rPr lang="de-DE" sz="1100" b="0" i="1" baseline="0">
-                <a:effectLst/>
-              </a:rPr>
-              <a:t>H. sapiens </a:t>
-            </a:r>
-            <a:r>
-              <a:rPr lang="de-DE" sz="1100" b="0" i="0" baseline="0">
-                <a:effectLst/>
-              </a:rPr>
-              <a:t>Refseq annotation (protein &amp; mRNA) to diverged mammal genomes by HANNO </a:t>
-            </a:r>
-            <a:endParaRPr lang="de-DE" sz="1100">
-              <a:effectLst/>
-            </a:endParaRPr>
-          </a:p>
-        </c:rich>
-      </c:tx>
-      <c:overlay val="0"/>
-      <c:spPr>
-        <a:noFill/>
-        <a:ln>
-          <a:noFill/>
-        </a:ln>
-        <a:effectLst/>
-      </c:spPr>
-      <c:txPr>
-        <a:bodyPr rot="0" spcFirstLastPara="1" vertOverflow="ellipsis" vert="horz" wrap="square" anchor="ctr" anchorCtr="1"/>
-        <a:lstStyle/>
-        <a:p>
-          <a:pPr>
-            <a:defRPr sz="1400" b="0" i="0" u="none" strike="noStrike" kern="1200" spc="0" baseline="0">
-              <a:solidFill>
-                <a:schemeClr val="tx1">
-                  <a:lumMod val="65000"/>
-                  <a:lumOff val="35000"/>
-                </a:schemeClr>
-              </a:solidFill>
-              <a:latin typeface="+mn-lt"/>
-              <a:ea typeface="+mn-ea"/>
-              <a:cs typeface="+mn-cs"/>
-            </a:defRPr>
-          </a:pPr>
-          <a:endParaRPr lang="de-DE"/>
-        </a:p>
-      </c:txPr>
-    </c:title>
-    <c:autoTitleDeleted val="0"/>
-    <c:plotArea>
-      <c:layout/>
-      <c:barChart>
-        <c:barDir val="col"/>
-        <c:grouping val="clustered"/>
-        <c:varyColors val="0"/>
-        <c:ser>
-          <c:idx val="0"/>
-          <c:order val="0"/>
           <c:spPr>
             <a:solidFill>
-              <a:schemeClr val="accent1"/>
+              <a:schemeClr val="accent2"/>
             </a:solidFill>
-            <a:ln>
-              <a:noFill/>
+            <a:ln w="0">
+              <a:solidFill>
+                <a:schemeClr val="tx1"/>
+              </a:solidFill>
             </a:ln>
             <a:effectLst/>
           </c:spPr>
           <c:invertIfNegative val="0"/>
           <c:dLbls>
+            <c:dLbl>
+              <c:idx val="0"/>
+              <c:delete val="1"/>
+              <c:extLst>
+                <c:ext xmlns:c15="http://schemas.microsoft.com/office/drawing/2012/chart" uri="{CE6537A1-D6FC-4f65-9D91-7224C49458BB}"/>
+                <c:ext xmlns:c16="http://schemas.microsoft.com/office/drawing/2014/chart" uri="{C3380CC4-5D6E-409C-BE32-E72D297353CC}">
+                  <c16:uniqueId val="{00000001-3179-4222-AA90-B84E33578852}"/>
+                </c:ext>
+              </c:extLst>
+            </c:dLbl>
             <c:numFmt formatCode="#,##0.0" sourceLinked="0"/>
             <c:spPr>
               <a:noFill/>
@@ -3119,18 +2758,15 @@
               <a:effectLst/>
             </c:spPr>
             <c:txPr>
-              <a:bodyPr rot="0" spcFirstLastPara="1" vertOverflow="ellipsis" vert="horz" wrap="square" lIns="38100" tIns="19050" rIns="38100" bIns="19050" anchor="ctr" anchorCtr="1">
+              <a:bodyPr rot="0" spcFirstLastPara="1" vertOverflow="ellipsis" vert="horz" wrap="square" lIns="38100" tIns="19050" rIns="38100" bIns="19050" anchor="ctr" anchorCtr="0">
                 <a:spAutoFit/>
               </a:bodyPr>
               <a:lstStyle/>
               <a:p>
-                <a:pPr>
-                  <a:defRPr sz="900" b="0" i="0" u="none" strike="noStrike" kern="1200" baseline="0">
+                <a:pPr algn="ctr">
+                  <a:defRPr lang="de-DE" sz="900" b="1" i="0" u="none" strike="noStrike" kern="1200" baseline="0">
                     <a:solidFill>
-                      <a:schemeClr val="tx1">
-                        <a:lumMod val="75000"/>
-                        <a:lumOff val="25000"/>
-                      </a:schemeClr>
+                      <a:schemeClr val="bg1"/>
                     </a:solidFill>
                     <a:latin typeface="+mn-lt"/>
                     <a:ea typeface="+mn-ea"/>
@@ -3206,59 +2842,256 @@
                   <c:v>Elephas maximus indicus                            (99 MYA)</c:v>
                 </c:pt>
                 <c:pt idx="11">
-                  <c:v>Phascolarctos cinereus (160 MYA)</c:v>
+                  <c:v>Phascolarctos cinereus             (160 MYA)</c:v>
                 </c:pt>
               </c:strCache>
             </c:strRef>
           </c:cat>
           <c:val>
             <c:numRef>
-              <c:f>'Suppl. Data 5 - MAMMALS-BUSCO'!$B$2:$B$13</c:f>
+              <c:f>'Suppl. Data 5 - MAMMALS-BUSCO'!$E$2:$E$13</c:f>
               <c:numCache>
                 <c:formatCode>General</c:formatCode>
                 <c:ptCount val="12"/>
-                <c:pt idx="0">
-                  <c:v>99.9</c:v>
+                <c:pt idx="0" formatCode="0.0">
+                  <c:v>0</c:v>
                 </c:pt>
                 <c:pt idx="1">
-                  <c:v>98.796899999999994</c:v>
+                  <c:v>0.31432900000000003</c:v>
                 </c:pt>
                 <c:pt idx="2">
-                  <c:v>98.569299999999998</c:v>
+                  <c:v>0.336007</c:v>
                 </c:pt>
                 <c:pt idx="3">
-                  <c:v>98.471699999999998</c:v>
+                  <c:v>0.455235</c:v>
                 </c:pt>
                 <c:pt idx="4">
-                  <c:v>97.171000000000006</c:v>
+                  <c:v>1.1164099999999999</c:v>
                 </c:pt>
                 <c:pt idx="5">
-                  <c:v>96.4773</c:v>
+                  <c:v>1.3765400000000001</c:v>
                 </c:pt>
                 <c:pt idx="6">
-                  <c:v>96.694100000000006</c:v>
+                  <c:v>1.46326</c:v>
                 </c:pt>
                 <c:pt idx="7">
-                  <c:v>96.921700000000001</c:v>
+                  <c:v>1.3223499999999999</c:v>
                 </c:pt>
                 <c:pt idx="8">
-                  <c:v>95.9679</c:v>
+                  <c:v>1.36571</c:v>
                 </c:pt>
                 <c:pt idx="9">
-                  <c:v>95.762</c:v>
+                  <c:v>1.8968100000000001</c:v>
                 </c:pt>
                 <c:pt idx="10">
-                  <c:v>97.398700000000005</c:v>
+                  <c:v>1.0730500000000001</c:v>
                 </c:pt>
                 <c:pt idx="11">
-                  <c:v>82.506</c:v>
+                  <c:v>6.6767799999999999</c:v>
                 </c:pt>
               </c:numCache>
             </c:numRef>
           </c:val>
           <c:extLst>
             <c:ext xmlns:c16="http://schemas.microsoft.com/office/drawing/2014/chart" uri="{C3380CC4-5D6E-409C-BE32-E72D297353CC}">
-              <c16:uniqueId val="{00000000-1AC5-4D8A-81BD-0ADB6A13EB97}"/>
+              <c16:uniqueId val="{00000002-3179-4222-AA90-B84E33578852}"/>
+            </c:ext>
+          </c:extLst>
+        </c:ser>
+        <c:ser>
+          <c:idx val="2"/>
+          <c:order val="2"/>
+          <c:tx>
+            <c:strRef>
+              <c:f>'Suppl. Data 5 - MAMMALS-BUSCO'!$F$1</c:f>
+              <c:strCache>
+                <c:ptCount val="1"/>
+                <c:pt idx="0">
+                  <c:v>Missing</c:v>
+                </c:pt>
+              </c:strCache>
+            </c:strRef>
+          </c:tx>
+          <c:spPr>
+            <a:solidFill>
+              <a:schemeClr val="accent3"/>
+            </a:solidFill>
+            <a:ln w="0">
+              <a:solidFill>
+                <a:schemeClr val="tx1"/>
+              </a:solidFill>
+            </a:ln>
+            <a:effectLst/>
+          </c:spPr>
+          <c:invertIfNegative val="0"/>
+          <c:dLbls>
+            <c:dLbl>
+              <c:idx val="0"/>
+              <c:layout>
+                <c:manualLayout>
+                  <c:x val="0"/>
+                  <c:y val="3.5420616332669315E-3"/>
+                </c:manualLayout>
+              </c:layout>
+              <c:showLegendKey val="0"/>
+              <c:showVal val="1"/>
+              <c:showCatName val="0"/>
+              <c:showSerName val="0"/>
+              <c:showPercent val="0"/>
+              <c:showBubbleSize val="0"/>
+              <c:extLst>
+                <c:ext xmlns:c15="http://schemas.microsoft.com/office/drawing/2012/chart" uri="{CE6537A1-D6FC-4f65-9D91-7224C49458BB}"/>
+                <c:ext xmlns:c16="http://schemas.microsoft.com/office/drawing/2014/chart" uri="{C3380CC4-5D6E-409C-BE32-E72D297353CC}">
+                  <c16:uniqueId val="{00000003-3179-4222-AA90-B84E33578852}"/>
+                </c:ext>
+              </c:extLst>
+            </c:dLbl>
+            <c:numFmt formatCode="#,##0.0" sourceLinked="0"/>
+            <c:spPr>
+              <a:noFill/>
+              <a:ln>
+                <a:noFill/>
+              </a:ln>
+              <a:effectLst/>
+            </c:spPr>
+            <c:txPr>
+              <a:bodyPr rot="0" spcFirstLastPara="1" vertOverflow="ellipsis" vert="horz" wrap="square" lIns="38100" tIns="19050" rIns="38100" bIns="19050" anchor="ctr" anchorCtr="1">
+                <a:spAutoFit/>
+              </a:bodyPr>
+              <a:lstStyle/>
+              <a:p>
+                <a:pPr>
+                  <a:defRPr sz="900" b="1" i="0" u="none" strike="noStrike" kern="1200" baseline="0">
+                    <a:solidFill>
+                      <a:schemeClr val="bg1"/>
+                    </a:solidFill>
+                    <a:latin typeface="+mn-lt"/>
+                    <a:ea typeface="+mn-ea"/>
+                    <a:cs typeface="+mn-cs"/>
+                  </a:defRPr>
+                </a:pPr>
+                <a:endParaRPr lang="de-DE"/>
+              </a:p>
+            </c:txPr>
+            <c:showLegendKey val="0"/>
+            <c:showVal val="1"/>
+            <c:showCatName val="0"/>
+            <c:showSerName val="0"/>
+            <c:showPercent val="0"/>
+            <c:showBubbleSize val="0"/>
+            <c:showLeaderLines val="0"/>
+            <c:extLst>
+              <c:ext xmlns:c15="http://schemas.microsoft.com/office/drawing/2012/chart" uri="{CE6537A1-D6FC-4f65-9D91-7224C49458BB}">
+                <c15:showLeaderLines val="1"/>
+                <c15:leaderLines>
+                  <c:spPr>
+                    <a:ln w="9525" cap="flat" cmpd="sng" algn="ctr">
+                      <a:solidFill>
+                        <a:schemeClr val="tx1">
+                          <a:lumMod val="35000"/>
+                          <a:lumOff val="65000"/>
+                        </a:schemeClr>
+                      </a:solidFill>
+                      <a:round/>
+                    </a:ln>
+                    <a:effectLst/>
+                  </c:spPr>
+                </c15:leaderLines>
+              </c:ext>
+            </c:extLst>
+          </c:dLbls>
+          <c:cat>
+            <c:strRef>
+              <c:f>'Suppl. Data 5 - MAMMALS-BUSCO'!$I$2:$I$13</c:f>
+              <c:strCache>
+                <c:ptCount val="12"/>
+                <c:pt idx="0">
+                  <c:v>Homo sapiens input annotation</c:v>
+                </c:pt>
+                <c:pt idx="1">
+                  <c:v>Homo sapiens               (0 MYA)</c:v>
+                </c:pt>
+                <c:pt idx="2">
+                  <c:v>Pan paniscus              (6,4 MYA)</c:v>
+                </c:pt>
+                <c:pt idx="3">
+                  <c:v>Pongo abelii             (15,2 MYA)</c:v>
+                </c:pt>
+                <c:pt idx="4">
+                  <c:v>Callithrix jacchus         (43 MYA)</c:v>
+                </c:pt>
+                <c:pt idx="5">
+                  <c:v>Mus musculus              (87 MYA)</c:v>
+                </c:pt>
+                <c:pt idx="6">
+                  <c:v>Capra hircus                   (94 MYA)</c:v>
+                </c:pt>
+                <c:pt idx="7">
+                  <c:v>Bos taurus                      (94 MYA)</c:v>
+                </c:pt>
+                <c:pt idx="8">
+                  <c:v>Orcinus orca               (94 MYA)</c:v>
+                </c:pt>
+                <c:pt idx="9">
+                  <c:v>Rhinolophus ferrumequinum          (94 MYA)</c:v>
+                </c:pt>
+                <c:pt idx="10">
+                  <c:v>Elephas maximus indicus                            (99 MYA)</c:v>
+                </c:pt>
+                <c:pt idx="11">
+                  <c:v>Phascolarctos cinereus             (160 MYA)</c:v>
+                </c:pt>
+              </c:strCache>
+            </c:strRef>
+          </c:cat>
+          <c:val>
+            <c:numRef>
+              <c:f>'Suppl. Data 5 - MAMMALS-BUSCO'!$F$2:$F$13</c:f>
+              <c:numCache>
+                <c:formatCode>General</c:formatCode>
+                <c:ptCount val="12"/>
+                <c:pt idx="0">
+                  <c:v>0.1</c:v>
+                </c:pt>
+                <c:pt idx="1">
+                  <c:v>0.88879300000000006</c:v>
+                </c:pt>
+                <c:pt idx="2">
+                  <c:v>1.09473</c:v>
+                </c:pt>
+                <c:pt idx="3">
+                  <c:v>1.0730500000000001</c:v>
+                </c:pt>
+                <c:pt idx="4">
+                  <c:v>1.71255</c:v>
+                </c:pt>
+                <c:pt idx="5">
+                  <c:v>2.1461100000000002</c:v>
+                </c:pt>
+                <c:pt idx="6">
+                  <c:v>1.8426199999999999</c:v>
+                </c:pt>
+                <c:pt idx="7">
+                  <c:v>1.7559100000000001</c:v>
+                </c:pt>
+                <c:pt idx="8">
+                  <c:v>2.6663800000000002</c:v>
+                </c:pt>
+                <c:pt idx="9">
+                  <c:v>2.3412099999999998</c:v>
+                </c:pt>
+                <c:pt idx="10">
+                  <c:v>1.5282899999999999</c:v>
+                </c:pt>
+                <c:pt idx="11">
+                  <c:v>10.817299999999999</c:v>
+                </c:pt>
+              </c:numCache>
+            </c:numRef>
+          </c:val>
+          <c:extLst>
+            <c:ext xmlns:c16="http://schemas.microsoft.com/office/drawing/2014/chart" uri="{C3380CC4-5D6E-409C-BE32-E72D297353CC}">
+              <c16:uniqueId val="{00000004-3179-4222-AA90-B84E33578852}"/>
             </c:ext>
           </c:extLst>
         </c:ser>
@@ -3271,6 +3104,7 @@
           <c:showBubbleSize val="0"/>
         </c:dLbls>
         <c:gapWidth val="219"/>
+        <c:overlap val="100"/>
         <c:axId val="135202687"/>
         <c:axId val="240816095"/>
       </c:barChart>
@@ -3329,7 +3163,6 @@
         <c:axId val="240816095"/>
         <c:scaling>
           <c:orientation val="minMax"/>
-          <c:max val="100"/>
           <c:min val="80"/>
         </c:scaling>
         <c:delete val="0"/>
@@ -3369,7 +3202,7 @@
                 </a:pPr>
                 <a:r>
                   <a:rPr lang="de-DE"/>
-                  <a:t>Complete BUSCO genes (mammalia_odb10) [%]</a:t>
+                  <a:t>BUSCO genes (mammalia_odb10) [%]</a:t>
                 </a:r>
               </a:p>
             </c:rich>
@@ -3403,7 +3236,7 @@
             </a:p>
           </c:txPr>
         </c:title>
-        <c:numFmt formatCode="General" sourceLinked="1"/>
+        <c:numFmt formatCode="0.0" sourceLinked="0"/>
         <c:majorTickMark val="none"/>
         <c:minorTickMark val="none"/>
         <c:tickLblPos val="nextTo"/>
@@ -3446,6 +3279,37 @@
         <a:effectLst/>
       </c:spPr>
     </c:plotArea>
+    <c:legend>
+      <c:legendPos val="r"/>
+      <c:overlay val="0"/>
+      <c:spPr>
+        <a:noFill/>
+        <a:ln>
+          <a:noFill/>
+        </a:ln>
+        <a:effectLst/>
+      </c:spPr>
+      <c:txPr>
+        <a:bodyPr rot="0" spcFirstLastPara="1" vertOverflow="ellipsis" vert="horz" wrap="square" anchor="ctr" anchorCtr="1"/>
+        <a:lstStyle/>
+        <a:p>
+          <a:pPr>
+            <a:defRPr sz="900" b="0" i="0" u="none" strike="noStrike" kern="1200" baseline="0">
+              <a:solidFill>
+                <a:schemeClr val="tx1">
+                  <a:lumMod val="65000"/>
+                  <a:lumOff val="35000"/>
+                </a:schemeClr>
+              </a:solidFill>
+              <a:latin typeface="+mn-lt"/>
+              <a:ea typeface="+mn-ea"/>
+              <a:cs typeface="+mn-cs"/>
+            </a:defRPr>
+          </a:pPr>
+          <a:endParaRPr lang="de-DE"/>
+        </a:p>
+      </c:txPr>
+    </c:legend>
     <c:plotVisOnly val="1"/>
     <c:dispBlanksAs val="gap"/>
     <c:extLst>
@@ -3601,166 +3465,6 @@
 </file>
 
 <file path=ppt/charts/colors4.xml><?xml version="1.0" encoding="utf-8"?>
-<cs:colorStyle xmlns:cs="http://schemas.microsoft.com/office/drawing/2012/chartStyle" xmlns:a="http://schemas.openxmlformats.org/drawingml/2006/main" meth="cycle" id="10">
-  <a:schemeClr val="accent1"/>
-  <a:schemeClr val="accent2"/>
-  <a:schemeClr val="accent3"/>
-  <a:schemeClr val="accent4"/>
-  <a:schemeClr val="accent5"/>
-  <a:schemeClr val="accent6"/>
-  <cs:variation/>
-  <cs:variation>
-    <a:lumMod val="60000"/>
-  </cs:variation>
-  <cs:variation>
-    <a:lumMod val="80000"/>
-    <a:lumOff val="20000"/>
-  </cs:variation>
-  <cs:variation>
-    <a:lumMod val="80000"/>
-  </cs:variation>
-  <cs:variation>
-    <a:lumMod val="60000"/>
-    <a:lumOff val="40000"/>
-  </cs:variation>
-  <cs:variation>
-    <a:lumMod val="50000"/>
-  </cs:variation>
-  <cs:variation>
-    <a:lumMod val="70000"/>
-    <a:lumOff val="30000"/>
-  </cs:variation>
-  <cs:variation>
-    <a:lumMod val="70000"/>
-  </cs:variation>
-  <cs:variation>
-    <a:lumMod val="50000"/>
-    <a:lumOff val="50000"/>
-  </cs:variation>
-</cs:colorStyle>
-</file>
-
-<file path=ppt/charts/colors5.xml><?xml version="1.0" encoding="utf-8"?>
-<cs:colorStyle xmlns:cs="http://schemas.microsoft.com/office/drawing/2012/chartStyle" xmlns:a="http://schemas.openxmlformats.org/drawingml/2006/main" meth="cycle" id="10">
-  <a:schemeClr val="accent1"/>
-  <a:schemeClr val="accent2"/>
-  <a:schemeClr val="accent3"/>
-  <a:schemeClr val="accent4"/>
-  <a:schemeClr val="accent5"/>
-  <a:schemeClr val="accent6"/>
-  <cs:variation/>
-  <cs:variation>
-    <a:lumMod val="60000"/>
-  </cs:variation>
-  <cs:variation>
-    <a:lumMod val="80000"/>
-    <a:lumOff val="20000"/>
-  </cs:variation>
-  <cs:variation>
-    <a:lumMod val="80000"/>
-  </cs:variation>
-  <cs:variation>
-    <a:lumMod val="60000"/>
-    <a:lumOff val="40000"/>
-  </cs:variation>
-  <cs:variation>
-    <a:lumMod val="50000"/>
-  </cs:variation>
-  <cs:variation>
-    <a:lumMod val="70000"/>
-    <a:lumOff val="30000"/>
-  </cs:variation>
-  <cs:variation>
-    <a:lumMod val="70000"/>
-  </cs:variation>
-  <cs:variation>
-    <a:lumMod val="50000"/>
-    <a:lumOff val="50000"/>
-  </cs:variation>
-</cs:colorStyle>
-</file>
-
-<file path=ppt/charts/colors6.xml><?xml version="1.0" encoding="utf-8"?>
-<cs:colorStyle xmlns:cs="http://schemas.microsoft.com/office/drawing/2012/chartStyle" xmlns:a="http://schemas.openxmlformats.org/drawingml/2006/main" meth="cycle" id="10">
-  <a:schemeClr val="accent1"/>
-  <a:schemeClr val="accent2"/>
-  <a:schemeClr val="accent3"/>
-  <a:schemeClr val="accent4"/>
-  <a:schemeClr val="accent5"/>
-  <a:schemeClr val="accent6"/>
-  <cs:variation/>
-  <cs:variation>
-    <a:lumMod val="60000"/>
-  </cs:variation>
-  <cs:variation>
-    <a:lumMod val="80000"/>
-    <a:lumOff val="20000"/>
-  </cs:variation>
-  <cs:variation>
-    <a:lumMod val="80000"/>
-  </cs:variation>
-  <cs:variation>
-    <a:lumMod val="60000"/>
-    <a:lumOff val="40000"/>
-  </cs:variation>
-  <cs:variation>
-    <a:lumMod val="50000"/>
-  </cs:variation>
-  <cs:variation>
-    <a:lumMod val="70000"/>
-    <a:lumOff val="30000"/>
-  </cs:variation>
-  <cs:variation>
-    <a:lumMod val="70000"/>
-  </cs:variation>
-  <cs:variation>
-    <a:lumMod val="50000"/>
-    <a:lumOff val="50000"/>
-  </cs:variation>
-</cs:colorStyle>
-</file>
-
-<file path=ppt/charts/colors7.xml><?xml version="1.0" encoding="utf-8"?>
-<cs:colorStyle xmlns:cs="http://schemas.microsoft.com/office/drawing/2012/chartStyle" xmlns:a="http://schemas.openxmlformats.org/drawingml/2006/main" meth="cycle" id="10">
-  <a:schemeClr val="accent1"/>
-  <a:schemeClr val="accent2"/>
-  <a:schemeClr val="accent3"/>
-  <a:schemeClr val="accent4"/>
-  <a:schemeClr val="accent5"/>
-  <a:schemeClr val="accent6"/>
-  <cs:variation/>
-  <cs:variation>
-    <a:lumMod val="60000"/>
-  </cs:variation>
-  <cs:variation>
-    <a:lumMod val="80000"/>
-    <a:lumOff val="20000"/>
-  </cs:variation>
-  <cs:variation>
-    <a:lumMod val="80000"/>
-  </cs:variation>
-  <cs:variation>
-    <a:lumMod val="60000"/>
-    <a:lumOff val="40000"/>
-  </cs:variation>
-  <cs:variation>
-    <a:lumMod val="50000"/>
-  </cs:variation>
-  <cs:variation>
-    <a:lumMod val="70000"/>
-    <a:lumOff val="30000"/>
-  </cs:variation>
-  <cs:variation>
-    <a:lumMod val="70000"/>
-  </cs:variation>
-  <cs:variation>
-    <a:lumMod val="50000"/>
-    <a:lumOff val="50000"/>
-  </cs:variation>
-</cs:colorStyle>
-</file>
-
-<file path=ppt/charts/colors8.xml><?xml version="1.0" encoding="utf-8"?>
 <cs:colorStyle xmlns:cs="http://schemas.microsoft.com/office/drawing/2012/chartStyle" xmlns:a="http://schemas.openxmlformats.org/drawingml/2006/main" meth="cycle" id="10">
   <a:schemeClr val="accent1"/>
   <a:schemeClr val="accent2"/>
@@ -5812,2018 +5516,6 @@
 </cs:chartStyle>
 </file>
 
-<file path=ppt/charts/style5.xml><?xml version="1.0" encoding="utf-8"?>
-<cs:chartStyle xmlns:cs="http://schemas.microsoft.com/office/drawing/2012/chartStyle" xmlns:a="http://schemas.openxmlformats.org/drawingml/2006/main" id="201">
-  <cs:axisTitle>
-    <cs:lnRef idx="0"/>
-    <cs:fillRef idx="0"/>
-    <cs:effectRef idx="0"/>
-    <cs:fontRef idx="minor">
-      <a:schemeClr val="tx1">
-        <a:lumMod val="65000"/>
-        <a:lumOff val="35000"/>
-      </a:schemeClr>
-    </cs:fontRef>
-    <cs:defRPr sz="1000" kern="1200"/>
-  </cs:axisTitle>
-  <cs:categoryAxis>
-    <cs:lnRef idx="0"/>
-    <cs:fillRef idx="0"/>
-    <cs:effectRef idx="0"/>
-    <cs:fontRef idx="minor">
-      <a:schemeClr val="tx1">
-        <a:lumMod val="65000"/>
-        <a:lumOff val="35000"/>
-      </a:schemeClr>
-    </cs:fontRef>
-    <cs:spPr>
-      <a:ln w="9525" cap="flat" cmpd="sng" algn="ctr">
-        <a:solidFill>
-          <a:schemeClr val="tx1">
-            <a:lumMod val="15000"/>
-            <a:lumOff val="85000"/>
-          </a:schemeClr>
-        </a:solidFill>
-        <a:round/>
-      </a:ln>
-    </cs:spPr>
-    <cs:defRPr sz="900" kern="1200"/>
-  </cs:categoryAxis>
-  <cs:chartArea mods="allowNoFillOverride allowNoLineOverride">
-    <cs:lnRef idx="0"/>
-    <cs:fillRef idx="0"/>
-    <cs:effectRef idx="0"/>
-    <cs:fontRef idx="minor">
-      <a:schemeClr val="tx1"/>
-    </cs:fontRef>
-    <cs:spPr>
-      <a:solidFill>
-        <a:schemeClr val="bg1"/>
-      </a:solidFill>
-      <a:ln w="9525" cap="flat" cmpd="sng" algn="ctr">
-        <a:solidFill>
-          <a:schemeClr val="tx1">
-            <a:lumMod val="15000"/>
-            <a:lumOff val="85000"/>
-          </a:schemeClr>
-        </a:solidFill>
-        <a:round/>
-      </a:ln>
-    </cs:spPr>
-    <cs:defRPr sz="1000" kern="1200"/>
-  </cs:chartArea>
-  <cs:dataLabel>
-    <cs:lnRef idx="0"/>
-    <cs:fillRef idx="0"/>
-    <cs:effectRef idx="0"/>
-    <cs:fontRef idx="minor">
-      <a:schemeClr val="tx1">
-        <a:lumMod val="75000"/>
-        <a:lumOff val="25000"/>
-      </a:schemeClr>
-    </cs:fontRef>
-    <cs:defRPr sz="900" kern="1200"/>
-  </cs:dataLabel>
-  <cs:dataLabelCallout>
-    <cs:lnRef idx="0"/>
-    <cs:fillRef idx="0"/>
-    <cs:effectRef idx="0"/>
-    <cs:fontRef idx="minor">
-      <a:schemeClr val="dk1">
-        <a:lumMod val="65000"/>
-        <a:lumOff val="35000"/>
-      </a:schemeClr>
-    </cs:fontRef>
-    <cs:spPr>
-      <a:solidFill>
-        <a:schemeClr val="lt1"/>
-      </a:solidFill>
-      <a:ln>
-        <a:solidFill>
-          <a:schemeClr val="dk1">
-            <a:lumMod val="25000"/>
-            <a:lumOff val="75000"/>
-          </a:schemeClr>
-        </a:solidFill>
-      </a:ln>
-    </cs:spPr>
-    <cs:defRPr sz="900" kern="1200"/>
-    <cs:bodyPr rot="0" spcFirstLastPara="1" vertOverflow="clip" horzOverflow="clip" vert="horz" wrap="square" lIns="36576" tIns="18288" rIns="36576" bIns="18288" anchor="ctr" anchorCtr="1">
-      <a:spAutoFit/>
-    </cs:bodyPr>
-  </cs:dataLabelCallout>
-  <cs:dataPoint>
-    <cs:lnRef idx="0"/>
-    <cs:fillRef idx="1">
-      <cs:styleClr val="auto"/>
-    </cs:fillRef>
-    <cs:effectRef idx="0"/>
-    <cs:fontRef idx="minor">
-      <a:schemeClr val="tx1"/>
-    </cs:fontRef>
-  </cs:dataPoint>
-  <cs:dataPoint3D>
-    <cs:lnRef idx="0"/>
-    <cs:fillRef idx="1">
-      <cs:styleClr val="auto"/>
-    </cs:fillRef>
-    <cs:effectRef idx="0"/>
-    <cs:fontRef idx="minor">
-      <a:schemeClr val="tx1"/>
-    </cs:fontRef>
-  </cs:dataPoint3D>
-  <cs:dataPointLine>
-    <cs:lnRef idx="0">
-      <cs:styleClr val="auto"/>
-    </cs:lnRef>
-    <cs:fillRef idx="1"/>
-    <cs:effectRef idx="0"/>
-    <cs:fontRef idx="minor">
-      <a:schemeClr val="tx1"/>
-    </cs:fontRef>
-    <cs:spPr>
-      <a:ln w="28575" cap="rnd">
-        <a:solidFill>
-          <a:schemeClr val="phClr"/>
-        </a:solidFill>
-        <a:round/>
-      </a:ln>
-    </cs:spPr>
-  </cs:dataPointLine>
-  <cs:dataPointMarker>
-    <cs:lnRef idx="0">
-      <cs:styleClr val="auto"/>
-    </cs:lnRef>
-    <cs:fillRef idx="1">
-      <cs:styleClr val="auto"/>
-    </cs:fillRef>
-    <cs:effectRef idx="0"/>
-    <cs:fontRef idx="minor">
-      <a:schemeClr val="tx1"/>
-    </cs:fontRef>
-    <cs:spPr>
-      <a:ln w="9525">
-        <a:solidFill>
-          <a:schemeClr val="phClr"/>
-        </a:solidFill>
-      </a:ln>
-    </cs:spPr>
-  </cs:dataPointMarker>
-  <cs:dataPointMarkerLayout symbol="circle" size="5"/>
-  <cs:dataPointWireframe>
-    <cs:lnRef idx="0">
-      <cs:styleClr val="auto"/>
-    </cs:lnRef>
-    <cs:fillRef idx="1"/>
-    <cs:effectRef idx="0"/>
-    <cs:fontRef idx="minor">
-      <a:schemeClr val="tx1"/>
-    </cs:fontRef>
-    <cs:spPr>
-      <a:ln w="9525" cap="rnd">
-        <a:solidFill>
-          <a:schemeClr val="phClr"/>
-        </a:solidFill>
-        <a:round/>
-      </a:ln>
-    </cs:spPr>
-  </cs:dataPointWireframe>
-  <cs:dataTable>
-    <cs:lnRef idx="0"/>
-    <cs:fillRef idx="0"/>
-    <cs:effectRef idx="0"/>
-    <cs:fontRef idx="minor">
-      <a:schemeClr val="tx1">
-        <a:lumMod val="65000"/>
-        <a:lumOff val="35000"/>
-      </a:schemeClr>
-    </cs:fontRef>
-    <cs:spPr>
-      <a:noFill/>
-      <a:ln w="9525" cap="flat" cmpd="sng" algn="ctr">
-        <a:solidFill>
-          <a:schemeClr val="tx1">
-            <a:lumMod val="15000"/>
-            <a:lumOff val="85000"/>
-          </a:schemeClr>
-        </a:solidFill>
-        <a:round/>
-      </a:ln>
-    </cs:spPr>
-    <cs:defRPr sz="900" kern="1200"/>
-  </cs:dataTable>
-  <cs:downBar>
-    <cs:lnRef idx="0"/>
-    <cs:fillRef idx="0"/>
-    <cs:effectRef idx="0"/>
-    <cs:fontRef idx="minor">
-      <a:schemeClr val="dk1"/>
-    </cs:fontRef>
-    <cs:spPr>
-      <a:solidFill>
-        <a:schemeClr val="dk1">
-          <a:lumMod val="65000"/>
-          <a:lumOff val="35000"/>
-        </a:schemeClr>
-      </a:solidFill>
-      <a:ln w="9525">
-        <a:solidFill>
-          <a:schemeClr val="tx1">
-            <a:lumMod val="65000"/>
-            <a:lumOff val="35000"/>
-          </a:schemeClr>
-        </a:solidFill>
-      </a:ln>
-    </cs:spPr>
-  </cs:downBar>
-  <cs:dropLine>
-    <cs:lnRef idx="0"/>
-    <cs:fillRef idx="0"/>
-    <cs:effectRef idx="0"/>
-    <cs:fontRef idx="minor">
-      <a:schemeClr val="tx1"/>
-    </cs:fontRef>
-    <cs:spPr>
-      <a:ln w="9525" cap="flat" cmpd="sng" algn="ctr">
-        <a:solidFill>
-          <a:schemeClr val="tx1">
-            <a:lumMod val="35000"/>
-            <a:lumOff val="65000"/>
-          </a:schemeClr>
-        </a:solidFill>
-        <a:round/>
-      </a:ln>
-    </cs:spPr>
-  </cs:dropLine>
-  <cs:errorBar>
-    <cs:lnRef idx="0"/>
-    <cs:fillRef idx="0"/>
-    <cs:effectRef idx="0"/>
-    <cs:fontRef idx="minor">
-      <a:schemeClr val="tx1"/>
-    </cs:fontRef>
-    <cs:spPr>
-      <a:ln w="9525" cap="flat" cmpd="sng" algn="ctr">
-        <a:solidFill>
-          <a:schemeClr val="tx1">
-            <a:lumMod val="65000"/>
-            <a:lumOff val="35000"/>
-          </a:schemeClr>
-        </a:solidFill>
-        <a:round/>
-      </a:ln>
-    </cs:spPr>
-  </cs:errorBar>
-  <cs:floor>
-    <cs:lnRef idx="0"/>
-    <cs:fillRef idx="0"/>
-    <cs:effectRef idx="0"/>
-    <cs:fontRef idx="minor">
-      <a:schemeClr val="tx1"/>
-    </cs:fontRef>
-    <cs:spPr>
-      <a:noFill/>
-      <a:ln>
-        <a:noFill/>
-      </a:ln>
-    </cs:spPr>
-  </cs:floor>
-  <cs:gridlineMajor>
-    <cs:lnRef idx="0"/>
-    <cs:fillRef idx="0"/>
-    <cs:effectRef idx="0"/>
-    <cs:fontRef idx="minor">
-      <a:schemeClr val="tx1"/>
-    </cs:fontRef>
-    <cs:spPr>
-      <a:ln w="9525" cap="flat" cmpd="sng" algn="ctr">
-        <a:solidFill>
-          <a:schemeClr val="tx1">
-            <a:lumMod val="15000"/>
-            <a:lumOff val="85000"/>
-          </a:schemeClr>
-        </a:solidFill>
-        <a:round/>
-      </a:ln>
-    </cs:spPr>
-  </cs:gridlineMajor>
-  <cs:gridlineMinor>
-    <cs:lnRef idx="0"/>
-    <cs:fillRef idx="0"/>
-    <cs:effectRef idx="0"/>
-    <cs:fontRef idx="minor">
-      <a:schemeClr val="tx1"/>
-    </cs:fontRef>
-    <cs:spPr>
-      <a:ln w="9525" cap="flat" cmpd="sng" algn="ctr">
-        <a:solidFill>
-          <a:schemeClr val="tx1">
-            <a:lumMod val="5000"/>
-            <a:lumOff val="95000"/>
-          </a:schemeClr>
-        </a:solidFill>
-        <a:round/>
-      </a:ln>
-    </cs:spPr>
-  </cs:gridlineMinor>
-  <cs:hiLoLine>
-    <cs:lnRef idx="0"/>
-    <cs:fillRef idx="0"/>
-    <cs:effectRef idx="0"/>
-    <cs:fontRef idx="minor">
-      <a:schemeClr val="tx1"/>
-    </cs:fontRef>
-    <cs:spPr>
-      <a:ln w="9525" cap="flat" cmpd="sng" algn="ctr">
-        <a:solidFill>
-          <a:schemeClr val="tx1">
-            <a:lumMod val="75000"/>
-            <a:lumOff val="25000"/>
-          </a:schemeClr>
-        </a:solidFill>
-        <a:round/>
-      </a:ln>
-    </cs:spPr>
-  </cs:hiLoLine>
-  <cs:leaderLine>
-    <cs:lnRef idx="0"/>
-    <cs:fillRef idx="0"/>
-    <cs:effectRef idx="0"/>
-    <cs:fontRef idx="minor">
-      <a:schemeClr val="tx1"/>
-    </cs:fontRef>
-    <cs:spPr>
-      <a:ln w="9525" cap="flat" cmpd="sng" algn="ctr">
-        <a:solidFill>
-          <a:schemeClr val="tx1">
-            <a:lumMod val="35000"/>
-            <a:lumOff val="65000"/>
-          </a:schemeClr>
-        </a:solidFill>
-        <a:round/>
-      </a:ln>
-    </cs:spPr>
-  </cs:leaderLine>
-  <cs:legend>
-    <cs:lnRef idx="0"/>
-    <cs:fillRef idx="0"/>
-    <cs:effectRef idx="0"/>
-    <cs:fontRef idx="minor">
-      <a:schemeClr val="tx1">
-        <a:lumMod val="65000"/>
-        <a:lumOff val="35000"/>
-      </a:schemeClr>
-    </cs:fontRef>
-    <cs:defRPr sz="900" kern="1200"/>
-  </cs:legend>
-  <cs:plotArea mods="allowNoFillOverride allowNoLineOverride">
-    <cs:lnRef idx="0"/>
-    <cs:fillRef idx="0"/>
-    <cs:effectRef idx="0"/>
-    <cs:fontRef idx="minor">
-      <a:schemeClr val="tx1"/>
-    </cs:fontRef>
-  </cs:plotArea>
-  <cs:plotArea3D mods="allowNoFillOverride allowNoLineOverride">
-    <cs:lnRef idx="0"/>
-    <cs:fillRef idx="0"/>
-    <cs:effectRef idx="0"/>
-    <cs:fontRef idx="minor">
-      <a:schemeClr val="tx1"/>
-    </cs:fontRef>
-  </cs:plotArea3D>
-  <cs:seriesAxis>
-    <cs:lnRef idx="0"/>
-    <cs:fillRef idx="0"/>
-    <cs:effectRef idx="0"/>
-    <cs:fontRef idx="minor">
-      <a:schemeClr val="tx1">
-        <a:lumMod val="65000"/>
-        <a:lumOff val="35000"/>
-      </a:schemeClr>
-    </cs:fontRef>
-    <cs:defRPr sz="900" kern="1200"/>
-  </cs:seriesAxis>
-  <cs:seriesLine>
-    <cs:lnRef idx="0"/>
-    <cs:fillRef idx="0"/>
-    <cs:effectRef idx="0"/>
-    <cs:fontRef idx="minor">
-      <a:schemeClr val="tx1"/>
-    </cs:fontRef>
-    <cs:spPr>
-      <a:ln w="9525" cap="flat" cmpd="sng" algn="ctr">
-        <a:solidFill>
-          <a:schemeClr val="tx1">
-            <a:lumMod val="35000"/>
-            <a:lumOff val="65000"/>
-          </a:schemeClr>
-        </a:solidFill>
-        <a:round/>
-      </a:ln>
-    </cs:spPr>
-  </cs:seriesLine>
-  <cs:title>
-    <cs:lnRef idx="0"/>
-    <cs:fillRef idx="0"/>
-    <cs:effectRef idx="0"/>
-    <cs:fontRef idx="minor">
-      <a:schemeClr val="tx1">
-        <a:lumMod val="65000"/>
-        <a:lumOff val="35000"/>
-      </a:schemeClr>
-    </cs:fontRef>
-    <cs:defRPr sz="1400" b="0" kern="1200" spc="0" baseline="0"/>
-  </cs:title>
-  <cs:trendline>
-    <cs:lnRef idx="0">
-      <cs:styleClr val="auto"/>
-    </cs:lnRef>
-    <cs:fillRef idx="0"/>
-    <cs:effectRef idx="0"/>
-    <cs:fontRef idx="minor">
-      <a:schemeClr val="tx1"/>
-    </cs:fontRef>
-    <cs:spPr>
-      <a:ln w="19050" cap="rnd">
-        <a:solidFill>
-          <a:schemeClr val="phClr"/>
-        </a:solidFill>
-        <a:prstDash val="sysDot"/>
-      </a:ln>
-    </cs:spPr>
-  </cs:trendline>
-  <cs:trendlineLabel>
-    <cs:lnRef idx="0"/>
-    <cs:fillRef idx="0"/>
-    <cs:effectRef idx="0"/>
-    <cs:fontRef idx="minor">
-      <a:schemeClr val="tx1">
-        <a:lumMod val="65000"/>
-        <a:lumOff val="35000"/>
-      </a:schemeClr>
-    </cs:fontRef>
-    <cs:defRPr sz="900" kern="1200"/>
-  </cs:trendlineLabel>
-  <cs:upBar>
-    <cs:lnRef idx="0"/>
-    <cs:fillRef idx="0"/>
-    <cs:effectRef idx="0"/>
-    <cs:fontRef idx="minor">
-      <a:schemeClr val="dk1"/>
-    </cs:fontRef>
-    <cs:spPr>
-      <a:solidFill>
-        <a:schemeClr val="lt1"/>
-      </a:solidFill>
-      <a:ln w="9525">
-        <a:solidFill>
-          <a:schemeClr val="tx1">
-            <a:lumMod val="15000"/>
-            <a:lumOff val="85000"/>
-          </a:schemeClr>
-        </a:solidFill>
-      </a:ln>
-    </cs:spPr>
-  </cs:upBar>
-  <cs:valueAxis>
-    <cs:lnRef idx="0"/>
-    <cs:fillRef idx="0"/>
-    <cs:effectRef idx="0"/>
-    <cs:fontRef idx="minor">
-      <a:schemeClr val="tx1">
-        <a:lumMod val="65000"/>
-        <a:lumOff val="35000"/>
-      </a:schemeClr>
-    </cs:fontRef>
-    <cs:defRPr sz="900" kern="1200"/>
-  </cs:valueAxis>
-  <cs:wall>
-    <cs:lnRef idx="0"/>
-    <cs:fillRef idx="0"/>
-    <cs:effectRef idx="0"/>
-    <cs:fontRef idx="minor">
-      <a:schemeClr val="tx1"/>
-    </cs:fontRef>
-    <cs:spPr>
-      <a:noFill/>
-      <a:ln>
-        <a:noFill/>
-      </a:ln>
-    </cs:spPr>
-  </cs:wall>
-</cs:chartStyle>
-</file>
-
-<file path=ppt/charts/style6.xml><?xml version="1.0" encoding="utf-8"?>
-<cs:chartStyle xmlns:cs="http://schemas.microsoft.com/office/drawing/2012/chartStyle" xmlns:a="http://schemas.openxmlformats.org/drawingml/2006/main" id="201">
-  <cs:axisTitle>
-    <cs:lnRef idx="0"/>
-    <cs:fillRef idx="0"/>
-    <cs:effectRef idx="0"/>
-    <cs:fontRef idx="minor">
-      <a:schemeClr val="tx1">
-        <a:lumMod val="65000"/>
-        <a:lumOff val="35000"/>
-      </a:schemeClr>
-    </cs:fontRef>
-    <cs:defRPr sz="1000" kern="1200"/>
-  </cs:axisTitle>
-  <cs:categoryAxis>
-    <cs:lnRef idx="0"/>
-    <cs:fillRef idx="0"/>
-    <cs:effectRef idx="0"/>
-    <cs:fontRef idx="minor">
-      <a:schemeClr val="tx1">
-        <a:lumMod val="65000"/>
-        <a:lumOff val="35000"/>
-      </a:schemeClr>
-    </cs:fontRef>
-    <cs:spPr>
-      <a:ln w="9525" cap="flat" cmpd="sng" algn="ctr">
-        <a:solidFill>
-          <a:schemeClr val="tx1">
-            <a:lumMod val="15000"/>
-            <a:lumOff val="85000"/>
-          </a:schemeClr>
-        </a:solidFill>
-        <a:round/>
-      </a:ln>
-    </cs:spPr>
-    <cs:defRPr sz="900" kern="1200"/>
-  </cs:categoryAxis>
-  <cs:chartArea mods="allowNoFillOverride allowNoLineOverride">
-    <cs:lnRef idx="0"/>
-    <cs:fillRef idx="0"/>
-    <cs:effectRef idx="0"/>
-    <cs:fontRef idx="minor">
-      <a:schemeClr val="tx1"/>
-    </cs:fontRef>
-    <cs:spPr>
-      <a:solidFill>
-        <a:schemeClr val="bg1"/>
-      </a:solidFill>
-      <a:ln w="9525" cap="flat" cmpd="sng" algn="ctr">
-        <a:solidFill>
-          <a:schemeClr val="tx1">
-            <a:lumMod val="15000"/>
-            <a:lumOff val="85000"/>
-          </a:schemeClr>
-        </a:solidFill>
-        <a:round/>
-      </a:ln>
-    </cs:spPr>
-    <cs:defRPr sz="1000" kern="1200"/>
-  </cs:chartArea>
-  <cs:dataLabel>
-    <cs:lnRef idx="0"/>
-    <cs:fillRef idx="0"/>
-    <cs:effectRef idx="0"/>
-    <cs:fontRef idx="minor">
-      <a:schemeClr val="tx1">
-        <a:lumMod val="75000"/>
-        <a:lumOff val="25000"/>
-      </a:schemeClr>
-    </cs:fontRef>
-    <cs:defRPr sz="900" kern="1200"/>
-  </cs:dataLabel>
-  <cs:dataLabelCallout>
-    <cs:lnRef idx="0"/>
-    <cs:fillRef idx="0"/>
-    <cs:effectRef idx="0"/>
-    <cs:fontRef idx="minor">
-      <a:schemeClr val="dk1">
-        <a:lumMod val="65000"/>
-        <a:lumOff val="35000"/>
-      </a:schemeClr>
-    </cs:fontRef>
-    <cs:spPr>
-      <a:solidFill>
-        <a:schemeClr val="lt1"/>
-      </a:solidFill>
-      <a:ln>
-        <a:solidFill>
-          <a:schemeClr val="dk1">
-            <a:lumMod val="25000"/>
-            <a:lumOff val="75000"/>
-          </a:schemeClr>
-        </a:solidFill>
-      </a:ln>
-    </cs:spPr>
-    <cs:defRPr sz="900" kern="1200"/>
-    <cs:bodyPr rot="0" spcFirstLastPara="1" vertOverflow="clip" horzOverflow="clip" vert="horz" wrap="square" lIns="36576" tIns="18288" rIns="36576" bIns="18288" anchor="ctr" anchorCtr="1">
-      <a:spAutoFit/>
-    </cs:bodyPr>
-  </cs:dataLabelCallout>
-  <cs:dataPoint>
-    <cs:lnRef idx="0"/>
-    <cs:fillRef idx="1">
-      <cs:styleClr val="auto"/>
-    </cs:fillRef>
-    <cs:effectRef idx="0"/>
-    <cs:fontRef idx="minor">
-      <a:schemeClr val="tx1"/>
-    </cs:fontRef>
-  </cs:dataPoint>
-  <cs:dataPoint3D>
-    <cs:lnRef idx="0"/>
-    <cs:fillRef idx="1">
-      <cs:styleClr val="auto"/>
-    </cs:fillRef>
-    <cs:effectRef idx="0"/>
-    <cs:fontRef idx="minor">
-      <a:schemeClr val="tx1"/>
-    </cs:fontRef>
-  </cs:dataPoint3D>
-  <cs:dataPointLine>
-    <cs:lnRef idx="0">
-      <cs:styleClr val="auto"/>
-    </cs:lnRef>
-    <cs:fillRef idx="1"/>
-    <cs:effectRef idx="0"/>
-    <cs:fontRef idx="minor">
-      <a:schemeClr val="tx1"/>
-    </cs:fontRef>
-    <cs:spPr>
-      <a:ln w="28575" cap="rnd">
-        <a:solidFill>
-          <a:schemeClr val="phClr"/>
-        </a:solidFill>
-        <a:round/>
-      </a:ln>
-    </cs:spPr>
-  </cs:dataPointLine>
-  <cs:dataPointMarker>
-    <cs:lnRef idx="0">
-      <cs:styleClr val="auto"/>
-    </cs:lnRef>
-    <cs:fillRef idx="1">
-      <cs:styleClr val="auto"/>
-    </cs:fillRef>
-    <cs:effectRef idx="0"/>
-    <cs:fontRef idx="minor">
-      <a:schemeClr val="tx1"/>
-    </cs:fontRef>
-    <cs:spPr>
-      <a:ln w="9525">
-        <a:solidFill>
-          <a:schemeClr val="phClr"/>
-        </a:solidFill>
-      </a:ln>
-    </cs:spPr>
-  </cs:dataPointMarker>
-  <cs:dataPointMarkerLayout symbol="circle" size="5"/>
-  <cs:dataPointWireframe>
-    <cs:lnRef idx="0">
-      <cs:styleClr val="auto"/>
-    </cs:lnRef>
-    <cs:fillRef idx="1"/>
-    <cs:effectRef idx="0"/>
-    <cs:fontRef idx="minor">
-      <a:schemeClr val="tx1"/>
-    </cs:fontRef>
-    <cs:spPr>
-      <a:ln w="9525" cap="rnd">
-        <a:solidFill>
-          <a:schemeClr val="phClr"/>
-        </a:solidFill>
-        <a:round/>
-      </a:ln>
-    </cs:spPr>
-  </cs:dataPointWireframe>
-  <cs:dataTable>
-    <cs:lnRef idx="0"/>
-    <cs:fillRef idx="0"/>
-    <cs:effectRef idx="0"/>
-    <cs:fontRef idx="minor">
-      <a:schemeClr val="tx1">
-        <a:lumMod val="65000"/>
-        <a:lumOff val="35000"/>
-      </a:schemeClr>
-    </cs:fontRef>
-    <cs:spPr>
-      <a:noFill/>
-      <a:ln w="9525" cap="flat" cmpd="sng" algn="ctr">
-        <a:solidFill>
-          <a:schemeClr val="tx1">
-            <a:lumMod val="15000"/>
-            <a:lumOff val="85000"/>
-          </a:schemeClr>
-        </a:solidFill>
-        <a:round/>
-      </a:ln>
-    </cs:spPr>
-    <cs:defRPr sz="900" kern="1200"/>
-  </cs:dataTable>
-  <cs:downBar>
-    <cs:lnRef idx="0"/>
-    <cs:fillRef idx="0"/>
-    <cs:effectRef idx="0"/>
-    <cs:fontRef idx="minor">
-      <a:schemeClr val="dk1"/>
-    </cs:fontRef>
-    <cs:spPr>
-      <a:solidFill>
-        <a:schemeClr val="dk1">
-          <a:lumMod val="65000"/>
-          <a:lumOff val="35000"/>
-        </a:schemeClr>
-      </a:solidFill>
-      <a:ln w="9525">
-        <a:solidFill>
-          <a:schemeClr val="tx1">
-            <a:lumMod val="65000"/>
-            <a:lumOff val="35000"/>
-          </a:schemeClr>
-        </a:solidFill>
-      </a:ln>
-    </cs:spPr>
-  </cs:downBar>
-  <cs:dropLine>
-    <cs:lnRef idx="0"/>
-    <cs:fillRef idx="0"/>
-    <cs:effectRef idx="0"/>
-    <cs:fontRef idx="minor">
-      <a:schemeClr val="tx1"/>
-    </cs:fontRef>
-    <cs:spPr>
-      <a:ln w="9525" cap="flat" cmpd="sng" algn="ctr">
-        <a:solidFill>
-          <a:schemeClr val="tx1">
-            <a:lumMod val="35000"/>
-            <a:lumOff val="65000"/>
-          </a:schemeClr>
-        </a:solidFill>
-        <a:round/>
-      </a:ln>
-    </cs:spPr>
-  </cs:dropLine>
-  <cs:errorBar>
-    <cs:lnRef idx="0"/>
-    <cs:fillRef idx="0"/>
-    <cs:effectRef idx="0"/>
-    <cs:fontRef idx="minor">
-      <a:schemeClr val="tx1"/>
-    </cs:fontRef>
-    <cs:spPr>
-      <a:ln w="9525" cap="flat" cmpd="sng" algn="ctr">
-        <a:solidFill>
-          <a:schemeClr val="tx1">
-            <a:lumMod val="65000"/>
-            <a:lumOff val="35000"/>
-          </a:schemeClr>
-        </a:solidFill>
-        <a:round/>
-      </a:ln>
-    </cs:spPr>
-  </cs:errorBar>
-  <cs:floor>
-    <cs:lnRef idx="0"/>
-    <cs:fillRef idx="0"/>
-    <cs:effectRef idx="0"/>
-    <cs:fontRef idx="minor">
-      <a:schemeClr val="tx1"/>
-    </cs:fontRef>
-    <cs:spPr>
-      <a:noFill/>
-      <a:ln>
-        <a:noFill/>
-      </a:ln>
-    </cs:spPr>
-  </cs:floor>
-  <cs:gridlineMajor>
-    <cs:lnRef idx="0"/>
-    <cs:fillRef idx="0"/>
-    <cs:effectRef idx="0"/>
-    <cs:fontRef idx="minor">
-      <a:schemeClr val="tx1"/>
-    </cs:fontRef>
-    <cs:spPr>
-      <a:ln w="9525" cap="flat" cmpd="sng" algn="ctr">
-        <a:solidFill>
-          <a:schemeClr val="tx1">
-            <a:lumMod val="15000"/>
-            <a:lumOff val="85000"/>
-          </a:schemeClr>
-        </a:solidFill>
-        <a:round/>
-      </a:ln>
-    </cs:spPr>
-  </cs:gridlineMajor>
-  <cs:gridlineMinor>
-    <cs:lnRef idx="0"/>
-    <cs:fillRef idx="0"/>
-    <cs:effectRef idx="0"/>
-    <cs:fontRef idx="minor">
-      <a:schemeClr val="tx1"/>
-    </cs:fontRef>
-    <cs:spPr>
-      <a:ln w="9525" cap="flat" cmpd="sng" algn="ctr">
-        <a:solidFill>
-          <a:schemeClr val="tx1">
-            <a:lumMod val="5000"/>
-            <a:lumOff val="95000"/>
-          </a:schemeClr>
-        </a:solidFill>
-        <a:round/>
-      </a:ln>
-    </cs:spPr>
-  </cs:gridlineMinor>
-  <cs:hiLoLine>
-    <cs:lnRef idx="0"/>
-    <cs:fillRef idx="0"/>
-    <cs:effectRef idx="0"/>
-    <cs:fontRef idx="minor">
-      <a:schemeClr val="tx1"/>
-    </cs:fontRef>
-    <cs:spPr>
-      <a:ln w="9525" cap="flat" cmpd="sng" algn="ctr">
-        <a:solidFill>
-          <a:schemeClr val="tx1">
-            <a:lumMod val="75000"/>
-            <a:lumOff val="25000"/>
-          </a:schemeClr>
-        </a:solidFill>
-        <a:round/>
-      </a:ln>
-    </cs:spPr>
-  </cs:hiLoLine>
-  <cs:leaderLine>
-    <cs:lnRef idx="0"/>
-    <cs:fillRef idx="0"/>
-    <cs:effectRef idx="0"/>
-    <cs:fontRef idx="minor">
-      <a:schemeClr val="tx1"/>
-    </cs:fontRef>
-    <cs:spPr>
-      <a:ln w="9525" cap="flat" cmpd="sng" algn="ctr">
-        <a:solidFill>
-          <a:schemeClr val="tx1">
-            <a:lumMod val="35000"/>
-            <a:lumOff val="65000"/>
-          </a:schemeClr>
-        </a:solidFill>
-        <a:round/>
-      </a:ln>
-    </cs:spPr>
-  </cs:leaderLine>
-  <cs:legend>
-    <cs:lnRef idx="0"/>
-    <cs:fillRef idx="0"/>
-    <cs:effectRef idx="0"/>
-    <cs:fontRef idx="minor">
-      <a:schemeClr val="tx1">
-        <a:lumMod val="65000"/>
-        <a:lumOff val="35000"/>
-      </a:schemeClr>
-    </cs:fontRef>
-    <cs:defRPr sz="900" kern="1200"/>
-  </cs:legend>
-  <cs:plotArea mods="allowNoFillOverride allowNoLineOverride">
-    <cs:lnRef idx="0"/>
-    <cs:fillRef idx="0"/>
-    <cs:effectRef idx="0"/>
-    <cs:fontRef idx="minor">
-      <a:schemeClr val="tx1"/>
-    </cs:fontRef>
-  </cs:plotArea>
-  <cs:plotArea3D mods="allowNoFillOverride allowNoLineOverride">
-    <cs:lnRef idx="0"/>
-    <cs:fillRef idx="0"/>
-    <cs:effectRef idx="0"/>
-    <cs:fontRef idx="minor">
-      <a:schemeClr val="tx1"/>
-    </cs:fontRef>
-  </cs:plotArea3D>
-  <cs:seriesAxis>
-    <cs:lnRef idx="0"/>
-    <cs:fillRef idx="0"/>
-    <cs:effectRef idx="0"/>
-    <cs:fontRef idx="minor">
-      <a:schemeClr val="tx1">
-        <a:lumMod val="65000"/>
-        <a:lumOff val="35000"/>
-      </a:schemeClr>
-    </cs:fontRef>
-    <cs:defRPr sz="900" kern="1200"/>
-  </cs:seriesAxis>
-  <cs:seriesLine>
-    <cs:lnRef idx="0"/>
-    <cs:fillRef idx="0"/>
-    <cs:effectRef idx="0"/>
-    <cs:fontRef idx="minor">
-      <a:schemeClr val="tx1"/>
-    </cs:fontRef>
-    <cs:spPr>
-      <a:ln w="9525" cap="flat" cmpd="sng" algn="ctr">
-        <a:solidFill>
-          <a:schemeClr val="tx1">
-            <a:lumMod val="35000"/>
-            <a:lumOff val="65000"/>
-          </a:schemeClr>
-        </a:solidFill>
-        <a:round/>
-      </a:ln>
-    </cs:spPr>
-  </cs:seriesLine>
-  <cs:title>
-    <cs:lnRef idx="0"/>
-    <cs:fillRef idx="0"/>
-    <cs:effectRef idx="0"/>
-    <cs:fontRef idx="minor">
-      <a:schemeClr val="tx1">
-        <a:lumMod val="65000"/>
-        <a:lumOff val="35000"/>
-      </a:schemeClr>
-    </cs:fontRef>
-    <cs:defRPr sz="1400" b="0" kern="1200" spc="0" baseline="0"/>
-  </cs:title>
-  <cs:trendline>
-    <cs:lnRef idx="0">
-      <cs:styleClr val="auto"/>
-    </cs:lnRef>
-    <cs:fillRef idx="0"/>
-    <cs:effectRef idx="0"/>
-    <cs:fontRef idx="minor">
-      <a:schemeClr val="tx1"/>
-    </cs:fontRef>
-    <cs:spPr>
-      <a:ln w="19050" cap="rnd">
-        <a:solidFill>
-          <a:schemeClr val="phClr"/>
-        </a:solidFill>
-        <a:prstDash val="sysDot"/>
-      </a:ln>
-    </cs:spPr>
-  </cs:trendline>
-  <cs:trendlineLabel>
-    <cs:lnRef idx="0"/>
-    <cs:fillRef idx="0"/>
-    <cs:effectRef idx="0"/>
-    <cs:fontRef idx="minor">
-      <a:schemeClr val="tx1">
-        <a:lumMod val="65000"/>
-        <a:lumOff val="35000"/>
-      </a:schemeClr>
-    </cs:fontRef>
-    <cs:defRPr sz="900" kern="1200"/>
-  </cs:trendlineLabel>
-  <cs:upBar>
-    <cs:lnRef idx="0"/>
-    <cs:fillRef idx="0"/>
-    <cs:effectRef idx="0"/>
-    <cs:fontRef idx="minor">
-      <a:schemeClr val="dk1"/>
-    </cs:fontRef>
-    <cs:spPr>
-      <a:solidFill>
-        <a:schemeClr val="lt1"/>
-      </a:solidFill>
-      <a:ln w="9525">
-        <a:solidFill>
-          <a:schemeClr val="tx1">
-            <a:lumMod val="15000"/>
-            <a:lumOff val="85000"/>
-          </a:schemeClr>
-        </a:solidFill>
-      </a:ln>
-    </cs:spPr>
-  </cs:upBar>
-  <cs:valueAxis>
-    <cs:lnRef idx="0"/>
-    <cs:fillRef idx="0"/>
-    <cs:effectRef idx="0"/>
-    <cs:fontRef idx="minor">
-      <a:schemeClr val="tx1">
-        <a:lumMod val="65000"/>
-        <a:lumOff val="35000"/>
-      </a:schemeClr>
-    </cs:fontRef>
-    <cs:defRPr sz="900" kern="1200"/>
-  </cs:valueAxis>
-  <cs:wall>
-    <cs:lnRef idx="0"/>
-    <cs:fillRef idx="0"/>
-    <cs:effectRef idx="0"/>
-    <cs:fontRef idx="minor">
-      <a:schemeClr val="tx1"/>
-    </cs:fontRef>
-    <cs:spPr>
-      <a:noFill/>
-      <a:ln>
-        <a:noFill/>
-      </a:ln>
-    </cs:spPr>
-  </cs:wall>
-</cs:chartStyle>
-</file>
-
-<file path=ppt/charts/style7.xml><?xml version="1.0" encoding="utf-8"?>
-<cs:chartStyle xmlns:cs="http://schemas.microsoft.com/office/drawing/2012/chartStyle" xmlns:a="http://schemas.openxmlformats.org/drawingml/2006/main" id="201">
-  <cs:axisTitle>
-    <cs:lnRef idx="0"/>
-    <cs:fillRef idx="0"/>
-    <cs:effectRef idx="0"/>
-    <cs:fontRef idx="minor">
-      <a:schemeClr val="tx1">
-        <a:lumMod val="65000"/>
-        <a:lumOff val="35000"/>
-      </a:schemeClr>
-    </cs:fontRef>
-    <cs:defRPr sz="1000" kern="1200"/>
-  </cs:axisTitle>
-  <cs:categoryAxis>
-    <cs:lnRef idx="0"/>
-    <cs:fillRef idx="0"/>
-    <cs:effectRef idx="0"/>
-    <cs:fontRef idx="minor">
-      <a:schemeClr val="tx1">
-        <a:lumMod val="65000"/>
-        <a:lumOff val="35000"/>
-      </a:schemeClr>
-    </cs:fontRef>
-    <cs:spPr>
-      <a:ln w="9525" cap="flat" cmpd="sng" algn="ctr">
-        <a:solidFill>
-          <a:schemeClr val="tx1">
-            <a:lumMod val="15000"/>
-            <a:lumOff val="85000"/>
-          </a:schemeClr>
-        </a:solidFill>
-        <a:round/>
-      </a:ln>
-    </cs:spPr>
-    <cs:defRPr sz="900" kern="1200"/>
-  </cs:categoryAxis>
-  <cs:chartArea mods="allowNoFillOverride allowNoLineOverride">
-    <cs:lnRef idx="0"/>
-    <cs:fillRef idx="0"/>
-    <cs:effectRef idx="0"/>
-    <cs:fontRef idx="minor">
-      <a:schemeClr val="tx1"/>
-    </cs:fontRef>
-    <cs:spPr>
-      <a:solidFill>
-        <a:schemeClr val="bg1"/>
-      </a:solidFill>
-      <a:ln w="9525" cap="flat" cmpd="sng" algn="ctr">
-        <a:solidFill>
-          <a:schemeClr val="tx1">
-            <a:lumMod val="15000"/>
-            <a:lumOff val="85000"/>
-          </a:schemeClr>
-        </a:solidFill>
-        <a:round/>
-      </a:ln>
-    </cs:spPr>
-    <cs:defRPr sz="1000" kern="1200"/>
-  </cs:chartArea>
-  <cs:dataLabel>
-    <cs:lnRef idx="0"/>
-    <cs:fillRef idx="0"/>
-    <cs:effectRef idx="0"/>
-    <cs:fontRef idx="minor">
-      <a:schemeClr val="tx1">
-        <a:lumMod val="75000"/>
-        <a:lumOff val="25000"/>
-      </a:schemeClr>
-    </cs:fontRef>
-    <cs:defRPr sz="900" kern="1200"/>
-  </cs:dataLabel>
-  <cs:dataLabelCallout>
-    <cs:lnRef idx="0"/>
-    <cs:fillRef idx="0"/>
-    <cs:effectRef idx="0"/>
-    <cs:fontRef idx="minor">
-      <a:schemeClr val="dk1">
-        <a:lumMod val="65000"/>
-        <a:lumOff val="35000"/>
-      </a:schemeClr>
-    </cs:fontRef>
-    <cs:spPr>
-      <a:solidFill>
-        <a:schemeClr val="lt1"/>
-      </a:solidFill>
-      <a:ln>
-        <a:solidFill>
-          <a:schemeClr val="dk1">
-            <a:lumMod val="25000"/>
-            <a:lumOff val="75000"/>
-          </a:schemeClr>
-        </a:solidFill>
-      </a:ln>
-    </cs:spPr>
-    <cs:defRPr sz="900" kern="1200"/>
-    <cs:bodyPr rot="0" spcFirstLastPara="1" vertOverflow="clip" horzOverflow="clip" vert="horz" wrap="square" lIns="36576" tIns="18288" rIns="36576" bIns="18288" anchor="ctr" anchorCtr="1">
-      <a:spAutoFit/>
-    </cs:bodyPr>
-  </cs:dataLabelCallout>
-  <cs:dataPoint>
-    <cs:lnRef idx="0"/>
-    <cs:fillRef idx="1">
-      <cs:styleClr val="auto"/>
-    </cs:fillRef>
-    <cs:effectRef idx="0"/>
-    <cs:fontRef idx="minor">
-      <a:schemeClr val="tx1"/>
-    </cs:fontRef>
-  </cs:dataPoint>
-  <cs:dataPoint3D>
-    <cs:lnRef idx="0"/>
-    <cs:fillRef idx="1">
-      <cs:styleClr val="auto"/>
-    </cs:fillRef>
-    <cs:effectRef idx="0"/>
-    <cs:fontRef idx="minor">
-      <a:schemeClr val="tx1"/>
-    </cs:fontRef>
-  </cs:dataPoint3D>
-  <cs:dataPointLine>
-    <cs:lnRef idx="0">
-      <cs:styleClr val="auto"/>
-    </cs:lnRef>
-    <cs:fillRef idx="1"/>
-    <cs:effectRef idx="0"/>
-    <cs:fontRef idx="minor">
-      <a:schemeClr val="tx1"/>
-    </cs:fontRef>
-    <cs:spPr>
-      <a:ln w="28575" cap="rnd">
-        <a:solidFill>
-          <a:schemeClr val="phClr"/>
-        </a:solidFill>
-        <a:round/>
-      </a:ln>
-    </cs:spPr>
-  </cs:dataPointLine>
-  <cs:dataPointMarker>
-    <cs:lnRef idx="0">
-      <cs:styleClr val="auto"/>
-    </cs:lnRef>
-    <cs:fillRef idx="1">
-      <cs:styleClr val="auto"/>
-    </cs:fillRef>
-    <cs:effectRef idx="0"/>
-    <cs:fontRef idx="minor">
-      <a:schemeClr val="tx1"/>
-    </cs:fontRef>
-    <cs:spPr>
-      <a:ln w="9525">
-        <a:solidFill>
-          <a:schemeClr val="phClr"/>
-        </a:solidFill>
-      </a:ln>
-    </cs:spPr>
-  </cs:dataPointMarker>
-  <cs:dataPointMarkerLayout symbol="circle" size="5"/>
-  <cs:dataPointWireframe>
-    <cs:lnRef idx="0">
-      <cs:styleClr val="auto"/>
-    </cs:lnRef>
-    <cs:fillRef idx="1"/>
-    <cs:effectRef idx="0"/>
-    <cs:fontRef idx="minor">
-      <a:schemeClr val="tx1"/>
-    </cs:fontRef>
-    <cs:spPr>
-      <a:ln w="9525" cap="rnd">
-        <a:solidFill>
-          <a:schemeClr val="phClr"/>
-        </a:solidFill>
-        <a:round/>
-      </a:ln>
-    </cs:spPr>
-  </cs:dataPointWireframe>
-  <cs:dataTable>
-    <cs:lnRef idx="0"/>
-    <cs:fillRef idx="0"/>
-    <cs:effectRef idx="0"/>
-    <cs:fontRef idx="minor">
-      <a:schemeClr val="tx1">
-        <a:lumMod val="65000"/>
-        <a:lumOff val="35000"/>
-      </a:schemeClr>
-    </cs:fontRef>
-    <cs:spPr>
-      <a:noFill/>
-      <a:ln w="9525" cap="flat" cmpd="sng" algn="ctr">
-        <a:solidFill>
-          <a:schemeClr val="tx1">
-            <a:lumMod val="15000"/>
-            <a:lumOff val="85000"/>
-          </a:schemeClr>
-        </a:solidFill>
-        <a:round/>
-      </a:ln>
-    </cs:spPr>
-    <cs:defRPr sz="900" kern="1200"/>
-  </cs:dataTable>
-  <cs:downBar>
-    <cs:lnRef idx="0"/>
-    <cs:fillRef idx="0"/>
-    <cs:effectRef idx="0"/>
-    <cs:fontRef idx="minor">
-      <a:schemeClr val="dk1"/>
-    </cs:fontRef>
-    <cs:spPr>
-      <a:solidFill>
-        <a:schemeClr val="dk1">
-          <a:lumMod val="65000"/>
-          <a:lumOff val="35000"/>
-        </a:schemeClr>
-      </a:solidFill>
-      <a:ln w="9525">
-        <a:solidFill>
-          <a:schemeClr val="tx1">
-            <a:lumMod val="65000"/>
-            <a:lumOff val="35000"/>
-          </a:schemeClr>
-        </a:solidFill>
-      </a:ln>
-    </cs:spPr>
-  </cs:downBar>
-  <cs:dropLine>
-    <cs:lnRef idx="0"/>
-    <cs:fillRef idx="0"/>
-    <cs:effectRef idx="0"/>
-    <cs:fontRef idx="minor">
-      <a:schemeClr val="tx1"/>
-    </cs:fontRef>
-    <cs:spPr>
-      <a:ln w="9525" cap="flat" cmpd="sng" algn="ctr">
-        <a:solidFill>
-          <a:schemeClr val="tx1">
-            <a:lumMod val="35000"/>
-            <a:lumOff val="65000"/>
-          </a:schemeClr>
-        </a:solidFill>
-        <a:round/>
-      </a:ln>
-    </cs:spPr>
-  </cs:dropLine>
-  <cs:errorBar>
-    <cs:lnRef idx="0"/>
-    <cs:fillRef idx="0"/>
-    <cs:effectRef idx="0"/>
-    <cs:fontRef idx="minor">
-      <a:schemeClr val="tx1"/>
-    </cs:fontRef>
-    <cs:spPr>
-      <a:ln w="9525" cap="flat" cmpd="sng" algn="ctr">
-        <a:solidFill>
-          <a:schemeClr val="tx1">
-            <a:lumMod val="65000"/>
-            <a:lumOff val="35000"/>
-          </a:schemeClr>
-        </a:solidFill>
-        <a:round/>
-      </a:ln>
-    </cs:spPr>
-  </cs:errorBar>
-  <cs:floor>
-    <cs:lnRef idx="0"/>
-    <cs:fillRef idx="0"/>
-    <cs:effectRef idx="0"/>
-    <cs:fontRef idx="minor">
-      <a:schemeClr val="tx1"/>
-    </cs:fontRef>
-    <cs:spPr>
-      <a:noFill/>
-      <a:ln>
-        <a:noFill/>
-      </a:ln>
-    </cs:spPr>
-  </cs:floor>
-  <cs:gridlineMajor>
-    <cs:lnRef idx="0"/>
-    <cs:fillRef idx="0"/>
-    <cs:effectRef idx="0"/>
-    <cs:fontRef idx="minor">
-      <a:schemeClr val="tx1"/>
-    </cs:fontRef>
-    <cs:spPr>
-      <a:ln w="9525" cap="flat" cmpd="sng" algn="ctr">
-        <a:solidFill>
-          <a:schemeClr val="tx1">
-            <a:lumMod val="15000"/>
-            <a:lumOff val="85000"/>
-          </a:schemeClr>
-        </a:solidFill>
-        <a:round/>
-      </a:ln>
-    </cs:spPr>
-  </cs:gridlineMajor>
-  <cs:gridlineMinor>
-    <cs:lnRef idx="0"/>
-    <cs:fillRef idx="0"/>
-    <cs:effectRef idx="0"/>
-    <cs:fontRef idx="minor">
-      <a:schemeClr val="tx1"/>
-    </cs:fontRef>
-    <cs:spPr>
-      <a:ln w="9525" cap="flat" cmpd="sng" algn="ctr">
-        <a:solidFill>
-          <a:schemeClr val="tx1">
-            <a:lumMod val="5000"/>
-            <a:lumOff val="95000"/>
-          </a:schemeClr>
-        </a:solidFill>
-        <a:round/>
-      </a:ln>
-    </cs:spPr>
-  </cs:gridlineMinor>
-  <cs:hiLoLine>
-    <cs:lnRef idx="0"/>
-    <cs:fillRef idx="0"/>
-    <cs:effectRef idx="0"/>
-    <cs:fontRef idx="minor">
-      <a:schemeClr val="tx1"/>
-    </cs:fontRef>
-    <cs:spPr>
-      <a:ln w="9525" cap="flat" cmpd="sng" algn="ctr">
-        <a:solidFill>
-          <a:schemeClr val="tx1">
-            <a:lumMod val="75000"/>
-            <a:lumOff val="25000"/>
-          </a:schemeClr>
-        </a:solidFill>
-        <a:round/>
-      </a:ln>
-    </cs:spPr>
-  </cs:hiLoLine>
-  <cs:leaderLine>
-    <cs:lnRef idx="0"/>
-    <cs:fillRef idx="0"/>
-    <cs:effectRef idx="0"/>
-    <cs:fontRef idx="minor">
-      <a:schemeClr val="tx1"/>
-    </cs:fontRef>
-    <cs:spPr>
-      <a:ln w="9525" cap="flat" cmpd="sng" algn="ctr">
-        <a:solidFill>
-          <a:schemeClr val="tx1">
-            <a:lumMod val="35000"/>
-            <a:lumOff val="65000"/>
-          </a:schemeClr>
-        </a:solidFill>
-        <a:round/>
-      </a:ln>
-    </cs:spPr>
-  </cs:leaderLine>
-  <cs:legend>
-    <cs:lnRef idx="0"/>
-    <cs:fillRef idx="0"/>
-    <cs:effectRef idx="0"/>
-    <cs:fontRef idx="minor">
-      <a:schemeClr val="tx1">
-        <a:lumMod val="65000"/>
-        <a:lumOff val="35000"/>
-      </a:schemeClr>
-    </cs:fontRef>
-    <cs:defRPr sz="900" kern="1200"/>
-  </cs:legend>
-  <cs:plotArea mods="allowNoFillOverride allowNoLineOverride">
-    <cs:lnRef idx="0"/>
-    <cs:fillRef idx="0"/>
-    <cs:effectRef idx="0"/>
-    <cs:fontRef idx="minor">
-      <a:schemeClr val="tx1"/>
-    </cs:fontRef>
-  </cs:plotArea>
-  <cs:plotArea3D mods="allowNoFillOverride allowNoLineOverride">
-    <cs:lnRef idx="0"/>
-    <cs:fillRef idx="0"/>
-    <cs:effectRef idx="0"/>
-    <cs:fontRef idx="minor">
-      <a:schemeClr val="tx1"/>
-    </cs:fontRef>
-  </cs:plotArea3D>
-  <cs:seriesAxis>
-    <cs:lnRef idx="0"/>
-    <cs:fillRef idx="0"/>
-    <cs:effectRef idx="0"/>
-    <cs:fontRef idx="minor">
-      <a:schemeClr val="tx1">
-        <a:lumMod val="65000"/>
-        <a:lumOff val="35000"/>
-      </a:schemeClr>
-    </cs:fontRef>
-    <cs:defRPr sz="900" kern="1200"/>
-  </cs:seriesAxis>
-  <cs:seriesLine>
-    <cs:lnRef idx="0"/>
-    <cs:fillRef idx="0"/>
-    <cs:effectRef idx="0"/>
-    <cs:fontRef idx="minor">
-      <a:schemeClr val="tx1"/>
-    </cs:fontRef>
-    <cs:spPr>
-      <a:ln w="9525" cap="flat" cmpd="sng" algn="ctr">
-        <a:solidFill>
-          <a:schemeClr val="tx1">
-            <a:lumMod val="35000"/>
-            <a:lumOff val="65000"/>
-          </a:schemeClr>
-        </a:solidFill>
-        <a:round/>
-      </a:ln>
-    </cs:spPr>
-  </cs:seriesLine>
-  <cs:title>
-    <cs:lnRef idx="0"/>
-    <cs:fillRef idx="0"/>
-    <cs:effectRef idx="0"/>
-    <cs:fontRef idx="minor">
-      <a:schemeClr val="tx1">
-        <a:lumMod val="65000"/>
-        <a:lumOff val="35000"/>
-      </a:schemeClr>
-    </cs:fontRef>
-    <cs:defRPr sz="1400" b="0" kern="1200" spc="0" baseline="0"/>
-  </cs:title>
-  <cs:trendline>
-    <cs:lnRef idx="0">
-      <cs:styleClr val="auto"/>
-    </cs:lnRef>
-    <cs:fillRef idx="0"/>
-    <cs:effectRef idx="0"/>
-    <cs:fontRef idx="minor">
-      <a:schemeClr val="tx1"/>
-    </cs:fontRef>
-    <cs:spPr>
-      <a:ln w="19050" cap="rnd">
-        <a:solidFill>
-          <a:schemeClr val="phClr"/>
-        </a:solidFill>
-        <a:prstDash val="sysDot"/>
-      </a:ln>
-    </cs:spPr>
-  </cs:trendline>
-  <cs:trendlineLabel>
-    <cs:lnRef idx="0"/>
-    <cs:fillRef idx="0"/>
-    <cs:effectRef idx="0"/>
-    <cs:fontRef idx="minor">
-      <a:schemeClr val="tx1">
-        <a:lumMod val="65000"/>
-        <a:lumOff val="35000"/>
-      </a:schemeClr>
-    </cs:fontRef>
-    <cs:defRPr sz="900" kern="1200"/>
-  </cs:trendlineLabel>
-  <cs:upBar>
-    <cs:lnRef idx="0"/>
-    <cs:fillRef idx="0"/>
-    <cs:effectRef idx="0"/>
-    <cs:fontRef idx="minor">
-      <a:schemeClr val="dk1"/>
-    </cs:fontRef>
-    <cs:spPr>
-      <a:solidFill>
-        <a:schemeClr val="lt1"/>
-      </a:solidFill>
-      <a:ln w="9525">
-        <a:solidFill>
-          <a:schemeClr val="tx1">
-            <a:lumMod val="15000"/>
-            <a:lumOff val="85000"/>
-          </a:schemeClr>
-        </a:solidFill>
-      </a:ln>
-    </cs:spPr>
-  </cs:upBar>
-  <cs:valueAxis>
-    <cs:lnRef idx="0"/>
-    <cs:fillRef idx="0"/>
-    <cs:effectRef idx="0"/>
-    <cs:fontRef idx="minor">
-      <a:schemeClr val="tx1">
-        <a:lumMod val="65000"/>
-        <a:lumOff val="35000"/>
-      </a:schemeClr>
-    </cs:fontRef>
-    <cs:defRPr sz="900" kern="1200"/>
-  </cs:valueAxis>
-  <cs:wall>
-    <cs:lnRef idx="0"/>
-    <cs:fillRef idx="0"/>
-    <cs:effectRef idx="0"/>
-    <cs:fontRef idx="minor">
-      <a:schemeClr val="tx1"/>
-    </cs:fontRef>
-    <cs:spPr>
-      <a:noFill/>
-      <a:ln>
-        <a:noFill/>
-      </a:ln>
-    </cs:spPr>
-  </cs:wall>
-</cs:chartStyle>
-</file>
-
-<file path=ppt/charts/style8.xml><?xml version="1.0" encoding="utf-8"?>
-<cs:chartStyle xmlns:cs="http://schemas.microsoft.com/office/drawing/2012/chartStyle" xmlns:a="http://schemas.openxmlformats.org/drawingml/2006/main" id="201">
-  <cs:axisTitle>
-    <cs:lnRef idx="0"/>
-    <cs:fillRef idx="0"/>
-    <cs:effectRef idx="0"/>
-    <cs:fontRef idx="minor">
-      <a:schemeClr val="tx1">
-        <a:lumMod val="65000"/>
-        <a:lumOff val="35000"/>
-      </a:schemeClr>
-    </cs:fontRef>
-    <cs:defRPr sz="1000" kern="1200"/>
-  </cs:axisTitle>
-  <cs:categoryAxis>
-    <cs:lnRef idx="0"/>
-    <cs:fillRef idx="0"/>
-    <cs:effectRef idx="0"/>
-    <cs:fontRef idx="minor">
-      <a:schemeClr val="tx1">
-        <a:lumMod val="65000"/>
-        <a:lumOff val="35000"/>
-      </a:schemeClr>
-    </cs:fontRef>
-    <cs:spPr>
-      <a:ln w="9525" cap="flat" cmpd="sng" algn="ctr">
-        <a:solidFill>
-          <a:schemeClr val="tx1">
-            <a:lumMod val="15000"/>
-            <a:lumOff val="85000"/>
-          </a:schemeClr>
-        </a:solidFill>
-        <a:round/>
-      </a:ln>
-    </cs:spPr>
-    <cs:defRPr sz="900" kern="1200"/>
-  </cs:categoryAxis>
-  <cs:chartArea mods="allowNoFillOverride allowNoLineOverride">
-    <cs:lnRef idx="0"/>
-    <cs:fillRef idx="0"/>
-    <cs:effectRef idx="0"/>
-    <cs:fontRef idx="minor">
-      <a:schemeClr val="tx1"/>
-    </cs:fontRef>
-    <cs:spPr>
-      <a:solidFill>
-        <a:schemeClr val="bg1"/>
-      </a:solidFill>
-      <a:ln w="9525" cap="flat" cmpd="sng" algn="ctr">
-        <a:solidFill>
-          <a:schemeClr val="tx1">
-            <a:lumMod val="15000"/>
-            <a:lumOff val="85000"/>
-          </a:schemeClr>
-        </a:solidFill>
-        <a:round/>
-      </a:ln>
-    </cs:spPr>
-    <cs:defRPr sz="1000" kern="1200"/>
-  </cs:chartArea>
-  <cs:dataLabel>
-    <cs:lnRef idx="0"/>
-    <cs:fillRef idx="0"/>
-    <cs:effectRef idx="0"/>
-    <cs:fontRef idx="minor">
-      <a:schemeClr val="tx1">
-        <a:lumMod val="75000"/>
-        <a:lumOff val="25000"/>
-      </a:schemeClr>
-    </cs:fontRef>
-    <cs:defRPr sz="900" kern="1200"/>
-  </cs:dataLabel>
-  <cs:dataLabelCallout>
-    <cs:lnRef idx="0"/>
-    <cs:fillRef idx="0"/>
-    <cs:effectRef idx="0"/>
-    <cs:fontRef idx="minor">
-      <a:schemeClr val="dk1">
-        <a:lumMod val="65000"/>
-        <a:lumOff val="35000"/>
-      </a:schemeClr>
-    </cs:fontRef>
-    <cs:spPr>
-      <a:solidFill>
-        <a:schemeClr val="lt1"/>
-      </a:solidFill>
-      <a:ln>
-        <a:solidFill>
-          <a:schemeClr val="dk1">
-            <a:lumMod val="25000"/>
-            <a:lumOff val="75000"/>
-          </a:schemeClr>
-        </a:solidFill>
-      </a:ln>
-    </cs:spPr>
-    <cs:defRPr sz="900" kern="1200"/>
-    <cs:bodyPr rot="0" spcFirstLastPara="1" vertOverflow="clip" horzOverflow="clip" vert="horz" wrap="square" lIns="36576" tIns="18288" rIns="36576" bIns="18288" anchor="ctr" anchorCtr="1">
-      <a:spAutoFit/>
-    </cs:bodyPr>
-  </cs:dataLabelCallout>
-  <cs:dataPoint>
-    <cs:lnRef idx="0"/>
-    <cs:fillRef idx="1">
-      <cs:styleClr val="auto"/>
-    </cs:fillRef>
-    <cs:effectRef idx="0"/>
-    <cs:fontRef idx="minor">
-      <a:schemeClr val="tx1"/>
-    </cs:fontRef>
-  </cs:dataPoint>
-  <cs:dataPoint3D>
-    <cs:lnRef idx="0"/>
-    <cs:fillRef idx="1">
-      <cs:styleClr val="auto"/>
-    </cs:fillRef>
-    <cs:effectRef idx="0"/>
-    <cs:fontRef idx="minor">
-      <a:schemeClr val="tx1"/>
-    </cs:fontRef>
-  </cs:dataPoint3D>
-  <cs:dataPointLine>
-    <cs:lnRef idx="0">
-      <cs:styleClr val="auto"/>
-    </cs:lnRef>
-    <cs:fillRef idx="1"/>
-    <cs:effectRef idx="0"/>
-    <cs:fontRef idx="minor">
-      <a:schemeClr val="tx1"/>
-    </cs:fontRef>
-    <cs:spPr>
-      <a:ln w="28575" cap="rnd">
-        <a:solidFill>
-          <a:schemeClr val="phClr"/>
-        </a:solidFill>
-        <a:round/>
-      </a:ln>
-    </cs:spPr>
-  </cs:dataPointLine>
-  <cs:dataPointMarker>
-    <cs:lnRef idx="0">
-      <cs:styleClr val="auto"/>
-    </cs:lnRef>
-    <cs:fillRef idx="1">
-      <cs:styleClr val="auto"/>
-    </cs:fillRef>
-    <cs:effectRef idx="0"/>
-    <cs:fontRef idx="minor">
-      <a:schemeClr val="tx1"/>
-    </cs:fontRef>
-    <cs:spPr>
-      <a:ln w="9525">
-        <a:solidFill>
-          <a:schemeClr val="phClr"/>
-        </a:solidFill>
-      </a:ln>
-    </cs:spPr>
-  </cs:dataPointMarker>
-  <cs:dataPointMarkerLayout symbol="circle" size="5"/>
-  <cs:dataPointWireframe>
-    <cs:lnRef idx="0">
-      <cs:styleClr val="auto"/>
-    </cs:lnRef>
-    <cs:fillRef idx="1"/>
-    <cs:effectRef idx="0"/>
-    <cs:fontRef idx="minor">
-      <a:schemeClr val="tx1"/>
-    </cs:fontRef>
-    <cs:spPr>
-      <a:ln w="9525" cap="rnd">
-        <a:solidFill>
-          <a:schemeClr val="phClr"/>
-        </a:solidFill>
-        <a:round/>
-      </a:ln>
-    </cs:spPr>
-  </cs:dataPointWireframe>
-  <cs:dataTable>
-    <cs:lnRef idx="0"/>
-    <cs:fillRef idx="0"/>
-    <cs:effectRef idx="0"/>
-    <cs:fontRef idx="minor">
-      <a:schemeClr val="tx1">
-        <a:lumMod val="65000"/>
-        <a:lumOff val="35000"/>
-      </a:schemeClr>
-    </cs:fontRef>
-    <cs:spPr>
-      <a:noFill/>
-      <a:ln w="9525" cap="flat" cmpd="sng" algn="ctr">
-        <a:solidFill>
-          <a:schemeClr val="tx1">
-            <a:lumMod val="15000"/>
-            <a:lumOff val="85000"/>
-          </a:schemeClr>
-        </a:solidFill>
-        <a:round/>
-      </a:ln>
-    </cs:spPr>
-    <cs:defRPr sz="900" kern="1200"/>
-  </cs:dataTable>
-  <cs:downBar>
-    <cs:lnRef idx="0"/>
-    <cs:fillRef idx="0"/>
-    <cs:effectRef idx="0"/>
-    <cs:fontRef idx="minor">
-      <a:schemeClr val="dk1"/>
-    </cs:fontRef>
-    <cs:spPr>
-      <a:solidFill>
-        <a:schemeClr val="dk1">
-          <a:lumMod val="65000"/>
-          <a:lumOff val="35000"/>
-        </a:schemeClr>
-      </a:solidFill>
-      <a:ln w="9525">
-        <a:solidFill>
-          <a:schemeClr val="tx1">
-            <a:lumMod val="65000"/>
-            <a:lumOff val="35000"/>
-          </a:schemeClr>
-        </a:solidFill>
-      </a:ln>
-    </cs:spPr>
-  </cs:downBar>
-  <cs:dropLine>
-    <cs:lnRef idx="0"/>
-    <cs:fillRef idx="0"/>
-    <cs:effectRef idx="0"/>
-    <cs:fontRef idx="minor">
-      <a:schemeClr val="tx1"/>
-    </cs:fontRef>
-    <cs:spPr>
-      <a:ln w="9525" cap="flat" cmpd="sng" algn="ctr">
-        <a:solidFill>
-          <a:schemeClr val="tx1">
-            <a:lumMod val="35000"/>
-            <a:lumOff val="65000"/>
-          </a:schemeClr>
-        </a:solidFill>
-        <a:round/>
-      </a:ln>
-    </cs:spPr>
-  </cs:dropLine>
-  <cs:errorBar>
-    <cs:lnRef idx="0"/>
-    <cs:fillRef idx="0"/>
-    <cs:effectRef idx="0"/>
-    <cs:fontRef idx="minor">
-      <a:schemeClr val="tx1"/>
-    </cs:fontRef>
-    <cs:spPr>
-      <a:ln w="9525" cap="flat" cmpd="sng" algn="ctr">
-        <a:solidFill>
-          <a:schemeClr val="tx1">
-            <a:lumMod val="65000"/>
-            <a:lumOff val="35000"/>
-          </a:schemeClr>
-        </a:solidFill>
-        <a:round/>
-      </a:ln>
-    </cs:spPr>
-  </cs:errorBar>
-  <cs:floor>
-    <cs:lnRef idx="0"/>
-    <cs:fillRef idx="0"/>
-    <cs:effectRef idx="0"/>
-    <cs:fontRef idx="minor">
-      <a:schemeClr val="tx1"/>
-    </cs:fontRef>
-    <cs:spPr>
-      <a:noFill/>
-      <a:ln>
-        <a:noFill/>
-      </a:ln>
-    </cs:spPr>
-  </cs:floor>
-  <cs:gridlineMajor>
-    <cs:lnRef idx="0"/>
-    <cs:fillRef idx="0"/>
-    <cs:effectRef idx="0"/>
-    <cs:fontRef idx="minor">
-      <a:schemeClr val="tx1"/>
-    </cs:fontRef>
-    <cs:spPr>
-      <a:ln w="9525" cap="flat" cmpd="sng" algn="ctr">
-        <a:solidFill>
-          <a:schemeClr val="tx1">
-            <a:lumMod val="15000"/>
-            <a:lumOff val="85000"/>
-          </a:schemeClr>
-        </a:solidFill>
-        <a:round/>
-      </a:ln>
-    </cs:spPr>
-  </cs:gridlineMajor>
-  <cs:gridlineMinor>
-    <cs:lnRef idx="0"/>
-    <cs:fillRef idx="0"/>
-    <cs:effectRef idx="0"/>
-    <cs:fontRef idx="minor">
-      <a:schemeClr val="tx1"/>
-    </cs:fontRef>
-    <cs:spPr>
-      <a:ln w="9525" cap="flat" cmpd="sng" algn="ctr">
-        <a:solidFill>
-          <a:schemeClr val="tx1">
-            <a:lumMod val="5000"/>
-            <a:lumOff val="95000"/>
-          </a:schemeClr>
-        </a:solidFill>
-        <a:round/>
-      </a:ln>
-    </cs:spPr>
-  </cs:gridlineMinor>
-  <cs:hiLoLine>
-    <cs:lnRef idx="0"/>
-    <cs:fillRef idx="0"/>
-    <cs:effectRef idx="0"/>
-    <cs:fontRef idx="minor">
-      <a:schemeClr val="tx1"/>
-    </cs:fontRef>
-    <cs:spPr>
-      <a:ln w="9525" cap="flat" cmpd="sng" algn="ctr">
-        <a:solidFill>
-          <a:schemeClr val="tx1">
-            <a:lumMod val="75000"/>
-            <a:lumOff val="25000"/>
-          </a:schemeClr>
-        </a:solidFill>
-        <a:round/>
-      </a:ln>
-    </cs:spPr>
-  </cs:hiLoLine>
-  <cs:leaderLine>
-    <cs:lnRef idx="0"/>
-    <cs:fillRef idx="0"/>
-    <cs:effectRef idx="0"/>
-    <cs:fontRef idx="minor">
-      <a:schemeClr val="tx1"/>
-    </cs:fontRef>
-    <cs:spPr>
-      <a:ln w="9525" cap="flat" cmpd="sng" algn="ctr">
-        <a:solidFill>
-          <a:schemeClr val="tx1">
-            <a:lumMod val="35000"/>
-            <a:lumOff val="65000"/>
-          </a:schemeClr>
-        </a:solidFill>
-        <a:round/>
-      </a:ln>
-    </cs:spPr>
-  </cs:leaderLine>
-  <cs:legend>
-    <cs:lnRef idx="0"/>
-    <cs:fillRef idx="0"/>
-    <cs:effectRef idx="0"/>
-    <cs:fontRef idx="minor">
-      <a:schemeClr val="tx1">
-        <a:lumMod val="65000"/>
-        <a:lumOff val="35000"/>
-      </a:schemeClr>
-    </cs:fontRef>
-    <cs:defRPr sz="900" kern="1200"/>
-  </cs:legend>
-  <cs:plotArea mods="allowNoFillOverride allowNoLineOverride">
-    <cs:lnRef idx="0"/>
-    <cs:fillRef idx="0"/>
-    <cs:effectRef idx="0"/>
-    <cs:fontRef idx="minor">
-      <a:schemeClr val="tx1"/>
-    </cs:fontRef>
-  </cs:plotArea>
-  <cs:plotArea3D mods="allowNoFillOverride allowNoLineOverride">
-    <cs:lnRef idx="0"/>
-    <cs:fillRef idx="0"/>
-    <cs:effectRef idx="0"/>
-    <cs:fontRef idx="minor">
-      <a:schemeClr val="tx1"/>
-    </cs:fontRef>
-  </cs:plotArea3D>
-  <cs:seriesAxis>
-    <cs:lnRef idx="0"/>
-    <cs:fillRef idx="0"/>
-    <cs:effectRef idx="0"/>
-    <cs:fontRef idx="minor">
-      <a:schemeClr val="tx1">
-        <a:lumMod val="65000"/>
-        <a:lumOff val="35000"/>
-      </a:schemeClr>
-    </cs:fontRef>
-    <cs:defRPr sz="900" kern="1200"/>
-  </cs:seriesAxis>
-  <cs:seriesLine>
-    <cs:lnRef idx="0"/>
-    <cs:fillRef idx="0"/>
-    <cs:effectRef idx="0"/>
-    <cs:fontRef idx="minor">
-      <a:schemeClr val="tx1"/>
-    </cs:fontRef>
-    <cs:spPr>
-      <a:ln w="9525" cap="flat" cmpd="sng" algn="ctr">
-        <a:solidFill>
-          <a:schemeClr val="tx1">
-            <a:lumMod val="35000"/>
-            <a:lumOff val="65000"/>
-          </a:schemeClr>
-        </a:solidFill>
-        <a:round/>
-      </a:ln>
-    </cs:spPr>
-  </cs:seriesLine>
-  <cs:title>
-    <cs:lnRef idx="0"/>
-    <cs:fillRef idx="0"/>
-    <cs:effectRef idx="0"/>
-    <cs:fontRef idx="minor">
-      <a:schemeClr val="tx1">
-        <a:lumMod val="65000"/>
-        <a:lumOff val="35000"/>
-      </a:schemeClr>
-    </cs:fontRef>
-    <cs:defRPr sz="1400" b="0" kern="1200" spc="0" baseline="0"/>
-  </cs:title>
-  <cs:trendline>
-    <cs:lnRef idx="0">
-      <cs:styleClr val="auto"/>
-    </cs:lnRef>
-    <cs:fillRef idx="0"/>
-    <cs:effectRef idx="0"/>
-    <cs:fontRef idx="minor">
-      <a:schemeClr val="tx1"/>
-    </cs:fontRef>
-    <cs:spPr>
-      <a:ln w="19050" cap="rnd">
-        <a:solidFill>
-          <a:schemeClr val="phClr"/>
-        </a:solidFill>
-        <a:prstDash val="sysDot"/>
-      </a:ln>
-    </cs:spPr>
-  </cs:trendline>
-  <cs:trendlineLabel>
-    <cs:lnRef idx="0"/>
-    <cs:fillRef idx="0"/>
-    <cs:effectRef idx="0"/>
-    <cs:fontRef idx="minor">
-      <a:schemeClr val="tx1">
-        <a:lumMod val="65000"/>
-        <a:lumOff val="35000"/>
-      </a:schemeClr>
-    </cs:fontRef>
-    <cs:defRPr sz="900" kern="1200"/>
-  </cs:trendlineLabel>
-  <cs:upBar>
-    <cs:lnRef idx="0"/>
-    <cs:fillRef idx="0"/>
-    <cs:effectRef idx="0"/>
-    <cs:fontRef idx="minor">
-      <a:schemeClr val="dk1"/>
-    </cs:fontRef>
-    <cs:spPr>
-      <a:solidFill>
-        <a:schemeClr val="lt1"/>
-      </a:solidFill>
-      <a:ln w="9525">
-        <a:solidFill>
-          <a:schemeClr val="tx1">
-            <a:lumMod val="15000"/>
-            <a:lumOff val="85000"/>
-          </a:schemeClr>
-        </a:solidFill>
-      </a:ln>
-    </cs:spPr>
-  </cs:upBar>
-  <cs:valueAxis>
-    <cs:lnRef idx="0"/>
-    <cs:fillRef idx="0"/>
-    <cs:effectRef idx="0"/>
-    <cs:fontRef idx="minor">
-      <a:schemeClr val="tx1">
-        <a:lumMod val="65000"/>
-        <a:lumOff val="35000"/>
-      </a:schemeClr>
-    </cs:fontRef>
-    <cs:defRPr sz="900" kern="1200"/>
-  </cs:valueAxis>
-  <cs:wall>
-    <cs:lnRef idx="0"/>
-    <cs:fillRef idx="0"/>
-    <cs:effectRef idx="0"/>
-    <cs:fontRef idx="minor">
-      <a:schemeClr val="tx1"/>
-    </cs:fontRef>
-    <cs:spPr>
-      <a:noFill/>
-      <a:ln>
-        <a:noFill/>
-      </a:ln>
-    </cs:spPr>
-  </cs:wall>
-</cs:chartStyle>
-</file>
-
 <file path=ppt/slideLayouts/slideLayout1.xml><?xml version="1.0" encoding="utf-8"?>
 <p:sldLayout xmlns:a="http://schemas.openxmlformats.org/drawingml/2006/main" xmlns:r="http://schemas.openxmlformats.org/officeDocument/2006/relationships" xmlns:p="http://schemas.openxmlformats.org/presentationml/2006/main" type="title" preserve="1">
   <p:cSld name="Titelfolie">
@@ -7971,7 +5663,7 @@
           <a:p>
             <a:fld id="{A9531741-AD63-4175-9B13-A64D2CF23D31}" type="datetimeFigureOut">
               <a:rPr lang="de-DE" smtClean="0"/>
-              <a:t>06.06.2024</a:t>
+              <a:t>07.06.2024</a:t>
             </a:fld>
             <a:endParaRPr lang="de-DE"/>
           </a:p>
@@ -8169,7 +5861,7 @@
           <a:p>
             <a:fld id="{A9531741-AD63-4175-9B13-A64D2CF23D31}" type="datetimeFigureOut">
               <a:rPr lang="de-DE" smtClean="0"/>
-              <a:t>06.06.2024</a:t>
+              <a:t>07.06.2024</a:t>
             </a:fld>
             <a:endParaRPr lang="de-DE"/>
           </a:p>
@@ -8377,7 +6069,7 @@
           <a:p>
             <a:fld id="{A9531741-AD63-4175-9B13-A64D2CF23D31}" type="datetimeFigureOut">
               <a:rPr lang="de-DE" smtClean="0"/>
-              <a:t>06.06.2024</a:t>
+              <a:t>07.06.2024</a:t>
             </a:fld>
             <a:endParaRPr lang="de-DE"/>
           </a:p>
@@ -8575,7 +6267,7 @@
           <a:p>
             <a:fld id="{A9531741-AD63-4175-9B13-A64D2CF23D31}" type="datetimeFigureOut">
               <a:rPr lang="de-DE" smtClean="0"/>
-              <a:t>06.06.2024</a:t>
+              <a:t>07.06.2024</a:t>
             </a:fld>
             <a:endParaRPr lang="de-DE"/>
           </a:p>
@@ -8850,7 +6542,7 @@
           <a:p>
             <a:fld id="{A9531741-AD63-4175-9B13-A64D2CF23D31}" type="datetimeFigureOut">
               <a:rPr lang="de-DE" smtClean="0"/>
-              <a:t>06.06.2024</a:t>
+              <a:t>07.06.2024</a:t>
             </a:fld>
             <a:endParaRPr lang="de-DE"/>
           </a:p>
@@ -9115,7 +6807,7 @@
           <a:p>
             <a:fld id="{A9531741-AD63-4175-9B13-A64D2CF23D31}" type="datetimeFigureOut">
               <a:rPr lang="de-DE" smtClean="0"/>
-              <a:t>06.06.2024</a:t>
+              <a:t>07.06.2024</a:t>
             </a:fld>
             <a:endParaRPr lang="de-DE"/>
           </a:p>
@@ -9527,7 +7219,7 @@
           <a:p>
             <a:fld id="{A9531741-AD63-4175-9B13-A64D2CF23D31}" type="datetimeFigureOut">
               <a:rPr lang="de-DE" smtClean="0"/>
-              <a:t>06.06.2024</a:t>
+              <a:t>07.06.2024</a:t>
             </a:fld>
             <a:endParaRPr lang="de-DE"/>
           </a:p>
@@ -9668,7 +7360,7 @@
           <a:p>
             <a:fld id="{A9531741-AD63-4175-9B13-A64D2CF23D31}" type="datetimeFigureOut">
               <a:rPr lang="de-DE" smtClean="0"/>
-              <a:t>06.06.2024</a:t>
+              <a:t>07.06.2024</a:t>
             </a:fld>
             <a:endParaRPr lang="de-DE"/>
           </a:p>
@@ -9781,7 +7473,7 @@
           <a:p>
             <a:fld id="{A9531741-AD63-4175-9B13-A64D2CF23D31}" type="datetimeFigureOut">
               <a:rPr lang="de-DE" smtClean="0"/>
-              <a:t>06.06.2024</a:t>
+              <a:t>07.06.2024</a:t>
             </a:fld>
             <a:endParaRPr lang="de-DE"/>
           </a:p>
@@ -10092,7 +7784,7 @@
           <a:p>
             <a:fld id="{A9531741-AD63-4175-9B13-A64D2CF23D31}" type="datetimeFigureOut">
               <a:rPr lang="de-DE" smtClean="0"/>
-              <a:t>06.06.2024</a:t>
+              <a:t>07.06.2024</a:t>
             </a:fld>
             <a:endParaRPr lang="de-DE"/>
           </a:p>
@@ -10380,7 +8072,7 @@
           <a:p>
             <a:fld id="{A9531741-AD63-4175-9B13-A64D2CF23D31}" type="datetimeFigureOut">
               <a:rPr lang="de-DE" smtClean="0"/>
-              <a:t>06.06.2024</a:t>
+              <a:t>07.06.2024</a:t>
             </a:fld>
             <a:endParaRPr lang="de-DE"/>
           </a:p>
@@ -10621,7 +8313,7 @@
           <a:p>
             <a:fld id="{A9531741-AD63-4175-9B13-A64D2CF23D31}" type="datetimeFigureOut">
               <a:rPr lang="de-DE" smtClean="0"/>
-              <a:t>06.06.2024</a:t>
+              <a:t>07.06.2024</a:t>
             </a:fld>
             <a:endParaRPr lang="de-DE"/>
           </a:p>
@@ -14297,27 +11989,21 @@
       </p:grpSpPr>
       <p:graphicFrame>
         <p:nvGraphicFramePr>
-          <p:cNvPr id="12" name="Diagramm 11">
-            <a:extLst>
-              <a:ext uri="{FF2B5EF4-FFF2-40B4-BE49-F238E27FC236}">
-                <a16:creationId xmlns:a16="http://schemas.microsoft.com/office/drawing/2014/main" id="{EA294DAC-42A8-461E-8590-8AD763A9FF9A}"/>
+          <p:cNvPr id="6" name="Diagramm 5">
+            <a:extLst>
+              <a:ext uri="{FF2B5EF4-FFF2-40B4-BE49-F238E27FC236}">
+                <a16:creationId xmlns:a16="http://schemas.microsoft.com/office/drawing/2014/main" id="{33F720C8-F66C-4D7B-975C-5D837C00BC23}"/>
               </a:ext>
             </a:extLst>
           </p:cNvPr>
           <p:cNvGraphicFramePr>
             <a:graphicFrameLocks/>
           </p:cNvGraphicFramePr>
-          <p:nvPr>
-            <p:extLst>
-              <p:ext uri="{D42A27DB-BD31-4B8C-83A1-F6EECF244321}">
-                <p14:modId xmlns:p14="http://schemas.microsoft.com/office/powerpoint/2010/main" val="4079563958"/>
-              </p:ext>
-            </p:extLst>
-          </p:nvPr>
+          <p:nvPr/>
         </p:nvGraphicFramePr>
         <p:xfrm>
-          <a:off x="730470" y="3546628"/>
-          <a:ext cx="10606771" cy="3311371"/>
+          <a:off x="598714" y="190500"/>
+          <a:ext cx="10994572" cy="6477000"/>
         </p:xfrm>
         <a:graphic>
           <a:graphicData uri="http://schemas.openxmlformats.org/drawingml/2006/chart">
@@ -14325,40 +12011,10 @@
           </a:graphicData>
         </a:graphic>
       </p:graphicFrame>
-      <p:graphicFrame>
-        <p:nvGraphicFramePr>
-          <p:cNvPr id="13" name="Diagramm 12">
-            <a:extLst>
-              <a:ext uri="{FF2B5EF4-FFF2-40B4-BE49-F238E27FC236}">
-                <a16:creationId xmlns:a16="http://schemas.microsoft.com/office/drawing/2014/main" id="{8F8D78BA-C0EB-449B-A915-901A70CAD699}"/>
-              </a:ext>
-            </a:extLst>
-          </p:cNvPr>
-          <p:cNvGraphicFramePr>
-            <a:graphicFrameLocks/>
-          </p:cNvGraphicFramePr>
-          <p:nvPr>
-            <p:extLst>
-              <p:ext uri="{D42A27DB-BD31-4B8C-83A1-F6EECF244321}">
-                <p14:modId xmlns:p14="http://schemas.microsoft.com/office/powerpoint/2010/main" val="2534149272"/>
-              </p:ext>
-            </p:extLst>
-          </p:nvPr>
-        </p:nvGraphicFramePr>
-        <p:xfrm>
-          <a:off x="730470" y="0"/>
-          <a:ext cx="10574114" cy="3311371"/>
-        </p:xfrm>
-        <a:graphic>
-          <a:graphicData uri="http://schemas.openxmlformats.org/drawingml/2006/chart">
-            <c:chart xmlns:c="http://schemas.openxmlformats.org/drawingml/2006/chart" xmlns:r="http://schemas.openxmlformats.org/officeDocument/2006/relationships" r:id="rId3"/>
-          </a:graphicData>
-        </a:graphic>
-      </p:graphicFrame>
     </p:spTree>
     <p:extLst>
       <p:ext uri="{BB962C8B-B14F-4D97-AF65-F5344CB8AC3E}">
-        <p14:creationId xmlns:p14="http://schemas.microsoft.com/office/powerpoint/2010/main" val="4233297437"/>
+        <p14:creationId xmlns:p14="http://schemas.microsoft.com/office/powerpoint/2010/main" val="2964036762"/>
       </p:ext>
     </p:extLst>
   </p:cSld>
@@ -14390,24 +12046,18 @@
           <p:cNvPr id="4" name="Diagramm 3">
             <a:extLst>
               <a:ext uri="{FF2B5EF4-FFF2-40B4-BE49-F238E27FC236}">
-                <a16:creationId xmlns:a16="http://schemas.microsoft.com/office/drawing/2014/main" id="{B3577AF6-5FD5-4871-960C-1706DF6BD394}"/>
+                <a16:creationId xmlns:a16="http://schemas.microsoft.com/office/drawing/2014/main" id="{A707596C-3BB5-4813-B414-CD0A2A02756A}"/>
               </a:ext>
             </a:extLst>
           </p:cNvPr>
           <p:cNvGraphicFramePr>
             <a:graphicFrameLocks/>
           </p:cNvGraphicFramePr>
-          <p:nvPr>
-            <p:extLst>
-              <p:ext uri="{D42A27DB-BD31-4B8C-83A1-F6EECF244321}">
-                <p14:modId xmlns:p14="http://schemas.microsoft.com/office/powerpoint/2010/main" val="3075674636"/>
-              </p:ext>
-            </p:extLst>
-          </p:nvPr>
+          <p:nvPr/>
         </p:nvGraphicFramePr>
         <p:xfrm>
-          <a:off x="2168297" y="3429000"/>
-          <a:ext cx="7855406" cy="3429000"/>
+          <a:off x="979032" y="190500"/>
+          <a:ext cx="10233935" cy="6477000"/>
         </p:xfrm>
         <a:graphic>
           <a:graphicData uri="http://schemas.openxmlformats.org/drawingml/2006/chart">
@@ -14415,40 +12065,10 @@
           </a:graphicData>
         </a:graphic>
       </p:graphicFrame>
-      <p:graphicFrame>
-        <p:nvGraphicFramePr>
-          <p:cNvPr id="5" name="Diagramm 4">
-            <a:extLst>
-              <a:ext uri="{FF2B5EF4-FFF2-40B4-BE49-F238E27FC236}">
-                <a16:creationId xmlns:a16="http://schemas.microsoft.com/office/drawing/2014/main" id="{B5AC57AF-910B-4117-87DD-68E8949351E0}"/>
-              </a:ext>
-            </a:extLst>
-          </p:cNvPr>
-          <p:cNvGraphicFramePr>
-            <a:graphicFrameLocks/>
-          </p:cNvGraphicFramePr>
-          <p:nvPr>
-            <p:extLst>
-              <p:ext uri="{D42A27DB-BD31-4B8C-83A1-F6EECF244321}">
-                <p14:modId xmlns:p14="http://schemas.microsoft.com/office/powerpoint/2010/main" val="3455531323"/>
-              </p:ext>
-            </p:extLst>
-          </p:nvPr>
-        </p:nvGraphicFramePr>
-        <p:xfrm>
-          <a:off x="2168297" y="0"/>
-          <a:ext cx="7855406" cy="3355759"/>
-        </p:xfrm>
-        <a:graphic>
-          <a:graphicData uri="http://schemas.openxmlformats.org/drawingml/2006/chart">
-            <c:chart xmlns:c="http://schemas.openxmlformats.org/drawingml/2006/chart" xmlns:r="http://schemas.openxmlformats.org/officeDocument/2006/relationships" r:id="rId3"/>
-          </a:graphicData>
-        </a:graphic>
-      </p:graphicFrame>
     </p:spTree>
     <p:extLst>
       <p:ext uri="{BB962C8B-B14F-4D97-AF65-F5344CB8AC3E}">
-        <p14:creationId xmlns:p14="http://schemas.microsoft.com/office/powerpoint/2010/main" val="181319246"/>
+        <p14:creationId xmlns:p14="http://schemas.microsoft.com/office/powerpoint/2010/main" val="3890955127"/>
       </p:ext>
     </p:extLst>
   </p:cSld>
@@ -14477,27 +12097,21 @@
       </p:grpSpPr>
       <p:graphicFrame>
         <p:nvGraphicFramePr>
-          <p:cNvPr id="4" name="Diagramm 3">
-            <a:extLst>
-              <a:ext uri="{FF2B5EF4-FFF2-40B4-BE49-F238E27FC236}">
-                <a16:creationId xmlns:a16="http://schemas.microsoft.com/office/drawing/2014/main" id="{0BB18325-783A-40A6-B6ED-6B9D0E6EF63A}"/>
+          <p:cNvPr id="3" name="Diagramm 2">
+            <a:extLst>
+              <a:ext uri="{FF2B5EF4-FFF2-40B4-BE49-F238E27FC236}">
+                <a16:creationId xmlns:a16="http://schemas.microsoft.com/office/drawing/2014/main" id="{4E037CE8-765A-4082-9A62-FD91522C29CA}"/>
               </a:ext>
             </a:extLst>
           </p:cNvPr>
           <p:cNvGraphicFramePr>
             <a:graphicFrameLocks/>
           </p:cNvGraphicFramePr>
-          <p:nvPr>
-            <p:extLst>
-              <p:ext uri="{D42A27DB-BD31-4B8C-83A1-F6EECF244321}">
-                <p14:modId xmlns:p14="http://schemas.microsoft.com/office/powerpoint/2010/main" val="2200227382"/>
-              </p:ext>
-            </p:extLst>
-          </p:nvPr>
+          <p:nvPr/>
         </p:nvGraphicFramePr>
         <p:xfrm>
-          <a:off x="1190624" y="3133818"/>
-          <a:ext cx="9810751" cy="3490034"/>
+          <a:off x="830035" y="190500"/>
+          <a:ext cx="10531929" cy="6477000"/>
         </p:xfrm>
         <a:graphic>
           <a:graphicData uri="http://schemas.openxmlformats.org/drawingml/2006/chart">
@@ -14505,40 +12119,10 @@
           </a:graphicData>
         </a:graphic>
       </p:graphicFrame>
-      <p:graphicFrame>
-        <p:nvGraphicFramePr>
-          <p:cNvPr id="5" name="Diagramm 4">
-            <a:extLst>
-              <a:ext uri="{FF2B5EF4-FFF2-40B4-BE49-F238E27FC236}">
-                <a16:creationId xmlns:a16="http://schemas.microsoft.com/office/drawing/2014/main" id="{B9997540-DE8A-4F7E-8FAD-3B34B3043EDD}"/>
-              </a:ext>
-            </a:extLst>
-          </p:cNvPr>
-          <p:cNvGraphicFramePr>
-            <a:graphicFrameLocks/>
-          </p:cNvGraphicFramePr>
-          <p:nvPr>
-            <p:extLst>
-              <p:ext uri="{D42A27DB-BD31-4B8C-83A1-F6EECF244321}">
-                <p14:modId xmlns:p14="http://schemas.microsoft.com/office/powerpoint/2010/main" val="3086050682"/>
-              </p:ext>
-            </p:extLst>
-          </p:nvPr>
-        </p:nvGraphicFramePr>
-        <p:xfrm>
-          <a:off x="1190624" y="100984"/>
-          <a:ext cx="9778094" cy="3328016"/>
-        </p:xfrm>
-        <a:graphic>
-          <a:graphicData uri="http://schemas.openxmlformats.org/drawingml/2006/chart">
-            <c:chart xmlns:c="http://schemas.openxmlformats.org/drawingml/2006/chart" xmlns:r="http://schemas.openxmlformats.org/officeDocument/2006/relationships" r:id="rId3"/>
-          </a:graphicData>
-        </a:graphic>
-      </p:graphicFrame>
     </p:spTree>
     <p:extLst>
       <p:ext uri="{BB962C8B-B14F-4D97-AF65-F5344CB8AC3E}">
-        <p14:creationId xmlns:p14="http://schemas.microsoft.com/office/powerpoint/2010/main" val="3220273980"/>
+        <p14:creationId xmlns:p14="http://schemas.microsoft.com/office/powerpoint/2010/main" val="793034201"/>
       </p:ext>
     </p:extLst>
   </p:cSld>
@@ -14567,27 +12151,21 @@
       </p:grpSpPr>
       <p:graphicFrame>
         <p:nvGraphicFramePr>
-          <p:cNvPr id="4" name="Diagramm 3">
-            <a:extLst>
-              <a:ext uri="{FF2B5EF4-FFF2-40B4-BE49-F238E27FC236}">
-                <a16:creationId xmlns:a16="http://schemas.microsoft.com/office/drawing/2014/main" id="{75051789-D37F-4410-8B0C-B9448E2FE261}"/>
+          <p:cNvPr id="6" name="Diagramm 5">
+            <a:extLst>
+              <a:ext uri="{FF2B5EF4-FFF2-40B4-BE49-F238E27FC236}">
+                <a16:creationId xmlns:a16="http://schemas.microsoft.com/office/drawing/2014/main" id="{B9F2C74A-3310-4BC9-865A-01DD17D47E30}"/>
               </a:ext>
             </a:extLst>
           </p:cNvPr>
           <p:cNvGraphicFramePr>
             <a:graphicFrameLocks/>
           </p:cNvGraphicFramePr>
-          <p:nvPr>
-            <p:extLst>
-              <p:ext uri="{D42A27DB-BD31-4B8C-83A1-F6EECF244321}">
-                <p14:modId xmlns:p14="http://schemas.microsoft.com/office/powerpoint/2010/main" val="4199337814"/>
-              </p:ext>
-            </p:extLst>
-          </p:nvPr>
+          <p:nvPr/>
         </p:nvGraphicFramePr>
         <p:xfrm>
-          <a:off x="594659" y="3429000"/>
-          <a:ext cx="11237677" cy="3332988"/>
+          <a:off x="367393" y="190500"/>
+          <a:ext cx="11457213" cy="6477000"/>
         </p:xfrm>
         <a:graphic>
           <a:graphicData uri="http://schemas.openxmlformats.org/drawingml/2006/chart">
@@ -14595,40 +12173,10 @@
           </a:graphicData>
         </a:graphic>
       </p:graphicFrame>
-      <p:graphicFrame>
-        <p:nvGraphicFramePr>
-          <p:cNvPr id="5" name="Diagramm 4">
-            <a:extLst>
-              <a:ext uri="{FF2B5EF4-FFF2-40B4-BE49-F238E27FC236}">
-                <a16:creationId xmlns:a16="http://schemas.microsoft.com/office/drawing/2014/main" id="{373B8E08-7229-4E4F-AE53-20445EF76C27}"/>
-              </a:ext>
-            </a:extLst>
-          </p:cNvPr>
-          <p:cNvGraphicFramePr>
-            <a:graphicFrameLocks/>
-          </p:cNvGraphicFramePr>
-          <p:nvPr>
-            <p:extLst>
-              <p:ext uri="{D42A27DB-BD31-4B8C-83A1-F6EECF244321}">
-                <p14:modId xmlns:p14="http://schemas.microsoft.com/office/powerpoint/2010/main" val="2794545046"/>
-              </p:ext>
-            </p:extLst>
-          </p:nvPr>
-        </p:nvGraphicFramePr>
-        <p:xfrm>
-          <a:off x="594659" y="32004"/>
-          <a:ext cx="11237677" cy="3296412"/>
-        </p:xfrm>
-        <a:graphic>
-          <a:graphicData uri="http://schemas.openxmlformats.org/drawingml/2006/chart">
-            <c:chart xmlns:c="http://schemas.openxmlformats.org/drawingml/2006/chart" xmlns:r="http://schemas.openxmlformats.org/officeDocument/2006/relationships" r:id="rId3"/>
-          </a:graphicData>
-        </a:graphic>
-      </p:graphicFrame>
     </p:spTree>
     <p:extLst>
       <p:ext uri="{BB962C8B-B14F-4D97-AF65-F5344CB8AC3E}">
-        <p14:creationId xmlns:p14="http://schemas.microsoft.com/office/powerpoint/2010/main" val="1887498568"/>
+        <p14:creationId xmlns:p14="http://schemas.microsoft.com/office/powerpoint/2010/main" val="595006732"/>
       </p:ext>
     </p:extLst>
   </p:cSld>

--- a/HANNO-flow.pptx
+++ b/HANNO-flow.pptx
@@ -130,6 +130,523 @@
     </mc:Fallback>
   </mc:AlternateContent>
   <c:chart>
+    <c:autoTitleDeleted val="1"/>
+    <c:plotArea>
+      <c:layout/>
+      <c:barChart>
+        <c:barDir val="col"/>
+        <c:grouping val="clustered"/>
+        <c:varyColors val="0"/>
+        <c:ser>
+          <c:idx val="1"/>
+          <c:order val="0"/>
+          <c:tx>
+            <c:strRef>
+              <c:f>'Suppl. Data 2 - FISHES-BUSCO'!$M$1</c:f>
+              <c:strCache>
+                <c:ptCount val="1"/>
+                <c:pt idx="0">
+                  <c:v>CDS length</c:v>
+                </c:pt>
+              </c:strCache>
+            </c:strRef>
+          </c:tx>
+          <c:spPr>
+            <a:ln w="0">
+              <a:solidFill>
+                <a:schemeClr val="tx1"/>
+              </a:solidFill>
+            </a:ln>
+          </c:spPr>
+          <c:invertIfNegative val="0"/>
+          <c:dLbls>
+            <c:spPr>
+              <a:noFill/>
+              <a:ln>
+                <a:noFill/>
+              </a:ln>
+              <a:effectLst/>
+            </c:spPr>
+            <c:txPr>
+              <a:bodyPr rot="-5400000" vert="horz" wrap="square" lIns="38100" tIns="19050" rIns="38100" bIns="19050" anchor="ctr">
+                <a:spAutoFit/>
+              </a:bodyPr>
+              <a:lstStyle/>
+              <a:p>
+                <a:pPr>
+                  <a:defRPr>
+                    <a:solidFill>
+                      <a:schemeClr val="bg1"/>
+                    </a:solidFill>
+                  </a:defRPr>
+                </a:pPr>
+                <a:endParaRPr lang="de-DE"/>
+              </a:p>
+            </c:txPr>
+            <c:dLblPos val="ctr"/>
+            <c:showLegendKey val="0"/>
+            <c:showVal val="1"/>
+            <c:showCatName val="0"/>
+            <c:showSerName val="0"/>
+            <c:showPercent val="0"/>
+            <c:showBubbleSize val="0"/>
+            <c:showLeaderLines val="0"/>
+            <c:extLst>
+              <c:ext xmlns:c15="http://schemas.microsoft.com/office/drawing/2012/chart" uri="{CE6537A1-D6FC-4f65-9D91-7224C49458BB}">
+                <c15:showLeaderLines val="1"/>
+              </c:ext>
+            </c:extLst>
+          </c:dLbls>
+          <c:cat>
+            <c:strRef>
+              <c:f>'Suppl. Data 2 - FISHES-BUSCO'!$I$3:$I$10</c:f>
+              <c:strCache>
+                <c:ptCount val="8"/>
+                <c:pt idx="0">
+                  <c:v>Perca flavescens                (0 MYA)</c:v>
+                </c:pt>
+                <c:pt idx="1">
+                  <c:v>Sander vitreus                 (17.4 - 35.7 MYA)</c:v>
+                </c:pt>
+                <c:pt idx="2">
+                  <c:v>Epinephelus fuscoguttatus               (42.3 - 134.2 MYA)</c:v>
+                </c:pt>
+                <c:pt idx="3">
+                  <c:v>Dicentrarchus labrax            (83.2 - 150.9 MYA)</c:v>
+                </c:pt>
+                <c:pt idx="4">
+                  <c:v>Oreochromis niloticus      (100.0 - 130.0 MYA)</c:v>
+                </c:pt>
+                <c:pt idx="5">
+                  <c:v>Esox lucius                     (176.6 - 264.0 MYA)</c:v>
+                </c:pt>
+                <c:pt idx="6">
+                  <c:v>Danio rerio                      (180.0 - 251.5 MYA)</c:v>
+                </c:pt>
+                <c:pt idx="7">
+                  <c:v>Clarias gariepinus          (180.0 - 251.5 MYA)</c:v>
+                </c:pt>
+              </c:strCache>
+            </c:strRef>
+          </c:cat>
+          <c:val>
+            <c:numRef>
+              <c:f>'Suppl. Data 2 - FISHES-BUSCO'!$M$3:$M$10</c:f>
+              <c:numCache>
+                <c:formatCode>0.0%</c:formatCode>
+                <c:ptCount val="8"/>
+                <c:pt idx="0">
+                  <c:v>1</c:v>
+                </c:pt>
+                <c:pt idx="1">
+                  <c:v>0.92236815084321799</c:v>
+                </c:pt>
+                <c:pt idx="2">
+                  <c:v>0.93350341887012611</c:v>
+                </c:pt>
+                <c:pt idx="3">
+                  <c:v>0.92794211584138298</c:v>
+                </c:pt>
+                <c:pt idx="4">
+                  <c:v>0.9773468372199352</c:v>
+                </c:pt>
+                <c:pt idx="5">
+                  <c:v>0.86162460125174989</c:v>
+                </c:pt>
+                <c:pt idx="6">
+                  <c:v>0.78652846715166858</c:v>
+                </c:pt>
+                <c:pt idx="7">
+                  <c:v>0.76472344874960629</c:v>
+                </c:pt>
+              </c:numCache>
+            </c:numRef>
+          </c:val>
+          <c:extLst>
+            <c:ext xmlns:c16="http://schemas.microsoft.com/office/drawing/2014/chart" uri="{C3380CC4-5D6E-409C-BE32-E72D297353CC}">
+              <c16:uniqueId val="{00000000-7E64-4A90-BA15-026A7E645A5B}"/>
+            </c:ext>
+          </c:extLst>
+        </c:ser>
+        <c:ser>
+          <c:idx val="0"/>
+          <c:order val="1"/>
+          <c:tx>
+            <c:strRef>
+              <c:f>'Suppl. Data 2 - FISHES-BUSCO'!$N$1</c:f>
+              <c:strCache>
+                <c:ptCount val="1"/>
+                <c:pt idx="0">
+                  <c:v>UTR length</c:v>
+                </c:pt>
+              </c:strCache>
+            </c:strRef>
+          </c:tx>
+          <c:spPr>
+            <a:solidFill>
+              <a:schemeClr val="accent1"/>
+            </a:solidFill>
+            <a:ln w="0">
+              <a:solidFill>
+                <a:schemeClr val="tx1"/>
+              </a:solidFill>
+            </a:ln>
+            <a:effectLst/>
+          </c:spPr>
+          <c:invertIfNegative val="0"/>
+          <c:dLbls>
+            <c:numFmt formatCode="0.0%" sourceLinked="0"/>
+            <c:spPr>
+              <a:noFill/>
+              <a:ln>
+                <a:noFill/>
+              </a:ln>
+              <a:effectLst/>
+            </c:spPr>
+            <c:txPr>
+              <a:bodyPr rot="-5400000" spcFirstLastPara="1" vertOverflow="ellipsis" vert="horz" wrap="square" lIns="38100" tIns="19050" rIns="38100" bIns="19050" anchor="ctr" anchorCtr="1">
+                <a:spAutoFit/>
+              </a:bodyPr>
+              <a:lstStyle/>
+              <a:p>
+                <a:pPr>
+                  <a:defRPr sz="900" b="1" i="0" u="none" strike="noStrike" kern="1200" baseline="0">
+                    <a:solidFill>
+                      <a:schemeClr val="bg1"/>
+                    </a:solidFill>
+                    <a:latin typeface="+mn-lt"/>
+                    <a:ea typeface="+mn-ea"/>
+                    <a:cs typeface="+mn-cs"/>
+                  </a:defRPr>
+                </a:pPr>
+                <a:endParaRPr lang="de-DE"/>
+              </a:p>
+            </c:txPr>
+            <c:dLblPos val="ctr"/>
+            <c:showLegendKey val="0"/>
+            <c:showVal val="1"/>
+            <c:showCatName val="0"/>
+            <c:showSerName val="0"/>
+            <c:showPercent val="0"/>
+            <c:showBubbleSize val="0"/>
+            <c:showLeaderLines val="0"/>
+            <c:extLst>
+              <c:ext xmlns:c15="http://schemas.microsoft.com/office/drawing/2012/chart" uri="{CE6537A1-D6FC-4f65-9D91-7224C49458BB}">
+                <c15:showLeaderLines val="1"/>
+                <c15:leaderLines>
+                  <c:spPr>
+                    <a:ln w="9525" cap="flat" cmpd="sng" algn="ctr">
+                      <a:solidFill>
+                        <a:schemeClr val="tx1">
+                          <a:lumMod val="35000"/>
+                          <a:lumOff val="65000"/>
+                        </a:schemeClr>
+                      </a:solidFill>
+                      <a:round/>
+                    </a:ln>
+                    <a:effectLst/>
+                  </c:spPr>
+                </c15:leaderLines>
+              </c:ext>
+            </c:extLst>
+          </c:dLbls>
+          <c:cat>
+            <c:strRef>
+              <c:f>'Suppl. Data 2 - FISHES-BUSCO'!$I$3:$I$10</c:f>
+              <c:strCache>
+                <c:ptCount val="8"/>
+                <c:pt idx="0">
+                  <c:v>Perca flavescens                (0 MYA)</c:v>
+                </c:pt>
+                <c:pt idx="1">
+                  <c:v>Sander vitreus                 (17.4 - 35.7 MYA)</c:v>
+                </c:pt>
+                <c:pt idx="2">
+                  <c:v>Epinephelus fuscoguttatus               (42.3 - 134.2 MYA)</c:v>
+                </c:pt>
+                <c:pt idx="3">
+                  <c:v>Dicentrarchus labrax            (83.2 - 150.9 MYA)</c:v>
+                </c:pt>
+                <c:pt idx="4">
+                  <c:v>Oreochromis niloticus      (100.0 - 130.0 MYA)</c:v>
+                </c:pt>
+                <c:pt idx="5">
+                  <c:v>Esox lucius                     (176.6 - 264.0 MYA)</c:v>
+                </c:pt>
+                <c:pt idx="6">
+                  <c:v>Danio rerio                      (180.0 - 251.5 MYA)</c:v>
+                </c:pt>
+                <c:pt idx="7">
+                  <c:v>Clarias gariepinus          (180.0 - 251.5 MYA)</c:v>
+                </c:pt>
+              </c:strCache>
+            </c:strRef>
+          </c:cat>
+          <c:val>
+            <c:numRef>
+              <c:f>'Suppl. Data 2 - FISHES-BUSCO'!$N$3:$N$10</c:f>
+              <c:numCache>
+                <c:formatCode>0.0%</c:formatCode>
+                <c:ptCount val="8"/>
+                <c:pt idx="0">
+                  <c:v>1</c:v>
+                </c:pt>
+                <c:pt idx="1">
+                  <c:v>0.92658923044157926</c:v>
+                </c:pt>
+                <c:pt idx="2">
+                  <c:v>0.78220467382784364</c:v>
+                </c:pt>
+                <c:pt idx="3">
+                  <c:v>0.74449446446346157</c:v>
+                </c:pt>
+                <c:pt idx="4">
+                  <c:v>0.5291219714941755</c:v>
+                </c:pt>
+                <c:pt idx="5">
+                  <c:v>0.22134455784680435</c:v>
+                </c:pt>
+                <c:pt idx="6">
+                  <c:v>0.20938917389330963</c:v>
+                </c:pt>
+                <c:pt idx="7">
+                  <c:v>0.20895808916106107</c:v>
+                </c:pt>
+              </c:numCache>
+            </c:numRef>
+          </c:val>
+          <c:extLst>
+            <c:ext xmlns:c16="http://schemas.microsoft.com/office/drawing/2014/chart" uri="{C3380CC4-5D6E-409C-BE32-E72D297353CC}">
+              <c16:uniqueId val="{00000001-7E64-4A90-BA15-026A7E645A5B}"/>
+            </c:ext>
+          </c:extLst>
+        </c:ser>
+        <c:dLbls>
+          <c:showLegendKey val="0"/>
+          <c:showVal val="0"/>
+          <c:showCatName val="0"/>
+          <c:showSerName val="0"/>
+          <c:showPercent val="0"/>
+          <c:showBubbleSize val="0"/>
+        </c:dLbls>
+        <c:gapWidth val="219"/>
+        <c:axId val="135202687"/>
+        <c:axId val="240816095"/>
+      </c:barChart>
+      <c:catAx>
+        <c:axId val="135202687"/>
+        <c:scaling>
+          <c:orientation val="minMax"/>
+        </c:scaling>
+        <c:delete val="0"/>
+        <c:axPos val="b"/>
+        <c:numFmt formatCode="General" sourceLinked="1"/>
+        <c:majorTickMark val="none"/>
+        <c:minorTickMark val="none"/>
+        <c:tickLblPos val="nextTo"/>
+        <c:spPr>
+          <a:noFill/>
+          <a:ln w="9525" cap="flat" cmpd="sng" algn="ctr">
+            <a:solidFill>
+              <a:schemeClr val="tx1">
+                <a:lumMod val="15000"/>
+                <a:lumOff val="85000"/>
+              </a:schemeClr>
+            </a:solidFill>
+            <a:round/>
+          </a:ln>
+          <a:effectLst/>
+        </c:spPr>
+        <c:txPr>
+          <a:bodyPr rot="0" spcFirstLastPara="1" vertOverflow="ellipsis" wrap="square" anchor="ctr" anchorCtr="1"/>
+          <a:lstStyle/>
+          <a:p>
+            <a:pPr>
+              <a:defRPr sz="900" b="0" i="1" u="none" strike="noStrike" kern="1200" baseline="0">
+                <a:solidFill>
+                  <a:schemeClr val="tx1">
+                    <a:lumMod val="65000"/>
+                    <a:lumOff val="35000"/>
+                  </a:schemeClr>
+                </a:solidFill>
+                <a:latin typeface="+mn-lt"/>
+                <a:ea typeface="+mn-ea"/>
+                <a:cs typeface="+mn-cs"/>
+              </a:defRPr>
+            </a:pPr>
+            <a:endParaRPr lang="de-DE"/>
+          </a:p>
+        </c:txPr>
+        <c:crossAx val="240816095"/>
+        <c:crosses val="autoZero"/>
+        <c:auto val="1"/>
+        <c:lblAlgn val="ctr"/>
+        <c:lblOffset val="100"/>
+        <c:noMultiLvlLbl val="0"/>
+      </c:catAx>
+      <c:valAx>
+        <c:axId val="240816095"/>
+        <c:scaling>
+          <c:orientation val="minMax"/>
+        </c:scaling>
+        <c:delete val="0"/>
+        <c:axPos val="l"/>
+        <c:majorGridlines>
+          <c:spPr>
+            <a:ln w="9525" cap="flat" cmpd="sng" algn="ctr">
+              <a:solidFill>
+                <a:schemeClr val="tx1">
+                  <a:lumMod val="15000"/>
+                  <a:lumOff val="85000"/>
+                </a:schemeClr>
+              </a:solidFill>
+              <a:round/>
+            </a:ln>
+            <a:effectLst/>
+          </c:spPr>
+        </c:majorGridlines>
+        <c:title>
+          <c:tx>
+            <c:rich>
+              <a:bodyPr rot="-5400000" spcFirstLastPara="1" vertOverflow="ellipsis" vert="horz" wrap="square" anchor="ctr" anchorCtr="1"/>
+              <a:lstStyle/>
+              <a:p>
+                <a:pPr>
+                  <a:defRPr sz="1000" b="0" i="0" u="none" strike="noStrike" kern="1200" baseline="0">
+                    <a:solidFill>
+                      <a:schemeClr val="tx1">
+                        <a:lumMod val="65000"/>
+                        <a:lumOff val="35000"/>
+                      </a:schemeClr>
+                    </a:solidFill>
+                    <a:latin typeface="+mn-lt"/>
+                    <a:ea typeface="+mn-ea"/>
+                    <a:cs typeface="+mn-cs"/>
+                  </a:defRPr>
+                </a:pPr>
+                <a:r>
+                  <a:rPr lang="de-DE"/>
+                  <a:t>%</a:t>
+                </a:r>
+                <a:r>
+                  <a:rPr lang="de-DE" baseline="0"/>
+                  <a:t> of maximum</a:t>
+                </a:r>
+                <a:endParaRPr lang="de-DE"/>
+              </a:p>
+            </c:rich>
+          </c:tx>
+          <c:overlay val="0"/>
+          <c:spPr>
+            <a:noFill/>
+            <a:ln>
+              <a:noFill/>
+            </a:ln>
+            <a:effectLst/>
+          </c:spPr>
+        </c:title>
+        <c:numFmt formatCode="0.0%" sourceLinked="0"/>
+        <c:majorTickMark val="none"/>
+        <c:minorTickMark val="none"/>
+        <c:tickLblPos val="nextTo"/>
+        <c:spPr>
+          <a:noFill/>
+          <a:ln>
+            <a:noFill/>
+          </a:ln>
+          <a:effectLst/>
+        </c:spPr>
+        <c:txPr>
+          <a:bodyPr rot="-60000000" spcFirstLastPara="1" vertOverflow="ellipsis" vert="horz" wrap="square" anchor="ctr" anchorCtr="1"/>
+          <a:lstStyle/>
+          <a:p>
+            <a:pPr>
+              <a:defRPr sz="900" b="0" i="0" u="none" strike="noStrike" kern="1200" baseline="0">
+                <a:solidFill>
+                  <a:schemeClr val="tx1">
+                    <a:lumMod val="65000"/>
+                    <a:lumOff val="35000"/>
+                  </a:schemeClr>
+                </a:solidFill>
+                <a:latin typeface="+mn-lt"/>
+                <a:ea typeface="+mn-ea"/>
+                <a:cs typeface="+mn-cs"/>
+              </a:defRPr>
+            </a:pPr>
+            <a:endParaRPr lang="de-DE"/>
+          </a:p>
+        </c:txPr>
+        <c:crossAx val="135202687"/>
+        <c:crosses val="autoZero"/>
+        <c:crossBetween val="between"/>
+      </c:valAx>
+    </c:plotArea>
+    <c:legend>
+      <c:legendPos val="r"/>
+      <c:overlay val="0"/>
+      <c:spPr>
+        <a:noFill/>
+        <a:ln>
+          <a:noFill/>
+        </a:ln>
+        <a:effectLst/>
+      </c:spPr>
+      <c:txPr>
+        <a:bodyPr rot="0" spcFirstLastPara="1" vertOverflow="ellipsis" vert="horz" wrap="square" anchor="ctr" anchorCtr="1"/>
+        <a:lstStyle/>
+        <a:p>
+          <a:pPr>
+            <a:defRPr sz="900" b="0" i="0" u="none" strike="noStrike" kern="1200" baseline="0">
+              <a:solidFill>
+                <a:schemeClr val="tx1">
+                  <a:lumMod val="65000"/>
+                  <a:lumOff val="35000"/>
+                </a:schemeClr>
+              </a:solidFill>
+              <a:latin typeface="+mn-lt"/>
+              <a:ea typeface="+mn-ea"/>
+              <a:cs typeface="+mn-cs"/>
+            </a:defRPr>
+          </a:pPr>
+          <a:endParaRPr lang="de-DE"/>
+        </a:p>
+      </c:txPr>
+    </c:legend>
+    <c:plotVisOnly val="1"/>
+    <c:dispBlanksAs val="gap"/>
+    <c:showDLblsOverMax val="0"/>
+    <c:extLst/>
+  </c:chart>
+  <c:txPr>
+    <a:bodyPr rot="1200000"/>
+    <a:lstStyle/>
+    <a:p>
+      <a:pPr>
+        <a:defRPr/>
+      </a:pPr>
+      <a:endParaRPr lang="de-DE"/>
+    </a:p>
+  </c:txPr>
+  <c:externalData r:id="rId1">
+    <c:autoUpdate val="0"/>
+  </c:externalData>
+</c:chartSpace>
+</file>
+
+<file path=ppt/charts/chart2.xml><?xml version="1.0" encoding="utf-8"?>
+<c:chartSpace xmlns:c="http://schemas.openxmlformats.org/drawingml/2006/chart" xmlns:a="http://schemas.openxmlformats.org/drawingml/2006/main" xmlns:r="http://schemas.openxmlformats.org/officeDocument/2006/relationships" xmlns:c16r2="http://schemas.microsoft.com/office/drawing/2015/06/chart">
+  <c:date1904 val="0"/>
+  <c:lang val="de-DE"/>
+  <c:roundedCorners val="0"/>
+  <mc:AlternateContent xmlns:mc="http://schemas.openxmlformats.org/markup-compatibility/2006">
+    <mc:Choice xmlns:c14="http://schemas.microsoft.com/office/drawing/2007/8/2/chart" Requires="c14">
+      <c14:style val="102"/>
+    </mc:Choice>
+    <mc:Fallback>
+      <c:style val="2"/>
+    </mc:Fallback>
+  </mc:AlternateContent>
+  <c:chart>
     <c:title>
       <c:tx>
         <c:rich>
@@ -302,25 +819,25 @@
                   <c:v>Perca flavescens                (0 MYA)</c:v>
                 </c:pt>
                 <c:pt idx="2">
-                  <c:v>Sander vitreus                 (31 MYA)</c:v>
+                  <c:v>Sander vitreus                 (17.4 - 35.7 MYA)</c:v>
                 </c:pt>
                 <c:pt idx="3">
-                  <c:v>Epinephelus fuscoguttatus               (77 MYA)</c:v>
+                  <c:v>Epinephelus fuscoguttatus               (42.3 - 134.2 MYA)</c:v>
                 </c:pt>
                 <c:pt idx="4">
-                  <c:v>Dicentrarchus labrax            (104 MYA)</c:v>
+                  <c:v>Dicentrarchus labrax            (83.2 - 150.9 MYA)</c:v>
                 </c:pt>
                 <c:pt idx="5">
-                  <c:v>Oreochromis niloticus      (112 MYA)</c:v>
+                  <c:v>Oreochromis niloticus      (100.0 - 130.0 MYA)</c:v>
                 </c:pt>
                 <c:pt idx="6">
-                  <c:v>Esox lucius                     (205 MYA)</c:v>
+                  <c:v>Esox lucius                     (176.6 - 264.0 MYA)</c:v>
                 </c:pt>
                 <c:pt idx="7">
-                  <c:v>Danio rerio                      (224 MYA)</c:v>
+                  <c:v>Danio rerio                      (180.0 - 251.5 MYA)</c:v>
                 </c:pt>
                 <c:pt idx="8">
-                  <c:v>Clarias gariepinus          (224 MYA)</c:v>
+                  <c:v>Clarias gariepinus          (180.0 - 251.5 MYA)</c:v>
                 </c:pt>
               </c:strCache>
             </c:strRef>
@@ -363,7 +880,7 @@
           </c:val>
           <c:extLst>
             <c:ext xmlns:c16="http://schemas.microsoft.com/office/drawing/2014/chart" uri="{C3380CC4-5D6E-409C-BE32-E72D297353CC}">
-              <c16:uniqueId val="{00000000-7C18-4C6D-8D29-321EFB90331E}"/>
+              <c16:uniqueId val="{00000000-E01D-4983-9CE1-594B86582DF3}"/>
             </c:ext>
           </c:extLst>
         </c:ser>
@@ -411,7 +928,7 @@
               <c:extLst>
                 <c:ext xmlns:c15="http://schemas.microsoft.com/office/drawing/2012/chart" uri="{CE6537A1-D6FC-4f65-9D91-7224C49458BB}"/>
                 <c:ext xmlns:c16="http://schemas.microsoft.com/office/drawing/2014/chart" uri="{C3380CC4-5D6E-409C-BE32-E72D297353CC}">
-                  <c16:uniqueId val="{00000001-7C18-4C6D-8D29-321EFB90331E}"/>
+                  <c16:uniqueId val="{00000001-E01D-4983-9CE1-594B86582DF3}"/>
                 </c:ext>
               </c:extLst>
             </c:dLbl>
@@ -507,7 +1024,7 @@
           </c:val>
           <c:extLst>
             <c:ext xmlns:c16="http://schemas.microsoft.com/office/drawing/2014/chart" uri="{C3380CC4-5D6E-409C-BE32-E72D297353CC}">
-              <c16:uniqueId val="{00000002-7C18-4C6D-8D29-321EFB90331E}"/>
+              <c16:uniqueId val="{00000002-E01D-4983-9CE1-594B86582DF3}"/>
             </c:ext>
           </c:extLst>
         </c:ser>
@@ -630,7 +1147,7 @@
           </c:val>
           <c:extLst>
             <c:ext xmlns:c16="http://schemas.microsoft.com/office/drawing/2014/chart" uri="{C3380CC4-5D6E-409C-BE32-E72D297353CC}">
-              <c16:uniqueId val="{00000003-7C18-4C6D-8D29-321EFB90331E}"/>
+              <c16:uniqueId val="{00000003-E01D-4983-9CE1-594B86582DF3}"/>
             </c:ext>
           </c:extLst>
         </c:ser>
@@ -883,7 +1400,500 @@
 </c:chartSpace>
 </file>
 
-<file path=ppt/charts/chart2.xml><?xml version="1.0" encoding="utf-8"?>
+<file path=ppt/charts/chart3.xml><?xml version="1.0" encoding="utf-8"?>
+<c:chartSpace xmlns:c="http://schemas.openxmlformats.org/drawingml/2006/chart" xmlns:a="http://schemas.openxmlformats.org/drawingml/2006/main" xmlns:r="http://schemas.openxmlformats.org/officeDocument/2006/relationships" xmlns:c16r2="http://schemas.microsoft.com/office/drawing/2015/06/chart">
+  <c:date1904 val="0"/>
+  <c:lang val="de-DE"/>
+  <c:roundedCorners val="0"/>
+  <mc:AlternateContent xmlns:mc="http://schemas.openxmlformats.org/markup-compatibility/2006">
+    <mc:Choice xmlns:c14="http://schemas.microsoft.com/office/drawing/2007/8/2/chart" Requires="c14">
+      <c14:style val="102"/>
+    </mc:Choice>
+    <mc:Fallback>
+      <c:style val="2"/>
+    </mc:Fallback>
+  </mc:AlternateContent>
+  <c:chart>
+    <c:autoTitleDeleted val="1"/>
+    <c:plotArea>
+      <c:layout/>
+      <c:barChart>
+        <c:barDir val="col"/>
+        <c:grouping val="clustered"/>
+        <c:varyColors val="0"/>
+        <c:ser>
+          <c:idx val="1"/>
+          <c:order val="0"/>
+          <c:tx>
+            <c:strRef>
+              <c:f>'Suppl. Data 3 - AMPHIBIA-BUSCO'!$M$1</c:f>
+              <c:strCache>
+                <c:ptCount val="1"/>
+                <c:pt idx="0">
+                  <c:v>CDS length</c:v>
+                </c:pt>
+              </c:strCache>
+            </c:strRef>
+          </c:tx>
+          <c:spPr>
+            <a:ln w="0">
+              <a:solidFill>
+                <a:schemeClr val="tx1"/>
+              </a:solidFill>
+            </a:ln>
+          </c:spPr>
+          <c:invertIfNegative val="0"/>
+          <c:dLbls>
+            <c:spPr>
+              <a:noFill/>
+              <a:ln>
+                <a:noFill/>
+              </a:ln>
+              <a:effectLst/>
+            </c:spPr>
+            <c:txPr>
+              <a:bodyPr rot="-5400000" vert="horz" wrap="square" lIns="38100" tIns="19050" rIns="38100" bIns="19050" anchor="ctr">
+                <a:spAutoFit/>
+              </a:bodyPr>
+              <a:lstStyle/>
+              <a:p>
+                <a:pPr>
+                  <a:defRPr>
+                    <a:solidFill>
+                      <a:schemeClr val="bg1"/>
+                    </a:solidFill>
+                  </a:defRPr>
+                </a:pPr>
+                <a:endParaRPr lang="de-DE"/>
+              </a:p>
+            </c:txPr>
+            <c:dLblPos val="ctr"/>
+            <c:showLegendKey val="0"/>
+            <c:showVal val="1"/>
+            <c:showCatName val="0"/>
+            <c:showSerName val="0"/>
+            <c:showPercent val="0"/>
+            <c:showBubbleSize val="0"/>
+            <c:showLeaderLines val="0"/>
+            <c:extLst>
+              <c:ext xmlns:c15="http://schemas.microsoft.com/office/drawing/2012/chart" uri="{CE6537A1-D6FC-4f65-9D91-7224C49458BB}">
+                <c15:showLeaderLines val="1"/>
+              </c:ext>
+            </c:extLst>
+          </c:dLbls>
+          <c:cat>
+            <c:strRef>
+              <c:f>'Suppl. Data 3 - AMPHIBIA-BUSCO'!$I$3:$I$8</c:f>
+              <c:strCache>
+                <c:ptCount val="6"/>
+                <c:pt idx="0">
+                  <c:v>Bufo bufo                             (0 MYA)</c:v>
+                </c:pt>
+                <c:pt idx="1">
+                  <c:v>Bufotes viridis                 (29.4 - 42.8 MYA)</c:v>
+                </c:pt>
+                <c:pt idx="2">
+                  <c:v>Leptodactylus fuscus        (59.7 - 130.0 MYA)</c:v>
+                </c:pt>
+                <c:pt idx="3">
+                  <c:v>Spea bombifrons            (172.6 - 208.2 MYA)</c:v>
+                </c:pt>
+                <c:pt idx="4">
+                  <c:v>Xenopus tropicalis       (176.7 - 210.5 MYA)</c:v>
+                </c:pt>
+                <c:pt idx="5">
+                  <c:v>Bombina bombina       (186.8 - 223.0 MYA)</c:v>
+                </c:pt>
+              </c:strCache>
+            </c:strRef>
+          </c:cat>
+          <c:val>
+            <c:numRef>
+              <c:f>'Suppl. Data 3 - AMPHIBIA-BUSCO'!$M$3:$M$8</c:f>
+              <c:numCache>
+                <c:formatCode>0.0%</c:formatCode>
+                <c:ptCount val="6"/>
+                <c:pt idx="0">
+                  <c:v>1</c:v>
+                </c:pt>
+                <c:pt idx="1">
+                  <c:v>0.90384611641115786</c:v>
+                </c:pt>
+                <c:pt idx="2">
+                  <c:v>0.85392707333351003</c:v>
+                </c:pt>
+                <c:pt idx="3">
+                  <c:v>0.74741560018106556</c:v>
+                </c:pt>
+                <c:pt idx="4">
+                  <c:v>0.76574504701311408</c:v>
+                </c:pt>
+                <c:pt idx="5">
+                  <c:v>0.80766018846573862</c:v>
+                </c:pt>
+              </c:numCache>
+            </c:numRef>
+          </c:val>
+          <c:extLst>
+            <c:ext xmlns:c16="http://schemas.microsoft.com/office/drawing/2014/chart" uri="{C3380CC4-5D6E-409C-BE32-E72D297353CC}">
+              <c16:uniqueId val="{00000000-BFD6-4C71-9BD6-CC33DFD1265F}"/>
+            </c:ext>
+          </c:extLst>
+        </c:ser>
+        <c:ser>
+          <c:idx val="0"/>
+          <c:order val="1"/>
+          <c:tx>
+            <c:strRef>
+              <c:f>'Suppl. Data 3 - AMPHIBIA-BUSCO'!$N$1</c:f>
+              <c:strCache>
+                <c:ptCount val="1"/>
+                <c:pt idx="0">
+                  <c:v>UTR length</c:v>
+                </c:pt>
+              </c:strCache>
+            </c:strRef>
+          </c:tx>
+          <c:spPr>
+            <a:solidFill>
+              <a:schemeClr val="accent1"/>
+            </a:solidFill>
+            <a:ln w="0">
+              <a:solidFill>
+                <a:schemeClr val="tx1"/>
+              </a:solidFill>
+            </a:ln>
+            <a:effectLst/>
+          </c:spPr>
+          <c:invertIfNegative val="0"/>
+          <c:dLbls>
+            <c:numFmt formatCode="0.0%" sourceLinked="0"/>
+            <c:spPr>
+              <a:noFill/>
+              <a:ln>
+                <a:noFill/>
+              </a:ln>
+              <a:effectLst/>
+            </c:spPr>
+            <c:txPr>
+              <a:bodyPr rot="-5400000" spcFirstLastPara="1" vertOverflow="ellipsis" vert="horz" wrap="square" lIns="38100" tIns="19050" rIns="38100" bIns="19050" anchor="ctr" anchorCtr="1">
+                <a:spAutoFit/>
+              </a:bodyPr>
+              <a:lstStyle/>
+              <a:p>
+                <a:pPr>
+                  <a:defRPr sz="900" b="1" i="0" u="none" strike="noStrike" kern="1200" baseline="0">
+                    <a:solidFill>
+                      <a:schemeClr val="bg1"/>
+                    </a:solidFill>
+                    <a:latin typeface="+mn-lt"/>
+                    <a:ea typeface="+mn-ea"/>
+                    <a:cs typeface="+mn-cs"/>
+                  </a:defRPr>
+                </a:pPr>
+                <a:endParaRPr lang="de-DE"/>
+              </a:p>
+            </c:txPr>
+            <c:dLblPos val="ctr"/>
+            <c:showLegendKey val="0"/>
+            <c:showVal val="1"/>
+            <c:showCatName val="0"/>
+            <c:showSerName val="0"/>
+            <c:showPercent val="0"/>
+            <c:showBubbleSize val="0"/>
+            <c:showLeaderLines val="0"/>
+            <c:extLst>
+              <c:ext xmlns:c15="http://schemas.microsoft.com/office/drawing/2012/chart" uri="{CE6537A1-D6FC-4f65-9D91-7224C49458BB}">
+                <c15:showLeaderLines val="1"/>
+                <c15:leaderLines>
+                  <c:spPr>
+                    <a:ln w="9525" cap="flat" cmpd="sng" algn="ctr">
+                      <a:solidFill>
+                        <a:schemeClr val="tx1">
+                          <a:lumMod val="35000"/>
+                          <a:lumOff val="65000"/>
+                        </a:schemeClr>
+                      </a:solidFill>
+                      <a:round/>
+                    </a:ln>
+                    <a:effectLst/>
+                  </c:spPr>
+                </c15:leaderLines>
+              </c:ext>
+            </c:extLst>
+          </c:dLbls>
+          <c:cat>
+            <c:strRef>
+              <c:f>'Suppl. Data 3 - AMPHIBIA-BUSCO'!$I$3:$I$8</c:f>
+              <c:strCache>
+                <c:ptCount val="6"/>
+                <c:pt idx="0">
+                  <c:v>Bufo bufo                             (0 MYA)</c:v>
+                </c:pt>
+                <c:pt idx="1">
+                  <c:v>Bufotes viridis                 (29.4 - 42.8 MYA)</c:v>
+                </c:pt>
+                <c:pt idx="2">
+                  <c:v>Leptodactylus fuscus        (59.7 - 130.0 MYA)</c:v>
+                </c:pt>
+                <c:pt idx="3">
+                  <c:v>Spea bombifrons            (172.6 - 208.2 MYA)</c:v>
+                </c:pt>
+                <c:pt idx="4">
+                  <c:v>Xenopus tropicalis       (176.7 - 210.5 MYA)</c:v>
+                </c:pt>
+                <c:pt idx="5">
+                  <c:v>Bombina bombina       (186.8 - 223.0 MYA)</c:v>
+                </c:pt>
+              </c:strCache>
+            </c:strRef>
+          </c:cat>
+          <c:val>
+            <c:numRef>
+              <c:f>'Suppl. Data 3 - AMPHIBIA-BUSCO'!$N$3:$N$8</c:f>
+              <c:numCache>
+                <c:formatCode>0.0%</c:formatCode>
+                <c:ptCount val="6"/>
+                <c:pt idx="0">
+                  <c:v>1</c:v>
+                </c:pt>
+                <c:pt idx="1">
+                  <c:v>0.97809874699026511</c:v>
+                </c:pt>
+                <c:pt idx="2">
+                  <c:v>0.50363407172489438</c:v>
+                </c:pt>
+                <c:pt idx="3">
+                  <c:v>0.20315267251567279</c:v>
+                </c:pt>
+                <c:pt idx="4">
+                  <c:v>0.22274061209287177</c:v>
+                </c:pt>
+                <c:pt idx="5">
+                  <c:v>0.32179734749598199</c:v>
+                </c:pt>
+              </c:numCache>
+            </c:numRef>
+          </c:val>
+          <c:extLst>
+            <c:ext xmlns:c16="http://schemas.microsoft.com/office/drawing/2014/chart" uri="{C3380CC4-5D6E-409C-BE32-E72D297353CC}">
+              <c16:uniqueId val="{00000001-BFD6-4C71-9BD6-CC33DFD1265F}"/>
+            </c:ext>
+          </c:extLst>
+        </c:ser>
+        <c:dLbls>
+          <c:showLegendKey val="0"/>
+          <c:showVal val="0"/>
+          <c:showCatName val="0"/>
+          <c:showSerName val="0"/>
+          <c:showPercent val="0"/>
+          <c:showBubbleSize val="0"/>
+        </c:dLbls>
+        <c:gapWidth val="219"/>
+        <c:axId val="135202687"/>
+        <c:axId val="240816095"/>
+      </c:barChart>
+      <c:catAx>
+        <c:axId val="135202687"/>
+        <c:scaling>
+          <c:orientation val="minMax"/>
+        </c:scaling>
+        <c:delete val="0"/>
+        <c:axPos val="b"/>
+        <c:numFmt formatCode="General" sourceLinked="1"/>
+        <c:majorTickMark val="none"/>
+        <c:minorTickMark val="none"/>
+        <c:tickLblPos val="nextTo"/>
+        <c:spPr>
+          <a:noFill/>
+          <a:ln w="9525" cap="flat" cmpd="sng" algn="ctr">
+            <a:solidFill>
+              <a:schemeClr val="tx1">
+                <a:lumMod val="15000"/>
+                <a:lumOff val="85000"/>
+              </a:schemeClr>
+            </a:solidFill>
+            <a:round/>
+          </a:ln>
+          <a:effectLst/>
+        </c:spPr>
+        <c:txPr>
+          <a:bodyPr rot="0" spcFirstLastPara="1" vertOverflow="ellipsis" wrap="square" anchor="ctr" anchorCtr="1"/>
+          <a:lstStyle/>
+          <a:p>
+            <a:pPr>
+              <a:defRPr sz="900" b="0" i="1" u="none" strike="noStrike" kern="1200" baseline="0">
+                <a:solidFill>
+                  <a:schemeClr val="tx1">
+                    <a:lumMod val="65000"/>
+                    <a:lumOff val="35000"/>
+                  </a:schemeClr>
+                </a:solidFill>
+                <a:latin typeface="+mn-lt"/>
+                <a:ea typeface="+mn-ea"/>
+                <a:cs typeface="+mn-cs"/>
+              </a:defRPr>
+            </a:pPr>
+            <a:endParaRPr lang="de-DE"/>
+          </a:p>
+        </c:txPr>
+        <c:crossAx val="240816095"/>
+        <c:crosses val="autoZero"/>
+        <c:auto val="1"/>
+        <c:lblAlgn val="ctr"/>
+        <c:lblOffset val="100"/>
+        <c:noMultiLvlLbl val="0"/>
+      </c:catAx>
+      <c:valAx>
+        <c:axId val="240816095"/>
+        <c:scaling>
+          <c:orientation val="minMax"/>
+        </c:scaling>
+        <c:delete val="0"/>
+        <c:axPos val="l"/>
+        <c:majorGridlines>
+          <c:spPr>
+            <a:ln w="9525" cap="flat" cmpd="sng" algn="ctr">
+              <a:solidFill>
+                <a:schemeClr val="tx1">
+                  <a:lumMod val="15000"/>
+                  <a:lumOff val="85000"/>
+                </a:schemeClr>
+              </a:solidFill>
+              <a:round/>
+            </a:ln>
+            <a:effectLst/>
+          </c:spPr>
+        </c:majorGridlines>
+        <c:title>
+          <c:tx>
+            <c:rich>
+              <a:bodyPr rot="-5400000" spcFirstLastPara="1" vertOverflow="ellipsis" vert="horz" wrap="square" anchor="ctr" anchorCtr="1"/>
+              <a:lstStyle/>
+              <a:p>
+                <a:pPr>
+                  <a:defRPr sz="1000" b="0" i="0" u="none" strike="noStrike" kern="1200" baseline="0">
+                    <a:solidFill>
+                      <a:schemeClr val="tx1">
+                        <a:lumMod val="65000"/>
+                        <a:lumOff val="35000"/>
+                      </a:schemeClr>
+                    </a:solidFill>
+                    <a:latin typeface="+mn-lt"/>
+                    <a:ea typeface="+mn-ea"/>
+                    <a:cs typeface="+mn-cs"/>
+                  </a:defRPr>
+                </a:pPr>
+                <a:r>
+                  <a:rPr lang="de-DE"/>
+                  <a:t>%</a:t>
+                </a:r>
+                <a:r>
+                  <a:rPr lang="de-DE" baseline="0"/>
+                  <a:t> of maximum</a:t>
+                </a:r>
+                <a:endParaRPr lang="de-DE"/>
+              </a:p>
+            </c:rich>
+          </c:tx>
+          <c:overlay val="0"/>
+          <c:spPr>
+            <a:noFill/>
+            <a:ln>
+              <a:noFill/>
+            </a:ln>
+            <a:effectLst/>
+          </c:spPr>
+        </c:title>
+        <c:numFmt formatCode="0.0%" sourceLinked="0"/>
+        <c:majorTickMark val="none"/>
+        <c:minorTickMark val="none"/>
+        <c:tickLblPos val="nextTo"/>
+        <c:spPr>
+          <a:noFill/>
+          <a:ln>
+            <a:noFill/>
+          </a:ln>
+          <a:effectLst/>
+        </c:spPr>
+        <c:txPr>
+          <a:bodyPr rot="-60000000" spcFirstLastPara="1" vertOverflow="ellipsis" vert="horz" wrap="square" anchor="ctr" anchorCtr="1"/>
+          <a:lstStyle/>
+          <a:p>
+            <a:pPr>
+              <a:defRPr sz="900" b="0" i="0" u="none" strike="noStrike" kern="1200" baseline="0">
+                <a:solidFill>
+                  <a:schemeClr val="tx1">
+                    <a:lumMod val="65000"/>
+                    <a:lumOff val="35000"/>
+                  </a:schemeClr>
+                </a:solidFill>
+                <a:latin typeface="+mn-lt"/>
+                <a:ea typeface="+mn-ea"/>
+                <a:cs typeface="+mn-cs"/>
+              </a:defRPr>
+            </a:pPr>
+            <a:endParaRPr lang="de-DE"/>
+          </a:p>
+        </c:txPr>
+        <c:crossAx val="135202687"/>
+        <c:crosses val="autoZero"/>
+        <c:crossBetween val="between"/>
+      </c:valAx>
+    </c:plotArea>
+    <c:legend>
+      <c:legendPos val="r"/>
+      <c:overlay val="0"/>
+      <c:spPr>
+        <a:noFill/>
+        <a:ln>
+          <a:noFill/>
+        </a:ln>
+        <a:effectLst/>
+      </c:spPr>
+      <c:txPr>
+        <a:bodyPr rot="0" spcFirstLastPara="1" vertOverflow="ellipsis" vert="horz" wrap="square" anchor="ctr" anchorCtr="1"/>
+        <a:lstStyle/>
+        <a:p>
+          <a:pPr>
+            <a:defRPr sz="900" b="0" i="0" u="none" strike="noStrike" kern="1200" baseline="0">
+              <a:solidFill>
+                <a:schemeClr val="tx1">
+                  <a:lumMod val="65000"/>
+                  <a:lumOff val="35000"/>
+                </a:schemeClr>
+              </a:solidFill>
+              <a:latin typeface="+mn-lt"/>
+              <a:ea typeface="+mn-ea"/>
+              <a:cs typeface="+mn-cs"/>
+            </a:defRPr>
+          </a:pPr>
+          <a:endParaRPr lang="de-DE"/>
+        </a:p>
+      </c:txPr>
+    </c:legend>
+    <c:plotVisOnly val="1"/>
+    <c:dispBlanksAs val="gap"/>
+    <c:showDLblsOverMax val="0"/>
+    <c:extLst/>
+  </c:chart>
+  <c:txPr>
+    <a:bodyPr rot="1200000"/>
+    <a:lstStyle/>
+    <a:p>
+      <a:pPr>
+        <a:defRPr/>
+      </a:pPr>
+      <a:endParaRPr lang="de-DE"/>
+    </a:p>
+  </c:txPr>
+  <c:externalData r:id="rId1">
+    <c:autoUpdate val="0"/>
+  </c:externalData>
+</c:chartSpace>
+</file>
+
+<file path=ppt/charts/chart4.xml><?xml version="1.0" encoding="utf-8"?>
 <c:chartSpace xmlns:c="http://schemas.openxmlformats.org/drawingml/2006/chart" xmlns:a="http://schemas.openxmlformats.org/drawingml/2006/main" xmlns:r="http://schemas.openxmlformats.org/officeDocument/2006/relationships" xmlns:c16r2="http://schemas.microsoft.com/office/drawing/2015/06/chart">
   <c:date1904 val="0"/>
   <c:lang val="de-DE"/>
@@ -1069,19 +2079,19 @@
                   <c:v>Bufo bufo                             (0 MYA)</c:v>
                 </c:pt>
                 <c:pt idx="2">
-                  <c:v>Bufotes viridis                 (31,9 MYA)</c:v>
+                  <c:v>Bufotes viridis                 (29.4 - 42.8 MYA)</c:v>
                 </c:pt>
                 <c:pt idx="3">
-                  <c:v>Leptodactylus fuscus        (68 MYA)</c:v>
+                  <c:v>Leptodactylus fuscus        (59.7 - 130.0 MYA)</c:v>
                 </c:pt>
                 <c:pt idx="4">
-                  <c:v>Spea bombifrons            (192 MYA)</c:v>
+                  <c:v>Spea bombifrons            (172.6 - 208.2 MYA)</c:v>
                 </c:pt>
                 <c:pt idx="5">
-                  <c:v>Xenopus tropicalis       (202 MYA)</c:v>
+                  <c:v>Xenopus tropicalis       (176.7 - 210.5 MYA)</c:v>
                 </c:pt>
                 <c:pt idx="6">
-                  <c:v>Bombina bombina       (210 MYA)</c:v>
+                  <c:v>Bombina bombina       (186.8 - 223.0 MYA)</c:v>
                 </c:pt>
               </c:strCache>
             </c:strRef>
@@ -1118,7 +2128,7 @@
           </c:val>
           <c:extLst>
             <c:ext xmlns:c16="http://schemas.microsoft.com/office/drawing/2014/chart" uri="{C3380CC4-5D6E-409C-BE32-E72D297353CC}">
-              <c16:uniqueId val="{00000000-3AF0-46A2-A6B7-B6B5CE5245EF}"/>
+              <c16:uniqueId val="{00000000-0F13-48B4-AF8F-F202D556B116}"/>
             </c:ext>
           </c:extLst>
         </c:ser>
@@ -1215,19 +2225,19 @@
                   <c:v>Bufo bufo                             (0 MYA)</c:v>
                 </c:pt>
                 <c:pt idx="2">
-                  <c:v>Bufotes viridis                 (31,9 MYA)</c:v>
+                  <c:v>Bufotes viridis                 (29.4 - 42.8 MYA)</c:v>
                 </c:pt>
                 <c:pt idx="3">
-                  <c:v>Leptodactylus fuscus        (68 MYA)</c:v>
+                  <c:v>Leptodactylus fuscus        (59.7 - 130.0 MYA)</c:v>
                 </c:pt>
                 <c:pt idx="4">
-                  <c:v>Spea bombifrons            (192 MYA)</c:v>
+                  <c:v>Spea bombifrons            (172.6 - 208.2 MYA)</c:v>
                 </c:pt>
                 <c:pt idx="5">
-                  <c:v>Xenopus tropicalis       (202 MYA)</c:v>
+                  <c:v>Xenopus tropicalis       (176.7 - 210.5 MYA)</c:v>
                 </c:pt>
                 <c:pt idx="6">
-                  <c:v>Bombina bombina       (210 MYA)</c:v>
+                  <c:v>Bombina bombina       (186.8 - 223.0 MYA)</c:v>
                 </c:pt>
               </c:strCache>
             </c:strRef>
@@ -1264,7 +2274,7 @@
           </c:val>
           <c:extLst>
             <c:ext xmlns:c16="http://schemas.microsoft.com/office/drawing/2014/chart" uri="{C3380CC4-5D6E-409C-BE32-E72D297353CC}">
-              <c16:uniqueId val="{00000001-3AF0-46A2-A6B7-B6B5CE5245EF}"/>
+              <c16:uniqueId val="{00000001-0F13-48B4-AF8F-F202D556B116}"/>
             </c:ext>
           </c:extLst>
         </c:ser>
@@ -1361,19 +2371,19 @@
                   <c:v>Bufo bufo                             (0 MYA)</c:v>
                 </c:pt>
                 <c:pt idx="2">
-                  <c:v>Bufotes viridis                 (31,9 MYA)</c:v>
+                  <c:v>Bufotes viridis                 (29.4 - 42.8 MYA)</c:v>
                 </c:pt>
                 <c:pt idx="3">
-                  <c:v>Leptodactylus fuscus        (68 MYA)</c:v>
+                  <c:v>Leptodactylus fuscus        (59.7 - 130.0 MYA)</c:v>
                 </c:pt>
                 <c:pt idx="4">
-                  <c:v>Spea bombifrons            (192 MYA)</c:v>
+                  <c:v>Spea bombifrons            (172.6 - 208.2 MYA)</c:v>
                 </c:pt>
                 <c:pt idx="5">
-                  <c:v>Xenopus tropicalis       (202 MYA)</c:v>
+                  <c:v>Xenopus tropicalis       (176.7 - 210.5 MYA)</c:v>
                 </c:pt>
                 <c:pt idx="6">
-                  <c:v>Bombina bombina       (210 MYA)</c:v>
+                  <c:v>Bombina bombina       (186.8 - 223.0 MYA)</c:v>
                 </c:pt>
               </c:strCache>
             </c:strRef>
@@ -1410,7 +2420,7 @@
           </c:val>
           <c:extLst>
             <c:ext xmlns:c16="http://schemas.microsoft.com/office/drawing/2014/chart" uri="{C3380CC4-5D6E-409C-BE32-E72D297353CC}">
-              <c16:uniqueId val="{00000002-3AF0-46A2-A6B7-B6B5CE5245EF}"/>
+              <c16:uniqueId val="{00000002-0F13-48B4-AF8F-F202D556B116}"/>
             </c:ext>
           </c:extLst>
         </c:ser>
@@ -1663,7 +2673,495 @@
 </c:chartSpace>
 </file>
 
-<file path=ppt/charts/chart3.xml><?xml version="1.0" encoding="utf-8"?>
+<file path=ppt/charts/chart5.xml><?xml version="1.0" encoding="utf-8"?>
+<c:chartSpace xmlns:c="http://schemas.openxmlformats.org/drawingml/2006/chart" xmlns:a="http://schemas.openxmlformats.org/drawingml/2006/main" xmlns:r="http://schemas.openxmlformats.org/officeDocument/2006/relationships" xmlns:c16r2="http://schemas.microsoft.com/office/drawing/2015/06/chart">
+  <c:date1904 val="0"/>
+  <c:lang val="de-DE"/>
+  <c:roundedCorners val="0"/>
+  <mc:AlternateContent xmlns:mc="http://schemas.openxmlformats.org/markup-compatibility/2006">
+    <mc:Choice xmlns:c14="http://schemas.microsoft.com/office/drawing/2007/8/2/chart" Requires="c14">
+      <c14:style val="102"/>
+    </mc:Choice>
+    <mc:Fallback>
+      <c:style val="2"/>
+    </mc:Fallback>
+  </mc:AlternateContent>
+  <c:chart>
+    <c:autoTitleDeleted val="1"/>
+    <c:plotArea>
+      <c:layout/>
+      <c:barChart>
+        <c:barDir val="col"/>
+        <c:grouping val="clustered"/>
+        <c:varyColors val="0"/>
+        <c:ser>
+          <c:idx val="1"/>
+          <c:order val="0"/>
+          <c:tx>
+            <c:strRef>
+              <c:f>'Suppl. Data 4 - BIRDS-BUSCO'!$M$1</c:f>
+              <c:strCache>
+                <c:ptCount val="1"/>
+                <c:pt idx="0">
+                  <c:v>CDS length</c:v>
+                </c:pt>
+              </c:strCache>
+            </c:strRef>
+          </c:tx>
+          <c:spPr>
+            <a:ln w="0">
+              <a:solidFill>
+                <a:schemeClr val="tx1"/>
+              </a:solidFill>
+            </a:ln>
+          </c:spPr>
+          <c:invertIfNegative val="0"/>
+          <c:dLbls>
+            <c:spPr>
+              <a:noFill/>
+              <a:ln>
+                <a:noFill/>
+              </a:ln>
+              <a:effectLst/>
+            </c:spPr>
+            <c:txPr>
+              <a:bodyPr rot="-5400000" vert="horz" wrap="square" lIns="38100" tIns="19050" rIns="38100" bIns="19050" anchor="ctr">
+                <a:spAutoFit/>
+              </a:bodyPr>
+              <a:lstStyle/>
+              <a:p>
+                <a:pPr>
+                  <a:defRPr>
+                    <a:solidFill>
+                      <a:schemeClr val="bg1"/>
+                    </a:solidFill>
+                  </a:defRPr>
+                </a:pPr>
+                <a:endParaRPr lang="de-DE"/>
+              </a:p>
+            </c:txPr>
+            <c:dLblPos val="ctr"/>
+            <c:showLegendKey val="0"/>
+            <c:showVal val="1"/>
+            <c:showCatName val="0"/>
+            <c:showSerName val="0"/>
+            <c:showPercent val="0"/>
+            <c:showBubbleSize val="0"/>
+            <c:showLeaderLines val="0"/>
+            <c:extLst>
+              <c:ext xmlns:c15="http://schemas.microsoft.com/office/drawing/2012/chart" uri="{CE6537A1-D6FC-4f65-9D91-7224C49458BB}">
+                <c15:showLeaderLines val="1"/>
+              </c:ext>
+            </c:extLst>
+          </c:dLbls>
+          <c:cat>
+            <c:strRef>
+              <c:f>'Suppl. Data 4 - BIRDS-BUSCO'!$I$3:$I$8</c:f>
+              <c:strCache>
+                <c:ptCount val="6"/>
+                <c:pt idx="0">
+                  <c:v>Taeniopygia guttata               (0 MYA)</c:v>
+                </c:pt>
+                <c:pt idx="1">
+                  <c:v>Serinus canaria                    (15.1 - 50.3 MYA)</c:v>
+                </c:pt>
+                <c:pt idx="2">
+                  <c:v>Myiozetetes cayanensis     (54.7 - 71.3 MYA)</c:v>
+                </c:pt>
+                <c:pt idx="3">
+                  <c:v>Phaethornis superciliosus                    (67.9 - 112.6 MYA)</c:v>
+                </c:pt>
+                <c:pt idx="4">
+                  <c:v>Gallus gallus                         (86.5 - 101.8 MYA)</c:v>
+                </c:pt>
+                <c:pt idx="5">
+                  <c:v>Dromaius novaehollandiae (97.0 - 118.1 MYA)</c:v>
+                </c:pt>
+              </c:strCache>
+            </c:strRef>
+          </c:cat>
+          <c:val>
+            <c:numRef>
+              <c:f>'Suppl. Data 4 - BIRDS-BUSCO'!$M$3:$M$8</c:f>
+              <c:numCache>
+                <c:formatCode>0.0%</c:formatCode>
+                <c:ptCount val="6"/>
+                <c:pt idx="0">
+                  <c:v>1</c:v>
+                </c:pt>
+                <c:pt idx="1">
+                  <c:v>0.92339611447953052</c:v>
+                </c:pt>
+                <c:pt idx="2">
+                  <c:v>0.90285088601618002</c:v>
+                </c:pt>
+                <c:pt idx="3">
+                  <c:v>0.84199150384004873</c:v>
+                </c:pt>
+                <c:pt idx="4">
+                  <c:v>0.86265695919155916</c:v>
+                </c:pt>
+                <c:pt idx="5">
+                  <c:v>0.86680587807949738</c:v>
+                </c:pt>
+              </c:numCache>
+            </c:numRef>
+          </c:val>
+          <c:extLst>
+            <c:ext xmlns:c16="http://schemas.microsoft.com/office/drawing/2014/chart" uri="{C3380CC4-5D6E-409C-BE32-E72D297353CC}">
+              <c16:uniqueId val="{00000000-D85F-486C-963F-F65118CC67C6}"/>
+            </c:ext>
+          </c:extLst>
+        </c:ser>
+        <c:ser>
+          <c:idx val="0"/>
+          <c:order val="1"/>
+          <c:tx>
+            <c:strRef>
+              <c:f>'Suppl. Data 4 - BIRDS-BUSCO'!$N$1</c:f>
+              <c:strCache>
+                <c:ptCount val="1"/>
+                <c:pt idx="0">
+                  <c:v>UTR length</c:v>
+                </c:pt>
+              </c:strCache>
+            </c:strRef>
+          </c:tx>
+          <c:spPr>
+            <a:solidFill>
+              <a:schemeClr val="accent1"/>
+            </a:solidFill>
+            <a:ln w="0">
+              <a:solidFill>
+                <a:schemeClr val="tx1"/>
+              </a:solidFill>
+            </a:ln>
+            <a:effectLst/>
+          </c:spPr>
+          <c:invertIfNegative val="0"/>
+          <c:dLbls>
+            <c:numFmt formatCode="0.0%" sourceLinked="0"/>
+            <c:spPr>
+              <a:noFill/>
+              <a:ln>
+                <a:noFill/>
+              </a:ln>
+              <a:effectLst/>
+            </c:spPr>
+            <c:txPr>
+              <a:bodyPr rot="-5400000" spcFirstLastPara="1" vertOverflow="ellipsis" vert="horz" wrap="square" lIns="38100" tIns="19050" rIns="38100" bIns="19050" anchor="ctr" anchorCtr="1">
+                <a:spAutoFit/>
+              </a:bodyPr>
+              <a:lstStyle/>
+              <a:p>
+                <a:pPr>
+                  <a:defRPr sz="900" b="1" i="0" u="none" strike="noStrike" kern="1200" baseline="0">
+                    <a:solidFill>
+                      <a:schemeClr val="bg1"/>
+                    </a:solidFill>
+                    <a:latin typeface="+mn-lt"/>
+                    <a:ea typeface="+mn-ea"/>
+                    <a:cs typeface="+mn-cs"/>
+                  </a:defRPr>
+                </a:pPr>
+                <a:endParaRPr lang="de-DE"/>
+              </a:p>
+            </c:txPr>
+            <c:dLblPos val="ctr"/>
+            <c:showLegendKey val="0"/>
+            <c:showVal val="1"/>
+            <c:showCatName val="0"/>
+            <c:showSerName val="0"/>
+            <c:showPercent val="0"/>
+            <c:showBubbleSize val="0"/>
+            <c:showLeaderLines val="0"/>
+            <c:extLst>
+              <c:ext xmlns:c15="http://schemas.microsoft.com/office/drawing/2012/chart" uri="{CE6537A1-D6FC-4f65-9D91-7224C49458BB}">
+                <c15:showLeaderLines val="1"/>
+                <c15:leaderLines>
+                  <c:spPr>
+                    <a:ln w="9525" cap="flat" cmpd="sng" algn="ctr">
+                      <a:solidFill>
+                        <a:schemeClr val="tx1">
+                          <a:lumMod val="35000"/>
+                          <a:lumOff val="65000"/>
+                        </a:schemeClr>
+                      </a:solidFill>
+                      <a:round/>
+                    </a:ln>
+                    <a:effectLst/>
+                  </c:spPr>
+                </c15:leaderLines>
+              </c:ext>
+            </c:extLst>
+          </c:dLbls>
+          <c:cat>
+            <c:strRef>
+              <c:f>'Suppl. Data 4 - BIRDS-BUSCO'!$I$3:$I$8</c:f>
+              <c:strCache>
+                <c:ptCount val="6"/>
+                <c:pt idx="0">
+                  <c:v>Taeniopygia guttata               (0 MYA)</c:v>
+                </c:pt>
+                <c:pt idx="1">
+                  <c:v>Serinus canaria                    (15.1 - 50.3 MYA)</c:v>
+                </c:pt>
+                <c:pt idx="2">
+                  <c:v>Myiozetetes cayanensis     (54.7 - 71.3 MYA)</c:v>
+                </c:pt>
+                <c:pt idx="3">
+                  <c:v>Phaethornis superciliosus                    (67.9 - 112.6 MYA)</c:v>
+                </c:pt>
+                <c:pt idx="4">
+                  <c:v>Gallus gallus                         (86.5 - 101.8 MYA)</c:v>
+                </c:pt>
+                <c:pt idx="5">
+                  <c:v>Dromaius novaehollandiae (97.0 - 118.1 MYA)</c:v>
+                </c:pt>
+              </c:strCache>
+            </c:strRef>
+          </c:cat>
+          <c:val>
+            <c:numRef>
+              <c:f>'Suppl. Data 4 - BIRDS-BUSCO'!$N$3:$N$8</c:f>
+              <c:numCache>
+                <c:formatCode>0.0%</c:formatCode>
+                <c:ptCount val="6"/>
+                <c:pt idx="0">
+                  <c:v>1</c:v>
+                </c:pt>
+                <c:pt idx="1">
+                  <c:v>0.96109536850822253</c:v>
+                </c:pt>
+                <c:pt idx="2">
+                  <c:v>0.88916825717182035</c:v>
+                </c:pt>
+                <c:pt idx="3">
+                  <c:v>0.68195029110418082</c:v>
+                </c:pt>
+                <c:pt idx="4">
+                  <c:v>0.49204983366939864</c:v>
+                </c:pt>
+                <c:pt idx="5">
+                  <c:v>0.61260332262864536</c:v>
+                </c:pt>
+              </c:numCache>
+            </c:numRef>
+          </c:val>
+          <c:extLst>
+            <c:ext xmlns:c16="http://schemas.microsoft.com/office/drawing/2014/chart" uri="{C3380CC4-5D6E-409C-BE32-E72D297353CC}">
+              <c16:uniqueId val="{00000001-D85F-486C-963F-F65118CC67C6}"/>
+            </c:ext>
+          </c:extLst>
+        </c:ser>
+        <c:dLbls>
+          <c:showLegendKey val="0"/>
+          <c:showVal val="0"/>
+          <c:showCatName val="0"/>
+          <c:showSerName val="0"/>
+          <c:showPercent val="0"/>
+          <c:showBubbleSize val="0"/>
+        </c:dLbls>
+        <c:gapWidth val="219"/>
+        <c:axId val="135202687"/>
+        <c:axId val="240816095"/>
+      </c:barChart>
+      <c:catAx>
+        <c:axId val="135202687"/>
+        <c:scaling>
+          <c:orientation val="minMax"/>
+        </c:scaling>
+        <c:delete val="0"/>
+        <c:axPos val="b"/>
+        <c:numFmt formatCode="General" sourceLinked="1"/>
+        <c:majorTickMark val="none"/>
+        <c:minorTickMark val="none"/>
+        <c:tickLblPos val="nextTo"/>
+        <c:spPr>
+          <a:noFill/>
+          <a:ln w="9525" cap="flat" cmpd="sng" algn="ctr">
+            <a:solidFill>
+              <a:schemeClr val="tx1">
+                <a:lumMod val="15000"/>
+                <a:lumOff val="85000"/>
+              </a:schemeClr>
+            </a:solidFill>
+            <a:round/>
+          </a:ln>
+          <a:effectLst/>
+        </c:spPr>
+        <c:txPr>
+          <a:bodyPr rot="0" spcFirstLastPara="1" vertOverflow="ellipsis" wrap="square" anchor="ctr" anchorCtr="1"/>
+          <a:lstStyle/>
+          <a:p>
+            <a:pPr>
+              <a:defRPr sz="900" b="0" i="1" u="none" strike="noStrike" kern="1200" baseline="0">
+                <a:solidFill>
+                  <a:schemeClr val="tx1">
+                    <a:lumMod val="65000"/>
+                    <a:lumOff val="35000"/>
+                  </a:schemeClr>
+                </a:solidFill>
+                <a:latin typeface="+mn-lt"/>
+                <a:ea typeface="+mn-ea"/>
+                <a:cs typeface="+mn-cs"/>
+              </a:defRPr>
+            </a:pPr>
+            <a:endParaRPr lang="de-DE"/>
+          </a:p>
+        </c:txPr>
+        <c:crossAx val="240816095"/>
+        <c:crosses val="autoZero"/>
+        <c:auto val="1"/>
+        <c:lblAlgn val="ctr"/>
+        <c:lblOffset val="100"/>
+        <c:noMultiLvlLbl val="0"/>
+      </c:catAx>
+      <c:valAx>
+        <c:axId val="240816095"/>
+        <c:scaling>
+          <c:orientation val="minMax"/>
+        </c:scaling>
+        <c:delete val="0"/>
+        <c:axPos val="l"/>
+        <c:majorGridlines>
+          <c:spPr>
+            <a:ln w="9525" cap="flat" cmpd="sng" algn="ctr">
+              <a:solidFill>
+                <a:schemeClr val="tx1">
+                  <a:lumMod val="15000"/>
+                  <a:lumOff val="85000"/>
+                </a:schemeClr>
+              </a:solidFill>
+              <a:round/>
+            </a:ln>
+            <a:effectLst/>
+          </c:spPr>
+        </c:majorGridlines>
+        <c:title>
+          <c:tx>
+            <c:rich>
+              <a:bodyPr rot="-5400000" spcFirstLastPara="1" vertOverflow="ellipsis" vert="horz" wrap="square" anchor="ctr" anchorCtr="1"/>
+              <a:lstStyle/>
+              <a:p>
+                <a:pPr>
+                  <a:defRPr sz="1000" b="0" i="0" u="none" strike="noStrike" kern="1200" baseline="0">
+                    <a:solidFill>
+                      <a:schemeClr val="tx1">
+                        <a:lumMod val="65000"/>
+                        <a:lumOff val="35000"/>
+                      </a:schemeClr>
+                    </a:solidFill>
+                    <a:latin typeface="+mn-lt"/>
+                    <a:ea typeface="+mn-ea"/>
+                    <a:cs typeface="+mn-cs"/>
+                  </a:defRPr>
+                </a:pPr>
+                <a:r>
+                  <a:rPr lang="de-DE"/>
+                  <a:t>% of maximum</a:t>
+                </a:r>
+              </a:p>
+            </c:rich>
+          </c:tx>
+          <c:overlay val="0"/>
+          <c:spPr>
+            <a:noFill/>
+            <a:ln>
+              <a:noFill/>
+            </a:ln>
+            <a:effectLst/>
+          </c:spPr>
+        </c:title>
+        <c:numFmt formatCode="0.0%" sourceLinked="0"/>
+        <c:majorTickMark val="none"/>
+        <c:minorTickMark val="none"/>
+        <c:tickLblPos val="nextTo"/>
+        <c:spPr>
+          <a:noFill/>
+          <a:ln>
+            <a:noFill/>
+          </a:ln>
+          <a:effectLst/>
+        </c:spPr>
+        <c:txPr>
+          <a:bodyPr rot="-60000000" spcFirstLastPara="1" vertOverflow="ellipsis" vert="horz" wrap="square" anchor="ctr" anchorCtr="1"/>
+          <a:lstStyle/>
+          <a:p>
+            <a:pPr>
+              <a:defRPr sz="900" b="0" i="0" u="none" strike="noStrike" kern="1200" baseline="0">
+                <a:solidFill>
+                  <a:schemeClr val="tx1">
+                    <a:lumMod val="65000"/>
+                    <a:lumOff val="35000"/>
+                  </a:schemeClr>
+                </a:solidFill>
+                <a:latin typeface="+mn-lt"/>
+                <a:ea typeface="+mn-ea"/>
+                <a:cs typeface="+mn-cs"/>
+              </a:defRPr>
+            </a:pPr>
+            <a:endParaRPr lang="de-DE"/>
+          </a:p>
+        </c:txPr>
+        <c:crossAx val="135202687"/>
+        <c:crosses val="autoZero"/>
+        <c:crossBetween val="between"/>
+      </c:valAx>
+    </c:plotArea>
+    <c:legend>
+      <c:legendPos val="r"/>
+      <c:overlay val="0"/>
+      <c:spPr>
+        <a:noFill/>
+        <a:ln>
+          <a:noFill/>
+        </a:ln>
+        <a:effectLst/>
+      </c:spPr>
+      <c:txPr>
+        <a:bodyPr rot="0" spcFirstLastPara="1" vertOverflow="ellipsis" vert="horz" wrap="square" anchor="ctr" anchorCtr="1"/>
+        <a:lstStyle/>
+        <a:p>
+          <a:pPr>
+            <a:defRPr sz="900" b="0" i="0" u="none" strike="noStrike" kern="1200" baseline="0">
+              <a:solidFill>
+                <a:schemeClr val="tx1">
+                  <a:lumMod val="65000"/>
+                  <a:lumOff val="35000"/>
+                </a:schemeClr>
+              </a:solidFill>
+              <a:latin typeface="+mn-lt"/>
+              <a:ea typeface="+mn-ea"/>
+              <a:cs typeface="+mn-cs"/>
+            </a:defRPr>
+          </a:pPr>
+          <a:endParaRPr lang="de-DE"/>
+        </a:p>
+      </c:txPr>
+    </c:legend>
+    <c:plotVisOnly val="1"/>
+    <c:dispBlanksAs val="gap"/>
+    <c:showDLblsOverMax val="0"/>
+    <c:extLst/>
+  </c:chart>
+  <c:txPr>
+    <a:bodyPr rot="1200000"/>
+    <a:lstStyle/>
+    <a:p>
+      <a:pPr>
+        <a:defRPr/>
+      </a:pPr>
+      <a:endParaRPr lang="de-DE"/>
+    </a:p>
+  </c:txPr>
+  <c:externalData r:id="rId1">
+    <c:autoUpdate val="0"/>
+  </c:externalData>
+</c:chartSpace>
+</file>
+
+<file path=ppt/charts/chart6.xml><?xml version="1.0" encoding="utf-8"?>
 <c:chartSpace xmlns:c="http://schemas.openxmlformats.org/drawingml/2006/chart" xmlns:a="http://schemas.openxmlformats.org/drawingml/2006/main" xmlns:r="http://schemas.openxmlformats.org/officeDocument/2006/relationships" xmlns:c16r2="http://schemas.microsoft.com/office/drawing/2015/06/chart">
   <c:date1904 val="0"/>
   <c:lang val="de-DE"/>
@@ -1849,19 +3347,19 @@
                   <c:v>Taeniopygia guttata               (0 MYA)</c:v>
                 </c:pt>
                 <c:pt idx="2">
-                  <c:v>Serinus canaria                    (24 MYA)</c:v>
+                  <c:v>Serinus canaria                    (15.1 - 50.3 MYA)</c:v>
                 </c:pt>
                 <c:pt idx="3">
-                  <c:v>Myiozetetes cayanensis     (26 MYA)</c:v>
+                  <c:v>Myiozetetes cayanensis     (54.7 - 71.3 MYA)</c:v>
                 </c:pt>
                 <c:pt idx="4">
-                  <c:v>Phaethornis superciliosus                    (76 MYA)</c:v>
+                  <c:v>Phaethornis superciliosus                    (67.9 - 112.6 MYA)</c:v>
                 </c:pt>
                 <c:pt idx="5">
-                  <c:v>Gallus gallus                         (91 MYA)</c:v>
+                  <c:v>Gallus gallus                         (86.5 - 101.8 MYA)</c:v>
                 </c:pt>
                 <c:pt idx="6">
-                  <c:v>Dromaius novaehollandiae (108 MYA)</c:v>
+                  <c:v>Dromaius novaehollandiae (97.0 - 118.1 MYA)</c:v>
                 </c:pt>
               </c:strCache>
             </c:strRef>
@@ -1898,7 +3396,7 @@
           </c:val>
           <c:extLst>
             <c:ext xmlns:c16="http://schemas.microsoft.com/office/drawing/2014/chart" uri="{C3380CC4-5D6E-409C-BE32-E72D297353CC}">
-              <c16:uniqueId val="{00000000-D1E3-45DF-8AD2-2874561539DB}"/>
+              <c16:uniqueId val="{00000000-2199-4623-A554-7FC992EFA0C3}"/>
             </c:ext>
           </c:extLst>
         </c:ser>
@@ -1995,19 +3493,19 @@
                   <c:v>Taeniopygia guttata               (0 MYA)</c:v>
                 </c:pt>
                 <c:pt idx="2">
-                  <c:v>Serinus canaria                    (24 MYA)</c:v>
+                  <c:v>Serinus canaria                    (15.1 - 50.3 MYA)</c:v>
                 </c:pt>
                 <c:pt idx="3">
-                  <c:v>Myiozetetes cayanensis     (26 MYA)</c:v>
+                  <c:v>Myiozetetes cayanensis     (54.7 - 71.3 MYA)</c:v>
                 </c:pt>
                 <c:pt idx="4">
-                  <c:v>Phaethornis superciliosus                    (76 MYA)</c:v>
+                  <c:v>Phaethornis superciliosus                    (67.9 - 112.6 MYA)</c:v>
                 </c:pt>
                 <c:pt idx="5">
-                  <c:v>Gallus gallus                         (91 MYA)</c:v>
+                  <c:v>Gallus gallus                         (86.5 - 101.8 MYA)</c:v>
                 </c:pt>
                 <c:pt idx="6">
-                  <c:v>Dromaius novaehollandiae (108 MYA)</c:v>
+                  <c:v>Dromaius novaehollandiae (97.0 - 118.1 MYA)</c:v>
                 </c:pt>
               </c:strCache>
             </c:strRef>
@@ -2044,7 +3542,7 @@
           </c:val>
           <c:extLst>
             <c:ext xmlns:c16="http://schemas.microsoft.com/office/drawing/2014/chart" uri="{C3380CC4-5D6E-409C-BE32-E72D297353CC}">
-              <c16:uniqueId val="{00000001-D1E3-45DF-8AD2-2874561539DB}"/>
+              <c16:uniqueId val="{00000001-2199-4623-A554-7FC992EFA0C3}"/>
             </c:ext>
           </c:extLst>
         </c:ser>
@@ -2141,19 +3639,19 @@
                   <c:v>Taeniopygia guttata               (0 MYA)</c:v>
                 </c:pt>
                 <c:pt idx="2">
-                  <c:v>Serinus canaria                    (24 MYA)</c:v>
+                  <c:v>Serinus canaria                    (15.1 - 50.3 MYA)</c:v>
                 </c:pt>
                 <c:pt idx="3">
-                  <c:v>Myiozetetes cayanensis     (26 MYA)</c:v>
+                  <c:v>Myiozetetes cayanensis     (54.7 - 71.3 MYA)</c:v>
                 </c:pt>
                 <c:pt idx="4">
-                  <c:v>Phaethornis superciliosus                    (76 MYA)</c:v>
+                  <c:v>Phaethornis superciliosus                    (67.9 - 112.6 MYA)</c:v>
                 </c:pt>
                 <c:pt idx="5">
-                  <c:v>Gallus gallus                         (91 MYA)</c:v>
+                  <c:v>Gallus gallus                         (86.5 - 101.8 MYA)</c:v>
                 </c:pt>
                 <c:pt idx="6">
-                  <c:v>Dromaius novaehollandiae (108 MYA)</c:v>
+                  <c:v>Dromaius novaehollandiae (97.0 - 118.1 MYA)</c:v>
                 </c:pt>
               </c:strCache>
             </c:strRef>
@@ -2190,7 +3688,7 @@
           </c:val>
           <c:extLst>
             <c:ext xmlns:c16="http://schemas.microsoft.com/office/drawing/2014/chart" uri="{C3380CC4-5D6E-409C-BE32-E72D297353CC}">
-              <c16:uniqueId val="{00000002-D1E3-45DF-8AD2-2874561539DB}"/>
+              <c16:uniqueId val="{00000002-2199-4623-A554-7FC992EFA0C3}"/>
             </c:ext>
           </c:extLst>
         </c:ser>
@@ -2443,7 +3941,556 @@
 </c:chartSpace>
 </file>
 
-<file path=ppt/charts/chart4.xml><?xml version="1.0" encoding="utf-8"?>
+<file path=ppt/charts/chart7.xml><?xml version="1.0" encoding="utf-8"?>
+<c:chartSpace xmlns:c="http://schemas.openxmlformats.org/drawingml/2006/chart" xmlns:a="http://schemas.openxmlformats.org/drawingml/2006/main" xmlns:r="http://schemas.openxmlformats.org/officeDocument/2006/relationships" xmlns:c16r2="http://schemas.microsoft.com/office/drawing/2015/06/chart">
+  <c:date1904 val="0"/>
+  <c:lang val="de-DE"/>
+  <c:roundedCorners val="0"/>
+  <mc:AlternateContent xmlns:mc="http://schemas.openxmlformats.org/markup-compatibility/2006">
+    <mc:Choice xmlns:c14="http://schemas.microsoft.com/office/drawing/2007/8/2/chart" Requires="c14">
+      <c14:style val="102"/>
+    </mc:Choice>
+    <mc:Fallback>
+      <c:style val="2"/>
+    </mc:Fallback>
+  </mc:AlternateContent>
+  <c:chart>
+    <c:autoTitleDeleted val="1"/>
+    <c:plotArea>
+      <c:layout/>
+      <c:barChart>
+        <c:barDir val="col"/>
+        <c:grouping val="clustered"/>
+        <c:varyColors val="0"/>
+        <c:ser>
+          <c:idx val="1"/>
+          <c:order val="0"/>
+          <c:tx>
+            <c:strRef>
+              <c:f>'Suppl. Data 5 - MAMMALS-BUSCO'!$M$1</c:f>
+              <c:strCache>
+                <c:ptCount val="1"/>
+                <c:pt idx="0">
+                  <c:v>CDS length</c:v>
+                </c:pt>
+              </c:strCache>
+            </c:strRef>
+          </c:tx>
+          <c:spPr>
+            <a:ln w="0">
+              <a:solidFill>
+                <a:schemeClr val="tx1"/>
+              </a:solidFill>
+            </a:ln>
+          </c:spPr>
+          <c:invertIfNegative val="0"/>
+          <c:dLbls>
+            <c:spPr>
+              <a:noFill/>
+              <a:ln>
+                <a:noFill/>
+              </a:ln>
+              <a:effectLst/>
+            </c:spPr>
+            <c:txPr>
+              <a:bodyPr rot="-5400000" vert="horz" wrap="square" lIns="38100" tIns="19050" rIns="38100" bIns="19050" anchor="ctr">
+                <a:spAutoFit/>
+              </a:bodyPr>
+              <a:lstStyle/>
+              <a:p>
+                <a:pPr>
+                  <a:defRPr>
+                    <a:solidFill>
+                      <a:schemeClr val="bg1"/>
+                    </a:solidFill>
+                  </a:defRPr>
+                </a:pPr>
+                <a:endParaRPr lang="de-DE"/>
+              </a:p>
+            </c:txPr>
+            <c:dLblPos val="ctr"/>
+            <c:showLegendKey val="0"/>
+            <c:showVal val="1"/>
+            <c:showCatName val="0"/>
+            <c:showSerName val="0"/>
+            <c:showPercent val="0"/>
+            <c:showBubbleSize val="0"/>
+            <c:showLeaderLines val="0"/>
+            <c:extLst>
+              <c:ext xmlns:c15="http://schemas.microsoft.com/office/drawing/2012/chart" uri="{CE6537A1-D6FC-4f65-9D91-7224C49458BB}">
+                <c15:showLeaderLines val="1"/>
+              </c:ext>
+            </c:extLst>
+          </c:dLbls>
+          <c:cat>
+            <c:strRef>
+              <c:f>'Suppl. Data 5 - MAMMALS-BUSCO'!$I$3:$I$13</c:f>
+              <c:strCache>
+                <c:ptCount val="11"/>
+                <c:pt idx="0">
+                  <c:v>Homo sapiens               (0 MYA)</c:v>
+                </c:pt>
+                <c:pt idx="1">
+                  <c:v>Pan paniscus              (6.0 - 6.5 MYA)</c:v>
+                </c:pt>
+                <c:pt idx="2">
+                  <c:v>Pongo abelii             (14.5 - 16.3 MYA)</c:v>
+                </c:pt>
+                <c:pt idx="3">
+                  <c:v>Callithrix jacchus         (40.0 - 44.2 MYA)</c:v>
+                </c:pt>
+                <c:pt idx="4">
+                  <c:v>Mus musculus              (81.3 - 91.0 MYA)</c:v>
+                </c:pt>
+                <c:pt idx="5">
+                  <c:v>Capra hircus                   (91.5 - 97.4 MYA)</c:v>
+                </c:pt>
+                <c:pt idx="6">
+                  <c:v>Bos taurus                      (91.5 - 97.4 MYA)</c:v>
+                </c:pt>
+                <c:pt idx="7">
+                  <c:v>Orcinus orca               (91.5 - 97.4 MYA)</c:v>
+                </c:pt>
+                <c:pt idx="8">
+                  <c:v>Rhinolophus ferrumequinum          (91.5 - 97.4 MYA)</c:v>
+                </c:pt>
+                <c:pt idx="9">
+                  <c:v>Elephas maximus indicus                            (94.7 - 101.9 MYA)</c:v>
+                </c:pt>
+                <c:pt idx="10">
+                  <c:v>Phascolarctos cinereus             (147.1 - 164.3 MYA)</c:v>
+                </c:pt>
+              </c:strCache>
+            </c:strRef>
+          </c:cat>
+          <c:val>
+            <c:numRef>
+              <c:f>'Suppl. Data 5 - MAMMALS-BUSCO'!$M$3:$M$13</c:f>
+              <c:numCache>
+                <c:formatCode>0.0%</c:formatCode>
+                <c:ptCount val="11"/>
+                <c:pt idx="0">
+                  <c:v>1</c:v>
+                </c:pt>
+                <c:pt idx="1">
+                  <c:v>0.99513923279605232</c:v>
+                </c:pt>
+                <c:pt idx="2">
+                  <c:v>0.98349326945026294</c:v>
+                </c:pt>
+                <c:pt idx="3">
+                  <c:v>0.94586410677024824</c:v>
+                </c:pt>
+                <c:pt idx="4">
+                  <c:v>0.82085494820503968</c:v>
+                </c:pt>
+                <c:pt idx="5">
+                  <c:v>0.83342527181293946</c:v>
+                </c:pt>
+                <c:pt idx="6">
+                  <c:v>0.83791610833206609</c:v>
+                </c:pt>
+                <c:pt idx="7">
+                  <c:v>0.81939876324744743</c:v>
+                </c:pt>
+                <c:pt idx="8">
+                  <c:v>0.81368848305670816</c:v>
+                </c:pt>
+                <c:pt idx="9">
+                  <c:v>0.8494882290639505</c:v>
+                </c:pt>
+                <c:pt idx="10">
+                  <c:v>0.70351702538700456</c:v>
+                </c:pt>
+              </c:numCache>
+            </c:numRef>
+          </c:val>
+          <c:extLst>
+            <c:ext xmlns:c16="http://schemas.microsoft.com/office/drawing/2014/chart" uri="{C3380CC4-5D6E-409C-BE32-E72D297353CC}">
+              <c16:uniqueId val="{00000000-EADE-4289-980E-A4303533C36E}"/>
+            </c:ext>
+          </c:extLst>
+        </c:ser>
+        <c:ser>
+          <c:idx val="0"/>
+          <c:order val="1"/>
+          <c:tx>
+            <c:strRef>
+              <c:f>'Suppl. Data 5 - MAMMALS-BUSCO'!$N$1</c:f>
+              <c:strCache>
+                <c:ptCount val="1"/>
+                <c:pt idx="0">
+                  <c:v>UTR length</c:v>
+                </c:pt>
+              </c:strCache>
+            </c:strRef>
+          </c:tx>
+          <c:spPr>
+            <a:solidFill>
+              <a:schemeClr val="accent1"/>
+            </a:solidFill>
+            <a:ln w="0">
+              <a:solidFill>
+                <a:schemeClr val="tx1"/>
+              </a:solidFill>
+            </a:ln>
+            <a:effectLst/>
+          </c:spPr>
+          <c:invertIfNegative val="0"/>
+          <c:dLbls>
+            <c:numFmt formatCode="0.0%" sourceLinked="0"/>
+            <c:spPr>
+              <a:noFill/>
+              <a:ln>
+                <a:noFill/>
+              </a:ln>
+              <a:effectLst/>
+            </c:spPr>
+            <c:txPr>
+              <a:bodyPr rot="-5400000" spcFirstLastPara="1" vertOverflow="ellipsis" vert="horz" wrap="square" lIns="38100" tIns="19050" rIns="38100" bIns="19050" anchor="ctr" anchorCtr="1">
+                <a:spAutoFit/>
+              </a:bodyPr>
+              <a:lstStyle/>
+              <a:p>
+                <a:pPr>
+                  <a:defRPr sz="900" b="1" i="0" u="none" strike="noStrike" kern="1200" baseline="0">
+                    <a:solidFill>
+                      <a:schemeClr val="bg1"/>
+                    </a:solidFill>
+                    <a:latin typeface="+mn-lt"/>
+                    <a:ea typeface="+mn-ea"/>
+                    <a:cs typeface="+mn-cs"/>
+                  </a:defRPr>
+                </a:pPr>
+                <a:endParaRPr lang="de-DE"/>
+              </a:p>
+            </c:txPr>
+            <c:dLblPos val="ctr"/>
+            <c:showLegendKey val="0"/>
+            <c:showVal val="1"/>
+            <c:showCatName val="0"/>
+            <c:showSerName val="0"/>
+            <c:showPercent val="0"/>
+            <c:showBubbleSize val="0"/>
+            <c:showLeaderLines val="0"/>
+            <c:extLst>
+              <c:ext xmlns:c15="http://schemas.microsoft.com/office/drawing/2012/chart" uri="{CE6537A1-D6FC-4f65-9D91-7224C49458BB}">
+                <c15:showLeaderLines val="1"/>
+                <c15:leaderLines>
+                  <c:spPr>
+                    <a:ln w="9525" cap="flat" cmpd="sng" algn="ctr">
+                      <a:solidFill>
+                        <a:schemeClr val="tx1">
+                          <a:lumMod val="35000"/>
+                          <a:lumOff val="65000"/>
+                        </a:schemeClr>
+                      </a:solidFill>
+                      <a:round/>
+                    </a:ln>
+                    <a:effectLst/>
+                  </c:spPr>
+                </c15:leaderLines>
+              </c:ext>
+            </c:extLst>
+          </c:dLbls>
+          <c:cat>
+            <c:strRef>
+              <c:f>'Suppl. Data 5 - MAMMALS-BUSCO'!$I$3:$I$13</c:f>
+              <c:strCache>
+                <c:ptCount val="11"/>
+                <c:pt idx="0">
+                  <c:v>Homo sapiens               (0 MYA)</c:v>
+                </c:pt>
+                <c:pt idx="1">
+                  <c:v>Pan paniscus              (6.0 - 6.5 MYA)</c:v>
+                </c:pt>
+                <c:pt idx="2">
+                  <c:v>Pongo abelii             (14.5 - 16.3 MYA)</c:v>
+                </c:pt>
+                <c:pt idx="3">
+                  <c:v>Callithrix jacchus         (40.0 - 44.2 MYA)</c:v>
+                </c:pt>
+                <c:pt idx="4">
+                  <c:v>Mus musculus              (81.3 - 91.0 MYA)</c:v>
+                </c:pt>
+                <c:pt idx="5">
+                  <c:v>Capra hircus                   (91.5 - 97.4 MYA)</c:v>
+                </c:pt>
+                <c:pt idx="6">
+                  <c:v>Bos taurus                      (91.5 - 97.4 MYA)</c:v>
+                </c:pt>
+                <c:pt idx="7">
+                  <c:v>Orcinus orca               (91.5 - 97.4 MYA)</c:v>
+                </c:pt>
+                <c:pt idx="8">
+                  <c:v>Rhinolophus ferrumequinum          (91.5 - 97.4 MYA)</c:v>
+                </c:pt>
+                <c:pt idx="9">
+                  <c:v>Elephas maximus indicus                            (94.7 - 101.9 MYA)</c:v>
+                </c:pt>
+                <c:pt idx="10">
+                  <c:v>Phascolarctos cinereus             (147.1 - 164.3 MYA)</c:v>
+                </c:pt>
+              </c:strCache>
+            </c:strRef>
+          </c:cat>
+          <c:val>
+            <c:numRef>
+              <c:f>'Suppl. Data 5 - MAMMALS-BUSCO'!$N$3:$N$13</c:f>
+              <c:numCache>
+                <c:formatCode>0.0%</c:formatCode>
+                <c:ptCount val="11"/>
+                <c:pt idx="0">
+                  <c:v>1</c:v>
+                </c:pt>
+                <c:pt idx="1">
+                  <c:v>0.98036881854711877</c:v>
+                </c:pt>
+                <c:pt idx="2">
+                  <c:v>0.96587237874785148</c:v>
+                </c:pt>
+                <c:pt idx="3">
+                  <c:v>0.87952553459604066</c:v>
+                </c:pt>
+                <c:pt idx="4">
+                  <c:v>0.20756941785783503</c:v>
+                </c:pt>
+                <c:pt idx="5">
+                  <c:v>0.4193652089019117</c:v>
+                </c:pt>
+                <c:pt idx="6">
+                  <c:v>0.42806131789977347</c:v>
+                </c:pt>
+                <c:pt idx="7">
+                  <c:v>0.53980506069160306</c:v>
+                </c:pt>
+                <c:pt idx="8">
+                  <c:v>0.51051763648660675</c:v>
+                </c:pt>
+                <c:pt idx="9">
+                  <c:v>0.44493160131391246</c:v>
+                </c:pt>
+                <c:pt idx="10">
+                  <c:v>0.13678790276396599</c:v>
+                </c:pt>
+              </c:numCache>
+            </c:numRef>
+          </c:val>
+          <c:extLst>
+            <c:ext xmlns:c16="http://schemas.microsoft.com/office/drawing/2014/chart" uri="{C3380CC4-5D6E-409C-BE32-E72D297353CC}">
+              <c16:uniqueId val="{00000001-EADE-4289-980E-A4303533C36E}"/>
+            </c:ext>
+          </c:extLst>
+        </c:ser>
+        <c:dLbls>
+          <c:showLegendKey val="0"/>
+          <c:showVal val="0"/>
+          <c:showCatName val="0"/>
+          <c:showSerName val="0"/>
+          <c:showPercent val="0"/>
+          <c:showBubbleSize val="0"/>
+        </c:dLbls>
+        <c:gapWidth val="219"/>
+        <c:axId val="135202687"/>
+        <c:axId val="240816095"/>
+      </c:barChart>
+      <c:catAx>
+        <c:axId val="135202687"/>
+        <c:scaling>
+          <c:orientation val="minMax"/>
+        </c:scaling>
+        <c:delete val="0"/>
+        <c:axPos val="b"/>
+        <c:numFmt formatCode="General" sourceLinked="1"/>
+        <c:majorTickMark val="none"/>
+        <c:minorTickMark val="none"/>
+        <c:tickLblPos val="nextTo"/>
+        <c:spPr>
+          <a:noFill/>
+          <a:ln w="9525" cap="flat" cmpd="sng" algn="ctr">
+            <a:solidFill>
+              <a:schemeClr val="tx1">
+                <a:lumMod val="15000"/>
+                <a:lumOff val="85000"/>
+              </a:schemeClr>
+            </a:solidFill>
+            <a:round/>
+          </a:ln>
+          <a:effectLst/>
+        </c:spPr>
+        <c:txPr>
+          <a:bodyPr rot="0" spcFirstLastPara="1" vertOverflow="ellipsis" wrap="square" anchor="ctr" anchorCtr="1"/>
+          <a:lstStyle/>
+          <a:p>
+            <a:pPr>
+              <a:defRPr sz="900" b="0" i="1" u="none" strike="noStrike" kern="1200" baseline="0">
+                <a:solidFill>
+                  <a:schemeClr val="tx1">
+                    <a:lumMod val="65000"/>
+                    <a:lumOff val="35000"/>
+                  </a:schemeClr>
+                </a:solidFill>
+                <a:latin typeface="+mn-lt"/>
+                <a:ea typeface="+mn-ea"/>
+                <a:cs typeface="+mn-cs"/>
+              </a:defRPr>
+            </a:pPr>
+            <a:endParaRPr lang="de-DE"/>
+          </a:p>
+        </c:txPr>
+        <c:crossAx val="240816095"/>
+        <c:crosses val="autoZero"/>
+        <c:auto val="1"/>
+        <c:lblAlgn val="ctr"/>
+        <c:lblOffset val="100"/>
+        <c:noMultiLvlLbl val="0"/>
+      </c:catAx>
+      <c:valAx>
+        <c:axId val="240816095"/>
+        <c:scaling>
+          <c:orientation val="minMax"/>
+        </c:scaling>
+        <c:delete val="0"/>
+        <c:axPos val="l"/>
+        <c:majorGridlines>
+          <c:spPr>
+            <a:ln w="9525" cap="flat" cmpd="sng" algn="ctr">
+              <a:solidFill>
+                <a:schemeClr val="tx1">
+                  <a:lumMod val="15000"/>
+                  <a:lumOff val="85000"/>
+                </a:schemeClr>
+              </a:solidFill>
+              <a:round/>
+            </a:ln>
+            <a:effectLst/>
+          </c:spPr>
+        </c:majorGridlines>
+        <c:title>
+          <c:tx>
+            <c:rich>
+              <a:bodyPr rot="-5400000" spcFirstLastPara="1" vertOverflow="ellipsis" vert="horz" wrap="square" anchor="ctr" anchorCtr="1"/>
+              <a:lstStyle/>
+              <a:p>
+                <a:pPr>
+                  <a:defRPr sz="1000" b="0" i="0" u="none" strike="noStrike" kern="1200" baseline="0">
+                    <a:solidFill>
+                      <a:schemeClr val="tx1">
+                        <a:lumMod val="65000"/>
+                        <a:lumOff val="35000"/>
+                      </a:schemeClr>
+                    </a:solidFill>
+                    <a:latin typeface="+mn-lt"/>
+                    <a:ea typeface="+mn-ea"/>
+                    <a:cs typeface="+mn-cs"/>
+                  </a:defRPr>
+                </a:pPr>
+                <a:r>
+                  <a:rPr lang="de-DE" baseline="0"/>
+                  <a:t>% of maximum</a:t>
+                </a:r>
+                <a:endParaRPr lang="de-DE"/>
+              </a:p>
+            </c:rich>
+          </c:tx>
+          <c:overlay val="0"/>
+          <c:spPr>
+            <a:noFill/>
+            <a:ln>
+              <a:noFill/>
+            </a:ln>
+            <a:effectLst/>
+          </c:spPr>
+        </c:title>
+        <c:numFmt formatCode="0.0%" sourceLinked="0"/>
+        <c:majorTickMark val="none"/>
+        <c:minorTickMark val="none"/>
+        <c:tickLblPos val="nextTo"/>
+        <c:spPr>
+          <a:noFill/>
+          <a:ln>
+            <a:noFill/>
+          </a:ln>
+          <a:effectLst/>
+        </c:spPr>
+        <c:txPr>
+          <a:bodyPr rot="-60000000" spcFirstLastPara="1" vertOverflow="ellipsis" vert="horz" wrap="square" anchor="ctr" anchorCtr="1"/>
+          <a:lstStyle/>
+          <a:p>
+            <a:pPr>
+              <a:defRPr sz="900" b="0" i="0" u="none" strike="noStrike" kern="1200" baseline="0">
+                <a:solidFill>
+                  <a:schemeClr val="tx1">
+                    <a:lumMod val="65000"/>
+                    <a:lumOff val="35000"/>
+                  </a:schemeClr>
+                </a:solidFill>
+                <a:latin typeface="+mn-lt"/>
+                <a:ea typeface="+mn-ea"/>
+                <a:cs typeface="+mn-cs"/>
+              </a:defRPr>
+            </a:pPr>
+            <a:endParaRPr lang="de-DE"/>
+          </a:p>
+        </c:txPr>
+        <c:crossAx val="135202687"/>
+        <c:crosses val="autoZero"/>
+        <c:crossBetween val="between"/>
+      </c:valAx>
+    </c:plotArea>
+    <c:legend>
+      <c:legendPos val="r"/>
+      <c:overlay val="0"/>
+      <c:spPr>
+        <a:noFill/>
+        <a:ln>
+          <a:noFill/>
+        </a:ln>
+        <a:effectLst/>
+      </c:spPr>
+      <c:txPr>
+        <a:bodyPr rot="0" spcFirstLastPara="1" vertOverflow="ellipsis" vert="horz" wrap="square" anchor="ctr" anchorCtr="1"/>
+        <a:lstStyle/>
+        <a:p>
+          <a:pPr>
+            <a:defRPr sz="900" b="0" i="0" u="none" strike="noStrike" kern="1200" baseline="0">
+              <a:solidFill>
+                <a:schemeClr val="tx1">
+                  <a:lumMod val="65000"/>
+                  <a:lumOff val="35000"/>
+                </a:schemeClr>
+              </a:solidFill>
+              <a:latin typeface="+mn-lt"/>
+              <a:ea typeface="+mn-ea"/>
+              <a:cs typeface="+mn-cs"/>
+            </a:defRPr>
+          </a:pPr>
+          <a:endParaRPr lang="de-DE"/>
+        </a:p>
+      </c:txPr>
+    </c:legend>
+    <c:plotVisOnly val="1"/>
+    <c:dispBlanksAs val="gap"/>
+    <c:showDLblsOverMax val="0"/>
+    <c:extLst/>
+  </c:chart>
+  <c:txPr>
+    <a:bodyPr rot="1200000"/>
+    <a:lstStyle/>
+    <a:p>
+      <a:pPr>
+        <a:defRPr/>
+      </a:pPr>
+      <a:endParaRPr lang="de-DE"/>
+    </a:p>
+  </c:txPr>
+  <c:externalData r:id="rId1">
+    <c:autoUpdate val="0"/>
+  </c:externalData>
+</c:chartSpace>
+</file>
+
+<file path=ppt/charts/chart8.xml><?xml version="1.0" encoding="utf-8"?>
 <c:chartSpace xmlns:c="http://schemas.openxmlformats.org/drawingml/2006/chart" xmlns:a="http://schemas.openxmlformats.org/drawingml/2006/main" xmlns:r="http://schemas.openxmlformats.org/officeDocument/2006/relationships" xmlns:c16r2="http://schemas.microsoft.com/office/drawing/2015/06/chart">
   <c:date1904 val="0"/>
   <c:lang val="de-DE"/>
@@ -2629,34 +4676,34 @@
                   <c:v>Homo sapiens               (0 MYA)</c:v>
                 </c:pt>
                 <c:pt idx="2">
-                  <c:v>Pan paniscus              (6,4 MYA)</c:v>
+                  <c:v>Pan paniscus              (6.0 - 6.5 MYA)</c:v>
                 </c:pt>
                 <c:pt idx="3">
-                  <c:v>Pongo abelii             (15,2 MYA)</c:v>
+                  <c:v>Pongo abelii             (14.5 - 16.3 MYA)</c:v>
                 </c:pt>
                 <c:pt idx="4">
-                  <c:v>Callithrix jacchus         (43 MYA)</c:v>
+                  <c:v>Callithrix jacchus         (40.0 - 44.2 MYA)</c:v>
                 </c:pt>
                 <c:pt idx="5">
-                  <c:v>Mus musculus              (87 MYA)</c:v>
+                  <c:v>Mus musculus              (81.3 - 91.0 MYA)</c:v>
                 </c:pt>
                 <c:pt idx="6">
-                  <c:v>Capra hircus                   (94 MYA)</c:v>
+                  <c:v>Capra hircus                   (91.5 - 97.4 MYA)</c:v>
                 </c:pt>
                 <c:pt idx="7">
-                  <c:v>Bos taurus                      (94 MYA)</c:v>
+                  <c:v>Bos taurus                      (91.5 - 97.4 MYA)</c:v>
                 </c:pt>
                 <c:pt idx="8">
-                  <c:v>Orcinus orca               (94 MYA)</c:v>
+                  <c:v>Orcinus orca               (91.5 - 97.4 MYA)</c:v>
                 </c:pt>
                 <c:pt idx="9">
-                  <c:v>Rhinolophus ferrumequinum          (94 MYA)</c:v>
+                  <c:v>Rhinolophus ferrumequinum          (91.5 - 97.4 MYA)</c:v>
                 </c:pt>
                 <c:pt idx="10">
-                  <c:v>Elephas maximus indicus                            (99 MYA)</c:v>
+                  <c:v>Elephas maximus indicus                            (94.7 - 101.9 MYA)</c:v>
                 </c:pt>
                 <c:pt idx="11">
-                  <c:v>Phascolarctos cinereus             (160 MYA)</c:v>
+                  <c:v>Phascolarctos cinereus             (147.1 - 164.3 MYA)</c:v>
                 </c:pt>
               </c:strCache>
             </c:strRef>
@@ -2708,7 +4755,7 @@
           </c:val>
           <c:extLst>
             <c:ext xmlns:c16="http://schemas.microsoft.com/office/drawing/2014/chart" uri="{C3380CC4-5D6E-409C-BE32-E72D297353CC}">
-              <c16:uniqueId val="{00000000-3179-4222-AA90-B84E33578852}"/>
+              <c16:uniqueId val="{00000000-213F-463E-8059-33F247687E48}"/>
             </c:ext>
           </c:extLst>
         </c:ser>
@@ -2745,7 +4792,7 @@
               <c:extLst>
                 <c:ext xmlns:c15="http://schemas.microsoft.com/office/drawing/2012/chart" uri="{CE6537A1-D6FC-4f65-9D91-7224C49458BB}"/>
                 <c:ext xmlns:c16="http://schemas.microsoft.com/office/drawing/2014/chart" uri="{C3380CC4-5D6E-409C-BE32-E72D297353CC}">
-                  <c16:uniqueId val="{00000001-3179-4222-AA90-B84E33578852}"/>
+                  <c16:uniqueId val="{00000001-213F-463E-8059-33F247687E48}"/>
                 </c:ext>
               </c:extLst>
             </c:dLbl>
@@ -2815,34 +4862,34 @@
                   <c:v>Homo sapiens               (0 MYA)</c:v>
                 </c:pt>
                 <c:pt idx="2">
-                  <c:v>Pan paniscus              (6,4 MYA)</c:v>
+                  <c:v>Pan paniscus              (6.0 - 6.5 MYA)</c:v>
                 </c:pt>
                 <c:pt idx="3">
-                  <c:v>Pongo abelii             (15,2 MYA)</c:v>
+                  <c:v>Pongo abelii             (14.5 - 16.3 MYA)</c:v>
                 </c:pt>
                 <c:pt idx="4">
-                  <c:v>Callithrix jacchus         (43 MYA)</c:v>
+                  <c:v>Callithrix jacchus         (40.0 - 44.2 MYA)</c:v>
                 </c:pt>
                 <c:pt idx="5">
-                  <c:v>Mus musculus              (87 MYA)</c:v>
+                  <c:v>Mus musculus              (81.3 - 91.0 MYA)</c:v>
                 </c:pt>
                 <c:pt idx="6">
-                  <c:v>Capra hircus                   (94 MYA)</c:v>
+                  <c:v>Capra hircus                   (91.5 - 97.4 MYA)</c:v>
                 </c:pt>
                 <c:pt idx="7">
-                  <c:v>Bos taurus                      (94 MYA)</c:v>
+                  <c:v>Bos taurus                      (91.5 - 97.4 MYA)</c:v>
                 </c:pt>
                 <c:pt idx="8">
-                  <c:v>Orcinus orca               (94 MYA)</c:v>
+                  <c:v>Orcinus orca               (91.5 - 97.4 MYA)</c:v>
                 </c:pt>
                 <c:pt idx="9">
-                  <c:v>Rhinolophus ferrumequinum          (94 MYA)</c:v>
+                  <c:v>Rhinolophus ferrumequinum          (91.5 - 97.4 MYA)</c:v>
                 </c:pt>
                 <c:pt idx="10">
-                  <c:v>Elephas maximus indicus                            (99 MYA)</c:v>
+                  <c:v>Elephas maximus indicus                            (94.7 - 101.9 MYA)</c:v>
                 </c:pt>
                 <c:pt idx="11">
-                  <c:v>Phascolarctos cinereus             (160 MYA)</c:v>
+                  <c:v>Phascolarctos cinereus             (147.1 - 164.3 MYA)</c:v>
                 </c:pt>
               </c:strCache>
             </c:strRef>
@@ -2894,7 +4941,7 @@
           </c:val>
           <c:extLst>
             <c:ext xmlns:c16="http://schemas.microsoft.com/office/drawing/2014/chart" uri="{C3380CC4-5D6E-409C-BE32-E72D297353CC}">
-              <c16:uniqueId val="{00000002-3179-4222-AA90-B84E33578852}"/>
+              <c16:uniqueId val="{00000002-213F-463E-8059-33F247687E48}"/>
             </c:ext>
           </c:extLst>
         </c:ser>
@@ -2942,7 +4989,7 @@
               <c:extLst>
                 <c:ext xmlns:c15="http://schemas.microsoft.com/office/drawing/2012/chart" uri="{CE6537A1-D6FC-4f65-9D91-7224C49458BB}"/>
                 <c:ext xmlns:c16="http://schemas.microsoft.com/office/drawing/2014/chart" uri="{C3380CC4-5D6E-409C-BE32-E72D297353CC}">
-                  <c16:uniqueId val="{00000003-3179-4222-AA90-B84E33578852}"/>
+                  <c16:uniqueId val="{00000003-213F-463E-8059-33F247687E48}"/>
                 </c:ext>
               </c:extLst>
             </c:dLbl>
@@ -3012,34 +5059,34 @@
                   <c:v>Homo sapiens               (0 MYA)</c:v>
                 </c:pt>
                 <c:pt idx="2">
-                  <c:v>Pan paniscus              (6,4 MYA)</c:v>
+                  <c:v>Pan paniscus              (6.0 - 6.5 MYA)</c:v>
                 </c:pt>
                 <c:pt idx="3">
-                  <c:v>Pongo abelii             (15,2 MYA)</c:v>
+                  <c:v>Pongo abelii             (14.5 - 16.3 MYA)</c:v>
                 </c:pt>
                 <c:pt idx="4">
-                  <c:v>Callithrix jacchus         (43 MYA)</c:v>
+                  <c:v>Callithrix jacchus         (40.0 - 44.2 MYA)</c:v>
                 </c:pt>
                 <c:pt idx="5">
-                  <c:v>Mus musculus              (87 MYA)</c:v>
+                  <c:v>Mus musculus              (81.3 - 91.0 MYA)</c:v>
                 </c:pt>
                 <c:pt idx="6">
-                  <c:v>Capra hircus                   (94 MYA)</c:v>
+                  <c:v>Capra hircus                   (91.5 - 97.4 MYA)</c:v>
                 </c:pt>
                 <c:pt idx="7">
-                  <c:v>Bos taurus                      (94 MYA)</c:v>
+                  <c:v>Bos taurus                      (91.5 - 97.4 MYA)</c:v>
                 </c:pt>
                 <c:pt idx="8">
-                  <c:v>Orcinus orca               (94 MYA)</c:v>
+                  <c:v>Orcinus orca               (91.5 - 97.4 MYA)</c:v>
                 </c:pt>
                 <c:pt idx="9">
-                  <c:v>Rhinolophus ferrumequinum          (94 MYA)</c:v>
+                  <c:v>Rhinolophus ferrumequinum          (91.5 - 97.4 MYA)</c:v>
                 </c:pt>
                 <c:pt idx="10">
-                  <c:v>Elephas maximus indicus                            (99 MYA)</c:v>
+                  <c:v>Elephas maximus indicus                            (94.7 - 101.9 MYA)</c:v>
                 </c:pt>
                 <c:pt idx="11">
-                  <c:v>Phascolarctos cinereus             (160 MYA)</c:v>
+                  <c:v>Phascolarctos cinereus             (147.1 - 164.3 MYA)</c:v>
                 </c:pt>
               </c:strCache>
             </c:strRef>
@@ -3091,7 +5138,7 @@
           </c:val>
           <c:extLst>
             <c:ext xmlns:c16="http://schemas.microsoft.com/office/drawing/2014/chart" uri="{C3380CC4-5D6E-409C-BE32-E72D297353CC}">
-              <c16:uniqueId val="{00000004-3179-4222-AA90-B84E33578852}"/>
+              <c16:uniqueId val="{00000004-213F-463E-8059-33F247687E48}"/>
             </c:ext>
           </c:extLst>
         </c:ser>
@@ -3280,7 +5327,17 @@
       </c:spPr>
     </c:plotArea>
     <c:legend>
-      <c:legendPos val="r"/>
+      <c:legendPos val="t"/>
+      <c:layout>
+        <c:manualLayout>
+          <c:xMode val="edge"/>
+          <c:yMode val="edge"/>
+          <c:x val="0.79993803027055732"/>
+          <c:y val="0.23183970863049913"/>
+          <c:w val="0.1736605918464334"/>
+          <c:h val="6.8123323450851911E-2"/>
+        </c:manualLayout>
+      </c:layout>
       <c:overlay val="0"/>
       <c:spPr>
         <a:noFill/>
@@ -5663,7 +7720,7 @@
           <a:p>
             <a:fld id="{A9531741-AD63-4175-9B13-A64D2CF23D31}" type="datetimeFigureOut">
               <a:rPr lang="de-DE" smtClean="0"/>
-              <a:t>07.06.2024</a:t>
+              <a:t>08.06.2024</a:t>
             </a:fld>
             <a:endParaRPr lang="de-DE"/>
           </a:p>
@@ -5861,7 +7918,7 @@
           <a:p>
             <a:fld id="{A9531741-AD63-4175-9B13-A64D2CF23D31}" type="datetimeFigureOut">
               <a:rPr lang="de-DE" smtClean="0"/>
-              <a:t>07.06.2024</a:t>
+              <a:t>08.06.2024</a:t>
             </a:fld>
             <a:endParaRPr lang="de-DE"/>
           </a:p>
@@ -6069,7 +8126,7 @@
           <a:p>
             <a:fld id="{A9531741-AD63-4175-9B13-A64D2CF23D31}" type="datetimeFigureOut">
               <a:rPr lang="de-DE" smtClean="0"/>
-              <a:t>07.06.2024</a:t>
+              <a:t>08.06.2024</a:t>
             </a:fld>
             <a:endParaRPr lang="de-DE"/>
           </a:p>
@@ -6267,7 +8324,7 @@
           <a:p>
             <a:fld id="{A9531741-AD63-4175-9B13-A64D2CF23D31}" type="datetimeFigureOut">
               <a:rPr lang="de-DE" smtClean="0"/>
-              <a:t>07.06.2024</a:t>
+              <a:t>08.06.2024</a:t>
             </a:fld>
             <a:endParaRPr lang="de-DE"/>
           </a:p>
@@ -6542,7 +8599,7 @@
           <a:p>
             <a:fld id="{A9531741-AD63-4175-9B13-A64D2CF23D31}" type="datetimeFigureOut">
               <a:rPr lang="de-DE" smtClean="0"/>
-              <a:t>07.06.2024</a:t>
+              <a:t>08.06.2024</a:t>
             </a:fld>
             <a:endParaRPr lang="de-DE"/>
           </a:p>
@@ -6807,7 +8864,7 @@
           <a:p>
             <a:fld id="{A9531741-AD63-4175-9B13-A64D2CF23D31}" type="datetimeFigureOut">
               <a:rPr lang="de-DE" smtClean="0"/>
-              <a:t>07.06.2024</a:t>
+              <a:t>08.06.2024</a:t>
             </a:fld>
             <a:endParaRPr lang="de-DE"/>
           </a:p>
@@ -7219,7 +9276,7 @@
           <a:p>
             <a:fld id="{A9531741-AD63-4175-9B13-A64D2CF23D31}" type="datetimeFigureOut">
               <a:rPr lang="de-DE" smtClean="0"/>
-              <a:t>07.06.2024</a:t>
+              <a:t>08.06.2024</a:t>
             </a:fld>
             <a:endParaRPr lang="de-DE"/>
           </a:p>
@@ -7360,7 +9417,7 @@
           <a:p>
             <a:fld id="{A9531741-AD63-4175-9B13-A64D2CF23D31}" type="datetimeFigureOut">
               <a:rPr lang="de-DE" smtClean="0"/>
-              <a:t>07.06.2024</a:t>
+              <a:t>08.06.2024</a:t>
             </a:fld>
             <a:endParaRPr lang="de-DE"/>
           </a:p>
@@ -7473,7 +9530,7 @@
           <a:p>
             <a:fld id="{A9531741-AD63-4175-9B13-A64D2CF23D31}" type="datetimeFigureOut">
               <a:rPr lang="de-DE" smtClean="0"/>
-              <a:t>07.06.2024</a:t>
+              <a:t>08.06.2024</a:t>
             </a:fld>
             <a:endParaRPr lang="de-DE"/>
           </a:p>
@@ -7784,7 +9841,7 @@
           <a:p>
             <a:fld id="{A9531741-AD63-4175-9B13-A64D2CF23D31}" type="datetimeFigureOut">
               <a:rPr lang="de-DE" smtClean="0"/>
-              <a:t>07.06.2024</a:t>
+              <a:t>08.06.2024</a:t>
             </a:fld>
             <a:endParaRPr lang="de-DE"/>
           </a:p>
@@ -8072,7 +10129,7 @@
           <a:p>
             <a:fld id="{A9531741-AD63-4175-9B13-A64D2CF23D31}" type="datetimeFigureOut">
               <a:rPr lang="de-DE" smtClean="0"/>
-              <a:t>07.06.2024</a:t>
+              <a:t>08.06.2024</a:t>
             </a:fld>
             <a:endParaRPr lang="de-DE"/>
           </a:p>
@@ -8313,7 +10370,7 @@
           <a:p>
             <a:fld id="{A9531741-AD63-4175-9B13-A64D2CF23D31}" type="datetimeFigureOut">
               <a:rPr lang="de-DE" smtClean="0"/>
-              <a:t>07.06.2024</a:t>
+              <a:t>08.06.2024</a:t>
             </a:fld>
             <a:endParaRPr lang="de-DE"/>
           </a:p>
@@ -11989,7 +14046,37 @@
       </p:grpSpPr>
       <p:graphicFrame>
         <p:nvGraphicFramePr>
-          <p:cNvPr id="6" name="Diagramm 5">
+          <p:cNvPr id="3" name="Diagramm 2">
+            <a:extLst>
+              <a:ext uri="{FF2B5EF4-FFF2-40B4-BE49-F238E27FC236}">
+                <a16:creationId xmlns:a16="http://schemas.microsoft.com/office/drawing/2014/main" id="{EA9A5A3F-0F37-47E6-B180-F8BEAA23D455}"/>
+              </a:ext>
+            </a:extLst>
+          </p:cNvPr>
+          <p:cNvGraphicFramePr>
+            <a:graphicFrameLocks/>
+          </p:cNvGraphicFramePr>
+          <p:nvPr>
+            <p:extLst>
+              <p:ext uri="{D42A27DB-BD31-4B8C-83A1-F6EECF244321}">
+                <p14:modId xmlns:p14="http://schemas.microsoft.com/office/powerpoint/2010/main" val="2675537493"/>
+              </p:ext>
+            </p:extLst>
+          </p:nvPr>
+        </p:nvGraphicFramePr>
+        <p:xfrm>
+          <a:off x="729342" y="3429000"/>
+          <a:ext cx="10733315" cy="3145971"/>
+        </p:xfrm>
+        <a:graphic>
+          <a:graphicData uri="http://schemas.openxmlformats.org/drawingml/2006/chart">
+            <c:chart xmlns:c="http://schemas.openxmlformats.org/drawingml/2006/chart" xmlns:r="http://schemas.openxmlformats.org/officeDocument/2006/relationships" r:id="rId2"/>
+          </a:graphicData>
+        </a:graphic>
+      </p:graphicFrame>
+      <p:graphicFrame>
+        <p:nvGraphicFramePr>
+          <p:cNvPr id="4" name="Diagramm 3">
             <a:extLst>
               <a:ext uri="{FF2B5EF4-FFF2-40B4-BE49-F238E27FC236}">
                 <a16:creationId xmlns:a16="http://schemas.microsoft.com/office/drawing/2014/main" id="{33F720C8-F66C-4D7B-975C-5D837C00BC23}"/>
@@ -11999,15 +14086,21 @@
           <p:cNvGraphicFramePr>
             <a:graphicFrameLocks/>
           </p:cNvGraphicFramePr>
-          <p:nvPr/>
+          <p:nvPr>
+            <p:extLst>
+              <p:ext uri="{D42A27DB-BD31-4B8C-83A1-F6EECF244321}">
+                <p14:modId xmlns:p14="http://schemas.microsoft.com/office/powerpoint/2010/main" val="2527720126"/>
+              </p:ext>
+            </p:extLst>
+          </p:nvPr>
         </p:nvGraphicFramePr>
         <p:xfrm>
-          <a:off x="598714" y="190500"/>
-          <a:ext cx="10994572" cy="6477000"/>
+          <a:off x="-93889" y="283029"/>
+          <a:ext cx="12379779" cy="3145971"/>
         </p:xfrm>
         <a:graphic>
           <a:graphicData uri="http://schemas.openxmlformats.org/drawingml/2006/chart">
-            <c:chart xmlns:c="http://schemas.openxmlformats.org/drawingml/2006/chart" xmlns:r="http://schemas.openxmlformats.org/officeDocument/2006/relationships" r:id="rId2"/>
+            <c:chart xmlns:c="http://schemas.openxmlformats.org/drawingml/2006/chart" xmlns:r="http://schemas.openxmlformats.org/officeDocument/2006/relationships" r:id="rId3"/>
           </a:graphicData>
         </a:graphic>
       </p:graphicFrame>
@@ -12043,7 +14136,37 @@
       </p:grpSpPr>
       <p:graphicFrame>
         <p:nvGraphicFramePr>
-          <p:cNvPr id="4" name="Diagramm 3">
+          <p:cNvPr id="3" name="Diagramm 2">
+            <a:extLst>
+              <a:ext uri="{FF2B5EF4-FFF2-40B4-BE49-F238E27FC236}">
+                <a16:creationId xmlns:a16="http://schemas.microsoft.com/office/drawing/2014/main" id="{9025165E-B3BA-4104-8721-1FBFAEB007D0}"/>
+              </a:ext>
+            </a:extLst>
+          </p:cNvPr>
+          <p:cNvGraphicFramePr>
+            <a:graphicFrameLocks/>
+          </p:cNvGraphicFramePr>
+          <p:nvPr>
+            <p:extLst>
+              <p:ext uri="{D42A27DB-BD31-4B8C-83A1-F6EECF244321}">
+                <p14:modId xmlns:p14="http://schemas.microsoft.com/office/powerpoint/2010/main" val="4044314635"/>
+              </p:ext>
+            </p:extLst>
+          </p:nvPr>
+        </p:nvGraphicFramePr>
+        <p:xfrm>
+          <a:off x="1605643" y="3429000"/>
+          <a:ext cx="8980714" cy="3145971"/>
+        </p:xfrm>
+        <a:graphic>
+          <a:graphicData uri="http://schemas.openxmlformats.org/drawingml/2006/chart">
+            <c:chart xmlns:c="http://schemas.openxmlformats.org/drawingml/2006/chart" xmlns:r="http://schemas.openxmlformats.org/officeDocument/2006/relationships" r:id="rId2"/>
+          </a:graphicData>
+        </a:graphic>
+      </p:graphicFrame>
+      <p:graphicFrame>
+        <p:nvGraphicFramePr>
+          <p:cNvPr id="5" name="Diagramm 4">
             <a:extLst>
               <a:ext uri="{FF2B5EF4-FFF2-40B4-BE49-F238E27FC236}">
                 <a16:creationId xmlns:a16="http://schemas.microsoft.com/office/drawing/2014/main" id="{A707596C-3BB5-4813-B414-CD0A2A02756A}"/>
@@ -12053,15 +14176,21 @@
           <p:cNvGraphicFramePr>
             <a:graphicFrameLocks/>
           </p:cNvGraphicFramePr>
-          <p:nvPr/>
+          <p:nvPr>
+            <p:extLst>
+              <p:ext uri="{D42A27DB-BD31-4B8C-83A1-F6EECF244321}">
+                <p14:modId xmlns:p14="http://schemas.microsoft.com/office/powerpoint/2010/main" val="3504599251"/>
+              </p:ext>
+            </p:extLst>
+          </p:nvPr>
         </p:nvGraphicFramePr>
         <p:xfrm>
-          <a:off x="979032" y="190500"/>
-          <a:ext cx="10233935" cy="6477000"/>
+          <a:off x="1039585" y="283029"/>
+          <a:ext cx="10112829" cy="3145971"/>
         </p:xfrm>
         <a:graphic>
           <a:graphicData uri="http://schemas.openxmlformats.org/drawingml/2006/chart">
-            <c:chart xmlns:c="http://schemas.openxmlformats.org/drawingml/2006/chart" xmlns:r="http://schemas.openxmlformats.org/officeDocument/2006/relationships" r:id="rId2"/>
+            <c:chart xmlns:c="http://schemas.openxmlformats.org/drawingml/2006/chart" xmlns:r="http://schemas.openxmlformats.org/officeDocument/2006/relationships" r:id="rId3"/>
           </a:graphicData>
         </a:graphic>
       </p:graphicFrame>
@@ -12097,7 +14226,37 @@
       </p:grpSpPr>
       <p:graphicFrame>
         <p:nvGraphicFramePr>
-          <p:cNvPr id="3" name="Diagramm 2">
+          <p:cNvPr id="4" name="Diagramm 3">
+            <a:extLst>
+              <a:ext uri="{FF2B5EF4-FFF2-40B4-BE49-F238E27FC236}">
+                <a16:creationId xmlns:a16="http://schemas.microsoft.com/office/drawing/2014/main" id="{50430386-B928-4527-BEBB-E8A9A103E220}"/>
+              </a:ext>
+            </a:extLst>
+          </p:cNvPr>
+          <p:cNvGraphicFramePr>
+            <a:graphicFrameLocks/>
+          </p:cNvGraphicFramePr>
+          <p:nvPr>
+            <p:extLst>
+              <p:ext uri="{D42A27DB-BD31-4B8C-83A1-F6EECF244321}">
+                <p14:modId xmlns:p14="http://schemas.microsoft.com/office/powerpoint/2010/main" val="2724889487"/>
+              </p:ext>
+            </p:extLst>
+          </p:nvPr>
+        </p:nvGraphicFramePr>
+        <p:xfrm>
+          <a:off x="1333500" y="3429000"/>
+          <a:ext cx="9524999" cy="3145971"/>
+        </p:xfrm>
+        <a:graphic>
+          <a:graphicData uri="http://schemas.openxmlformats.org/drawingml/2006/chart">
+            <c:chart xmlns:c="http://schemas.openxmlformats.org/drawingml/2006/chart" xmlns:r="http://schemas.openxmlformats.org/officeDocument/2006/relationships" r:id="rId2"/>
+          </a:graphicData>
+        </a:graphic>
+      </p:graphicFrame>
+      <p:graphicFrame>
+        <p:nvGraphicFramePr>
+          <p:cNvPr id="5" name="Diagramm 4">
             <a:extLst>
               <a:ext uri="{FF2B5EF4-FFF2-40B4-BE49-F238E27FC236}">
                 <a16:creationId xmlns:a16="http://schemas.microsoft.com/office/drawing/2014/main" id="{4E037CE8-765A-4082-9A62-FD91522C29CA}"/>
@@ -12107,15 +14266,21 @@
           <p:cNvGraphicFramePr>
             <a:graphicFrameLocks/>
           </p:cNvGraphicFramePr>
-          <p:nvPr/>
+          <p:nvPr>
+            <p:extLst>
+              <p:ext uri="{D42A27DB-BD31-4B8C-83A1-F6EECF244321}">
+                <p14:modId xmlns:p14="http://schemas.microsoft.com/office/powerpoint/2010/main" val="4006477352"/>
+              </p:ext>
+            </p:extLst>
+          </p:nvPr>
         </p:nvGraphicFramePr>
         <p:xfrm>
-          <a:off x="830035" y="190500"/>
-          <a:ext cx="10531929" cy="6477000"/>
+          <a:off x="431346" y="283028"/>
+          <a:ext cx="11329307" cy="3145971"/>
         </p:xfrm>
         <a:graphic>
           <a:graphicData uri="http://schemas.openxmlformats.org/drawingml/2006/chart">
-            <c:chart xmlns:c="http://schemas.openxmlformats.org/drawingml/2006/chart" xmlns:r="http://schemas.openxmlformats.org/officeDocument/2006/relationships" r:id="rId2"/>
+            <c:chart xmlns:c="http://schemas.openxmlformats.org/drawingml/2006/chart" xmlns:r="http://schemas.openxmlformats.org/officeDocument/2006/relationships" r:id="rId3"/>
           </a:graphicData>
         </a:graphic>
       </p:graphicFrame>
@@ -12151,7 +14316,37 @@
       </p:grpSpPr>
       <p:graphicFrame>
         <p:nvGraphicFramePr>
-          <p:cNvPr id="6" name="Diagramm 5">
+          <p:cNvPr id="4" name="Diagramm 3">
+            <a:extLst>
+              <a:ext uri="{FF2B5EF4-FFF2-40B4-BE49-F238E27FC236}">
+                <a16:creationId xmlns:a16="http://schemas.microsoft.com/office/drawing/2014/main" id="{04189CBD-BCBE-4686-96F2-A8289618AE33}"/>
+              </a:ext>
+            </a:extLst>
+          </p:cNvPr>
+          <p:cNvGraphicFramePr>
+            <a:graphicFrameLocks/>
+          </p:cNvGraphicFramePr>
+          <p:nvPr>
+            <p:extLst>
+              <p:ext uri="{D42A27DB-BD31-4B8C-83A1-F6EECF244321}">
+                <p14:modId xmlns:p14="http://schemas.microsoft.com/office/powerpoint/2010/main" val="2947555896"/>
+              </p:ext>
+            </p:extLst>
+          </p:nvPr>
+        </p:nvGraphicFramePr>
+        <p:xfrm>
+          <a:off x="65314" y="3429000"/>
+          <a:ext cx="12061371" cy="3145972"/>
+        </p:xfrm>
+        <a:graphic>
+          <a:graphicData uri="http://schemas.openxmlformats.org/drawingml/2006/chart">
+            <c:chart xmlns:c="http://schemas.openxmlformats.org/drawingml/2006/chart" xmlns:r="http://schemas.openxmlformats.org/officeDocument/2006/relationships" r:id="rId2"/>
+          </a:graphicData>
+        </a:graphic>
+      </p:graphicFrame>
+      <p:graphicFrame>
+        <p:nvGraphicFramePr>
+          <p:cNvPr id="5" name="Diagramm 4">
             <a:extLst>
               <a:ext uri="{FF2B5EF4-FFF2-40B4-BE49-F238E27FC236}">
                 <a16:creationId xmlns:a16="http://schemas.microsoft.com/office/drawing/2014/main" id="{B9F2C74A-3310-4BC9-865A-01DD17D47E30}"/>
@@ -12161,15 +14356,21 @@
           <p:cNvGraphicFramePr>
             <a:graphicFrameLocks/>
           </p:cNvGraphicFramePr>
-          <p:nvPr/>
+          <p:nvPr>
+            <p:extLst>
+              <p:ext uri="{D42A27DB-BD31-4B8C-83A1-F6EECF244321}">
+                <p14:modId xmlns:p14="http://schemas.microsoft.com/office/powerpoint/2010/main" val="979993548"/>
+              </p:ext>
+            </p:extLst>
+          </p:nvPr>
         </p:nvGraphicFramePr>
         <p:xfrm>
-          <a:off x="367393" y="190500"/>
-          <a:ext cx="11457213" cy="6477000"/>
+          <a:off x="65314" y="283028"/>
+          <a:ext cx="12061372" cy="3145971"/>
         </p:xfrm>
         <a:graphic>
           <a:graphicData uri="http://schemas.openxmlformats.org/drawingml/2006/chart">
-            <c:chart xmlns:c="http://schemas.openxmlformats.org/drawingml/2006/chart" xmlns:r="http://schemas.openxmlformats.org/officeDocument/2006/relationships" r:id="rId2"/>
+            <c:chart xmlns:c="http://schemas.openxmlformats.org/drawingml/2006/chart" xmlns:r="http://schemas.openxmlformats.org/officeDocument/2006/relationships" r:id="rId3"/>
           </a:graphicData>
         </a:graphic>
       </p:graphicFrame>

--- a/HANNO-flow.pptx
+++ b/HANNO-flow.pptx
@@ -10,6 +10,7 @@
     <p:sldId id="258" r:id="rId4"/>
     <p:sldId id="260" r:id="rId5"/>
     <p:sldId id="261" r:id="rId6"/>
+    <p:sldId id="262" r:id="rId7"/>
   </p:sldIdLst>
   <p:sldSz cx="12192000" cy="6858000"/>
   <p:notesSz cx="6858000" cy="9144000"/>
@@ -633,6 +634,357 @@
 </c:chartSpace>
 </file>
 
+<file path=ppt/charts/chart10.xml><?xml version="1.0" encoding="utf-8"?>
+<c:chartSpace xmlns:c="http://schemas.openxmlformats.org/drawingml/2006/chart" xmlns:a="http://schemas.openxmlformats.org/drawingml/2006/main" xmlns:r="http://schemas.openxmlformats.org/officeDocument/2006/relationships" xmlns:c16r2="http://schemas.microsoft.com/office/drawing/2015/06/chart">
+  <c:date1904 val="0"/>
+  <c:lang val="de-DE"/>
+  <c:roundedCorners val="0"/>
+  <mc:AlternateContent xmlns:mc="http://schemas.openxmlformats.org/markup-compatibility/2006">
+    <mc:Choice xmlns:c14="http://schemas.microsoft.com/office/drawing/2007/8/2/chart" Requires="c14">
+      <c14:style val="102"/>
+    </mc:Choice>
+    <mc:Fallback>
+      <c:style val="2"/>
+    </mc:Fallback>
+  </mc:AlternateContent>
+  <c:chart>
+    <c:autoTitleDeleted val="1"/>
+    <c:plotArea>
+      <c:layout/>
+      <c:barChart>
+        <c:barDir val="col"/>
+        <c:grouping val="clustered"/>
+        <c:varyColors val="0"/>
+        <c:ser>
+          <c:idx val="1"/>
+          <c:order val="0"/>
+          <c:tx>
+            <c:strRef>
+              <c:f>'Suppl. Data 2 - FISHES-BUSCO'!$J$85</c:f>
+              <c:strCache>
+                <c:ptCount val="1"/>
+                <c:pt idx="0">
+                  <c:v>CDS length</c:v>
+                </c:pt>
+              </c:strCache>
+            </c:strRef>
+          </c:tx>
+          <c:spPr>
+            <a:ln w="0">
+              <a:solidFill>
+                <a:schemeClr val="tx1"/>
+              </a:solidFill>
+            </a:ln>
+          </c:spPr>
+          <c:invertIfNegative val="0"/>
+          <c:cat>
+            <c:strRef>
+              <c:f>'Suppl. Data 2 - FISHES-BUSCO'!$I$86:$I$87</c:f>
+              <c:strCache>
+                <c:ptCount val="2"/>
+                <c:pt idx="0">
+                  <c:v>Esox lucius                    +diverged evidence       (176.6 - 264.0 MYA)</c:v>
+                </c:pt>
+                <c:pt idx="1">
+                  <c:v>Esox lucius                    +diverged evidence       (176.6 - 264.0 MYA) +RNAseq (E. lucius)</c:v>
+                </c:pt>
+              </c:strCache>
+            </c:strRef>
+          </c:cat>
+          <c:val>
+            <c:numRef>
+              <c:f>'Suppl. Data 2 - FISHES-BUSCO'!$J$86:$J$87</c:f>
+              <c:numCache>
+                <c:formatCode>General</c:formatCode>
+                <c:ptCount val="2"/>
+                <c:pt idx="0">
+                  <c:v>37358478</c:v>
+                </c:pt>
+                <c:pt idx="1">
+                  <c:v>44071989</c:v>
+                </c:pt>
+              </c:numCache>
+            </c:numRef>
+          </c:val>
+          <c:extLst>
+            <c:ext xmlns:c16="http://schemas.microsoft.com/office/drawing/2014/chart" uri="{C3380CC4-5D6E-409C-BE32-E72D297353CC}">
+              <c16:uniqueId val="{00000000-C80E-49F5-9F3E-E6FB5A454F61}"/>
+            </c:ext>
+          </c:extLst>
+        </c:ser>
+        <c:ser>
+          <c:idx val="0"/>
+          <c:order val="1"/>
+          <c:tx>
+            <c:strRef>
+              <c:f>'Suppl. Data 2 - FISHES-BUSCO'!$K$85</c:f>
+              <c:strCache>
+                <c:ptCount val="1"/>
+                <c:pt idx="0">
+                  <c:v>UTR length</c:v>
+                </c:pt>
+              </c:strCache>
+            </c:strRef>
+          </c:tx>
+          <c:spPr>
+            <a:solidFill>
+              <a:schemeClr val="accent1"/>
+            </a:solidFill>
+            <a:ln w="0">
+              <a:solidFill>
+                <a:schemeClr val="tx1"/>
+              </a:solidFill>
+            </a:ln>
+            <a:effectLst/>
+          </c:spPr>
+          <c:invertIfNegative val="0"/>
+          <c:cat>
+            <c:strRef>
+              <c:f>'Suppl. Data 2 - FISHES-BUSCO'!$I$86:$I$87</c:f>
+              <c:strCache>
+                <c:ptCount val="2"/>
+                <c:pt idx="0">
+                  <c:v>Esox lucius                    +diverged evidence       (176.6 - 264.0 MYA)</c:v>
+                </c:pt>
+                <c:pt idx="1">
+                  <c:v>Esox lucius                    +diverged evidence       (176.6 - 264.0 MYA) +RNAseq (E. lucius)</c:v>
+                </c:pt>
+              </c:strCache>
+            </c:strRef>
+          </c:cat>
+          <c:val>
+            <c:numRef>
+              <c:f>'Suppl. Data 2 - FISHES-BUSCO'!$K$86:$K$87</c:f>
+              <c:numCache>
+                <c:formatCode>General</c:formatCode>
+                <c:ptCount val="2"/>
+                <c:pt idx="0">
+                  <c:v>5428294</c:v>
+                </c:pt>
+                <c:pt idx="1">
+                  <c:v>48182224</c:v>
+                </c:pt>
+              </c:numCache>
+            </c:numRef>
+          </c:val>
+          <c:extLst>
+            <c:ext xmlns:c16="http://schemas.microsoft.com/office/drawing/2014/chart" uri="{C3380CC4-5D6E-409C-BE32-E72D297353CC}">
+              <c16:uniqueId val="{00000001-C80E-49F5-9F3E-E6FB5A454F61}"/>
+            </c:ext>
+          </c:extLst>
+        </c:ser>
+        <c:dLbls>
+          <c:showLegendKey val="0"/>
+          <c:showVal val="0"/>
+          <c:showCatName val="0"/>
+          <c:showSerName val="0"/>
+          <c:showPercent val="0"/>
+          <c:showBubbleSize val="0"/>
+        </c:dLbls>
+        <c:gapWidth val="219"/>
+        <c:axId val="135202687"/>
+        <c:axId val="240816095"/>
+      </c:barChart>
+      <c:catAx>
+        <c:axId val="135202687"/>
+        <c:scaling>
+          <c:orientation val="minMax"/>
+        </c:scaling>
+        <c:delete val="0"/>
+        <c:axPos val="b"/>
+        <c:numFmt formatCode="General" sourceLinked="1"/>
+        <c:majorTickMark val="none"/>
+        <c:minorTickMark val="none"/>
+        <c:tickLblPos val="nextTo"/>
+        <c:spPr>
+          <a:noFill/>
+          <a:ln w="9525" cap="flat" cmpd="sng" algn="ctr">
+            <a:solidFill>
+              <a:schemeClr val="tx1">
+                <a:lumMod val="15000"/>
+                <a:lumOff val="85000"/>
+              </a:schemeClr>
+            </a:solidFill>
+            <a:round/>
+          </a:ln>
+          <a:effectLst/>
+        </c:spPr>
+        <c:txPr>
+          <a:bodyPr rot="0" spcFirstLastPara="1" vertOverflow="ellipsis" wrap="square" anchor="ctr" anchorCtr="1"/>
+          <a:lstStyle/>
+          <a:p>
+            <a:pPr>
+              <a:defRPr sz="900" b="0" i="1" u="none" strike="noStrike" kern="1200" baseline="0">
+                <a:solidFill>
+                  <a:schemeClr val="tx1">
+                    <a:lumMod val="65000"/>
+                    <a:lumOff val="35000"/>
+                  </a:schemeClr>
+                </a:solidFill>
+                <a:latin typeface="+mn-lt"/>
+                <a:ea typeface="+mn-ea"/>
+                <a:cs typeface="+mn-cs"/>
+              </a:defRPr>
+            </a:pPr>
+            <a:endParaRPr lang="de-DE"/>
+          </a:p>
+        </c:txPr>
+        <c:crossAx val="240816095"/>
+        <c:crosses val="autoZero"/>
+        <c:auto val="1"/>
+        <c:lblAlgn val="ctr"/>
+        <c:lblOffset val="100"/>
+        <c:noMultiLvlLbl val="0"/>
+      </c:catAx>
+      <c:valAx>
+        <c:axId val="240816095"/>
+        <c:scaling>
+          <c:orientation val="minMax"/>
+        </c:scaling>
+        <c:delete val="0"/>
+        <c:axPos val="l"/>
+        <c:majorGridlines>
+          <c:spPr>
+            <a:ln w="9525" cap="flat" cmpd="sng" algn="ctr">
+              <a:solidFill>
+                <a:schemeClr val="tx1">
+                  <a:lumMod val="15000"/>
+                  <a:lumOff val="85000"/>
+                </a:schemeClr>
+              </a:solidFill>
+              <a:round/>
+            </a:ln>
+            <a:effectLst/>
+          </c:spPr>
+        </c:majorGridlines>
+        <c:title>
+          <c:tx>
+            <c:rich>
+              <a:bodyPr rot="-5400000" spcFirstLastPara="1" vertOverflow="ellipsis" vert="horz" wrap="square" anchor="ctr" anchorCtr="1"/>
+              <a:lstStyle/>
+              <a:p>
+                <a:pPr>
+                  <a:defRPr sz="1000" b="0" i="0" u="none" strike="noStrike" kern="1200" baseline="0">
+                    <a:solidFill>
+                      <a:schemeClr val="tx1">
+                        <a:lumMod val="65000"/>
+                        <a:lumOff val="35000"/>
+                      </a:schemeClr>
+                    </a:solidFill>
+                    <a:latin typeface="+mn-lt"/>
+                    <a:ea typeface="+mn-ea"/>
+                    <a:cs typeface="+mn-cs"/>
+                  </a:defRPr>
+                </a:pPr>
+                <a:r>
+                  <a:rPr lang="de-DE"/>
+                  <a:t>annotated</a:t>
+                </a:r>
+                <a:r>
+                  <a:rPr lang="de-DE" baseline="0"/>
+                  <a:t> [bp]</a:t>
+                </a:r>
+                <a:endParaRPr lang="de-DE"/>
+              </a:p>
+            </c:rich>
+          </c:tx>
+          <c:overlay val="0"/>
+          <c:spPr>
+            <a:noFill/>
+            <a:ln>
+              <a:noFill/>
+            </a:ln>
+            <a:effectLst/>
+          </c:spPr>
+        </c:title>
+        <c:numFmt formatCode="#,##0" sourceLinked="0"/>
+        <c:majorTickMark val="none"/>
+        <c:minorTickMark val="none"/>
+        <c:tickLblPos val="nextTo"/>
+        <c:spPr>
+          <a:noFill/>
+          <a:ln>
+            <a:noFill/>
+          </a:ln>
+          <a:effectLst/>
+        </c:spPr>
+        <c:txPr>
+          <a:bodyPr rot="-60000000" spcFirstLastPara="1" vertOverflow="ellipsis" vert="horz" wrap="square" anchor="ctr" anchorCtr="1"/>
+          <a:lstStyle/>
+          <a:p>
+            <a:pPr>
+              <a:defRPr sz="900" b="0" i="0" u="none" strike="noStrike" kern="1200" baseline="0">
+                <a:solidFill>
+                  <a:schemeClr val="tx1">
+                    <a:lumMod val="65000"/>
+                    <a:lumOff val="35000"/>
+                  </a:schemeClr>
+                </a:solidFill>
+                <a:latin typeface="+mn-lt"/>
+                <a:ea typeface="+mn-ea"/>
+                <a:cs typeface="+mn-cs"/>
+              </a:defRPr>
+            </a:pPr>
+            <a:endParaRPr lang="de-DE"/>
+          </a:p>
+        </c:txPr>
+        <c:crossAx val="135202687"/>
+        <c:crosses val="autoZero"/>
+        <c:crossBetween val="between"/>
+      </c:valAx>
+    </c:plotArea>
+    <c:legend>
+      <c:legendPos val="r"/>
+      <c:overlay val="0"/>
+      <c:spPr>
+        <a:noFill/>
+        <a:ln>
+          <a:noFill/>
+        </a:ln>
+        <a:effectLst/>
+      </c:spPr>
+      <c:txPr>
+        <a:bodyPr rot="0" spcFirstLastPara="1" vertOverflow="ellipsis" vert="horz" wrap="square" anchor="ctr" anchorCtr="1"/>
+        <a:lstStyle/>
+        <a:p>
+          <a:pPr>
+            <a:defRPr sz="900" b="0" i="0" u="none" strike="noStrike" kern="1200" baseline="0">
+              <a:solidFill>
+                <a:schemeClr val="tx1">
+                  <a:lumMod val="65000"/>
+                  <a:lumOff val="35000"/>
+                </a:schemeClr>
+              </a:solidFill>
+              <a:latin typeface="+mn-lt"/>
+              <a:ea typeface="+mn-ea"/>
+              <a:cs typeface="+mn-cs"/>
+            </a:defRPr>
+          </a:pPr>
+          <a:endParaRPr lang="de-DE"/>
+        </a:p>
+      </c:txPr>
+    </c:legend>
+    <c:plotVisOnly val="1"/>
+    <c:dispBlanksAs val="gap"/>
+    <c:showDLblsOverMax val="0"/>
+    <c:extLst/>
+  </c:chart>
+  <c:txPr>
+    <a:bodyPr rot="1200000"/>
+    <a:lstStyle/>
+    <a:p>
+      <a:pPr>
+        <a:defRPr/>
+      </a:pPr>
+      <a:endParaRPr lang="de-DE"/>
+    </a:p>
+  </c:txPr>
+  <c:externalData r:id="rId1">
+    <c:autoUpdate val="0"/>
+  </c:externalData>
+</c:chartSpace>
+</file>
+
 <file path=ppt/charts/chart2.xml><?xml version="1.0" encoding="utf-8"?>
 <c:chartSpace xmlns:c="http://schemas.openxmlformats.org/drawingml/2006/chart" xmlns:a="http://schemas.openxmlformats.org/drawingml/2006/main" xmlns:r="http://schemas.openxmlformats.org/officeDocument/2006/relationships" xmlns:c16r2="http://schemas.microsoft.com/office/drawing/2015/06/chart">
   <c:date1904 val="0"/>
@@ -5338,6 +5690,735 @@
           <c:h val="6.8123323450851911E-2"/>
         </c:manualLayout>
       </c:layout>
+      <c:overlay val="0"/>
+      <c:spPr>
+        <a:noFill/>
+        <a:ln>
+          <a:noFill/>
+        </a:ln>
+        <a:effectLst/>
+      </c:spPr>
+      <c:txPr>
+        <a:bodyPr rot="0" spcFirstLastPara="1" vertOverflow="ellipsis" vert="horz" wrap="square" anchor="ctr" anchorCtr="1"/>
+        <a:lstStyle/>
+        <a:p>
+          <a:pPr>
+            <a:defRPr sz="900" b="0" i="0" u="none" strike="noStrike" kern="1200" baseline="0">
+              <a:solidFill>
+                <a:schemeClr val="tx1">
+                  <a:lumMod val="65000"/>
+                  <a:lumOff val="35000"/>
+                </a:schemeClr>
+              </a:solidFill>
+              <a:latin typeface="+mn-lt"/>
+              <a:ea typeface="+mn-ea"/>
+              <a:cs typeface="+mn-cs"/>
+            </a:defRPr>
+          </a:pPr>
+          <a:endParaRPr lang="de-DE"/>
+        </a:p>
+      </c:txPr>
+    </c:legend>
+    <c:plotVisOnly val="1"/>
+    <c:dispBlanksAs val="gap"/>
+    <c:extLst>
+      <c:ext xmlns:c16r3="http://schemas.microsoft.com/office/drawing/2017/03/chart" uri="{56B9EC1D-385E-4148-901F-78D8002777C0}">
+        <c16r3:dataDisplayOptions16>
+          <c16r3:dispNaAsBlank val="1"/>
+        </c16r3:dataDisplayOptions16>
+      </c:ext>
+    </c:extLst>
+    <c:showDLblsOverMax val="0"/>
+  </c:chart>
+  <c:spPr>
+    <a:noFill/>
+    <a:ln>
+      <a:noFill/>
+    </a:ln>
+    <a:effectLst/>
+  </c:spPr>
+  <c:txPr>
+    <a:bodyPr rot="1200000"/>
+    <a:lstStyle/>
+    <a:p>
+      <a:pPr>
+        <a:defRPr/>
+      </a:pPr>
+      <a:endParaRPr lang="de-DE"/>
+    </a:p>
+  </c:txPr>
+  <c:externalData r:id="rId3">
+    <c:autoUpdate val="0"/>
+  </c:externalData>
+</c:chartSpace>
+</file>
+
+<file path=ppt/charts/chart9.xml><?xml version="1.0" encoding="utf-8"?>
+<c:chartSpace xmlns:c="http://schemas.openxmlformats.org/drawingml/2006/chart" xmlns:a="http://schemas.openxmlformats.org/drawingml/2006/main" xmlns:r="http://schemas.openxmlformats.org/officeDocument/2006/relationships" xmlns:c16r2="http://schemas.microsoft.com/office/drawing/2015/06/chart">
+  <c:date1904 val="0"/>
+  <c:lang val="de-DE"/>
+  <c:roundedCorners val="0"/>
+  <mc:AlternateContent xmlns:mc="http://schemas.openxmlformats.org/markup-compatibility/2006">
+    <mc:Choice xmlns:c14="http://schemas.microsoft.com/office/drawing/2007/8/2/chart" Requires="c14">
+      <c14:style val="102"/>
+    </mc:Choice>
+    <mc:Fallback>
+      <c:style val="2"/>
+    </mc:Fallback>
+  </mc:AlternateContent>
+  <c:chart>
+    <c:title>
+      <c:tx>
+        <c:rich>
+          <a:bodyPr rot="0" spcFirstLastPara="1" vertOverflow="ellipsis" vert="horz" wrap="square" anchor="ctr" anchorCtr="1"/>
+          <a:lstStyle/>
+          <a:p>
+            <a:pPr>
+              <a:defRPr sz="1400" b="0" i="0" u="none" strike="noStrike" kern="1200" spc="0" baseline="0">
+                <a:solidFill>
+                  <a:schemeClr val="tx1">
+                    <a:lumMod val="65000"/>
+                    <a:lumOff val="35000"/>
+                  </a:schemeClr>
+                </a:solidFill>
+                <a:latin typeface="+mn-lt"/>
+                <a:ea typeface="+mn-ea"/>
+                <a:cs typeface="+mn-cs"/>
+              </a:defRPr>
+            </a:pPr>
+            <a:r>
+              <a:rPr lang="de-DE" sz="1100" b="0" i="0" baseline="0">
+                <a:effectLst/>
+              </a:rPr>
+              <a:t>Annotation of </a:t>
+            </a:r>
+            <a:r>
+              <a:rPr lang="de-DE" sz="1100" b="0" i="1" baseline="0">
+                <a:effectLst/>
+              </a:rPr>
+              <a:t>Esox lucius </a:t>
+            </a:r>
+            <a:r>
+              <a:rPr lang="de-DE" sz="1100" b="0" i="0" baseline="0">
+                <a:effectLst/>
+              </a:rPr>
+              <a:t>by HANNO using </a:t>
+            </a:r>
+            <a:r>
+              <a:rPr lang="de-DE" sz="1100" b="0" i="0" u="none" strike="noStrike" baseline="0">
+                <a:effectLst/>
+              </a:rPr>
+              <a:t>species-level RNAseq data in combination with a </a:t>
+            </a:r>
+            <a:r>
+              <a:rPr lang="de-DE" sz="1100" b="0" i="0" baseline="0">
+                <a:effectLst/>
+              </a:rPr>
+              <a:t>diverged Refseq protein/mRNA dataset from </a:t>
+            </a:r>
+            <a:r>
+              <a:rPr lang="de-DE" sz="1100" b="0" i="1" baseline="0">
+                <a:effectLst/>
+              </a:rPr>
+              <a:t>P.flavescens</a:t>
+            </a:r>
+            <a:endParaRPr lang="de-DE" sz="1100" i="1">
+              <a:effectLst/>
+            </a:endParaRPr>
+          </a:p>
+        </c:rich>
+      </c:tx>
+      <c:overlay val="0"/>
+      <c:spPr>
+        <a:noFill/>
+        <a:ln>
+          <a:noFill/>
+        </a:ln>
+        <a:effectLst/>
+      </c:spPr>
+      <c:txPr>
+        <a:bodyPr rot="0" spcFirstLastPara="1" vertOverflow="ellipsis" vert="horz" wrap="square" anchor="ctr" anchorCtr="1"/>
+        <a:lstStyle/>
+        <a:p>
+          <a:pPr>
+            <a:defRPr sz="1400" b="0" i="0" u="none" strike="noStrike" kern="1200" spc="0" baseline="0">
+              <a:solidFill>
+                <a:schemeClr val="tx1">
+                  <a:lumMod val="65000"/>
+                  <a:lumOff val="35000"/>
+                </a:schemeClr>
+              </a:solidFill>
+              <a:latin typeface="+mn-lt"/>
+              <a:ea typeface="+mn-ea"/>
+              <a:cs typeface="+mn-cs"/>
+            </a:defRPr>
+          </a:pPr>
+          <a:endParaRPr lang="de-DE"/>
+        </a:p>
+      </c:txPr>
+    </c:title>
+    <c:autoTitleDeleted val="0"/>
+    <c:plotArea>
+      <c:layout/>
+      <c:barChart>
+        <c:barDir val="col"/>
+        <c:grouping val="stacked"/>
+        <c:varyColors val="0"/>
+        <c:ser>
+          <c:idx val="0"/>
+          <c:order val="0"/>
+          <c:tx>
+            <c:strRef>
+              <c:f>'Suppl. Data 2 - FISHES-BUSCO'!$B$85</c:f>
+              <c:strCache>
+                <c:ptCount val="1"/>
+                <c:pt idx="0">
+                  <c:v>Complete</c:v>
+                </c:pt>
+              </c:strCache>
+            </c:strRef>
+          </c:tx>
+          <c:spPr>
+            <a:solidFill>
+              <a:schemeClr val="accent1"/>
+            </a:solidFill>
+            <a:ln w="0">
+              <a:solidFill>
+                <a:schemeClr val="tx1"/>
+              </a:solidFill>
+            </a:ln>
+            <a:effectLst/>
+          </c:spPr>
+          <c:invertIfNegative val="0"/>
+          <c:dLbls>
+            <c:numFmt formatCode="#,##0.0" sourceLinked="0"/>
+            <c:spPr>
+              <a:noFill/>
+              <a:ln>
+                <a:noFill/>
+              </a:ln>
+              <a:effectLst/>
+            </c:spPr>
+            <c:txPr>
+              <a:bodyPr rot="0" spcFirstLastPara="1" vertOverflow="ellipsis" vert="horz" wrap="square" lIns="38100" tIns="19050" rIns="38100" bIns="19050" anchor="ctr" anchorCtr="1">
+                <a:spAutoFit/>
+              </a:bodyPr>
+              <a:lstStyle/>
+              <a:p>
+                <a:pPr>
+                  <a:defRPr sz="900" b="1" i="0" u="none" strike="noStrike" kern="1200" baseline="0">
+                    <a:solidFill>
+                      <a:schemeClr val="bg1"/>
+                    </a:solidFill>
+                    <a:latin typeface="+mn-lt"/>
+                    <a:ea typeface="+mn-ea"/>
+                    <a:cs typeface="+mn-cs"/>
+                  </a:defRPr>
+                </a:pPr>
+                <a:endParaRPr lang="de-DE"/>
+              </a:p>
+            </c:txPr>
+            <c:showLegendKey val="0"/>
+            <c:showVal val="1"/>
+            <c:showCatName val="0"/>
+            <c:showSerName val="0"/>
+            <c:showPercent val="0"/>
+            <c:showBubbleSize val="0"/>
+            <c:showLeaderLines val="0"/>
+            <c:extLst>
+              <c:ext xmlns:c15="http://schemas.microsoft.com/office/drawing/2012/chart" uri="{CE6537A1-D6FC-4f65-9D91-7224C49458BB}">
+                <c15:showLeaderLines val="1"/>
+                <c15:leaderLines>
+                  <c:spPr>
+                    <a:ln w="9525" cap="flat" cmpd="sng" algn="ctr">
+                      <a:solidFill>
+                        <a:schemeClr val="tx1">
+                          <a:lumMod val="35000"/>
+                          <a:lumOff val="65000"/>
+                        </a:schemeClr>
+                      </a:solidFill>
+                      <a:round/>
+                    </a:ln>
+                    <a:effectLst/>
+                  </c:spPr>
+                </c15:leaderLines>
+              </c:ext>
+            </c:extLst>
+          </c:dLbls>
+          <c:cat>
+            <c:strRef>
+              <c:f>'Suppl. Data 2 - FISHES-BUSCO'!$I$86:$I$87</c:f>
+              <c:strCache>
+                <c:ptCount val="2"/>
+                <c:pt idx="0">
+                  <c:v>Esox lucius                    +diverged evidence       (176.6 - 264.0 MYA)</c:v>
+                </c:pt>
+                <c:pt idx="1">
+                  <c:v>Esox lucius                    +diverged evidence       (176.6 - 264.0 MYA) +RNAseq (E. lucius)</c:v>
+                </c:pt>
+              </c:strCache>
+            </c:strRef>
+          </c:cat>
+          <c:val>
+            <c:numRef>
+              <c:f>'Suppl. Data 2 - FISHES-BUSCO'!$B$86:$B$87</c:f>
+              <c:numCache>
+                <c:formatCode>General</c:formatCode>
+                <c:ptCount val="2"/>
+                <c:pt idx="0">
+                  <c:v>94.546199999999999</c:v>
+                </c:pt>
+                <c:pt idx="1">
+                  <c:v>97.469499999999996</c:v>
+                </c:pt>
+              </c:numCache>
+            </c:numRef>
+          </c:val>
+          <c:extLst>
+            <c:ext xmlns:c16="http://schemas.microsoft.com/office/drawing/2014/chart" uri="{C3380CC4-5D6E-409C-BE32-E72D297353CC}">
+              <c16:uniqueId val="{00000000-7F2C-428B-8BE2-20FADD6625A6}"/>
+            </c:ext>
+          </c:extLst>
+        </c:ser>
+        <c:ser>
+          <c:idx val="1"/>
+          <c:order val="1"/>
+          <c:tx>
+            <c:strRef>
+              <c:f>'Suppl. Data 2 - FISHES-BUSCO'!$E$85</c:f>
+              <c:strCache>
+                <c:ptCount val="1"/>
+                <c:pt idx="0">
+                  <c:v>Fragmented</c:v>
+                </c:pt>
+              </c:strCache>
+            </c:strRef>
+          </c:tx>
+          <c:spPr>
+            <a:solidFill>
+              <a:schemeClr val="accent2"/>
+            </a:solidFill>
+            <a:ln w="0">
+              <a:solidFill>
+                <a:schemeClr val="tx1"/>
+              </a:solidFill>
+            </a:ln>
+            <a:effectLst/>
+          </c:spPr>
+          <c:invertIfNegative val="0"/>
+          <c:dLbls>
+            <c:dLbl>
+              <c:idx val="0"/>
+              <c:layout>
+                <c:manualLayout>
+                  <c:x val="0"/>
+                  <c:y val="3.5420616332669315E-3"/>
+                </c:manualLayout>
+              </c:layout>
+              <c:showLegendKey val="0"/>
+              <c:showVal val="1"/>
+              <c:showCatName val="0"/>
+              <c:showSerName val="0"/>
+              <c:showPercent val="0"/>
+              <c:showBubbleSize val="0"/>
+              <c:extLst>
+                <c:ext xmlns:c15="http://schemas.microsoft.com/office/drawing/2012/chart" uri="{CE6537A1-D6FC-4f65-9D91-7224C49458BB}"/>
+                <c:ext xmlns:c16="http://schemas.microsoft.com/office/drawing/2014/chart" uri="{C3380CC4-5D6E-409C-BE32-E72D297353CC}">
+                  <c16:uniqueId val="{00000001-7F2C-428B-8BE2-20FADD6625A6}"/>
+                </c:ext>
+              </c:extLst>
+            </c:dLbl>
+            <c:numFmt formatCode="#,##0.0" sourceLinked="0"/>
+            <c:spPr>
+              <a:noFill/>
+              <a:ln>
+                <a:noFill/>
+              </a:ln>
+              <a:effectLst/>
+            </c:spPr>
+            <c:txPr>
+              <a:bodyPr rot="0" spcFirstLastPara="1" vertOverflow="ellipsis" vert="horz" wrap="square" lIns="38100" tIns="19050" rIns="38100" bIns="19050" anchor="ctr" anchorCtr="1">
+                <a:spAutoFit/>
+              </a:bodyPr>
+              <a:lstStyle/>
+              <a:p>
+                <a:pPr>
+                  <a:defRPr sz="900" b="1" i="0" u="none" strike="noStrike" kern="1200" baseline="0">
+                    <a:solidFill>
+                      <a:schemeClr val="bg1"/>
+                    </a:solidFill>
+                    <a:latin typeface="+mn-lt"/>
+                    <a:ea typeface="+mn-ea"/>
+                    <a:cs typeface="+mn-cs"/>
+                  </a:defRPr>
+                </a:pPr>
+                <a:endParaRPr lang="de-DE"/>
+              </a:p>
+            </c:txPr>
+            <c:showLegendKey val="0"/>
+            <c:showVal val="1"/>
+            <c:showCatName val="0"/>
+            <c:showSerName val="0"/>
+            <c:showPercent val="0"/>
+            <c:showBubbleSize val="0"/>
+            <c:showLeaderLines val="0"/>
+            <c:extLst>
+              <c:ext xmlns:c15="http://schemas.microsoft.com/office/drawing/2012/chart" uri="{CE6537A1-D6FC-4f65-9D91-7224C49458BB}">
+                <c15:showLeaderLines val="1"/>
+                <c15:leaderLines>
+                  <c:spPr>
+                    <a:ln w="9525" cap="flat" cmpd="sng" algn="ctr">
+                      <a:solidFill>
+                        <a:schemeClr val="tx1">
+                          <a:lumMod val="35000"/>
+                          <a:lumOff val="65000"/>
+                        </a:schemeClr>
+                      </a:solidFill>
+                      <a:round/>
+                    </a:ln>
+                    <a:effectLst/>
+                  </c:spPr>
+                </c15:leaderLines>
+              </c:ext>
+            </c:extLst>
+          </c:dLbls>
+          <c:cat>
+            <c:strRef>
+              <c:f>'Suppl. Data 2 - FISHES-BUSCO'!$I$86:$I$87</c:f>
+              <c:strCache>
+                <c:ptCount val="2"/>
+                <c:pt idx="0">
+                  <c:v>Esox lucius                    +diverged evidence       (176.6 - 264.0 MYA)</c:v>
+                </c:pt>
+                <c:pt idx="1">
+                  <c:v>Esox lucius                    +diverged evidence       (176.6 - 264.0 MYA) +RNAseq (E. lucius)</c:v>
+                </c:pt>
+              </c:strCache>
+            </c:strRef>
+          </c:cat>
+          <c:val>
+            <c:numRef>
+              <c:f>'Suppl. Data 2 - FISHES-BUSCO'!$E$86:$E$87</c:f>
+              <c:numCache>
+                <c:formatCode>General</c:formatCode>
+                <c:ptCount val="2"/>
+                <c:pt idx="0">
+                  <c:v>3.90489</c:v>
+                </c:pt>
+                <c:pt idx="1">
+                  <c:v>1.1125700000000001</c:v>
+                </c:pt>
+              </c:numCache>
+            </c:numRef>
+          </c:val>
+          <c:extLst>
+            <c:ext xmlns:c16="http://schemas.microsoft.com/office/drawing/2014/chart" uri="{C3380CC4-5D6E-409C-BE32-E72D297353CC}">
+              <c16:uniqueId val="{00000002-7F2C-428B-8BE2-20FADD6625A6}"/>
+            </c:ext>
+          </c:extLst>
+        </c:ser>
+        <c:ser>
+          <c:idx val="2"/>
+          <c:order val="2"/>
+          <c:tx>
+            <c:strRef>
+              <c:f>'Suppl. Data 2 - FISHES-BUSCO'!$F$85</c:f>
+              <c:strCache>
+                <c:ptCount val="1"/>
+                <c:pt idx="0">
+                  <c:v>Missing</c:v>
+                </c:pt>
+              </c:strCache>
+            </c:strRef>
+          </c:tx>
+          <c:spPr>
+            <a:solidFill>
+              <a:schemeClr val="accent3"/>
+            </a:solidFill>
+            <a:ln w="0">
+              <a:solidFill>
+                <a:schemeClr val="tx1"/>
+              </a:solidFill>
+            </a:ln>
+            <a:effectLst/>
+          </c:spPr>
+          <c:invertIfNegative val="0"/>
+          <c:dLbls>
+            <c:numFmt formatCode="#,##0.0" sourceLinked="0"/>
+            <c:spPr>
+              <a:noFill/>
+              <a:ln>
+                <a:noFill/>
+              </a:ln>
+              <a:effectLst/>
+            </c:spPr>
+            <c:txPr>
+              <a:bodyPr rot="0" spcFirstLastPara="1" vertOverflow="ellipsis" vert="horz" wrap="square" lIns="38100" tIns="19050" rIns="38100" bIns="19050" anchor="ctr" anchorCtr="1">
+                <a:spAutoFit/>
+              </a:bodyPr>
+              <a:lstStyle/>
+              <a:p>
+                <a:pPr>
+                  <a:defRPr sz="900" b="1" i="0" u="none" strike="noStrike" kern="1200" baseline="0">
+                    <a:solidFill>
+                      <a:schemeClr val="bg1"/>
+                    </a:solidFill>
+                    <a:latin typeface="+mn-lt"/>
+                    <a:ea typeface="+mn-ea"/>
+                    <a:cs typeface="+mn-cs"/>
+                  </a:defRPr>
+                </a:pPr>
+                <a:endParaRPr lang="de-DE"/>
+              </a:p>
+            </c:txPr>
+            <c:showLegendKey val="0"/>
+            <c:showVal val="1"/>
+            <c:showCatName val="0"/>
+            <c:showSerName val="0"/>
+            <c:showPercent val="0"/>
+            <c:showBubbleSize val="0"/>
+            <c:showLeaderLines val="0"/>
+            <c:extLst>
+              <c:ext xmlns:c15="http://schemas.microsoft.com/office/drawing/2012/chart" uri="{CE6537A1-D6FC-4f65-9D91-7224C49458BB}">
+                <c15:showLeaderLines val="1"/>
+                <c15:leaderLines>
+                  <c:spPr>
+                    <a:ln w="9525" cap="flat" cmpd="sng" algn="ctr">
+                      <a:solidFill>
+                        <a:schemeClr val="tx1">
+                          <a:lumMod val="35000"/>
+                          <a:lumOff val="65000"/>
+                        </a:schemeClr>
+                      </a:solidFill>
+                      <a:round/>
+                    </a:ln>
+                    <a:effectLst/>
+                  </c:spPr>
+                </c15:leaderLines>
+              </c:ext>
+            </c:extLst>
+          </c:dLbls>
+          <c:cat>
+            <c:strRef>
+              <c:f>'Suppl. Data 2 - FISHES-BUSCO'!$I$86:$I$87</c:f>
+              <c:strCache>
+                <c:ptCount val="2"/>
+                <c:pt idx="0">
+                  <c:v>Esox lucius                    +diverged evidence       (176.6 - 264.0 MYA)</c:v>
+                </c:pt>
+                <c:pt idx="1">
+                  <c:v>Esox lucius                    +diverged evidence       (176.6 - 264.0 MYA) +RNAseq (E. lucius)</c:v>
+                </c:pt>
+              </c:strCache>
+            </c:strRef>
+          </c:cat>
+          <c:val>
+            <c:numRef>
+              <c:f>'Suppl. Data 2 - FISHES-BUSCO'!$F$86:$F$87</c:f>
+              <c:numCache>
+                <c:formatCode>General</c:formatCode>
+                <c:ptCount val="2"/>
+                <c:pt idx="0">
+                  <c:v>1.54887</c:v>
+                </c:pt>
+                <c:pt idx="1">
+                  <c:v>1.41798</c:v>
+                </c:pt>
+              </c:numCache>
+            </c:numRef>
+          </c:val>
+          <c:extLst>
+            <c:ext xmlns:c16="http://schemas.microsoft.com/office/drawing/2014/chart" uri="{C3380CC4-5D6E-409C-BE32-E72D297353CC}">
+              <c16:uniqueId val="{00000003-7F2C-428B-8BE2-20FADD6625A6}"/>
+            </c:ext>
+          </c:extLst>
+        </c:ser>
+        <c:dLbls>
+          <c:showLegendKey val="0"/>
+          <c:showVal val="0"/>
+          <c:showCatName val="0"/>
+          <c:showSerName val="0"/>
+          <c:showPercent val="0"/>
+          <c:showBubbleSize val="0"/>
+        </c:dLbls>
+        <c:gapWidth val="219"/>
+        <c:overlap val="100"/>
+        <c:axId val="135202687"/>
+        <c:axId val="240816095"/>
+      </c:barChart>
+      <c:catAx>
+        <c:axId val="135202687"/>
+        <c:scaling>
+          <c:orientation val="minMax"/>
+        </c:scaling>
+        <c:delete val="0"/>
+        <c:axPos val="b"/>
+        <c:numFmt formatCode="General" sourceLinked="1"/>
+        <c:majorTickMark val="none"/>
+        <c:minorTickMark val="none"/>
+        <c:tickLblPos val="nextTo"/>
+        <c:spPr>
+          <a:noFill/>
+          <a:ln w="9525" cap="flat" cmpd="sng" algn="ctr">
+            <a:solidFill>
+              <a:schemeClr val="tx1">
+                <a:lumMod val="15000"/>
+                <a:lumOff val="85000"/>
+              </a:schemeClr>
+            </a:solidFill>
+            <a:round/>
+          </a:ln>
+          <a:effectLst/>
+        </c:spPr>
+        <c:txPr>
+          <a:bodyPr rot="0" spcFirstLastPara="1" vertOverflow="ellipsis" wrap="square" anchor="ctr" anchorCtr="1"/>
+          <a:lstStyle/>
+          <a:p>
+            <a:pPr>
+              <a:defRPr sz="900" b="0" i="1" u="none" strike="noStrike" kern="1200" baseline="0">
+                <a:solidFill>
+                  <a:schemeClr val="tx1">
+                    <a:lumMod val="65000"/>
+                    <a:lumOff val="35000"/>
+                  </a:schemeClr>
+                </a:solidFill>
+                <a:latin typeface="+mn-lt"/>
+                <a:ea typeface="+mn-ea"/>
+                <a:cs typeface="+mn-cs"/>
+              </a:defRPr>
+            </a:pPr>
+            <a:endParaRPr lang="de-DE"/>
+          </a:p>
+        </c:txPr>
+        <c:crossAx val="240816095"/>
+        <c:crosses val="autoZero"/>
+        <c:auto val="1"/>
+        <c:lblAlgn val="ctr"/>
+        <c:lblOffset val="100"/>
+        <c:noMultiLvlLbl val="0"/>
+      </c:catAx>
+      <c:valAx>
+        <c:axId val="240816095"/>
+        <c:scaling>
+          <c:orientation val="minMax"/>
+          <c:min val="80"/>
+        </c:scaling>
+        <c:delete val="0"/>
+        <c:axPos val="l"/>
+        <c:majorGridlines>
+          <c:spPr>
+            <a:ln w="9525" cap="flat" cmpd="sng" algn="ctr">
+              <a:solidFill>
+                <a:schemeClr val="tx1">
+                  <a:lumMod val="15000"/>
+                  <a:lumOff val="85000"/>
+                </a:schemeClr>
+              </a:solidFill>
+              <a:round/>
+            </a:ln>
+            <a:effectLst/>
+          </c:spPr>
+        </c:majorGridlines>
+        <c:title>
+          <c:tx>
+            <c:rich>
+              <a:bodyPr rot="-5400000" spcFirstLastPara="1" vertOverflow="ellipsis" vert="horz" wrap="square" anchor="ctr" anchorCtr="1"/>
+              <a:lstStyle/>
+              <a:p>
+                <a:pPr>
+                  <a:defRPr sz="1000" b="0" i="0" u="none" strike="noStrike" kern="1200" baseline="0">
+                    <a:solidFill>
+                      <a:schemeClr val="tx1">
+                        <a:lumMod val="65000"/>
+                        <a:lumOff val="35000"/>
+                      </a:schemeClr>
+                    </a:solidFill>
+                    <a:latin typeface="+mn-lt"/>
+                    <a:ea typeface="+mn-ea"/>
+                    <a:cs typeface="+mn-cs"/>
+                  </a:defRPr>
+                </a:pPr>
+                <a:r>
+                  <a:rPr lang="de-DE"/>
+                  <a:t>BUSCO genes (actinopterygii_odb9) [%]</a:t>
+                </a:r>
+              </a:p>
+            </c:rich>
+          </c:tx>
+          <c:overlay val="0"/>
+          <c:spPr>
+            <a:noFill/>
+            <a:ln>
+              <a:noFill/>
+            </a:ln>
+            <a:effectLst/>
+          </c:spPr>
+          <c:txPr>
+            <a:bodyPr rot="-5400000" spcFirstLastPara="1" vertOverflow="ellipsis" vert="horz" wrap="square" anchor="ctr" anchorCtr="1"/>
+            <a:lstStyle/>
+            <a:p>
+              <a:pPr>
+                <a:defRPr sz="1000" b="0" i="0" u="none" strike="noStrike" kern="1200" baseline="0">
+                  <a:solidFill>
+                    <a:schemeClr val="tx1">
+                      <a:lumMod val="65000"/>
+                      <a:lumOff val="35000"/>
+                    </a:schemeClr>
+                  </a:solidFill>
+                  <a:latin typeface="+mn-lt"/>
+                  <a:ea typeface="+mn-ea"/>
+                  <a:cs typeface="+mn-cs"/>
+                </a:defRPr>
+              </a:pPr>
+              <a:endParaRPr lang="de-DE"/>
+            </a:p>
+          </c:txPr>
+        </c:title>
+        <c:numFmt formatCode="0.0" sourceLinked="0"/>
+        <c:majorTickMark val="none"/>
+        <c:minorTickMark val="none"/>
+        <c:tickLblPos val="nextTo"/>
+        <c:spPr>
+          <a:noFill/>
+          <a:ln>
+            <a:noFill/>
+          </a:ln>
+          <a:effectLst/>
+        </c:spPr>
+        <c:txPr>
+          <a:bodyPr rot="-60000000" spcFirstLastPara="1" vertOverflow="ellipsis" vert="horz" wrap="square" anchor="ctr" anchorCtr="1"/>
+          <a:lstStyle/>
+          <a:p>
+            <a:pPr>
+              <a:defRPr sz="900" b="0" i="0" u="none" strike="noStrike" kern="1200" baseline="0">
+                <a:solidFill>
+                  <a:schemeClr val="tx1">
+                    <a:lumMod val="65000"/>
+                    <a:lumOff val="35000"/>
+                  </a:schemeClr>
+                </a:solidFill>
+                <a:latin typeface="+mn-lt"/>
+                <a:ea typeface="+mn-ea"/>
+                <a:cs typeface="+mn-cs"/>
+              </a:defRPr>
+            </a:pPr>
+            <a:endParaRPr lang="de-DE"/>
+          </a:p>
+        </c:txPr>
+        <c:crossAx val="135202687"/>
+        <c:crosses val="autoZero"/>
+        <c:crossBetween val="between"/>
+      </c:valAx>
+      <c:spPr>
+        <a:noFill/>
+        <a:ln>
+          <a:noFill/>
+        </a:ln>
+        <a:effectLst/>
+      </c:spPr>
+    </c:plotArea>
+    <c:legend>
+      <c:legendPos val="r"/>
       <c:overlay val="0"/>
       <c:spPr>
         <a:noFill/>
@@ -5522,6 +6603,46 @@
 </file>
 
 <file path=ppt/charts/colors4.xml><?xml version="1.0" encoding="utf-8"?>
+<cs:colorStyle xmlns:cs="http://schemas.microsoft.com/office/drawing/2012/chartStyle" xmlns:a="http://schemas.openxmlformats.org/drawingml/2006/main" meth="cycle" id="10">
+  <a:schemeClr val="accent1"/>
+  <a:schemeClr val="accent2"/>
+  <a:schemeClr val="accent3"/>
+  <a:schemeClr val="accent4"/>
+  <a:schemeClr val="accent5"/>
+  <a:schemeClr val="accent6"/>
+  <cs:variation/>
+  <cs:variation>
+    <a:lumMod val="60000"/>
+  </cs:variation>
+  <cs:variation>
+    <a:lumMod val="80000"/>
+    <a:lumOff val="20000"/>
+  </cs:variation>
+  <cs:variation>
+    <a:lumMod val="80000"/>
+  </cs:variation>
+  <cs:variation>
+    <a:lumMod val="60000"/>
+    <a:lumOff val="40000"/>
+  </cs:variation>
+  <cs:variation>
+    <a:lumMod val="50000"/>
+  </cs:variation>
+  <cs:variation>
+    <a:lumMod val="70000"/>
+    <a:lumOff val="30000"/>
+  </cs:variation>
+  <cs:variation>
+    <a:lumMod val="70000"/>
+  </cs:variation>
+  <cs:variation>
+    <a:lumMod val="50000"/>
+    <a:lumOff val="50000"/>
+  </cs:variation>
+</cs:colorStyle>
+</file>
+
+<file path=ppt/charts/colors5.xml><?xml version="1.0" encoding="utf-8"?>
 <cs:colorStyle xmlns:cs="http://schemas.microsoft.com/office/drawing/2012/chartStyle" xmlns:a="http://schemas.openxmlformats.org/drawingml/2006/main" meth="cycle" id="10">
   <a:schemeClr val="accent1"/>
   <a:schemeClr val="accent2"/>
@@ -7573,6 +8694,509 @@
 </cs:chartStyle>
 </file>
 
+<file path=ppt/charts/style5.xml><?xml version="1.0" encoding="utf-8"?>
+<cs:chartStyle xmlns:cs="http://schemas.microsoft.com/office/drawing/2012/chartStyle" xmlns:a="http://schemas.openxmlformats.org/drawingml/2006/main" id="201">
+  <cs:axisTitle>
+    <cs:lnRef idx="0"/>
+    <cs:fillRef idx="0"/>
+    <cs:effectRef idx="0"/>
+    <cs:fontRef idx="minor">
+      <a:schemeClr val="tx1">
+        <a:lumMod val="65000"/>
+        <a:lumOff val="35000"/>
+      </a:schemeClr>
+    </cs:fontRef>
+    <cs:defRPr sz="1000" kern="1200"/>
+  </cs:axisTitle>
+  <cs:categoryAxis>
+    <cs:lnRef idx="0"/>
+    <cs:fillRef idx="0"/>
+    <cs:effectRef idx="0"/>
+    <cs:fontRef idx="minor">
+      <a:schemeClr val="tx1">
+        <a:lumMod val="65000"/>
+        <a:lumOff val="35000"/>
+      </a:schemeClr>
+    </cs:fontRef>
+    <cs:spPr>
+      <a:ln w="9525" cap="flat" cmpd="sng" algn="ctr">
+        <a:solidFill>
+          <a:schemeClr val="tx1">
+            <a:lumMod val="15000"/>
+            <a:lumOff val="85000"/>
+          </a:schemeClr>
+        </a:solidFill>
+        <a:round/>
+      </a:ln>
+    </cs:spPr>
+    <cs:defRPr sz="900" kern="1200"/>
+  </cs:categoryAxis>
+  <cs:chartArea mods="allowNoFillOverride allowNoLineOverride">
+    <cs:lnRef idx="0"/>
+    <cs:fillRef idx="0"/>
+    <cs:effectRef idx="0"/>
+    <cs:fontRef idx="minor">
+      <a:schemeClr val="tx1"/>
+    </cs:fontRef>
+    <cs:spPr>
+      <a:solidFill>
+        <a:schemeClr val="bg1"/>
+      </a:solidFill>
+      <a:ln w="9525" cap="flat" cmpd="sng" algn="ctr">
+        <a:solidFill>
+          <a:schemeClr val="tx1">
+            <a:lumMod val="15000"/>
+            <a:lumOff val="85000"/>
+          </a:schemeClr>
+        </a:solidFill>
+        <a:round/>
+      </a:ln>
+    </cs:spPr>
+    <cs:defRPr sz="1000" kern="1200"/>
+  </cs:chartArea>
+  <cs:dataLabel>
+    <cs:lnRef idx="0"/>
+    <cs:fillRef idx="0"/>
+    <cs:effectRef idx="0"/>
+    <cs:fontRef idx="minor">
+      <a:schemeClr val="tx1">
+        <a:lumMod val="75000"/>
+        <a:lumOff val="25000"/>
+      </a:schemeClr>
+    </cs:fontRef>
+    <cs:defRPr sz="900" kern="1200"/>
+  </cs:dataLabel>
+  <cs:dataLabelCallout>
+    <cs:lnRef idx="0"/>
+    <cs:fillRef idx="0"/>
+    <cs:effectRef idx="0"/>
+    <cs:fontRef idx="minor">
+      <a:schemeClr val="dk1">
+        <a:lumMod val="65000"/>
+        <a:lumOff val="35000"/>
+      </a:schemeClr>
+    </cs:fontRef>
+    <cs:spPr>
+      <a:solidFill>
+        <a:schemeClr val="lt1"/>
+      </a:solidFill>
+      <a:ln>
+        <a:solidFill>
+          <a:schemeClr val="dk1">
+            <a:lumMod val="25000"/>
+            <a:lumOff val="75000"/>
+          </a:schemeClr>
+        </a:solidFill>
+      </a:ln>
+    </cs:spPr>
+    <cs:defRPr sz="900" kern="1200"/>
+    <cs:bodyPr rot="0" spcFirstLastPara="1" vertOverflow="clip" horzOverflow="clip" vert="horz" wrap="square" lIns="36576" tIns="18288" rIns="36576" bIns="18288" anchor="ctr" anchorCtr="1">
+      <a:spAutoFit/>
+    </cs:bodyPr>
+  </cs:dataLabelCallout>
+  <cs:dataPoint>
+    <cs:lnRef idx="0"/>
+    <cs:fillRef idx="1">
+      <cs:styleClr val="auto"/>
+    </cs:fillRef>
+    <cs:effectRef idx="0"/>
+    <cs:fontRef idx="minor">
+      <a:schemeClr val="tx1"/>
+    </cs:fontRef>
+  </cs:dataPoint>
+  <cs:dataPoint3D>
+    <cs:lnRef idx="0"/>
+    <cs:fillRef idx="1">
+      <cs:styleClr val="auto"/>
+    </cs:fillRef>
+    <cs:effectRef idx="0"/>
+    <cs:fontRef idx="minor">
+      <a:schemeClr val="tx1"/>
+    </cs:fontRef>
+  </cs:dataPoint3D>
+  <cs:dataPointLine>
+    <cs:lnRef idx="0">
+      <cs:styleClr val="auto"/>
+    </cs:lnRef>
+    <cs:fillRef idx="1"/>
+    <cs:effectRef idx="0"/>
+    <cs:fontRef idx="minor">
+      <a:schemeClr val="tx1"/>
+    </cs:fontRef>
+    <cs:spPr>
+      <a:ln w="28575" cap="rnd">
+        <a:solidFill>
+          <a:schemeClr val="phClr"/>
+        </a:solidFill>
+        <a:round/>
+      </a:ln>
+    </cs:spPr>
+  </cs:dataPointLine>
+  <cs:dataPointMarker>
+    <cs:lnRef idx="0">
+      <cs:styleClr val="auto"/>
+    </cs:lnRef>
+    <cs:fillRef idx="1">
+      <cs:styleClr val="auto"/>
+    </cs:fillRef>
+    <cs:effectRef idx="0"/>
+    <cs:fontRef idx="minor">
+      <a:schemeClr val="tx1"/>
+    </cs:fontRef>
+    <cs:spPr>
+      <a:ln w="9525">
+        <a:solidFill>
+          <a:schemeClr val="phClr"/>
+        </a:solidFill>
+      </a:ln>
+    </cs:spPr>
+  </cs:dataPointMarker>
+  <cs:dataPointMarkerLayout symbol="circle" size="5"/>
+  <cs:dataPointWireframe>
+    <cs:lnRef idx="0">
+      <cs:styleClr val="auto"/>
+    </cs:lnRef>
+    <cs:fillRef idx="1"/>
+    <cs:effectRef idx="0"/>
+    <cs:fontRef idx="minor">
+      <a:schemeClr val="tx1"/>
+    </cs:fontRef>
+    <cs:spPr>
+      <a:ln w="9525" cap="rnd">
+        <a:solidFill>
+          <a:schemeClr val="phClr"/>
+        </a:solidFill>
+        <a:round/>
+      </a:ln>
+    </cs:spPr>
+  </cs:dataPointWireframe>
+  <cs:dataTable>
+    <cs:lnRef idx="0"/>
+    <cs:fillRef idx="0"/>
+    <cs:effectRef idx="0"/>
+    <cs:fontRef idx="minor">
+      <a:schemeClr val="tx1">
+        <a:lumMod val="65000"/>
+        <a:lumOff val="35000"/>
+      </a:schemeClr>
+    </cs:fontRef>
+    <cs:spPr>
+      <a:noFill/>
+      <a:ln w="9525" cap="flat" cmpd="sng" algn="ctr">
+        <a:solidFill>
+          <a:schemeClr val="tx1">
+            <a:lumMod val="15000"/>
+            <a:lumOff val="85000"/>
+          </a:schemeClr>
+        </a:solidFill>
+        <a:round/>
+      </a:ln>
+    </cs:spPr>
+    <cs:defRPr sz="900" kern="1200"/>
+  </cs:dataTable>
+  <cs:downBar>
+    <cs:lnRef idx="0"/>
+    <cs:fillRef idx="0"/>
+    <cs:effectRef idx="0"/>
+    <cs:fontRef idx="minor">
+      <a:schemeClr val="dk1"/>
+    </cs:fontRef>
+    <cs:spPr>
+      <a:solidFill>
+        <a:schemeClr val="dk1">
+          <a:lumMod val="65000"/>
+          <a:lumOff val="35000"/>
+        </a:schemeClr>
+      </a:solidFill>
+      <a:ln w="9525">
+        <a:solidFill>
+          <a:schemeClr val="tx1">
+            <a:lumMod val="65000"/>
+            <a:lumOff val="35000"/>
+          </a:schemeClr>
+        </a:solidFill>
+      </a:ln>
+    </cs:spPr>
+  </cs:downBar>
+  <cs:dropLine>
+    <cs:lnRef idx="0"/>
+    <cs:fillRef idx="0"/>
+    <cs:effectRef idx="0"/>
+    <cs:fontRef idx="minor">
+      <a:schemeClr val="tx1"/>
+    </cs:fontRef>
+    <cs:spPr>
+      <a:ln w="9525" cap="flat" cmpd="sng" algn="ctr">
+        <a:solidFill>
+          <a:schemeClr val="tx1">
+            <a:lumMod val="35000"/>
+            <a:lumOff val="65000"/>
+          </a:schemeClr>
+        </a:solidFill>
+        <a:round/>
+      </a:ln>
+    </cs:spPr>
+  </cs:dropLine>
+  <cs:errorBar>
+    <cs:lnRef idx="0"/>
+    <cs:fillRef idx="0"/>
+    <cs:effectRef idx="0"/>
+    <cs:fontRef idx="minor">
+      <a:schemeClr val="tx1"/>
+    </cs:fontRef>
+    <cs:spPr>
+      <a:ln w="9525" cap="flat" cmpd="sng" algn="ctr">
+        <a:solidFill>
+          <a:schemeClr val="tx1">
+            <a:lumMod val="65000"/>
+            <a:lumOff val="35000"/>
+          </a:schemeClr>
+        </a:solidFill>
+        <a:round/>
+      </a:ln>
+    </cs:spPr>
+  </cs:errorBar>
+  <cs:floor>
+    <cs:lnRef idx="0"/>
+    <cs:fillRef idx="0"/>
+    <cs:effectRef idx="0"/>
+    <cs:fontRef idx="minor">
+      <a:schemeClr val="tx1"/>
+    </cs:fontRef>
+    <cs:spPr>
+      <a:noFill/>
+      <a:ln>
+        <a:noFill/>
+      </a:ln>
+    </cs:spPr>
+  </cs:floor>
+  <cs:gridlineMajor>
+    <cs:lnRef idx="0"/>
+    <cs:fillRef idx="0"/>
+    <cs:effectRef idx="0"/>
+    <cs:fontRef idx="minor">
+      <a:schemeClr val="tx1"/>
+    </cs:fontRef>
+    <cs:spPr>
+      <a:ln w="9525" cap="flat" cmpd="sng" algn="ctr">
+        <a:solidFill>
+          <a:schemeClr val="tx1">
+            <a:lumMod val="15000"/>
+            <a:lumOff val="85000"/>
+          </a:schemeClr>
+        </a:solidFill>
+        <a:round/>
+      </a:ln>
+    </cs:spPr>
+  </cs:gridlineMajor>
+  <cs:gridlineMinor>
+    <cs:lnRef idx="0"/>
+    <cs:fillRef idx="0"/>
+    <cs:effectRef idx="0"/>
+    <cs:fontRef idx="minor">
+      <a:schemeClr val="tx1"/>
+    </cs:fontRef>
+    <cs:spPr>
+      <a:ln w="9525" cap="flat" cmpd="sng" algn="ctr">
+        <a:solidFill>
+          <a:schemeClr val="tx1">
+            <a:lumMod val="5000"/>
+            <a:lumOff val="95000"/>
+          </a:schemeClr>
+        </a:solidFill>
+        <a:round/>
+      </a:ln>
+    </cs:spPr>
+  </cs:gridlineMinor>
+  <cs:hiLoLine>
+    <cs:lnRef idx="0"/>
+    <cs:fillRef idx="0"/>
+    <cs:effectRef idx="0"/>
+    <cs:fontRef idx="minor">
+      <a:schemeClr val="tx1"/>
+    </cs:fontRef>
+    <cs:spPr>
+      <a:ln w="9525" cap="flat" cmpd="sng" algn="ctr">
+        <a:solidFill>
+          <a:schemeClr val="tx1">
+            <a:lumMod val="75000"/>
+            <a:lumOff val="25000"/>
+          </a:schemeClr>
+        </a:solidFill>
+        <a:round/>
+      </a:ln>
+    </cs:spPr>
+  </cs:hiLoLine>
+  <cs:leaderLine>
+    <cs:lnRef idx="0"/>
+    <cs:fillRef idx="0"/>
+    <cs:effectRef idx="0"/>
+    <cs:fontRef idx="minor">
+      <a:schemeClr val="tx1"/>
+    </cs:fontRef>
+    <cs:spPr>
+      <a:ln w="9525" cap="flat" cmpd="sng" algn="ctr">
+        <a:solidFill>
+          <a:schemeClr val="tx1">
+            <a:lumMod val="35000"/>
+            <a:lumOff val="65000"/>
+          </a:schemeClr>
+        </a:solidFill>
+        <a:round/>
+      </a:ln>
+    </cs:spPr>
+  </cs:leaderLine>
+  <cs:legend>
+    <cs:lnRef idx="0"/>
+    <cs:fillRef idx="0"/>
+    <cs:effectRef idx="0"/>
+    <cs:fontRef idx="minor">
+      <a:schemeClr val="tx1">
+        <a:lumMod val="65000"/>
+        <a:lumOff val="35000"/>
+      </a:schemeClr>
+    </cs:fontRef>
+    <cs:defRPr sz="900" kern="1200"/>
+  </cs:legend>
+  <cs:plotArea mods="allowNoFillOverride allowNoLineOverride">
+    <cs:lnRef idx="0"/>
+    <cs:fillRef idx="0"/>
+    <cs:effectRef idx="0"/>
+    <cs:fontRef idx="minor">
+      <a:schemeClr val="tx1"/>
+    </cs:fontRef>
+  </cs:plotArea>
+  <cs:plotArea3D mods="allowNoFillOverride allowNoLineOverride">
+    <cs:lnRef idx="0"/>
+    <cs:fillRef idx="0"/>
+    <cs:effectRef idx="0"/>
+    <cs:fontRef idx="minor">
+      <a:schemeClr val="tx1"/>
+    </cs:fontRef>
+  </cs:plotArea3D>
+  <cs:seriesAxis>
+    <cs:lnRef idx="0"/>
+    <cs:fillRef idx="0"/>
+    <cs:effectRef idx="0"/>
+    <cs:fontRef idx="minor">
+      <a:schemeClr val="tx1">
+        <a:lumMod val="65000"/>
+        <a:lumOff val="35000"/>
+      </a:schemeClr>
+    </cs:fontRef>
+    <cs:defRPr sz="900" kern="1200"/>
+  </cs:seriesAxis>
+  <cs:seriesLine>
+    <cs:lnRef idx="0"/>
+    <cs:fillRef idx="0"/>
+    <cs:effectRef idx="0"/>
+    <cs:fontRef idx="minor">
+      <a:schemeClr val="tx1"/>
+    </cs:fontRef>
+    <cs:spPr>
+      <a:ln w="9525" cap="flat" cmpd="sng" algn="ctr">
+        <a:solidFill>
+          <a:schemeClr val="tx1">
+            <a:lumMod val="35000"/>
+            <a:lumOff val="65000"/>
+          </a:schemeClr>
+        </a:solidFill>
+        <a:round/>
+      </a:ln>
+    </cs:spPr>
+  </cs:seriesLine>
+  <cs:title>
+    <cs:lnRef idx="0"/>
+    <cs:fillRef idx="0"/>
+    <cs:effectRef idx="0"/>
+    <cs:fontRef idx="minor">
+      <a:schemeClr val="tx1">
+        <a:lumMod val="65000"/>
+        <a:lumOff val="35000"/>
+      </a:schemeClr>
+    </cs:fontRef>
+    <cs:defRPr sz="1400" b="0" kern="1200" spc="0" baseline="0"/>
+  </cs:title>
+  <cs:trendline>
+    <cs:lnRef idx="0">
+      <cs:styleClr val="auto"/>
+    </cs:lnRef>
+    <cs:fillRef idx="0"/>
+    <cs:effectRef idx="0"/>
+    <cs:fontRef idx="minor">
+      <a:schemeClr val="tx1"/>
+    </cs:fontRef>
+    <cs:spPr>
+      <a:ln w="19050" cap="rnd">
+        <a:solidFill>
+          <a:schemeClr val="phClr"/>
+        </a:solidFill>
+        <a:prstDash val="sysDot"/>
+      </a:ln>
+    </cs:spPr>
+  </cs:trendline>
+  <cs:trendlineLabel>
+    <cs:lnRef idx="0"/>
+    <cs:fillRef idx="0"/>
+    <cs:effectRef idx="0"/>
+    <cs:fontRef idx="minor">
+      <a:schemeClr val="tx1">
+        <a:lumMod val="65000"/>
+        <a:lumOff val="35000"/>
+      </a:schemeClr>
+    </cs:fontRef>
+    <cs:defRPr sz="900" kern="1200"/>
+  </cs:trendlineLabel>
+  <cs:upBar>
+    <cs:lnRef idx="0"/>
+    <cs:fillRef idx="0"/>
+    <cs:effectRef idx="0"/>
+    <cs:fontRef idx="minor">
+      <a:schemeClr val="dk1"/>
+    </cs:fontRef>
+    <cs:spPr>
+      <a:solidFill>
+        <a:schemeClr val="lt1"/>
+      </a:solidFill>
+      <a:ln w="9525">
+        <a:solidFill>
+          <a:schemeClr val="tx1">
+            <a:lumMod val="15000"/>
+            <a:lumOff val="85000"/>
+          </a:schemeClr>
+        </a:solidFill>
+      </a:ln>
+    </cs:spPr>
+  </cs:upBar>
+  <cs:valueAxis>
+    <cs:lnRef idx="0"/>
+    <cs:fillRef idx="0"/>
+    <cs:effectRef idx="0"/>
+    <cs:fontRef idx="minor">
+      <a:schemeClr val="tx1">
+        <a:lumMod val="65000"/>
+        <a:lumOff val="35000"/>
+      </a:schemeClr>
+    </cs:fontRef>
+    <cs:defRPr sz="900" kern="1200"/>
+  </cs:valueAxis>
+  <cs:wall>
+    <cs:lnRef idx="0"/>
+    <cs:fillRef idx="0"/>
+    <cs:effectRef idx="0"/>
+    <cs:fontRef idx="minor">
+      <a:schemeClr val="tx1"/>
+    </cs:fontRef>
+    <cs:spPr>
+      <a:noFill/>
+      <a:ln>
+        <a:noFill/>
+      </a:ln>
+    </cs:spPr>
+  </cs:wall>
+</cs:chartStyle>
+</file>
+
 <file path=ppt/slideLayouts/slideLayout1.xml><?xml version="1.0" encoding="utf-8"?>
 <p:sldLayout xmlns:a="http://schemas.openxmlformats.org/drawingml/2006/main" xmlns:r="http://schemas.openxmlformats.org/officeDocument/2006/relationships" xmlns:p="http://schemas.openxmlformats.org/presentationml/2006/main" type="title" preserve="1">
   <p:cSld name="Titelfolie">
@@ -14387,6 +16011,90 @@
 </p:sld>
 </file>
 
+<file path=ppt/slides/slide6.xml><?xml version="1.0" encoding="utf-8"?>
+<p:sld xmlns:a="http://schemas.openxmlformats.org/drawingml/2006/main" xmlns:r="http://schemas.openxmlformats.org/officeDocument/2006/relationships" xmlns:p="http://schemas.openxmlformats.org/presentationml/2006/main">
+  <p:cSld>
+    <p:spTree>
+      <p:nvGrpSpPr>
+        <p:cNvPr id="1" name=""/>
+        <p:cNvGrpSpPr/>
+        <p:nvPr/>
+      </p:nvGrpSpPr>
+      <p:grpSpPr>
+        <a:xfrm>
+          <a:off x="0" y="0"/>
+          <a:ext cx="0" cy="0"/>
+          <a:chOff x="0" y="0"/>
+          <a:chExt cx="0" cy="0"/>
+        </a:xfrm>
+      </p:grpSpPr>
+      <p:graphicFrame>
+        <p:nvGraphicFramePr>
+          <p:cNvPr id="4" name="Diagramm 3">
+            <a:extLst>
+              <a:ext uri="{FF2B5EF4-FFF2-40B4-BE49-F238E27FC236}">
+                <a16:creationId xmlns:a16="http://schemas.microsoft.com/office/drawing/2014/main" id="{73F5C47E-BE5E-401B-AE48-C78915FE6C8E}"/>
+              </a:ext>
+            </a:extLst>
+          </p:cNvPr>
+          <p:cNvGraphicFramePr>
+            <a:graphicFrameLocks/>
+          </p:cNvGraphicFramePr>
+          <p:nvPr/>
+        </p:nvGraphicFramePr>
+        <p:xfrm>
+          <a:off x="1779815" y="283028"/>
+          <a:ext cx="4125684" cy="6291942"/>
+        </p:xfrm>
+        <a:graphic>
+          <a:graphicData uri="http://schemas.openxmlformats.org/drawingml/2006/chart">
+            <c:chart xmlns:c="http://schemas.openxmlformats.org/drawingml/2006/chart" xmlns:r="http://schemas.openxmlformats.org/officeDocument/2006/relationships" r:id="rId2"/>
+          </a:graphicData>
+        </a:graphic>
+      </p:graphicFrame>
+      <p:graphicFrame>
+        <p:nvGraphicFramePr>
+          <p:cNvPr id="5" name="Diagramm 4">
+            <a:extLst>
+              <a:ext uri="{FF2B5EF4-FFF2-40B4-BE49-F238E27FC236}">
+                <a16:creationId xmlns:a16="http://schemas.microsoft.com/office/drawing/2014/main" id="{460701CA-BC33-4C02-8E07-8AECFA76BCFF}"/>
+              </a:ext>
+            </a:extLst>
+          </p:cNvPr>
+          <p:cNvGraphicFramePr>
+            <a:graphicFrameLocks/>
+          </p:cNvGraphicFramePr>
+          <p:nvPr>
+            <p:extLst>
+              <p:ext uri="{D42A27DB-BD31-4B8C-83A1-F6EECF244321}">
+                <p14:modId xmlns:p14="http://schemas.microsoft.com/office/powerpoint/2010/main" val="3995520876"/>
+              </p:ext>
+            </p:extLst>
+          </p:nvPr>
+        </p:nvGraphicFramePr>
+        <p:xfrm>
+          <a:off x="6286501" y="905070"/>
+          <a:ext cx="4125684" cy="5669902"/>
+        </p:xfrm>
+        <a:graphic>
+          <a:graphicData uri="http://schemas.openxmlformats.org/drawingml/2006/chart">
+            <c:chart xmlns:c="http://schemas.openxmlformats.org/drawingml/2006/chart" xmlns:r="http://schemas.openxmlformats.org/officeDocument/2006/relationships" r:id="rId3"/>
+          </a:graphicData>
+        </a:graphic>
+      </p:graphicFrame>
+    </p:spTree>
+    <p:extLst>
+      <p:ext uri="{BB962C8B-B14F-4D97-AF65-F5344CB8AC3E}">
+        <p14:creationId xmlns:p14="http://schemas.microsoft.com/office/powerpoint/2010/main" val="3121012198"/>
+      </p:ext>
+    </p:extLst>
+  </p:cSld>
+  <p:clrMapOvr>
+    <a:masterClrMapping/>
+  </p:clrMapOvr>
+</p:sld>
+</file>
+
 <file path=ppt/theme/theme1.xml><?xml version="1.0" encoding="utf-8"?>
 <a:theme xmlns:a="http://schemas.openxmlformats.org/drawingml/2006/main" name="Office">
   <a:themeElements>
